--- a/Mon PROJET APPLICATION WEB.pptx
+++ b/Mon PROJET APPLICATION WEB.pptx
@@ -5,7 +5,7 @@
     <p:sldMasterId id="2147483796" r:id="rId4"/>
   </p:sldMasterIdLst>
   <p:notesMasterIdLst>
-    <p:notesMasterId r:id="rId27"/>
+    <p:notesMasterId r:id="rId28"/>
   </p:notesMasterIdLst>
   <p:sldIdLst>
     <p:sldId id="256" r:id="rId5"/>
@@ -27,9 +27,10 @@
     <p:sldId id="270" r:id="rId21"/>
     <p:sldId id="271" r:id="rId22"/>
     <p:sldId id="272" r:id="rId23"/>
-    <p:sldId id="273" r:id="rId24"/>
-    <p:sldId id="274" r:id="rId25"/>
-    <p:sldId id="275" r:id="rId26"/>
+    <p:sldId id="279" r:id="rId24"/>
+    <p:sldId id="273" r:id="rId25"/>
+    <p:sldId id="274" r:id="rId26"/>
+    <p:sldId id="275" r:id="rId27"/>
   </p:sldIdLst>
   <p:sldSz cx="12192000" cy="6858000"/>
   <p:notesSz cx="6858000" cy="9144000"/>
@@ -171,20 +172,6 @@
 </p:cmLst>
 </file>
 
-<file path=ppt/comments/comment2.xml><?xml version="1.0" encoding="utf-8"?>
-<p:cmLst xmlns:a="http://schemas.openxmlformats.org/drawingml/2006/main" xmlns:r="http://schemas.openxmlformats.org/officeDocument/2006/relationships" xmlns:p="http://schemas.openxmlformats.org/presentationml/2006/main">
-  <p:cm authorId="1" dt="2021-08-23T13:36:38.933" idx="4">
-    <p:pos x="10" y="10"/>
-    <p:text/>
-    <p:extLst>
-      <p:ext uri="{C676402C-5697-4E1C-873F-D02D1690AC5C}">
-        <p15:threadingInfo xmlns:p15="http://schemas.microsoft.com/office/powerpoint/2012/main" timeZoneBias="-120"/>
-      </p:ext>
-    </p:extLst>
-  </p:cm>
-</p:cmLst>
-</file>
-
 <file path=ppt/notesMasters/notesMaster1.xml><?xml version="1.0" encoding="utf-8"?>
 <p:notesMaster xmlns:a="http://schemas.openxmlformats.org/drawingml/2006/main" xmlns:r="http://schemas.openxmlformats.org/officeDocument/2006/relationships" xmlns:p="http://schemas.openxmlformats.org/presentationml/2006/main">
   <p:cSld>
@@ -267,7 +254,7 @@
           <a:p>
             <a:fld id="{7B78FE12-365B-47BF-B278-3F5FA3B3C7BE}" type="datetimeFigureOut">
               <a:rPr lang="de-DE" smtClean="0"/>
-              <a:t>26.08.2021</a:t>
+              <a:t>02.09.2021</a:t>
             </a:fld>
             <a:endParaRPr lang="de-DE"/>
           </a:p>
@@ -683,220 +670,38 @@
           <a:lstStyle/>
           <a:p>
             <a:r>
-              <a:rPr lang="fr-FR" sz="1200" b="1" dirty="0">
-                <a:effectLst/>
-                <a:latin typeface="Times New Roman" panose="02020603050405020304" pitchFamily="18" charset="0"/>
-                <a:ea typeface="Times New Roman" panose="02020603050405020304" pitchFamily="18" charset="0"/>
-              </a:rPr>
-              <a:t>Modèle-vue-contrôleur</a:t>
-            </a:r>
-            <a:r>
-              <a:rPr lang="fr-FR" sz="1200" dirty="0">
-                <a:effectLst/>
-                <a:latin typeface="Times New Roman" panose="02020603050405020304" pitchFamily="18" charset="0"/>
-                <a:ea typeface="Times New Roman" panose="02020603050405020304" pitchFamily="18" charset="0"/>
-              </a:rPr>
-              <a:t> ou </a:t>
-            </a:r>
-            <a:r>
-              <a:rPr lang="fr-FR" sz="1200" b="1" dirty="0">
-                <a:effectLst/>
-                <a:latin typeface="Times New Roman" panose="02020603050405020304" pitchFamily="18" charset="0"/>
-                <a:ea typeface="Times New Roman" panose="02020603050405020304" pitchFamily="18" charset="0"/>
-              </a:rPr>
-              <a:t>MVC</a:t>
-            </a:r>
-            <a:r>
-              <a:rPr lang="fr-FR" sz="1200" dirty="0">
-                <a:effectLst/>
-                <a:latin typeface="Times New Roman" panose="02020603050405020304" pitchFamily="18" charset="0"/>
-                <a:ea typeface="Times New Roman" panose="02020603050405020304" pitchFamily="18" charset="0"/>
-              </a:rPr>
-              <a:t> est un motif d'architecture logicielle destiné aux interfaces graphiques lancé en 1978 et très populaire pour les applications web. Le motif est composé de trois types de modules ayant trois responsabilités différentes : les modèles, les vues et les contrôleurs. </a:t>
-            </a:r>
-            <a:endParaRPr lang="de-DE" sz="1200" dirty="0">
-              <a:effectLst/>
-              <a:latin typeface="Times New Roman" panose="02020603050405020304" pitchFamily="18" charset="0"/>
-              <a:ea typeface="Times New Roman" panose="02020603050405020304" pitchFamily="18" charset="0"/>
-            </a:endParaRPr>
-          </a:p>
-          <a:p>
-            <a:pPr marL="342900" marR="213995" lvl="0" indent="-342900" algn="l">
-              <a:lnSpc>
-                <a:spcPct val="110000"/>
-              </a:lnSpc>
-              <a:spcAft>
-                <a:spcPts val="1190"/>
-              </a:spcAft>
-              <a:buSzPts val="1000"/>
-              <a:buFont typeface="Symbol" panose="05050102010706020507" pitchFamily="18" charset="2"/>
-              <a:buChar char=""/>
-              <a:tabLst>
-                <a:tab pos="457200" algn="l"/>
-              </a:tabLst>
-            </a:pPr>
-            <a:r>
-              <a:rPr lang="fr-FR" sz="1200" dirty="0">
-                <a:solidFill>
-                  <a:srgbClr val="000000"/>
-                </a:solidFill>
-                <a:effectLst/>
-                <a:latin typeface="Calibri" panose="020F0502020204030204" pitchFamily="34" charset="0"/>
-                <a:ea typeface="Calibri" panose="020F0502020204030204" pitchFamily="34" charset="0"/>
-              </a:rPr>
-              <a:t>Un modèle (Model) contient les données à afficher.</a:t>
-            </a:r>
-            <a:endParaRPr lang="de-DE" sz="1200" dirty="0">
-              <a:solidFill>
-                <a:srgbClr val="000000"/>
-              </a:solidFill>
-              <a:effectLst/>
-              <a:latin typeface="Calibri" panose="020F0502020204030204" pitchFamily="34" charset="0"/>
-              <a:ea typeface="Calibri" panose="020F0502020204030204" pitchFamily="34" charset="0"/>
-            </a:endParaRPr>
-          </a:p>
-          <a:p>
-            <a:pPr marL="342900" marR="213995" lvl="0" indent="-342900" algn="l">
-              <a:lnSpc>
-                <a:spcPct val="110000"/>
-              </a:lnSpc>
-              <a:spcAft>
-                <a:spcPts val="1190"/>
-              </a:spcAft>
-              <a:buSzPts val="1000"/>
-              <a:buFont typeface="Symbol" panose="05050102010706020507" pitchFamily="18" charset="2"/>
-              <a:buChar char=""/>
-              <a:tabLst>
-                <a:tab pos="457200" algn="l"/>
-              </a:tabLst>
-            </a:pPr>
-            <a:r>
-              <a:rPr lang="fr-FR" sz="1200" dirty="0">
-                <a:solidFill>
-                  <a:srgbClr val="000000"/>
-                </a:solidFill>
-                <a:effectLst/>
-                <a:latin typeface="Calibri" panose="020F0502020204030204" pitchFamily="34" charset="0"/>
-                <a:ea typeface="Calibri" panose="020F0502020204030204" pitchFamily="34" charset="0"/>
-              </a:rPr>
-              <a:t>Une vue (</a:t>
-            </a:r>
-            <a:r>
-              <a:rPr lang="fr-FR" sz="1200" dirty="0" err="1">
-                <a:solidFill>
-                  <a:srgbClr val="000000"/>
-                </a:solidFill>
-                <a:effectLst/>
-                <a:latin typeface="Calibri" panose="020F0502020204030204" pitchFamily="34" charset="0"/>
-                <a:ea typeface="Calibri" panose="020F0502020204030204" pitchFamily="34" charset="0"/>
-              </a:rPr>
-              <a:t>View</a:t>
-            </a:r>
-            <a:r>
-              <a:rPr lang="fr-FR" sz="1200" dirty="0">
-                <a:solidFill>
-                  <a:srgbClr val="000000"/>
-                </a:solidFill>
-                <a:effectLst/>
-                <a:latin typeface="Calibri" panose="020F0502020204030204" pitchFamily="34" charset="0"/>
-                <a:ea typeface="Calibri" panose="020F0502020204030204" pitchFamily="34" charset="0"/>
-              </a:rPr>
-              <a:t>) contient la présentation de l'interface graphique.</a:t>
-            </a:r>
-            <a:endParaRPr lang="de-DE" sz="1200" dirty="0">
-              <a:solidFill>
-                <a:srgbClr val="000000"/>
-              </a:solidFill>
-              <a:effectLst/>
-              <a:latin typeface="Calibri" panose="020F0502020204030204" pitchFamily="34" charset="0"/>
-              <a:ea typeface="Calibri" panose="020F0502020204030204" pitchFamily="34" charset="0"/>
-            </a:endParaRPr>
-          </a:p>
-          <a:p>
-            <a:pPr marL="342900" marR="213995" lvl="0" indent="-342900" algn="l">
-              <a:lnSpc>
-                <a:spcPct val="110000"/>
-              </a:lnSpc>
-              <a:spcAft>
-                <a:spcPts val="1190"/>
-              </a:spcAft>
-              <a:buSzPts val="1000"/>
-              <a:buFont typeface="Symbol" panose="05050102010706020507" pitchFamily="18" charset="2"/>
-              <a:buChar char=""/>
-              <a:tabLst>
-                <a:tab pos="457200" algn="l"/>
-              </a:tabLst>
-            </a:pPr>
-            <a:r>
-              <a:rPr lang="fr-FR" sz="1200" dirty="0">
-                <a:solidFill>
-                  <a:srgbClr val="000000"/>
-                </a:solidFill>
-                <a:effectLst/>
-                <a:latin typeface="Calibri" panose="020F0502020204030204" pitchFamily="34" charset="0"/>
-                <a:ea typeface="Calibri" panose="020F0502020204030204" pitchFamily="34" charset="0"/>
-              </a:rPr>
-              <a:t>Un contrôleur (</a:t>
-            </a:r>
-            <a:r>
-              <a:rPr lang="de-DE" sz="1200" dirty="0">
-                <a:solidFill>
-                  <a:srgbClr val="000000"/>
-                </a:solidFill>
-                <a:effectLst/>
-                <a:latin typeface="Calibri" panose="020F0502020204030204" pitchFamily="34" charset="0"/>
-                <a:ea typeface="Calibri" panose="020F0502020204030204" pitchFamily="34" charset="0"/>
-              </a:rPr>
-              <a:t>Controller</a:t>
-            </a:r>
-            <a:r>
-              <a:rPr lang="fr-FR" sz="1200" dirty="0">
-                <a:solidFill>
-                  <a:srgbClr val="000000"/>
-                </a:solidFill>
-                <a:effectLst/>
-                <a:latin typeface="Calibri" panose="020F0502020204030204" pitchFamily="34" charset="0"/>
-                <a:ea typeface="Calibri" panose="020F0502020204030204" pitchFamily="34" charset="0"/>
-              </a:rPr>
-              <a:t>) contient la logique concernant les actions effectuées par l'utilisateur.</a:t>
-            </a:r>
-            <a:endParaRPr lang="de-DE" sz="1200" dirty="0">
-              <a:solidFill>
-                <a:srgbClr val="000000"/>
-              </a:solidFill>
-              <a:effectLst/>
-              <a:latin typeface="Calibri" panose="020F0502020204030204" pitchFamily="34" charset="0"/>
-              <a:ea typeface="Calibri" panose="020F0502020204030204" pitchFamily="34" charset="0"/>
-            </a:endParaRPr>
-          </a:p>
-          <a:p>
-            <a:pPr marL="457200" marR="213995" indent="-6350" algn="just">
-              <a:lnSpc>
-                <a:spcPct val="110000"/>
-              </a:lnSpc>
-              <a:spcAft>
-                <a:spcPts val="1190"/>
-              </a:spcAft>
-            </a:pPr>
-            <a:r>
-              <a:rPr lang="fr-FR" sz="1200" dirty="0">
-                <a:solidFill>
-                  <a:srgbClr val="000000"/>
-                </a:solidFill>
-                <a:effectLst/>
-                <a:latin typeface="Calibri" panose="020F0502020204030204" pitchFamily="34" charset="0"/>
-                <a:ea typeface="Calibri" panose="020F0502020204030204" pitchFamily="34" charset="0"/>
-              </a:rPr>
-              <a:t>En utilisant des fonctions de classe, Chaque action des Controller d’une table ou (plusieurs tables) avait un Controller avec des index de chaque un.</a:t>
-            </a:r>
-            <a:endParaRPr lang="de-DE" sz="1200" dirty="0">
-              <a:solidFill>
-                <a:srgbClr val="000000"/>
-              </a:solidFill>
-              <a:effectLst/>
-              <a:latin typeface="Calibri" panose="020F0502020204030204" pitchFamily="34" charset="0"/>
-              <a:ea typeface="Calibri" panose="020F0502020204030204" pitchFamily="34" charset="0"/>
-            </a:endParaRPr>
+              <a:rPr lang="de-DE" dirty="0"/>
+              <a:t>Systeme de </a:t>
+            </a:r>
+            <a:r>
+              <a:rPr lang="de-DE" dirty="0" err="1"/>
+              <a:t>gesion</a:t>
+            </a:r>
+            <a:r>
+              <a:rPr lang="de-DE" dirty="0"/>
+              <a:t> de </a:t>
+            </a:r>
+            <a:r>
+              <a:rPr lang="de-DE" dirty="0" err="1"/>
+              <a:t>base</a:t>
+            </a:r>
+            <a:r>
+              <a:rPr lang="de-DE" dirty="0"/>
+              <a:t> des </a:t>
+            </a:r>
+            <a:r>
+              <a:rPr lang="de-DE" dirty="0" err="1"/>
+              <a:t>donnes</a:t>
+            </a:r>
+            <a:r>
+              <a:rPr lang="de-DE" dirty="0"/>
+              <a:t> -&gt; </a:t>
+            </a:r>
+            <a:r>
+              <a:rPr lang="de-DE" dirty="0" err="1"/>
+              <a:t>sql</a:t>
+            </a:r>
+            <a:endParaRPr lang="de-DE" dirty="0"/>
           </a:p>
           <a:p>
             <a:endParaRPr lang="de-DE" dirty="0"/>
@@ -920,7 +725,7 @@
           <a:p>
             <a:fld id="{67332928-C008-4D13-9D0C-52AD70E1A822}" type="slidenum">
               <a:rPr lang="de-DE" smtClean="0"/>
-              <a:t>9</a:t>
+              <a:t>4</a:t>
             </a:fld>
             <a:endParaRPr lang="de-DE"/>
           </a:p>
@@ -929,7 +734,7 @@
     </p:spTree>
     <p:extLst>
       <p:ext uri="{BB962C8B-B14F-4D97-AF65-F5344CB8AC3E}">
-        <p14:creationId xmlns:p14="http://schemas.microsoft.com/office/powerpoint/2010/main" val="2732239819"/>
+        <p14:creationId xmlns:p14="http://schemas.microsoft.com/office/powerpoint/2010/main" val="1876880000"/>
       </p:ext>
     </p:extLst>
   </p:cSld>
@@ -984,125 +789,36 @@
           <a:lstStyle/>
           <a:p>
             <a:r>
-              <a:rPr lang="fr-FR" sz="1800" dirty="0">
-                <a:effectLst/>
-                <a:latin typeface="Segoe UI" panose="020B0502040204020203" pitchFamily="34" charset="0"/>
-              </a:rPr>
-              <a:t>•	De  Ligne 60 au 62 : on ajoute le nouveau Marque en manipulation de doctrine alors </a:t>
-            </a:r>
-            <a:r>
-              <a:rPr lang="fr-FR" sz="1800" dirty="0" err="1">
-                <a:effectLst/>
-                <a:latin typeface="Segoe UI" panose="020B0502040204020203" pitchFamily="34" charset="0"/>
-              </a:rPr>
-              <a:t>getDoctrine</a:t>
-            </a:r>
-            <a:r>
-              <a:rPr lang="fr-FR" sz="1800" dirty="0">
-                <a:effectLst/>
-                <a:latin typeface="Segoe UI" panose="020B0502040204020203" pitchFamily="34" charset="0"/>
-              </a:rPr>
-              <a:t>() un fonction qui permet faire un </a:t>
-            </a:r>
-            <a:r>
-              <a:rPr lang="fr-FR" sz="1800" dirty="0" err="1">
-                <a:effectLst/>
-                <a:latin typeface="Segoe UI" panose="020B0502040204020203" pitchFamily="34" charset="0"/>
-              </a:rPr>
-              <a:t>shortcuts</a:t>
-            </a:r>
-            <a:r>
-              <a:rPr lang="fr-FR" sz="1800" dirty="0">
-                <a:effectLst/>
-                <a:latin typeface="Segoe UI" panose="020B0502040204020203" pitchFamily="34" charset="0"/>
-              </a:rPr>
-              <a:t> (chemin </a:t>
-            </a:r>
-            <a:r>
-              <a:rPr lang="fr-FR" sz="1800" dirty="0" err="1">
-                <a:effectLst/>
-                <a:latin typeface="Segoe UI" panose="020B0502040204020203" pitchFamily="34" charset="0"/>
-              </a:rPr>
-              <a:t>d’access</a:t>
-            </a:r>
-            <a:r>
-              <a:rPr lang="fr-FR" sz="1800" dirty="0">
-                <a:effectLst/>
-                <a:latin typeface="Segoe UI" panose="020B0502040204020203" pitchFamily="34" charset="0"/>
-              </a:rPr>
-              <a:t> court) au service de régénération doctrine et </a:t>
-            </a:r>
-            <a:r>
-              <a:rPr lang="fr-FR" sz="1800" dirty="0" err="1">
-                <a:effectLst/>
-                <a:latin typeface="Segoe UI" panose="020B0502040204020203" pitchFamily="34" charset="0"/>
-              </a:rPr>
-              <a:t>getManager</a:t>
-            </a:r>
-            <a:r>
-              <a:rPr lang="fr-FR" sz="1800" dirty="0">
-                <a:effectLst/>
-                <a:latin typeface="Segoe UI" panose="020B0502040204020203" pitchFamily="34" charset="0"/>
-              </a:rPr>
-              <a:t>() permet de prends un doctrine</a:t>
-            </a:r>
-            <a:endParaRPr lang="fr-FR" sz="1800" dirty="0">
+              <a:rPr lang="fr-FR" sz="1200" b="1" dirty="0">
+                <a:solidFill>
+                  <a:schemeClr val="tx1"/>
+                </a:solidFill>
+                <a:effectLst/>
+                <a:latin typeface="Times New Roman" panose="02020603050405020304" pitchFamily="18" charset="0"/>
+                <a:ea typeface="Times New Roman" panose="02020603050405020304" pitchFamily="18" charset="0"/>
+              </a:rPr>
+              <a:t>Modèle-vue-contrôleur ou MVC est un motif d'architecture logicielle destiné aux interfaces graphiques lancé en 1978 et très populaire pour les applications web.</a:t>
+            </a:r>
+          </a:p>
+          <a:p>
+            <a:r>
+              <a:rPr lang="fr-FR" sz="1200" b="1" dirty="0">
+                <a:solidFill>
+                  <a:schemeClr val="tx1"/>
+                </a:solidFill>
+                <a:effectLst/>
+                <a:latin typeface="Times New Roman" panose="02020603050405020304" pitchFamily="18" charset="0"/>
+                <a:ea typeface="Times New Roman" panose="02020603050405020304" pitchFamily="18" charset="0"/>
+              </a:rPr>
+              <a:t> Le motif est composé de trois types de modules ayant trois responsabilités différentes : les modèles, les vues et les contrôleurs. </a:t>
+            </a:r>
+            <a:endParaRPr lang="de-DE" sz="1200" b="1" dirty="0">
+              <a:solidFill>
+                <a:schemeClr val="tx1"/>
+              </a:solidFill>
               <a:effectLst/>
-              <a:latin typeface="Arial" panose="020B0604020202020204" pitchFamily="34" charset="0"/>
-            </a:endParaRPr>
-          </a:p>
-          <a:p>
-            <a:r>
-              <a:rPr lang="fr-FR" sz="1800" dirty="0">
-                <a:effectLst/>
-                <a:latin typeface="Segoe UI" panose="020B0502040204020203" pitchFamily="34" charset="0"/>
-              </a:rPr>
-              <a:t>Et après </a:t>
-            </a:r>
-            <a:r>
-              <a:rPr lang="fr-FR" sz="1800" dirty="0" err="1">
-                <a:effectLst/>
-                <a:latin typeface="Segoe UI" panose="020B0502040204020203" pitchFamily="34" charset="0"/>
-              </a:rPr>
-              <a:t>persist</a:t>
-            </a:r>
-            <a:r>
-              <a:rPr lang="fr-FR" sz="1800" dirty="0">
-                <a:effectLst/>
-                <a:latin typeface="Segoe UI" panose="020B0502040204020203" pitchFamily="34" charset="0"/>
-              </a:rPr>
-              <a:t> permet crée un objet </a:t>
-            </a:r>
-            <a:endParaRPr lang="fr-FR" sz="1800" dirty="0">
-              <a:effectLst/>
-              <a:latin typeface="Arial" panose="020B0604020202020204" pitchFamily="34" charset="0"/>
-            </a:endParaRPr>
-          </a:p>
-          <a:p>
-            <a:r>
-              <a:rPr lang="fr-FR" sz="1800" dirty="0">
-                <a:effectLst/>
-                <a:latin typeface="Segoe UI" panose="020B0502040204020203" pitchFamily="34" charset="0"/>
-              </a:rPr>
-              <a:t>Depuis </a:t>
-            </a:r>
-            <a:r>
-              <a:rPr lang="fr-FR" sz="1800" dirty="0" err="1">
-                <a:effectLst/>
-                <a:latin typeface="Segoe UI" panose="020B0502040204020203" pitchFamily="34" charset="0"/>
-              </a:rPr>
-              <a:t>fluch</a:t>
-            </a:r>
-            <a:r>
-              <a:rPr lang="fr-FR" sz="1800" dirty="0">
-                <a:effectLst/>
-                <a:latin typeface="Segoe UI" panose="020B0502040204020203" pitchFamily="34" charset="0"/>
-              </a:rPr>
-              <a:t> permet envoie l’objet en base de donnes.</a:t>
-            </a:r>
-            <a:endParaRPr lang="fr-FR" sz="1800" dirty="0">
-              <a:effectLst/>
-              <a:latin typeface="Arial" panose="020B0604020202020204" pitchFamily="34" charset="0"/>
+              <a:latin typeface="Times New Roman" panose="02020603050405020304" pitchFamily="18" charset="0"/>
+              <a:ea typeface="Times New Roman" panose="02020603050405020304" pitchFamily="18" charset="0"/>
             </a:endParaRPr>
           </a:p>
           <a:p>
@@ -1127,7 +843,7 @@
           <a:p>
             <a:fld id="{67332928-C008-4D13-9D0C-52AD70E1A822}" type="slidenum">
               <a:rPr lang="de-DE" smtClean="0"/>
-              <a:t>12</a:t>
+              <a:t>9</a:t>
             </a:fld>
             <a:endParaRPr lang="de-DE"/>
           </a:p>
@@ -1136,7 +852,7 @@
     </p:spTree>
     <p:extLst>
       <p:ext uri="{BB962C8B-B14F-4D97-AF65-F5344CB8AC3E}">
-        <p14:creationId xmlns:p14="http://schemas.microsoft.com/office/powerpoint/2010/main" val="558859408"/>
+        <p14:creationId xmlns:p14="http://schemas.microsoft.com/office/powerpoint/2010/main" val="2732239819"/>
       </p:ext>
     </p:extLst>
   </p:cSld>
@@ -1190,6 +906,174 @@
           <a:bodyPr/>
           <a:lstStyle/>
           <a:p>
+            <a:r>
+              <a:rPr lang="fr-FR" sz="1800" dirty="0">
+                <a:effectLst/>
+                <a:latin typeface="Segoe UI" panose="020B0502040204020203" pitchFamily="34" charset="0"/>
+              </a:rPr>
+              <a:t>•De  Ligne 60 au 62 : on ajoute le nouveau Marque en manipulation de doctrine alors </a:t>
+            </a:r>
+            <a:r>
+              <a:rPr lang="fr-FR" sz="1800" dirty="0" err="1">
+                <a:effectLst/>
+                <a:latin typeface="Segoe UI" panose="020B0502040204020203" pitchFamily="34" charset="0"/>
+              </a:rPr>
+              <a:t>getDoctrine</a:t>
+            </a:r>
+            <a:r>
+              <a:rPr lang="fr-FR" sz="1800" dirty="0">
+                <a:effectLst/>
+                <a:latin typeface="Segoe UI" panose="020B0502040204020203" pitchFamily="34" charset="0"/>
+              </a:rPr>
+              <a:t>() un fonction qui permet faire un </a:t>
+            </a:r>
+            <a:r>
+              <a:rPr lang="fr-FR" sz="1800" dirty="0" err="1">
+                <a:effectLst/>
+                <a:latin typeface="Segoe UI" panose="020B0502040204020203" pitchFamily="34" charset="0"/>
+              </a:rPr>
+              <a:t>shortcuts</a:t>
+            </a:r>
+            <a:r>
+              <a:rPr lang="fr-FR" sz="1800" dirty="0">
+                <a:effectLst/>
+                <a:latin typeface="Segoe UI" panose="020B0502040204020203" pitchFamily="34" charset="0"/>
+              </a:rPr>
+              <a:t> (chemin </a:t>
+            </a:r>
+            <a:r>
+              <a:rPr lang="fr-FR" sz="1800" dirty="0" err="1">
+                <a:effectLst/>
+                <a:latin typeface="Segoe UI" panose="020B0502040204020203" pitchFamily="34" charset="0"/>
+              </a:rPr>
+              <a:t>d’access</a:t>
+            </a:r>
+            <a:r>
+              <a:rPr lang="fr-FR" sz="1800" dirty="0">
+                <a:effectLst/>
+                <a:latin typeface="Segoe UI" panose="020B0502040204020203" pitchFamily="34" charset="0"/>
+              </a:rPr>
+              <a:t> court) au service de régénération doctrine et </a:t>
+            </a:r>
+            <a:r>
+              <a:rPr lang="fr-FR" sz="1800" dirty="0" err="1">
+                <a:effectLst/>
+                <a:latin typeface="Segoe UI" panose="020B0502040204020203" pitchFamily="34" charset="0"/>
+              </a:rPr>
+              <a:t>getManager</a:t>
+            </a:r>
+            <a:r>
+              <a:rPr lang="fr-FR" sz="1800" dirty="0">
+                <a:effectLst/>
+                <a:latin typeface="Segoe UI" panose="020B0502040204020203" pitchFamily="34" charset="0"/>
+              </a:rPr>
+              <a:t>() permet de prends un doctrine</a:t>
+            </a:r>
+            <a:endParaRPr lang="fr-FR" sz="1800" dirty="0">
+              <a:effectLst/>
+              <a:latin typeface="Arial" panose="020B0604020202020204" pitchFamily="34" charset="0"/>
+            </a:endParaRPr>
+          </a:p>
+          <a:p>
+            <a:r>
+              <a:rPr lang="fr-FR" sz="1800" dirty="0">
+                <a:effectLst/>
+                <a:latin typeface="Segoe UI" panose="020B0502040204020203" pitchFamily="34" charset="0"/>
+              </a:rPr>
+              <a:t>Et après </a:t>
+            </a:r>
+            <a:r>
+              <a:rPr lang="fr-FR" sz="1800" dirty="0" err="1">
+                <a:effectLst/>
+                <a:latin typeface="Segoe UI" panose="020B0502040204020203" pitchFamily="34" charset="0"/>
+              </a:rPr>
+              <a:t>persist</a:t>
+            </a:r>
+            <a:r>
+              <a:rPr lang="fr-FR" sz="1800" dirty="0">
+                <a:effectLst/>
+                <a:latin typeface="Segoe UI" panose="020B0502040204020203" pitchFamily="34" charset="0"/>
+              </a:rPr>
+              <a:t> permet crée un objet </a:t>
+            </a:r>
+            <a:endParaRPr lang="fr-FR" sz="1800" dirty="0">
+              <a:effectLst/>
+              <a:latin typeface="Arial" panose="020B0604020202020204" pitchFamily="34" charset="0"/>
+            </a:endParaRPr>
+          </a:p>
+          <a:p>
+            <a:r>
+              <a:rPr lang="fr-FR" sz="1800" dirty="0">
+                <a:effectLst/>
+                <a:latin typeface="Segoe UI" panose="020B0502040204020203" pitchFamily="34" charset="0"/>
+              </a:rPr>
+              <a:t>Depuis </a:t>
+            </a:r>
+            <a:r>
+              <a:rPr lang="fr-FR" sz="1800" dirty="0" err="1">
+                <a:effectLst/>
+                <a:latin typeface="Segoe UI" panose="020B0502040204020203" pitchFamily="34" charset="0"/>
+              </a:rPr>
+              <a:t>fluch</a:t>
+            </a:r>
+            <a:r>
+              <a:rPr lang="fr-FR" sz="1800" dirty="0">
+                <a:effectLst/>
+                <a:latin typeface="Segoe UI" panose="020B0502040204020203" pitchFamily="34" charset="0"/>
+              </a:rPr>
+              <a:t> permet envoie l’objet en base de donnes.</a:t>
+            </a:r>
+          </a:p>
+          <a:p>
+            <a:endParaRPr lang="fr-FR" sz="1800" dirty="0">
+              <a:effectLst/>
+              <a:latin typeface="Segoe UI" panose="020B0502040204020203" pitchFamily="34" charset="0"/>
+            </a:endParaRPr>
+          </a:p>
+          <a:p>
+            <a:r>
+              <a:rPr lang="fr-FR" sz="1800" dirty="0">
+                <a:effectLst/>
+                <a:latin typeface="Segoe UI" panose="020B0502040204020203" pitchFamily="34" charset="0"/>
+              </a:rPr>
+              <a:t>Parler de SQL : </a:t>
+            </a:r>
+            <a:r>
+              <a:rPr lang="fr-FR" sz="1800" dirty="0" err="1">
+                <a:effectLst/>
+                <a:latin typeface="Segoe UI" panose="020B0502040204020203" pitchFamily="34" charset="0"/>
+              </a:rPr>
+              <a:t>find</a:t>
+            </a:r>
+            <a:r>
+              <a:rPr lang="fr-FR" sz="1800" dirty="0">
+                <a:effectLst/>
+                <a:latin typeface="Segoe UI" panose="020B0502040204020203" pitchFamily="34" charset="0"/>
+              </a:rPr>
+              <a:t> all </a:t>
+            </a:r>
+          </a:p>
+          <a:p>
+            <a:r>
+              <a:rPr lang="fr-FR" sz="1800" dirty="0" err="1">
+                <a:effectLst/>
+                <a:latin typeface="Segoe UI" panose="020B0502040204020203" pitchFamily="34" charset="0"/>
+              </a:rPr>
+              <a:t>Find</a:t>
+            </a:r>
+            <a:r>
+              <a:rPr lang="fr-FR" sz="1800" dirty="0">
+                <a:effectLst/>
+                <a:latin typeface="Segoe UI" panose="020B0502040204020203" pitchFamily="34" charset="0"/>
+              </a:rPr>
+              <a:t> by</a:t>
+            </a:r>
+            <a:endParaRPr lang="fr-FR" sz="1800" dirty="0">
+              <a:effectLst/>
+              <a:latin typeface="Arial" panose="020B0604020202020204" pitchFamily="34" charset="0"/>
+            </a:endParaRPr>
+          </a:p>
+          <a:p>
             <a:endParaRPr lang="de-DE" dirty="0"/>
           </a:p>
         </p:txBody>
@@ -1211,7 +1095,7 @@
           <a:p>
             <a:fld id="{67332928-C008-4D13-9D0C-52AD70E1A822}" type="slidenum">
               <a:rPr lang="de-DE" smtClean="0"/>
-              <a:t>14</a:t>
+              <a:t>12</a:t>
             </a:fld>
             <a:endParaRPr lang="de-DE"/>
           </a:p>
@@ -1220,7 +1104,7 @@
     </p:spTree>
     <p:extLst>
       <p:ext uri="{BB962C8B-B14F-4D97-AF65-F5344CB8AC3E}">
-        <p14:creationId xmlns:p14="http://schemas.microsoft.com/office/powerpoint/2010/main" val="4015263338"/>
+        <p14:creationId xmlns:p14="http://schemas.microsoft.com/office/powerpoint/2010/main" val="558859408"/>
       </p:ext>
     </p:extLst>
   </p:cSld>
@@ -1274,6 +1158,41 @@
           <a:bodyPr/>
           <a:lstStyle/>
           <a:p>
+            <a:r>
+              <a:rPr lang="de-DE" dirty="0"/>
+              <a:t>Find </a:t>
+            </a:r>
+            <a:r>
+              <a:rPr lang="de-DE" dirty="0" err="1"/>
+              <a:t>id</a:t>
+            </a:r>
+            <a:r>
+              <a:rPr lang="de-DE" dirty="0"/>
+              <a:t> : </a:t>
+            </a:r>
+            <a:r>
+              <a:rPr lang="de-DE" dirty="0" err="1"/>
+              <a:t>cest</a:t>
+            </a:r>
+            <a:r>
+              <a:rPr lang="de-DE" dirty="0"/>
+              <a:t> le modele par </a:t>
+            </a:r>
+            <a:r>
+              <a:rPr lang="de-DE" dirty="0" err="1"/>
+              <a:t>id</a:t>
+            </a:r>
+            <a:r>
+              <a:rPr lang="de-DE" dirty="0"/>
+              <a:t> de </a:t>
+            </a:r>
+            <a:r>
+              <a:rPr lang="de-DE" dirty="0" err="1"/>
+              <a:t>avis_show</a:t>
+            </a:r>
+            <a:endParaRPr lang="de-DE" dirty="0"/>
+          </a:p>
+          <a:p>
             <a:endParaRPr lang="de-DE" dirty="0"/>
           </a:p>
         </p:txBody>
@@ -1295,7 +1214,7 @@
           <a:p>
             <a:fld id="{67332928-C008-4D13-9D0C-52AD70E1A822}" type="slidenum">
               <a:rPr lang="de-DE" smtClean="0"/>
-              <a:t>15</a:t>
+              <a:t>13</a:t>
             </a:fld>
             <a:endParaRPr lang="de-DE"/>
           </a:p>
@@ -1304,7 +1223,7 @@
     </p:spTree>
     <p:extLst>
       <p:ext uri="{BB962C8B-B14F-4D97-AF65-F5344CB8AC3E}">
-        <p14:creationId xmlns:p14="http://schemas.microsoft.com/office/powerpoint/2010/main" val="1829366666"/>
+        <p14:creationId xmlns:p14="http://schemas.microsoft.com/office/powerpoint/2010/main" val="1868203076"/>
       </p:ext>
     </p:extLst>
   </p:cSld>
@@ -1379,6 +1298,174 @@
           <a:p>
             <a:fld id="{67332928-C008-4D13-9D0C-52AD70E1A822}" type="slidenum">
               <a:rPr lang="de-DE" smtClean="0"/>
+              <a:t>14</a:t>
+            </a:fld>
+            <a:endParaRPr lang="de-DE"/>
+          </a:p>
+        </p:txBody>
+      </p:sp>
+    </p:spTree>
+    <p:extLst>
+      <p:ext uri="{BB962C8B-B14F-4D97-AF65-F5344CB8AC3E}">
+        <p14:creationId xmlns:p14="http://schemas.microsoft.com/office/powerpoint/2010/main" val="4015263338"/>
+      </p:ext>
+    </p:extLst>
+  </p:cSld>
+  <p:clrMapOvr>
+    <a:masterClrMapping/>
+  </p:clrMapOvr>
+</p:notes>
+</file>
+
+<file path=ppt/notesSlides/notesSlide7.xml><?xml version="1.0" encoding="utf-8"?>
+<p:notes xmlns:a="http://schemas.openxmlformats.org/drawingml/2006/main" xmlns:r="http://schemas.openxmlformats.org/officeDocument/2006/relationships" xmlns:p="http://schemas.openxmlformats.org/presentationml/2006/main">
+  <p:cSld>
+    <p:spTree>
+      <p:nvGrpSpPr>
+        <p:cNvPr id="1" name=""/>
+        <p:cNvGrpSpPr/>
+        <p:nvPr/>
+      </p:nvGrpSpPr>
+      <p:grpSpPr>
+        <a:xfrm>
+          <a:off x="0" y="0"/>
+          <a:ext cx="0" cy="0"/>
+          <a:chOff x="0" y="0"/>
+          <a:chExt cx="0" cy="0"/>
+        </a:xfrm>
+      </p:grpSpPr>
+      <p:sp>
+        <p:nvSpPr>
+          <p:cNvPr id="2" name="Espace réservé de l'image des diapositives 1"/>
+          <p:cNvSpPr>
+            <a:spLocks noGrp="1" noRot="1" noChangeAspect="1"/>
+          </p:cNvSpPr>
+          <p:nvPr>
+            <p:ph type="sldImg"/>
+          </p:nvPr>
+        </p:nvSpPr>
+        <p:spPr/>
+      </p:sp>
+      <p:sp>
+        <p:nvSpPr>
+          <p:cNvPr id="3" name="Espace réservé des notes 2"/>
+          <p:cNvSpPr>
+            <a:spLocks noGrp="1"/>
+          </p:cNvSpPr>
+          <p:nvPr>
+            <p:ph type="body" idx="1"/>
+          </p:nvPr>
+        </p:nvSpPr>
+        <p:spPr/>
+        <p:txBody>
+          <a:bodyPr/>
+          <a:lstStyle/>
+          <a:p>
+            <a:endParaRPr lang="de-DE" dirty="0"/>
+          </a:p>
+        </p:txBody>
+      </p:sp>
+      <p:sp>
+        <p:nvSpPr>
+          <p:cNvPr id="4" name="Espace réservé du numéro de diapositive 3"/>
+          <p:cNvSpPr>
+            <a:spLocks noGrp="1"/>
+          </p:cNvSpPr>
+          <p:nvPr>
+            <p:ph type="sldNum" sz="quarter" idx="5"/>
+          </p:nvPr>
+        </p:nvSpPr>
+        <p:spPr/>
+        <p:txBody>
+          <a:bodyPr/>
+          <a:lstStyle/>
+          <a:p>
+            <a:fld id="{67332928-C008-4D13-9D0C-52AD70E1A822}" type="slidenum">
+              <a:rPr lang="de-DE" smtClean="0"/>
+              <a:t>15</a:t>
+            </a:fld>
+            <a:endParaRPr lang="de-DE"/>
+          </a:p>
+        </p:txBody>
+      </p:sp>
+    </p:spTree>
+    <p:extLst>
+      <p:ext uri="{BB962C8B-B14F-4D97-AF65-F5344CB8AC3E}">
+        <p14:creationId xmlns:p14="http://schemas.microsoft.com/office/powerpoint/2010/main" val="1829366666"/>
+      </p:ext>
+    </p:extLst>
+  </p:cSld>
+  <p:clrMapOvr>
+    <a:masterClrMapping/>
+  </p:clrMapOvr>
+</p:notes>
+</file>
+
+<file path=ppt/notesSlides/notesSlide8.xml><?xml version="1.0" encoding="utf-8"?>
+<p:notes xmlns:a="http://schemas.openxmlformats.org/drawingml/2006/main" xmlns:r="http://schemas.openxmlformats.org/officeDocument/2006/relationships" xmlns:p="http://schemas.openxmlformats.org/presentationml/2006/main">
+  <p:cSld>
+    <p:spTree>
+      <p:nvGrpSpPr>
+        <p:cNvPr id="1" name=""/>
+        <p:cNvGrpSpPr/>
+        <p:nvPr/>
+      </p:nvGrpSpPr>
+      <p:grpSpPr>
+        <a:xfrm>
+          <a:off x="0" y="0"/>
+          <a:ext cx="0" cy="0"/>
+          <a:chOff x="0" y="0"/>
+          <a:chExt cx="0" cy="0"/>
+        </a:xfrm>
+      </p:grpSpPr>
+      <p:sp>
+        <p:nvSpPr>
+          <p:cNvPr id="2" name="Espace réservé de l'image des diapositives 1"/>
+          <p:cNvSpPr>
+            <a:spLocks noGrp="1" noRot="1" noChangeAspect="1"/>
+          </p:cNvSpPr>
+          <p:nvPr>
+            <p:ph type="sldImg"/>
+          </p:nvPr>
+        </p:nvSpPr>
+        <p:spPr/>
+      </p:sp>
+      <p:sp>
+        <p:nvSpPr>
+          <p:cNvPr id="3" name="Espace réservé des notes 2"/>
+          <p:cNvSpPr>
+            <a:spLocks noGrp="1"/>
+          </p:cNvSpPr>
+          <p:nvPr>
+            <p:ph type="body" idx="1"/>
+          </p:nvPr>
+        </p:nvSpPr>
+        <p:spPr/>
+        <p:txBody>
+          <a:bodyPr/>
+          <a:lstStyle/>
+          <a:p>
+            <a:endParaRPr lang="de-DE" dirty="0"/>
+          </a:p>
+        </p:txBody>
+      </p:sp>
+      <p:sp>
+        <p:nvSpPr>
+          <p:cNvPr id="4" name="Espace réservé du numéro de diapositive 3"/>
+          <p:cNvSpPr>
+            <a:spLocks noGrp="1"/>
+          </p:cNvSpPr>
+          <p:nvPr>
+            <p:ph type="sldNum" sz="quarter" idx="5"/>
+          </p:nvPr>
+        </p:nvSpPr>
+        <p:spPr/>
+        <p:txBody>
+          <a:bodyPr/>
+          <a:lstStyle/>
+          <a:p>
+            <a:fld id="{67332928-C008-4D13-9D0C-52AD70E1A822}" type="slidenum">
+              <a:rPr lang="de-DE" smtClean="0"/>
               <a:t>16</a:t>
             </a:fld>
             <a:endParaRPr lang="de-DE"/>
@@ -1389,6 +1476,90 @@
     <p:extLst>
       <p:ext uri="{BB962C8B-B14F-4D97-AF65-F5344CB8AC3E}">
         <p14:creationId xmlns:p14="http://schemas.microsoft.com/office/powerpoint/2010/main" val="149827438"/>
+      </p:ext>
+    </p:extLst>
+  </p:cSld>
+  <p:clrMapOvr>
+    <a:masterClrMapping/>
+  </p:clrMapOvr>
+</p:notes>
+</file>
+
+<file path=ppt/notesSlides/notesSlide9.xml><?xml version="1.0" encoding="utf-8"?>
+<p:notes xmlns:a="http://schemas.openxmlformats.org/drawingml/2006/main" xmlns:r="http://schemas.openxmlformats.org/officeDocument/2006/relationships" xmlns:p="http://schemas.openxmlformats.org/presentationml/2006/main">
+  <p:cSld>
+    <p:spTree>
+      <p:nvGrpSpPr>
+        <p:cNvPr id="1" name=""/>
+        <p:cNvGrpSpPr/>
+        <p:nvPr/>
+      </p:nvGrpSpPr>
+      <p:grpSpPr>
+        <a:xfrm>
+          <a:off x="0" y="0"/>
+          <a:ext cx="0" cy="0"/>
+          <a:chOff x="0" y="0"/>
+          <a:chExt cx="0" cy="0"/>
+        </a:xfrm>
+      </p:grpSpPr>
+      <p:sp>
+        <p:nvSpPr>
+          <p:cNvPr id="2" name="Espace réservé de l'image des diapositives 1"/>
+          <p:cNvSpPr>
+            <a:spLocks noGrp="1" noRot="1" noChangeAspect="1"/>
+          </p:cNvSpPr>
+          <p:nvPr>
+            <p:ph type="sldImg"/>
+          </p:nvPr>
+        </p:nvSpPr>
+        <p:spPr/>
+      </p:sp>
+      <p:sp>
+        <p:nvSpPr>
+          <p:cNvPr id="3" name="Espace réservé des notes 2"/>
+          <p:cNvSpPr>
+            <a:spLocks noGrp="1"/>
+          </p:cNvSpPr>
+          <p:nvPr>
+            <p:ph type="body" idx="1"/>
+          </p:nvPr>
+        </p:nvSpPr>
+        <p:spPr/>
+        <p:txBody>
+          <a:bodyPr/>
+          <a:lstStyle/>
+          <a:p>
+            <a:endParaRPr lang="de-DE" dirty="0"/>
+          </a:p>
+        </p:txBody>
+      </p:sp>
+      <p:sp>
+        <p:nvSpPr>
+          <p:cNvPr id="4" name="Espace réservé du numéro de diapositive 3"/>
+          <p:cNvSpPr>
+            <a:spLocks noGrp="1"/>
+          </p:cNvSpPr>
+          <p:nvPr>
+            <p:ph type="sldNum" sz="quarter" idx="5"/>
+          </p:nvPr>
+        </p:nvSpPr>
+        <p:spPr/>
+        <p:txBody>
+          <a:bodyPr/>
+          <a:lstStyle/>
+          <a:p>
+            <a:fld id="{67332928-C008-4D13-9D0C-52AD70E1A822}" type="slidenum">
+              <a:rPr lang="de-DE" smtClean="0"/>
+              <a:t>19</a:t>
+            </a:fld>
+            <a:endParaRPr lang="de-DE"/>
+          </a:p>
+        </p:txBody>
+      </p:sp>
+    </p:spTree>
+    <p:extLst>
+      <p:ext uri="{BB962C8B-B14F-4D97-AF65-F5344CB8AC3E}">
+        <p14:creationId xmlns:p14="http://schemas.microsoft.com/office/powerpoint/2010/main" val="4072503728"/>
       </p:ext>
     </p:extLst>
   </p:cSld>
@@ -1801,7 +1972,7 @@
           <a:p>
             <a:fld id="{48A87A34-81AB-432B-8DAE-1953F412C126}" type="datetimeFigureOut">
               <a:rPr lang="en-US" smtClean="0"/>
-              <a:t>8/26/2021</a:t>
+              <a:t>9/2/2021</a:t>
             </a:fld>
             <a:endParaRPr lang="en-US" dirty="0"/>
           </a:p>
@@ -1981,7 +2152,7 @@
             <a:fld id="{48A87A34-81AB-432B-8DAE-1953F412C126}" type="datetimeFigureOut">
               <a:rPr lang="en-US" smtClean="0"/>
               <a:pPr/>
-              <a:t>8/26/2021</a:t>
+              <a:t>9/2/2021</a:t>
             </a:fld>
             <a:endParaRPr lang="en-US" dirty="0"/>
           </a:p>
@@ -2163,7 +2334,7 @@
             <a:fld id="{48A87A34-81AB-432B-8DAE-1953F412C126}" type="datetimeFigureOut">
               <a:rPr lang="en-US" smtClean="0"/>
               <a:pPr/>
-              <a:t>8/26/2021</a:t>
+              <a:t>9/2/2021</a:t>
             </a:fld>
             <a:endParaRPr lang="en-US" dirty="0"/>
           </a:p>
@@ -2339,7 +2510,7 @@
           <a:p>
             <a:fld id="{48A87A34-81AB-432B-8DAE-1953F412C126}" type="datetimeFigureOut">
               <a:rPr lang="en-US" dirty="0"/>
-              <a:t>8/26/2021</a:t>
+              <a:t>9/2/2021</a:t>
             </a:fld>
             <a:endParaRPr lang="en-US" dirty="0"/>
           </a:p>
@@ -2510,7 +2681,7 @@
             <a:fld id="{48A87A34-81AB-432B-8DAE-1953F412C126}" type="datetimeFigureOut">
               <a:rPr lang="en-US" smtClean="0"/>
               <a:pPr/>
-              <a:t>8/26/2021</a:t>
+              <a:t>9/2/2021</a:t>
             </a:fld>
             <a:endParaRPr lang="en-US" dirty="0"/>
           </a:p>
@@ -2824,7 +2995,7 @@
           <a:p>
             <a:fld id="{48A87A34-81AB-432B-8DAE-1953F412C126}" type="datetimeFigureOut">
               <a:rPr lang="en-US" smtClean="0"/>
-              <a:t>8/26/2021</a:t>
+              <a:t>9/2/2021</a:t>
             </a:fld>
             <a:endParaRPr lang="en-US" dirty="0"/>
           </a:p>
@@ -3211,7 +3382,7 @@
             <a:fld id="{48A87A34-81AB-432B-8DAE-1953F412C126}" type="datetimeFigureOut">
               <a:rPr lang="en-US" smtClean="0"/>
               <a:pPr/>
-              <a:t>8/26/2021</a:t>
+              <a:t>9/2/2021</a:t>
             </a:fld>
             <a:endParaRPr lang="en-US" dirty="0"/>
           </a:p>
@@ -3647,7 +3818,7 @@
             <a:fld id="{48A87A34-81AB-432B-8DAE-1953F412C126}" type="datetimeFigureOut">
               <a:rPr lang="en-US" smtClean="0"/>
               <a:pPr/>
-              <a:t>8/26/2021</a:t>
+              <a:t>9/2/2021</a:t>
             </a:fld>
             <a:endParaRPr lang="en-US" dirty="0"/>
           </a:p>
@@ -3766,7 +3937,7 @@
           <a:p>
             <a:fld id="{48A87A34-81AB-432B-8DAE-1953F412C126}" type="datetimeFigureOut">
               <a:rPr lang="en-US" smtClean="0"/>
-              <a:t>8/26/2021</a:t>
+              <a:t>9/2/2021</a:t>
             </a:fld>
             <a:endParaRPr lang="en-US" dirty="0"/>
           </a:p>
@@ -3861,7 +4032,7 @@
           <a:p>
             <a:fld id="{48A87A34-81AB-432B-8DAE-1953F412C126}" type="datetimeFigureOut">
               <a:rPr lang="en-US" smtClean="0"/>
-              <a:t>8/26/2021</a:t>
+              <a:t>9/2/2021</a:t>
             </a:fld>
             <a:endParaRPr lang="en-US" dirty="0"/>
           </a:p>
@@ -4212,7 +4383,7 @@
             <a:fld id="{48A87A34-81AB-432B-8DAE-1953F412C126}" type="datetimeFigureOut">
               <a:rPr lang="en-US" smtClean="0"/>
               <a:pPr/>
-              <a:t>8/26/2021</a:t>
+              <a:t>9/2/2021</a:t>
             </a:fld>
             <a:endParaRPr lang="en-US" dirty="0"/>
           </a:p>
@@ -4638,7 +4809,7 @@
           <a:p>
             <a:fld id="{48A87A34-81AB-432B-8DAE-1953F412C126}" type="datetimeFigureOut">
               <a:rPr lang="en-US" smtClean="0"/>
-              <a:t>8/26/2021</a:t>
+              <a:t>9/2/2021</a:t>
             </a:fld>
             <a:endParaRPr lang="en-US" dirty="0"/>
           </a:p>
@@ -4920,7 +5091,7 @@
             <a:fld id="{48A87A34-81AB-432B-8DAE-1953F412C126}" type="datetimeFigureOut">
               <a:rPr lang="en-US" smtClean="0"/>
               <a:pPr/>
-              <a:t>8/26/2021</a:t>
+              <a:t>9/2/2021</a:t>
             </a:fld>
             <a:endParaRPr lang="en-US" dirty="0"/>
           </a:p>
@@ -7434,7 +7605,7 @@
         </p:nvSpPr>
         <p:spPr>
           <a:xfrm>
-            <a:off x="699532" y="2200905"/>
+            <a:off x="699532" y="2252823"/>
             <a:ext cx="6097772" cy="369332"/>
           </a:xfrm>
           <a:prstGeom prst="rect">
@@ -7516,101 +7687,8 @@
         </p:blipFill>
         <p:spPr>
           <a:xfrm>
-            <a:off x="763771" y="2630138"/>
+            <a:off x="766681" y="2769731"/>
             <a:ext cx="4953635" cy="953034"/>
-          </a:xfrm>
-          <a:prstGeom prst="rect">
-            <a:avLst/>
-          </a:prstGeom>
-        </p:spPr>
-      </p:pic>
-      <p:sp>
-        <p:nvSpPr>
-          <p:cNvPr id="11" name="ZoneTexte 10">
-            <a:extLst>
-              <a:ext uri="{FF2B5EF4-FFF2-40B4-BE49-F238E27FC236}">
-                <a16:creationId xmlns:a16="http://schemas.microsoft.com/office/drawing/2014/main" id="{E2022555-4F99-4FD4-A55D-9E67349D87D6}"/>
-              </a:ext>
-            </a:extLst>
-          </p:cNvPr>
-          <p:cNvSpPr txBox="1"/>
-          <p:nvPr/>
-        </p:nvSpPr>
-        <p:spPr>
-          <a:xfrm>
-            <a:off x="699532" y="3722765"/>
-            <a:ext cx="6097772" cy="369332"/>
-          </a:xfrm>
-          <a:prstGeom prst="rect">
-            <a:avLst/>
-          </a:prstGeom>
-          <a:noFill/>
-        </p:spPr>
-        <p:txBody>
-          <a:bodyPr wrap="square">
-            <a:spAutoFit/>
-          </a:bodyPr>
-          <a:lstStyle/>
-          <a:p>
-            <a:r>
-              <a:rPr lang="fr-FR" sz="1800" b="1" dirty="0">
-                <a:solidFill>
-                  <a:srgbClr val="000000"/>
-                </a:solidFill>
-                <a:effectLst/>
-                <a:latin typeface="Calibri" panose="020F0502020204030204" pitchFamily="34" charset="0"/>
-                <a:ea typeface="Calibri" panose="020F0502020204030204" pitchFamily="34" charset="0"/>
-              </a:rPr>
-              <a:t>Dans class Avis il y a </a:t>
-            </a:r>
-            <a:r>
-              <a:rPr lang="fr-FR" sz="1800" b="1" dirty="0" err="1">
-                <a:solidFill>
-                  <a:srgbClr val="000000"/>
-                </a:solidFill>
-                <a:effectLst/>
-                <a:latin typeface="Calibri" panose="020F0502020204030204" pitchFamily="34" charset="0"/>
-                <a:ea typeface="Calibri" panose="020F0502020204030204" pitchFamily="34" charset="0"/>
-              </a:rPr>
-              <a:t>ManyToOne</a:t>
-            </a:r>
-            <a:r>
-              <a:rPr lang="fr-FR" sz="1800" b="1" dirty="0">
-                <a:solidFill>
-                  <a:srgbClr val="000000"/>
-                </a:solidFill>
-                <a:effectLst/>
-                <a:latin typeface="Calibri" panose="020F0502020204030204" pitchFamily="34" charset="0"/>
-                <a:ea typeface="Calibri" panose="020F0502020204030204" pitchFamily="34" charset="0"/>
-              </a:rPr>
-              <a:t> $voiture</a:t>
-            </a:r>
-            <a:endParaRPr lang="de-DE" dirty="0"/>
-          </a:p>
-        </p:txBody>
-      </p:sp>
-      <p:pic>
-        <p:nvPicPr>
-          <p:cNvPr id="12" name="Image 11">
-            <a:extLst>
-              <a:ext uri="{FF2B5EF4-FFF2-40B4-BE49-F238E27FC236}">
-                <a16:creationId xmlns:a16="http://schemas.microsoft.com/office/drawing/2014/main" id="{9EFD3D56-0FCF-4442-B7DB-7942D687F85D}"/>
-              </a:ext>
-            </a:extLst>
-          </p:cNvPr>
-          <p:cNvPicPr/>
-          <p:nvPr/>
-        </p:nvPicPr>
-        <p:blipFill>
-          <a:blip r:embed="rId4"/>
-          <a:stretch>
-            <a:fillRect/>
-          </a:stretch>
-        </p:blipFill>
-        <p:spPr>
-          <a:xfrm>
-            <a:off x="763771" y="4145150"/>
-            <a:ext cx="5201285" cy="841520"/>
           </a:xfrm>
           <a:prstGeom prst="rect">
             <a:avLst/>
@@ -7631,7 +7709,7 @@
         </p:nvSpPr>
         <p:spPr>
           <a:xfrm>
-            <a:off x="635294" y="5059959"/>
+            <a:off x="635294" y="4003089"/>
             <a:ext cx="6097772" cy="369332"/>
           </a:xfrm>
           <a:prstGeom prst="rect">
@@ -7706,14 +7784,14 @@
           <p:nvPr/>
         </p:nvPicPr>
         <p:blipFill>
-          <a:blip r:embed="rId5"/>
+          <a:blip r:embed="rId4"/>
           <a:stretch>
             <a:fillRect/>
           </a:stretch>
         </p:blipFill>
         <p:spPr>
           <a:xfrm>
-            <a:off x="699532" y="5502579"/>
+            <a:off x="699532" y="4626968"/>
             <a:ext cx="5687060" cy="894573"/>
           </a:xfrm>
           <a:prstGeom prst="rect">
@@ -7977,7 +8055,7 @@
                                           </p:stCondLst>
                                         </p:cTn>
                                         <p:tgtEl>
-                                          <p:spTgt spid="11"/>
+                                          <p:spTgt spid="14"/>
                                         </p:tgtEl>
                                         <p:attrNameLst>
                                           <p:attrName>style.visibility</p:attrName>
@@ -7991,7 +8069,7 @@
                                       <p:cBhvr>
                                         <p:cTn id="27" dur="500"/>
                                         <p:tgtEl>
-                                          <p:spTgt spid="11"/>
+                                          <p:spTgt spid="14"/>
                                         </p:tgtEl>
                                       </p:cBhvr>
                                     </p:animEffect>
@@ -8030,7 +8108,7 @@
                                           </p:stCondLst>
                                         </p:cTn>
                                         <p:tgtEl>
-                                          <p:spTgt spid="12"/>
+                                          <p:spTgt spid="15"/>
                                         </p:tgtEl>
                                         <p:attrNameLst>
                                           <p:attrName>style.visibility</p:attrName>
@@ -8043,112 +8121,6 @@
                                     <p:animEffect transition="in" filter="fade">
                                       <p:cBhvr>
                                         <p:cTn id="32" dur="500"/>
-                                        <p:tgtEl>
-                                          <p:spTgt spid="12"/>
-                                        </p:tgtEl>
-                                      </p:cBhvr>
-                                    </p:animEffect>
-                                  </p:childTnLst>
-                                </p:cTn>
-                              </p:par>
-                            </p:childTnLst>
-                          </p:cTn>
-                        </p:par>
-                      </p:childTnLst>
-                    </p:cTn>
-                  </p:par>
-                  <p:par>
-                    <p:cTn id="33" fill="hold">
-                      <p:stCondLst>
-                        <p:cond delay="indefinite"/>
-                      </p:stCondLst>
-                      <p:childTnLst>
-                        <p:par>
-                          <p:cTn id="34" fill="hold">
-                            <p:stCondLst>
-                              <p:cond delay="0"/>
-                            </p:stCondLst>
-                            <p:childTnLst>
-                              <p:par>
-                                <p:cTn id="35" presetID="10" presetClass="entr" presetSubtype="0" fill="hold" grpId="0" nodeType="clickEffect">
-                                  <p:stCondLst>
-                                    <p:cond delay="0"/>
-                                  </p:stCondLst>
-                                  <p:childTnLst>
-                                    <p:set>
-                                      <p:cBhvr>
-                                        <p:cTn id="36" dur="1" fill="hold">
-                                          <p:stCondLst>
-                                            <p:cond delay="0"/>
-                                          </p:stCondLst>
-                                        </p:cTn>
-                                        <p:tgtEl>
-                                          <p:spTgt spid="14"/>
-                                        </p:tgtEl>
-                                        <p:attrNameLst>
-                                          <p:attrName>style.visibility</p:attrName>
-                                        </p:attrNameLst>
-                                      </p:cBhvr>
-                                      <p:to>
-                                        <p:strVal val="visible"/>
-                                      </p:to>
-                                    </p:set>
-                                    <p:animEffect transition="in" filter="fade">
-                                      <p:cBhvr>
-                                        <p:cTn id="37" dur="500"/>
-                                        <p:tgtEl>
-                                          <p:spTgt spid="14"/>
-                                        </p:tgtEl>
-                                      </p:cBhvr>
-                                    </p:animEffect>
-                                  </p:childTnLst>
-                                </p:cTn>
-                              </p:par>
-                            </p:childTnLst>
-                          </p:cTn>
-                        </p:par>
-                      </p:childTnLst>
-                    </p:cTn>
-                  </p:par>
-                  <p:par>
-                    <p:cTn id="38" fill="hold">
-                      <p:stCondLst>
-                        <p:cond delay="indefinite"/>
-                      </p:stCondLst>
-                      <p:childTnLst>
-                        <p:par>
-                          <p:cTn id="39" fill="hold">
-                            <p:stCondLst>
-                              <p:cond delay="0"/>
-                            </p:stCondLst>
-                            <p:childTnLst>
-                              <p:par>
-                                <p:cTn id="40" presetID="10" presetClass="entr" presetSubtype="0" fill="hold" nodeType="clickEffect">
-                                  <p:stCondLst>
-                                    <p:cond delay="0"/>
-                                  </p:stCondLst>
-                                  <p:childTnLst>
-                                    <p:set>
-                                      <p:cBhvr>
-                                        <p:cTn id="41" dur="1" fill="hold">
-                                          <p:stCondLst>
-                                            <p:cond delay="0"/>
-                                          </p:stCondLst>
-                                        </p:cTn>
-                                        <p:tgtEl>
-                                          <p:spTgt spid="15"/>
-                                        </p:tgtEl>
-                                        <p:attrNameLst>
-                                          <p:attrName>style.visibility</p:attrName>
-                                        </p:attrNameLst>
-                                      </p:cBhvr>
-                                      <p:to>
-                                        <p:strVal val="visible"/>
-                                      </p:to>
-                                    </p:set>
-                                    <p:animEffect transition="in" filter="fade">
-                                      <p:cBhvr>
-                                        <p:cTn id="42" dur="500"/>
                                         <p:tgtEl>
                                           <p:spTgt spid="15"/>
                                         </p:tgtEl>
@@ -8187,7 +8159,6 @@
     <p:bldLst>
       <p:bldP spid="5" grpId="0"/>
       <p:bldP spid="8" grpId="0"/>
-      <p:bldP spid="11" grpId="0"/>
       <p:bldP spid="14" grpId="0"/>
     </p:bldLst>
   </p:timing>
@@ -8260,10 +8231,10 @@
       </p:sp>
       <p:pic>
         <p:nvPicPr>
-          <p:cNvPr id="5" name="Image 4" descr="Une image contenant texte&#10;&#10;Description générée automatiquement">
+          <p:cNvPr id="8" name="Image 7" descr="Une image contenant texte&#10;&#10;Description générée automatiquement">
             <a:extLst>
               <a:ext uri="{FF2B5EF4-FFF2-40B4-BE49-F238E27FC236}">
-                <a16:creationId xmlns:a16="http://schemas.microsoft.com/office/drawing/2014/main" id="{539BCEE9-EFAD-4003-AEC1-2BE8BF2C031B}"/>
+                <a16:creationId xmlns:a16="http://schemas.microsoft.com/office/drawing/2014/main" id="{A65E0E64-93B2-4A26-BC53-7B2485711190}"/>
               </a:ext>
             </a:extLst>
           </p:cNvPr>
@@ -8280,38 +8251,8 @@
         </p:blipFill>
         <p:spPr>
           <a:xfrm>
-            <a:off x="315521" y="768702"/>
-            <a:ext cx="5943598" cy="6040398"/>
-          </a:xfrm>
-          <a:prstGeom prst="rect">
-            <a:avLst/>
-          </a:prstGeom>
-        </p:spPr>
-      </p:pic>
-      <p:pic>
-        <p:nvPicPr>
-          <p:cNvPr id="8" name="Image 7" descr="Une image contenant texte&#10;&#10;Description générée automatiquement">
-            <a:extLst>
-              <a:ext uri="{FF2B5EF4-FFF2-40B4-BE49-F238E27FC236}">
-                <a16:creationId xmlns:a16="http://schemas.microsoft.com/office/drawing/2014/main" id="{A65E0E64-93B2-4A26-BC53-7B2485711190}"/>
-              </a:ext>
-            </a:extLst>
-          </p:cNvPr>
-          <p:cNvPicPr>
-            <a:picLocks noChangeAspect="1"/>
-          </p:cNvPicPr>
-          <p:nvPr/>
-        </p:nvPicPr>
-        <p:blipFill>
-          <a:blip r:embed="rId4"/>
-          <a:stretch>
-            <a:fillRect/>
-          </a:stretch>
-        </p:blipFill>
-        <p:spPr>
-          <a:xfrm>
-            <a:off x="6259119" y="904733"/>
-            <a:ext cx="5823098" cy="5904367"/>
+            <a:off x="1924185" y="729498"/>
+            <a:ext cx="7287547" cy="5904367"/>
           </a:xfrm>
           <a:prstGeom prst="rect">
             <a:avLst/>
@@ -8362,7 +8303,7 @@
                                           </p:stCondLst>
                                         </p:cTn>
                                         <p:tgtEl>
-                                          <p:spTgt spid="5"/>
+                                          <p:spTgt spid="8"/>
                                         </p:tgtEl>
                                         <p:attrNameLst>
                                           <p:attrName>style.visibility</p:attrName>
@@ -8376,7 +8317,7 @@
                                       <p:cBhvr>
                                         <p:cTn id="7" dur="1000"/>
                                         <p:tgtEl>
-                                          <p:spTgt spid="5"/>
+                                          <p:spTgt spid="8"/>
                                         </p:tgtEl>
                                       </p:cBhvr>
                                     </p:animEffect>
@@ -8384,7 +8325,7 @@
                                       <p:cBhvr>
                                         <p:cTn id="8" dur="1000" fill="hold"/>
                                         <p:tgtEl>
-                                          <p:spTgt spid="5"/>
+                                          <p:spTgt spid="8"/>
                                         </p:tgtEl>
                                         <p:attrNameLst>
                                           <p:attrName>ppt_x</p:attrName>
@@ -8406,105 +8347,6 @@
                                     <p:anim calcmode="lin" valueType="num">
                                       <p:cBhvr>
                                         <p:cTn id="9" dur="1000" fill="hold"/>
-                                        <p:tgtEl>
-                                          <p:spTgt spid="5"/>
-                                        </p:tgtEl>
-                                        <p:attrNameLst>
-                                          <p:attrName>ppt_y</p:attrName>
-                                        </p:attrNameLst>
-                                      </p:cBhvr>
-                                      <p:tavLst>
-                                        <p:tav tm="0">
-                                          <p:val>
-                                            <p:strVal val="#ppt_y+.1"/>
-                                          </p:val>
-                                        </p:tav>
-                                        <p:tav tm="100000">
-                                          <p:val>
-                                            <p:strVal val="#ppt_y"/>
-                                          </p:val>
-                                        </p:tav>
-                                      </p:tavLst>
-                                    </p:anim>
-                                  </p:childTnLst>
-                                </p:cTn>
-                              </p:par>
-                            </p:childTnLst>
-                          </p:cTn>
-                        </p:par>
-                      </p:childTnLst>
-                    </p:cTn>
-                  </p:par>
-                  <p:par>
-                    <p:cTn id="10" fill="hold">
-                      <p:stCondLst>
-                        <p:cond delay="indefinite"/>
-                      </p:stCondLst>
-                      <p:childTnLst>
-                        <p:par>
-                          <p:cTn id="11" fill="hold">
-                            <p:stCondLst>
-                              <p:cond delay="0"/>
-                            </p:stCondLst>
-                            <p:childTnLst>
-                              <p:par>
-                                <p:cTn id="12" presetID="42" presetClass="entr" presetSubtype="0" fill="hold" nodeType="clickEffect">
-                                  <p:stCondLst>
-                                    <p:cond delay="0"/>
-                                  </p:stCondLst>
-                                  <p:childTnLst>
-                                    <p:set>
-                                      <p:cBhvr>
-                                        <p:cTn id="13" dur="1" fill="hold">
-                                          <p:stCondLst>
-                                            <p:cond delay="0"/>
-                                          </p:stCondLst>
-                                        </p:cTn>
-                                        <p:tgtEl>
-                                          <p:spTgt spid="8"/>
-                                        </p:tgtEl>
-                                        <p:attrNameLst>
-                                          <p:attrName>style.visibility</p:attrName>
-                                        </p:attrNameLst>
-                                      </p:cBhvr>
-                                      <p:to>
-                                        <p:strVal val="visible"/>
-                                      </p:to>
-                                    </p:set>
-                                    <p:animEffect transition="in" filter="fade">
-                                      <p:cBhvr>
-                                        <p:cTn id="14" dur="1000"/>
-                                        <p:tgtEl>
-                                          <p:spTgt spid="8"/>
-                                        </p:tgtEl>
-                                      </p:cBhvr>
-                                    </p:animEffect>
-                                    <p:anim calcmode="lin" valueType="num">
-                                      <p:cBhvr>
-                                        <p:cTn id="15" dur="1000" fill="hold"/>
-                                        <p:tgtEl>
-                                          <p:spTgt spid="8"/>
-                                        </p:tgtEl>
-                                        <p:attrNameLst>
-                                          <p:attrName>ppt_x</p:attrName>
-                                        </p:attrNameLst>
-                                      </p:cBhvr>
-                                      <p:tavLst>
-                                        <p:tav tm="0">
-                                          <p:val>
-                                            <p:strVal val="#ppt_x"/>
-                                          </p:val>
-                                        </p:tav>
-                                        <p:tav tm="100000">
-                                          <p:val>
-                                            <p:strVal val="#ppt_x"/>
-                                          </p:val>
-                                        </p:tav>
-                                      </p:tavLst>
-                                    </p:anim>
-                                    <p:anim calcmode="lin" valueType="num">
-                                      <p:cBhvr>
-                                        <p:cTn id="16" dur="1000" fill="hold"/>
                                         <p:tgtEl>
                                           <p:spTgt spid="8"/>
                                         </p:tgtEl>
@@ -8591,7 +8433,7 @@
           <p:nvPr/>
         </p:nvPicPr>
         <p:blipFill>
-          <a:blip r:embed="rId2"/>
+          <a:blip r:embed="rId3"/>
           <a:stretch>
             <a:fillRect/>
           </a:stretch>
@@ -8894,14 +8736,118 @@
         </p:blipFill>
         <p:spPr>
           <a:xfrm>
-            <a:off x="694266" y="1003648"/>
-            <a:ext cx="11177567" cy="5193951"/>
+            <a:off x="694266" y="1778000"/>
+            <a:ext cx="11177567" cy="4419599"/>
           </a:xfrm>
           <a:prstGeom prst="rect">
             <a:avLst/>
           </a:prstGeom>
         </p:spPr>
       </p:pic>
+      <p:sp>
+        <p:nvSpPr>
+          <p:cNvPr id="4" name="ZoneTexte 3">
+            <a:extLst>
+              <a:ext uri="{FF2B5EF4-FFF2-40B4-BE49-F238E27FC236}">
+                <a16:creationId xmlns:a16="http://schemas.microsoft.com/office/drawing/2014/main" id="{48A4211E-16A7-49CB-92DB-A37694C257F4}"/>
+              </a:ext>
+            </a:extLst>
+          </p:cNvPr>
+          <p:cNvSpPr txBox="1"/>
+          <p:nvPr/>
+        </p:nvSpPr>
+        <p:spPr>
+          <a:xfrm>
+            <a:off x="975359" y="1137677"/>
+            <a:ext cx="8234690" cy="369332"/>
+          </a:xfrm>
+          <a:prstGeom prst="rect">
+            <a:avLst/>
+          </a:prstGeom>
+          <a:noFill/>
+        </p:spPr>
+        <p:txBody>
+          <a:bodyPr wrap="none" rtlCol="0">
+            <a:spAutoFit/>
+          </a:bodyPr>
+          <a:lstStyle/>
+          <a:p>
+            <a:r>
+              <a:rPr lang="de-DE" dirty="0" err="1"/>
+              <a:t>Chaque</a:t>
+            </a:r>
+            <a:r>
+              <a:rPr lang="de-DE" dirty="0"/>
+              <a:t> </a:t>
+            </a:r>
+            <a:r>
+              <a:rPr lang="de-DE" dirty="0" err="1"/>
+              <a:t>index</a:t>
+            </a:r>
+            <a:r>
+              <a:rPr lang="de-DE" dirty="0"/>
+              <a:t> </a:t>
+            </a:r>
+            <a:r>
+              <a:rPr lang="de-DE" dirty="0" err="1"/>
+              <a:t>ou</a:t>
+            </a:r>
+            <a:r>
+              <a:rPr lang="de-DE" dirty="0"/>
+              <a:t> </a:t>
+            </a:r>
+            <a:r>
+              <a:rPr lang="de-DE" dirty="0" err="1"/>
+              <a:t>template</a:t>
+            </a:r>
+            <a:r>
+              <a:rPr lang="de-DE" dirty="0"/>
+              <a:t> c</a:t>
+            </a:r>
+            <a:r>
+              <a:rPr lang="fr-FR" dirty="0"/>
+              <a:t>’</a:t>
+            </a:r>
+            <a:r>
+              <a:rPr lang="de-DE" dirty="0" err="1"/>
+              <a:t>est</a:t>
+            </a:r>
+            <a:r>
+              <a:rPr lang="de-DE" dirty="0"/>
+              <a:t> en </a:t>
+            </a:r>
+            <a:r>
+              <a:rPr lang="de-DE" dirty="0" err="1"/>
+              <a:t>extands</a:t>
+            </a:r>
+            <a:r>
+              <a:rPr lang="de-DE" dirty="0"/>
+              <a:t> de la </a:t>
+            </a:r>
+            <a:r>
+              <a:rPr lang="de-DE" dirty="0" err="1"/>
+              <a:t>page</a:t>
+            </a:r>
+            <a:r>
+              <a:rPr lang="de-DE" dirty="0"/>
+              <a:t> </a:t>
+            </a:r>
+            <a:r>
+              <a:rPr lang="de-DE" dirty="0" err="1"/>
+              <a:t>parant</a:t>
+            </a:r>
+            <a:r>
+              <a:rPr lang="de-DE" dirty="0"/>
+              <a:t> </a:t>
+            </a:r>
+            <a:r>
+              <a:rPr lang="de-DE" dirty="0" err="1"/>
+              <a:t>base.html.twig</a:t>
+            </a:r>
+            <a:endParaRPr lang="de-DE" dirty="0"/>
+          </a:p>
+        </p:txBody>
+      </p:sp>
     </p:spTree>
     <p:extLst>
       <p:ext uri="{BB962C8B-B14F-4D97-AF65-F5344CB8AC3E}">
@@ -8912,6 +8858,191 @@
   <p:clrMapOvr>
     <a:masterClrMapping/>
   </p:clrMapOvr>
+  <p:timing>
+    <p:tnLst>
+      <p:par>
+        <p:cTn id="1" dur="indefinite" restart="never" nodeType="tmRoot">
+          <p:childTnLst>
+            <p:seq concurrent="1" nextAc="seek">
+              <p:cTn id="2" dur="indefinite" nodeType="mainSeq">
+                <p:childTnLst>
+                  <p:par>
+                    <p:cTn id="3" fill="hold">
+                      <p:stCondLst>
+                        <p:cond delay="indefinite"/>
+                      </p:stCondLst>
+                      <p:childTnLst>
+                        <p:par>
+                          <p:cTn id="4" fill="hold">
+                            <p:stCondLst>
+                              <p:cond delay="0"/>
+                            </p:stCondLst>
+                            <p:childTnLst>
+                              <p:par>
+                                <p:cTn id="5" presetID="10" presetClass="entr" presetSubtype="0" fill="hold" grpId="0" nodeType="clickEffect">
+                                  <p:stCondLst>
+                                    <p:cond delay="0"/>
+                                  </p:stCondLst>
+                                  <p:childTnLst>
+                                    <p:set>
+                                      <p:cBhvr>
+                                        <p:cTn id="6" dur="1" fill="hold">
+                                          <p:stCondLst>
+                                            <p:cond delay="0"/>
+                                          </p:stCondLst>
+                                        </p:cTn>
+                                        <p:tgtEl>
+                                          <p:spTgt spid="4"/>
+                                        </p:tgtEl>
+                                        <p:attrNameLst>
+                                          <p:attrName>style.visibility</p:attrName>
+                                        </p:attrNameLst>
+                                      </p:cBhvr>
+                                      <p:to>
+                                        <p:strVal val="visible"/>
+                                      </p:to>
+                                    </p:set>
+                                    <p:animEffect transition="in" filter="fade">
+                                      <p:cBhvr>
+                                        <p:cTn id="7" dur="500"/>
+                                        <p:tgtEl>
+                                          <p:spTgt spid="4"/>
+                                        </p:tgtEl>
+                                      </p:cBhvr>
+                                    </p:animEffect>
+                                  </p:childTnLst>
+                                </p:cTn>
+                              </p:par>
+                            </p:childTnLst>
+                          </p:cTn>
+                        </p:par>
+                      </p:childTnLst>
+                    </p:cTn>
+                  </p:par>
+                  <p:par>
+                    <p:cTn id="8" fill="hold">
+                      <p:stCondLst>
+                        <p:cond delay="indefinite"/>
+                      </p:stCondLst>
+                      <p:childTnLst>
+                        <p:par>
+                          <p:cTn id="9" fill="hold">
+                            <p:stCondLst>
+                              <p:cond delay="0"/>
+                            </p:stCondLst>
+                            <p:childTnLst>
+                              <p:par>
+                                <p:cTn id="10" presetID="42" presetClass="entr" presetSubtype="0" fill="hold" nodeType="clickEffect">
+                                  <p:stCondLst>
+                                    <p:cond delay="0"/>
+                                  </p:stCondLst>
+                                  <p:childTnLst>
+                                    <p:set>
+                                      <p:cBhvr>
+                                        <p:cTn id="11" dur="1" fill="hold">
+                                          <p:stCondLst>
+                                            <p:cond delay="0"/>
+                                          </p:stCondLst>
+                                        </p:cTn>
+                                        <p:tgtEl>
+                                          <p:spTgt spid="9"/>
+                                        </p:tgtEl>
+                                        <p:attrNameLst>
+                                          <p:attrName>style.visibility</p:attrName>
+                                        </p:attrNameLst>
+                                      </p:cBhvr>
+                                      <p:to>
+                                        <p:strVal val="visible"/>
+                                      </p:to>
+                                    </p:set>
+                                    <p:animEffect transition="in" filter="fade">
+                                      <p:cBhvr>
+                                        <p:cTn id="12" dur="1000"/>
+                                        <p:tgtEl>
+                                          <p:spTgt spid="9"/>
+                                        </p:tgtEl>
+                                      </p:cBhvr>
+                                    </p:animEffect>
+                                    <p:anim calcmode="lin" valueType="num">
+                                      <p:cBhvr>
+                                        <p:cTn id="13" dur="1000" fill="hold"/>
+                                        <p:tgtEl>
+                                          <p:spTgt spid="9"/>
+                                        </p:tgtEl>
+                                        <p:attrNameLst>
+                                          <p:attrName>ppt_x</p:attrName>
+                                        </p:attrNameLst>
+                                      </p:cBhvr>
+                                      <p:tavLst>
+                                        <p:tav tm="0">
+                                          <p:val>
+                                            <p:strVal val="#ppt_x"/>
+                                          </p:val>
+                                        </p:tav>
+                                        <p:tav tm="100000">
+                                          <p:val>
+                                            <p:strVal val="#ppt_x"/>
+                                          </p:val>
+                                        </p:tav>
+                                      </p:tavLst>
+                                    </p:anim>
+                                    <p:anim calcmode="lin" valueType="num">
+                                      <p:cBhvr>
+                                        <p:cTn id="14" dur="1000" fill="hold"/>
+                                        <p:tgtEl>
+                                          <p:spTgt spid="9"/>
+                                        </p:tgtEl>
+                                        <p:attrNameLst>
+                                          <p:attrName>ppt_y</p:attrName>
+                                        </p:attrNameLst>
+                                      </p:cBhvr>
+                                      <p:tavLst>
+                                        <p:tav tm="0">
+                                          <p:val>
+                                            <p:strVal val="#ppt_y+.1"/>
+                                          </p:val>
+                                        </p:tav>
+                                        <p:tav tm="100000">
+                                          <p:val>
+                                            <p:strVal val="#ppt_y"/>
+                                          </p:val>
+                                        </p:tav>
+                                      </p:tavLst>
+                                    </p:anim>
+                                  </p:childTnLst>
+                                </p:cTn>
+                              </p:par>
+                            </p:childTnLst>
+                          </p:cTn>
+                        </p:par>
+                      </p:childTnLst>
+                    </p:cTn>
+                  </p:par>
+                </p:childTnLst>
+              </p:cTn>
+              <p:prevCondLst>
+                <p:cond evt="onPrev" delay="0">
+                  <p:tgtEl>
+                    <p:sldTgt/>
+                  </p:tgtEl>
+                </p:cond>
+              </p:prevCondLst>
+              <p:nextCondLst>
+                <p:cond evt="onNext" delay="0">
+                  <p:tgtEl>
+                    <p:sldTgt/>
+                  </p:tgtEl>
+                </p:cond>
+              </p:nextCondLst>
+            </p:seq>
+          </p:childTnLst>
+        </p:cTn>
+      </p:par>
+    </p:tnLst>
+    <p:bldLst>
+      <p:bldP spid="4" grpId="0"/>
+    </p:bldLst>
+  </p:timing>
 </p:sld>
 </file>
 
@@ -8954,8 +9085,8 @@
         </p:blipFill>
         <p:spPr>
           <a:xfrm>
-            <a:off x="201752" y="1119300"/>
-            <a:ext cx="11788496" cy="4619399"/>
+            <a:off x="643466" y="1441033"/>
+            <a:ext cx="11346781" cy="4619399"/>
           </a:xfrm>
           <a:prstGeom prst="rect">
             <a:avLst/>
@@ -9022,6 +9153,42 @@
           </a:p>
         </p:txBody>
       </p:sp>
+      <p:sp>
+        <p:nvSpPr>
+          <p:cNvPr id="6" name="ZoneTexte 5">
+            <a:extLst>
+              <a:ext uri="{FF2B5EF4-FFF2-40B4-BE49-F238E27FC236}">
+                <a16:creationId xmlns:a16="http://schemas.microsoft.com/office/drawing/2014/main" id="{000AF582-03D9-4ECF-9E89-C78646F6927B}"/>
+              </a:ext>
+            </a:extLst>
+          </p:cNvPr>
+          <p:cNvSpPr txBox="1"/>
+          <p:nvPr/>
+        </p:nvSpPr>
+        <p:spPr>
+          <a:xfrm>
+            <a:off x="643467" y="913371"/>
+            <a:ext cx="6096000" cy="369332"/>
+          </a:xfrm>
+          <a:prstGeom prst="rect">
+            <a:avLst/>
+          </a:prstGeom>
+          <a:noFill/>
+        </p:spPr>
+        <p:txBody>
+          <a:bodyPr wrap="square">
+            <a:spAutoFit/>
+          </a:bodyPr>
+          <a:lstStyle/>
+          <a:p>
+            <a:r>
+              <a:rPr lang="de-DE" dirty="0" err="1"/>
+              <a:t>base.html.twig</a:t>
+            </a:r>
+            <a:endParaRPr lang="de-DE" dirty="0"/>
+          </a:p>
+        </p:txBody>
+      </p:sp>
     </p:spTree>
     <p:extLst>
       <p:ext uri="{BB962C8B-B14F-4D97-AF65-F5344CB8AC3E}">
@@ -9032,6 +9199,135 @@
   <p:clrMapOvr>
     <a:masterClrMapping/>
   </p:clrMapOvr>
+  <p:timing>
+    <p:tnLst>
+      <p:par>
+        <p:cTn id="1" dur="indefinite" restart="never" nodeType="tmRoot">
+          <p:childTnLst>
+            <p:seq concurrent="1" nextAc="seek">
+              <p:cTn id="2" dur="indefinite" nodeType="mainSeq">
+                <p:childTnLst>
+                  <p:par>
+                    <p:cTn id="3" fill="hold">
+                      <p:stCondLst>
+                        <p:cond delay="indefinite"/>
+                      </p:stCondLst>
+                      <p:childTnLst>
+                        <p:par>
+                          <p:cTn id="4" fill="hold">
+                            <p:stCondLst>
+                              <p:cond delay="0"/>
+                            </p:stCondLst>
+                            <p:childTnLst>
+                              <p:par>
+                                <p:cTn id="5" presetID="42" presetClass="entr" presetSubtype="0" fill="hold" nodeType="clickEffect">
+                                  <p:stCondLst>
+                                    <p:cond delay="0"/>
+                                  </p:stCondLst>
+                                  <p:childTnLst>
+                                    <p:set>
+                                      <p:cBhvr>
+                                        <p:cTn id="6" dur="1" fill="hold">
+                                          <p:stCondLst>
+                                            <p:cond delay="0"/>
+                                          </p:stCondLst>
+                                        </p:cTn>
+                                        <p:tgtEl>
+                                          <p:spTgt spid="3"/>
+                                        </p:tgtEl>
+                                        <p:attrNameLst>
+                                          <p:attrName>style.visibility</p:attrName>
+                                        </p:attrNameLst>
+                                      </p:cBhvr>
+                                      <p:to>
+                                        <p:strVal val="visible"/>
+                                      </p:to>
+                                    </p:set>
+                                    <p:animEffect transition="in" filter="fade">
+                                      <p:cBhvr>
+                                        <p:cTn id="7" dur="1000"/>
+                                        <p:tgtEl>
+                                          <p:spTgt spid="3"/>
+                                        </p:tgtEl>
+                                      </p:cBhvr>
+                                    </p:animEffect>
+                                    <p:anim calcmode="lin" valueType="num">
+                                      <p:cBhvr>
+                                        <p:cTn id="8" dur="1000" fill="hold"/>
+                                        <p:tgtEl>
+                                          <p:spTgt spid="3"/>
+                                        </p:tgtEl>
+                                        <p:attrNameLst>
+                                          <p:attrName>ppt_x</p:attrName>
+                                        </p:attrNameLst>
+                                      </p:cBhvr>
+                                      <p:tavLst>
+                                        <p:tav tm="0">
+                                          <p:val>
+                                            <p:strVal val="#ppt_x"/>
+                                          </p:val>
+                                        </p:tav>
+                                        <p:tav tm="100000">
+                                          <p:val>
+                                            <p:strVal val="#ppt_x"/>
+                                          </p:val>
+                                        </p:tav>
+                                      </p:tavLst>
+                                    </p:anim>
+                                    <p:anim calcmode="lin" valueType="num">
+                                      <p:cBhvr>
+                                        <p:cTn id="9" dur="1000" fill="hold"/>
+                                        <p:tgtEl>
+                                          <p:spTgt spid="3"/>
+                                        </p:tgtEl>
+                                        <p:attrNameLst>
+                                          <p:attrName>ppt_y</p:attrName>
+                                        </p:attrNameLst>
+                                      </p:cBhvr>
+                                      <p:tavLst>
+                                        <p:tav tm="0">
+                                          <p:val>
+                                            <p:strVal val="#ppt_y+.1"/>
+                                          </p:val>
+                                        </p:tav>
+                                        <p:tav tm="100000">
+                                          <p:val>
+                                            <p:strVal val="#ppt_y"/>
+                                          </p:val>
+                                        </p:tav>
+                                      </p:tavLst>
+                                    </p:anim>
+                                  </p:childTnLst>
+                                </p:cTn>
+                              </p:par>
+                            </p:childTnLst>
+                          </p:cTn>
+                        </p:par>
+                      </p:childTnLst>
+                    </p:cTn>
+                  </p:par>
+                </p:childTnLst>
+              </p:cTn>
+              <p:prevCondLst>
+                <p:cond evt="onPrev" delay="0">
+                  <p:tgtEl>
+                    <p:sldTgt/>
+                  </p:tgtEl>
+                </p:cond>
+              </p:prevCondLst>
+              <p:nextCondLst>
+                <p:cond evt="onNext" delay="0">
+                  <p:tgtEl>
+                    <p:sldTgt/>
+                  </p:tgtEl>
+                </p:cond>
+              </p:nextCondLst>
+            </p:seq>
+          </p:childTnLst>
+        </p:cTn>
+      </p:par>
+    </p:tnLst>
+  </p:timing>
 </p:sld>
 </file>
 
@@ -9074,8 +9370,8 @@
         </p:blipFill>
         <p:spPr>
           <a:xfrm>
-            <a:off x="253999" y="1177199"/>
-            <a:ext cx="11938001" cy="5003467"/>
+            <a:off x="541867" y="1177199"/>
+            <a:ext cx="11650133" cy="5003467"/>
           </a:xfrm>
           <a:prstGeom prst="rect">
             <a:avLst/>
@@ -9139,6 +9435,42 @@
               <a:latin typeface="Calibri" panose="020F0502020204030204" pitchFamily="34" charset="0"/>
               <a:ea typeface="Calibri" panose="020F0502020204030204" pitchFamily="34" charset="0"/>
             </a:endParaRPr>
+          </a:p>
+        </p:txBody>
+      </p:sp>
+      <p:sp>
+        <p:nvSpPr>
+          <p:cNvPr id="6" name="ZoneTexte 5">
+            <a:extLst>
+              <a:ext uri="{FF2B5EF4-FFF2-40B4-BE49-F238E27FC236}">
+                <a16:creationId xmlns:a16="http://schemas.microsoft.com/office/drawing/2014/main" id="{561FBC0B-CB46-4CC5-BC61-D544404FBAB1}"/>
+              </a:ext>
+            </a:extLst>
+          </p:cNvPr>
+          <p:cNvSpPr txBox="1"/>
+          <p:nvPr/>
+        </p:nvSpPr>
+        <p:spPr>
+          <a:xfrm>
+            <a:off x="541867" y="685801"/>
+            <a:ext cx="6096000" cy="369332"/>
+          </a:xfrm>
+          <a:prstGeom prst="rect">
+            <a:avLst/>
+          </a:prstGeom>
+          <a:noFill/>
+        </p:spPr>
+        <p:txBody>
+          <a:bodyPr wrap="square">
+            <a:spAutoFit/>
+          </a:bodyPr>
+          <a:lstStyle/>
+          <a:p>
+            <a:r>
+              <a:rPr lang="de-DE" dirty="0" err="1"/>
+              <a:t>base.html.twig</a:t>
+            </a:r>
+            <a:endParaRPr lang="de-DE" dirty="0"/>
           </a:p>
         </p:txBody>
       </p:sp>
@@ -9232,110 +9564,6 @@
           </a:p>
         </p:txBody>
       </p:sp>
-      <p:sp>
-        <p:nvSpPr>
-          <p:cNvPr id="6" name="ZoneTexte 5">
-            <a:extLst>
-              <a:ext uri="{FF2B5EF4-FFF2-40B4-BE49-F238E27FC236}">
-                <a16:creationId xmlns:a16="http://schemas.microsoft.com/office/drawing/2014/main" id="{74DA089B-7C97-4423-ABB4-351BFCA0AEF7}"/>
-              </a:ext>
-            </a:extLst>
-          </p:cNvPr>
-          <p:cNvSpPr txBox="1"/>
-          <p:nvPr/>
-        </p:nvSpPr>
-        <p:spPr>
-          <a:xfrm>
-            <a:off x="822959" y="1676098"/>
-            <a:ext cx="8234690" cy="369332"/>
-          </a:xfrm>
-          <a:prstGeom prst="rect">
-            <a:avLst/>
-          </a:prstGeom>
-          <a:noFill/>
-        </p:spPr>
-        <p:txBody>
-          <a:bodyPr wrap="none" rtlCol="0">
-            <a:spAutoFit/>
-          </a:bodyPr>
-          <a:lstStyle/>
-          <a:p>
-            <a:r>
-              <a:rPr lang="de-DE" dirty="0" err="1"/>
-              <a:t>Chaque</a:t>
-            </a:r>
-            <a:r>
-              <a:rPr lang="de-DE" dirty="0"/>
-              <a:t> </a:t>
-            </a:r>
-            <a:r>
-              <a:rPr lang="de-DE" dirty="0" err="1"/>
-              <a:t>index</a:t>
-            </a:r>
-            <a:r>
-              <a:rPr lang="de-DE" dirty="0"/>
-              <a:t> </a:t>
-            </a:r>
-            <a:r>
-              <a:rPr lang="de-DE" dirty="0" err="1"/>
-              <a:t>ou</a:t>
-            </a:r>
-            <a:r>
-              <a:rPr lang="de-DE" dirty="0"/>
-              <a:t> </a:t>
-            </a:r>
-            <a:r>
-              <a:rPr lang="de-DE" dirty="0" err="1"/>
-              <a:t>template</a:t>
-            </a:r>
-            <a:r>
-              <a:rPr lang="de-DE" dirty="0"/>
-              <a:t> c</a:t>
-            </a:r>
-            <a:r>
-              <a:rPr lang="fr-FR" dirty="0"/>
-              <a:t>’</a:t>
-            </a:r>
-            <a:r>
-              <a:rPr lang="de-DE" dirty="0" err="1"/>
-              <a:t>est</a:t>
-            </a:r>
-            <a:r>
-              <a:rPr lang="de-DE" dirty="0"/>
-              <a:t> en </a:t>
-            </a:r>
-            <a:r>
-              <a:rPr lang="de-DE" dirty="0" err="1"/>
-              <a:t>extands</a:t>
-            </a:r>
-            <a:r>
-              <a:rPr lang="de-DE" dirty="0"/>
-              <a:t> de la </a:t>
-            </a:r>
-            <a:r>
-              <a:rPr lang="de-DE" dirty="0" err="1"/>
-              <a:t>page</a:t>
-            </a:r>
-            <a:r>
-              <a:rPr lang="de-DE" dirty="0"/>
-              <a:t> </a:t>
-            </a:r>
-            <a:r>
-              <a:rPr lang="de-DE" dirty="0" err="1"/>
-              <a:t>parant</a:t>
-            </a:r>
-            <a:r>
-              <a:rPr lang="de-DE" dirty="0"/>
-              <a:t> </a:t>
-            </a:r>
-            <a:r>
-              <a:rPr lang="de-DE" dirty="0" err="1"/>
-              <a:t>base.html.twig</a:t>
-            </a:r>
-            <a:endParaRPr lang="de-DE" dirty="0"/>
-          </a:p>
-        </p:txBody>
-      </p:sp>
       <p:pic>
         <p:nvPicPr>
           <p:cNvPr id="10" name="Image 9" descr="Une image contenant texte&#10;&#10;Description générée automatiquement">
@@ -9358,14 +9586,53 @@
         </p:blipFill>
         <p:spPr>
           <a:xfrm>
-            <a:off x="822959" y="2365471"/>
-            <a:ext cx="10920265" cy="2652838"/>
+            <a:off x="1253067" y="1773843"/>
+            <a:ext cx="10490157" cy="3244466"/>
           </a:xfrm>
           <a:prstGeom prst="rect">
             <a:avLst/>
           </a:prstGeom>
         </p:spPr>
       </p:pic>
+      <p:sp>
+        <p:nvSpPr>
+          <p:cNvPr id="2" name="ZoneTexte 1">
+            <a:extLst>
+              <a:ext uri="{FF2B5EF4-FFF2-40B4-BE49-F238E27FC236}">
+                <a16:creationId xmlns:a16="http://schemas.microsoft.com/office/drawing/2014/main" id="{872DD8C3-2E26-4B96-AE90-9C2142AECDE5}"/>
+              </a:ext>
+            </a:extLst>
+          </p:cNvPr>
+          <p:cNvSpPr txBox="1"/>
+          <p:nvPr/>
+        </p:nvSpPr>
+        <p:spPr>
+          <a:xfrm>
+            <a:off x="1083733" y="1182315"/>
+            <a:ext cx="1557799" cy="369332"/>
+          </a:xfrm>
+          <a:prstGeom prst="rect">
+            <a:avLst/>
+          </a:prstGeom>
+          <a:noFill/>
+        </p:spPr>
+        <p:txBody>
+          <a:bodyPr wrap="none" rtlCol="0">
+            <a:spAutoFit/>
+          </a:bodyPr>
+          <a:lstStyle/>
+          <a:p>
+            <a:pPr marL="285750" indent="-285750">
+              <a:buFont typeface="Arial" panose="020B0604020202020204" pitchFamily="34" charset="0"/>
+              <a:buChar char="•"/>
+            </a:pPr>
+            <a:r>
+              <a:rPr lang="de-DE" dirty="0"/>
+              <a:t>Page Avis </a:t>
+            </a:r>
+          </a:p>
+        </p:txBody>
+      </p:sp>
     </p:spTree>
     <p:extLst>
       <p:ext uri="{BB962C8B-B14F-4D97-AF65-F5344CB8AC3E}">
@@ -9397,7 +9664,7 @@
                             </p:stCondLst>
                             <p:childTnLst>
                               <p:par>
-                                <p:cTn id="5" presetID="10" presetClass="entr" presetSubtype="0" fill="hold" grpId="0" nodeType="clickEffect">
+                                <p:cTn id="5" presetID="42" presetClass="entr" presetSubtype="0" fill="hold" grpId="0" nodeType="clickEffect">
                                   <p:stCondLst>
                                     <p:cond delay="0"/>
                                   </p:stCondLst>
@@ -9410,7 +9677,7 @@
                                           </p:stCondLst>
                                         </p:cTn>
                                         <p:tgtEl>
-                                          <p:spTgt spid="6"/>
+                                          <p:spTgt spid="2"/>
                                         </p:tgtEl>
                                         <p:attrNameLst>
                                           <p:attrName>style.visibility</p:attrName>
@@ -9422,70 +9689,17 @@
                                     </p:set>
                                     <p:animEffect transition="in" filter="fade">
                                       <p:cBhvr>
-                                        <p:cTn id="7" dur="500"/>
-                                        <p:tgtEl>
-                                          <p:spTgt spid="6"/>
-                                        </p:tgtEl>
-                                      </p:cBhvr>
-                                    </p:animEffect>
-                                  </p:childTnLst>
-                                </p:cTn>
-                              </p:par>
-                            </p:childTnLst>
-                          </p:cTn>
-                        </p:par>
-                      </p:childTnLst>
-                    </p:cTn>
-                  </p:par>
-                  <p:par>
-                    <p:cTn id="8" fill="hold">
-                      <p:stCondLst>
-                        <p:cond delay="indefinite"/>
-                      </p:stCondLst>
-                      <p:childTnLst>
-                        <p:par>
-                          <p:cTn id="9" fill="hold">
-                            <p:stCondLst>
-                              <p:cond delay="0"/>
-                            </p:stCondLst>
-                            <p:childTnLst>
-                              <p:par>
-                                <p:cTn id="10" presetID="42" presetClass="entr" presetSubtype="0" fill="hold" nodeType="clickEffect">
-                                  <p:stCondLst>
-                                    <p:cond delay="0"/>
-                                  </p:stCondLst>
-                                  <p:childTnLst>
-                                    <p:set>
-                                      <p:cBhvr>
-                                        <p:cTn id="11" dur="1" fill="hold">
-                                          <p:stCondLst>
-                                            <p:cond delay="0"/>
-                                          </p:stCondLst>
-                                        </p:cTn>
-                                        <p:tgtEl>
-                                          <p:spTgt spid="10"/>
-                                        </p:tgtEl>
-                                        <p:attrNameLst>
-                                          <p:attrName>style.visibility</p:attrName>
-                                        </p:attrNameLst>
-                                      </p:cBhvr>
-                                      <p:to>
-                                        <p:strVal val="visible"/>
-                                      </p:to>
-                                    </p:set>
-                                    <p:animEffect transition="in" filter="fade">
-                                      <p:cBhvr>
-                                        <p:cTn id="12" dur="1000"/>
-                                        <p:tgtEl>
-                                          <p:spTgt spid="10"/>
+                                        <p:cTn id="7" dur="1000"/>
+                                        <p:tgtEl>
+                                          <p:spTgt spid="2"/>
                                         </p:tgtEl>
                                       </p:cBhvr>
                                     </p:animEffect>
                                     <p:anim calcmode="lin" valueType="num">
                                       <p:cBhvr>
-                                        <p:cTn id="13" dur="1000" fill="hold"/>
-                                        <p:tgtEl>
-                                          <p:spTgt spid="10"/>
+                                        <p:cTn id="8" dur="1000" fill="hold"/>
+                                        <p:tgtEl>
+                                          <p:spTgt spid="2"/>
                                         </p:tgtEl>
                                         <p:attrNameLst>
                                           <p:attrName>ppt_x</p:attrName>
@@ -9506,7 +9720,106 @@
                                     </p:anim>
                                     <p:anim calcmode="lin" valueType="num">
                                       <p:cBhvr>
-                                        <p:cTn id="14" dur="1000" fill="hold"/>
+                                        <p:cTn id="9" dur="1000" fill="hold"/>
+                                        <p:tgtEl>
+                                          <p:spTgt spid="2"/>
+                                        </p:tgtEl>
+                                        <p:attrNameLst>
+                                          <p:attrName>ppt_y</p:attrName>
+                                        </p:attrNameLst>
+                                      </p:cBhvr>
+                                      <p:tavLst>
+                                        <p:tav tm="0">
+                                          <p:val>
+                                            <p:strVal val="#ppt_y+.1"/>
+                                          </p:val>
+                                        </p:tav>
+                                        <p:tav tm="100000">
+                                          <p:val>
+                                            <p:strVal val="#ppt_y"/>
+                                          </p:val>
+                                        </p:tav>
+                                      </p:tavLst>
+                                    </p:anim>
+                                  </p:childTnLst>
+                                </p:cTn>
+                              </p:par>
+                            </p:childTnLst>
+                          </p:cTn>
+                        </p:par>
+                      </p:childTnLst>
+                    </p:cTn>
+                  </p:par>
+                  <p:par>
+                    <p:cTn id="10" fill="hold">
+                      <p:stCondLst>
+                        <p:cond delay="indefinite"/>
+                      </p:stCondLst>
+                      <p:childTnLst>
+                        <p:par>
+                          <p:cTn id="11" fill="hold">
+                            <p:stCondLst>
+                              <p:cond delay="0"/>
+                            </p:stCondLst>
+                            <p:childTnLst>
+                              <p:par>
+                                <p:cTn id="12" presetID="42" presetClass="entr" presetSubtype="0" fill="hold" nodeType="clickEffect">
+                                  <p:stCondLst>
+                                    <p:cond delay="0"/>
+                                  </p:stCondLst>
+                                  <p:childTnLst>
+                                    <p:set>
+                                      <p:cBhvr>
+                                        <p:cTn id="13" dur="1" fill="hold">
+                                          <p:stCondLst>
+                                            <p:cond delay="0"/>
+                                          </p:stCondLst>
+                                        </p:cTn>
+                                        <p:tgtEl>
+                                          <p:spTgt spid="10"/>
+                                        </p:tgtEl>
+                                        <p:attrNameLst>
+                                          <p:attrName>style.visibility</p:attrName>
+                                        </p:attrNameLst>
+                                      </p:cBhvr>
+                                      <p:to>
+                                        <p:strVal val="visible"/>
+                                      </p:to>
+                                    </p:set>
+                                    <p:animEffect transition="in" filter="fade">
+                                      <p:cBhvr>
+                                        <p:cTn id="14" dur="1000"/>
+                                        <p:tgtEl>
+                                          <p:spTgt spid="10"/>
+                                        </p:tgtEl>
+                                      </p:cBhvr>
+                                    </p:animEffect>
+                                    <p:anim calcmode="lin" valueType="num">
+                                      <p:cBhvr>
+                                        <p:cTn id="15" dur="1000" fill="hold"/>
+                                        <p:tgtEl>
+                                          <p:spTgt spid="10"/>
+                                        </p:tgtEl>
+                                        <p:attrNameLst>
+                                          <p:attrName>ppt_x</p:attrName>
+                                        </p:attrNameLst>
+                                      </p:cBhvr>
+                                      <p:tavLst>
+                                        <p:tav tm="0">
+                                          <p:val>
+                                            <p:strVal val="#ppt_x"/>
+                                          </p:val>
+                                        </p:tav>
+                                        <p:tav tm="100000">
+                                          <p:val>
+                                            <p:strVal val="#ppt_x"/>
+                                          </p:val>
+                                        </p:tav>
+                                      </p:tavLst>
+                                    </p:anim>
+                                    <p:anim calcmode="lin" valueType="num">
+                                      <p:cBhvr>
+                                        <p:cTn id="16" dur="1000" fill="hold"/>
                                         <p:tgtEl>
                                           <p:spTgt spid="10"/>
                                         </p:tgtEl>
@@ -9558,7 +9871,7 @@
       </p:par>
     </p:tnLst>
     <p:bldLst>
-      <p:bldP spid="6" grpId="0"/>
+      <p:bldP spid="2" grpId="0"/>
     </p:bldLst>
   </p:timing>
 </p:sld>
@@ -9603,14 +9916,53 @@
         </p:blipFill>
         <p:spPr>
           <a:xfrm>
-            <a:off x="750934" y="577215"/>
-            <a:ext cx="9410336" cy="5703570"/>
+            <a:off x="750934" y="1236133"/>
+            <a:ext cx="9410336" cy="5044652"/>
           </a:xfrm>
           <a:prstGeom prst="rect">
             <a:avLst/>
           </a:prstGeom>
         </p:spPr>
       </p:pic>
+      <p:sp>
+        <p:nvSpPr>
+          <p:cNvPr id="3" name="ZoneTexte 2">
+            <a:extLst>
+              <a:ext uri="{FF2B5EF4-FFF2-40B4-BE49-F238E27FC236}">
+                <a16:creationId xmlns:a16="http://schemas.microsoft.com/office/drawing/2014/main" id="{6F997768-866A-45E9-B5F7-5DEA7F570147}"/>
+              </a:ext>
+            </a:extLst>
+          </p:cNvPr>
+          <p:cNvSpPr txBox="1"/>
+          <p:nvPr/>
+        </p:nvSpPr>
+        <p:spPr>
+          <a:xfrm>
+            <a:off x="880533" y="526415"/>
+            <a:ext cx="1557799" cy="369332"/>
+          </a:xfrm>
+          <a:prstGeom prst="rect">
+            <a:avLst/>
+          </a:prstGeom>
+          <a:noFill/>
+        </p:spPr>
+        <p:txBody>
+          <a:bodyPr wrap="none" rtlCol="0">
+            <a:spAutoFit/>
+          </a:bodyPr>
+          <a:lstStyle/>
+          <a:p>
+            <a:pPr marL="285750" indent="-285750">
+              <a:buFont typeface="Arial" panose="020B0604020202020204" pitchFamily="34" charset="0"/>
+              <a:buChar char="•"/>
+            </a:pPr>
+            <a:r>
+              <a:rPr lang="de-DE" dirty="0"/>
+              <a:t>Page Avis </a:t>
+            </a:r>
+          </a:p>
+        </p:txBody>
+      </p:sp>
     </p:spTree>
     <p:extLst>
       <p:ext uri="{BB962C8B-B14F-4D97-AF65-F5344CB8AC3E}">
@@ -9642,7 +9994,7 @@
                             </p:stCondLst>
                             <p:childTnLst>
                               <p:par>
-                                <p:cTn id="5" presetID="42" presetClass="entr" presetSubtype="0" fill="hold" nodeType="clickEffect">
+                                <p:cTn id="5" presetID="42" presetClass="entr" presetSubtype="0" fill="hold" grpId="0" nodeType="clickEffect">
                                   <p:stCondLst>
                                     <p:cond delay="0"/>
                                   </p:stCondLst>
@@ -9655,7 +10007,7 @@
                                           </p:stCondLst>
                                         </p:cTn>
                                         <p:tgtEl>
-                                          <p:spTgt spid="2"/>
+                                          <p:spTgt spid="3"/>
                                         </p:tgtEl>
                                         <p:attrNameLst>
                                           <p:attrName>style.visibility</p:attrName>
@@ -9669,7 +10021,7 @@
                                       <p:cBhvr>
                                         <p:cTn id="7" dur="1000"/>
                                         <p:tgtEl>
-                                          <p:spTgt spid="2"/>
+                                          <p:spTgt spid="3"/>
                                         </p:tgtEl>
                                       </p:cBhvr>
                                     </p:animEffect>
@@ -9677,7 +10029,7 @@
                                       <p:cBhvr>
                                         <p:cTn id="8" dur="1000" fill="hold"/>
                                         <p:tgtEl>
-                                          <p:spTgt spid="2"/>
+                                          <p:spTgt spid="3"/>
                                         </p:tgtEl>
                                         <p:attrNameLst>
                                           <p:attrName>ppt_x</p:attrName>
@@ -9699,6 +10051,105 @@
                                     <p:anim calcmode="lin" valueType="num">
                                       <p:cBhvr>
                                         <p:cTn id="9" dur="1000" fill="hold"/>
+                                        <p:tgtEl>
+                                          <p:spTgt spid="3"/>
+                                        </p:tgtEl>
+                                        <p:attrNameLst>
+                                          <p:attrName>ppt_y</p:attrName>
+                                        </p:attrNameLst>
+                                      </p:cBhvr>
+                                      <p:tavLst>
+                                        <p:tav tm="0">
+                                          <p:val>
+                                            <p:strVal val="#ppt_y+.1"/>
+                                          </p:val>
+                                        </p:tav>
+                                        <p:tav tm="100000">
+                                          <p:val>
+                                            <p:strVal val="#ppt_y"/>
+                                          </p:val>
+                                        </p:tav>
+                                      </p:tavLst>
+                                    </p:anim>
+                                  </p:childTnLst>
+                                </p:cTn>
+                              </p:par>
+                            </p:childTnLst>
+                          </p:cTn>
+                        </p:par>
+                      </p:childTnLst>
+                    </p:cTn>
+                  </p:par>
+                  <p:par>
+                    <p:cTn id="10" fill="hold">
+                      <p:stCondLst>
+                        <p:cond delay="indefinite"/>
+                      </p:stCondLst>
+                      <p:childTnLst>
+                        <p:par>
+                          <p:cTn id="11" fill="hold">
+                            <p:stCondLst>
+                              <p:cond delay="0"/>
+                            </p:stCondLst>
+                            <p:childTnLst>
+                              <p:par>
+                                <p:cTn id="12" presetID="42" presetClass="entr" presetSubtype="0" fill="hold" nodeType="clickEffect">
+                                  <p:stCondLst>
+                                    <p:cond delay="0"/>
+                                  </p:stCondLst>
+                                  <p:childTnLst>
+                                    <p:set>
+                                      <p:cBhvr>
+                                        <p:cTn id="13" dur="1" fill="hold">
+                                          <p:stCondLst>
+                                            <p:cond delay="0"/>
+                                          </p:stCondLst>
+                                        </p:cTn>
+                                        <p:tgtEl>
+                                          <p:spTgt spid="2"/>
+                                        </p:tgtEl>
+                                        <p:attrNameLst>
+                                          <p:attrName>style.visibility</p:attrName>
+                                        </p:attrNameLst>
+                                      </p:cBhvr>
+                                      <p:to>
+                                        <p:strVal val="visible"/>
+                                      </p:to>
+                                    </p:set>
+                                    <p:animEffect transition="in" filter="fade">
+                                      <p:cBhvr>
+                                        <p:cTn id="14" dur="1000"/>
+                                        <p:tgtEl>
+                                          <p:spTgt spid="2"/>
+                                        </p:tgtEl>
+                                      </p:cBhvr>
+                                    </p:animEffect>
+                                    <p:anim calcmode="lin" valueType="num">
+                                      <p:cBhvr>
+                                        <p:cTn id="15" dur="1000" fill="hold"/>
+                                        <p:tgtEl>
+                                          <p:spTgt spid="2"/>
+                                        </p:tgtEl>
+                                        <p:attrNameLst>
+                                          <p:attrName>ppt_x</p:attrName>
+                                        </p:attrNameLst>
+                                      </p:cBhvr>
+                                      <p:tavLst>
+                                        <p:tav tm="0">
+                                          <p:val>
+                                            <p:strVal val="#ppt_x"/>
+                                          </p:val>
+                                        </p:tav>
+                                        <p:tav tm="100000">
+                                          <p:val>
+                                            <p:strVal val="#ppt_x"/>
+                                          </p:val>
+                                        </p:tav>
+                                      </p:tavLst>
+                                    </p:anim>
+                                    <p:anim calcmode="lin" valueType="num">
+                                      <p:cBhvr>
+                                        <p:cTn id="16" dur="1000" fill="hold"/>
                                         <p:tgtEl>
                                           <p:spTgt spid="2"/>
                                         </p:tgtEl>
@@ -9749,6 +10200,9 @@
         </p:cTn>
       </p:par>
     </p:tnLst>
+    <p:bldLst>
+      <p:bldP spid="3" grpId="0"/>
+    </p:bldLst>
   </p:timing>
 </p:sld>
 </file>
@@ -9784,7 +10238,7 @@
         </p:nvSpPr>
         <p:spPr>
           <a:xfrm>
-            <a:off x="671513" y="395154"/>
+            <a:off x="671513" y="361287"/>
             <a:ext cx="6097904" cy="375552"/>
           </a:xfrm>
           <a:prstGeom prst="rect">
@@ -10238,347 +10692,6 @@
       </p:sp>
       <p:sp>
         <p:nvSpPr>
-          <p:cNvPr id="17" name="ZoneTexte 16">
-            <a:extLst>
-              <a:ext uri="{FF2B5EF4-FFF2-40B4-BE49-F238E27FC236}">
-                <a16:creationId xmlns:a16="http://schemas.microsoft.com/office/drawing/2014/main" id="{E4618E5F-7BDF-45D5-B9AE-250F9068C37C}"/>
-              </a:ext>
-            </a:extLst>
-          </p:cNvPr>
-          <p:cNvSpPr txBox="1"/>
-          <p:nvPr/>
-        </p:nvSpPr>
-        <p:spPr>
-          <a:xfrm>
-            <a:off x="1086802" y="4102538"/>
-            <a:ext cx="6097904" cy="2047163"/>
-          </a:xfrm>
-          <a:prstGeom prst="rect">
-            <a:avLst/>
-          </a:prstGeom>
-          <a:noFill/>
-        </p:spPr>
-        <p:txBody>
-          <a:bodyPr wrap="square">
-            <a:spAutoFit/>
-          </a:bodyPr>
-          <a:lstStyle/>
-          <a:p>
-            <a:pPr marR="213995" algn="just">
-              <a:lnSpc>
-                <a:spcPct val="110000"/>
-              </a:lnSpc>
-              <a:spcAft>
-                <a:spcPts val="1190"/>
-              </a:spcAft>
-            </a:pPr>
-            <a:r>
-              <a:rPr lang="fr-FR" sz="1400" dirty="0">
-                <a:solidFill>
-                  <a:srgbClr val="000000"/>
-                </a:solidFill>
-                <a:effectLst/>
-                <a:latin typeface="Calibri" panose="020F0502020204030204" pitchFamily="34" charset="0"/>
-                <a:ea typeface="Calibri" panose="020F0502020204030204" pitchFamily="34" charset="0"/>
-              </a:rPr>
-              <a:t>Un pare-feu peut avoir plusieurs modes d’authentification. C’est-à-dire non     connecté) lorsqu’il visite votre site Web pour la première fois.</a:t>
-            </a:r>
-            <a:endParaRPr lang="de-DE" sz="1400" dirty="0">
-              <a:solidFill>
-                <a:srgbClr val="000000"/>
-              </a:solidFill>
-              <a:effectLst/>
-              <a:latin typeface="Calibri" panose="020F0502020204030204" pitchFamily="34" charset="0"/>
-              <a:ea typeface="Calibri" panose="020F0502020204030204" pitchFamily="34" charset="0"/>
-            </a:endParaRPr>
-          </a:p>
-          <a:p>
-            <a:pPr marR="213995" algn="just">
-              <a:lnSpc>
-                <a:spcPct val="110000"/>
-              </a:lnSpc>
-              <a:spcAft>
-                <a:spcPts val="1190"/>
-              </a:spcAft>
-            </a:pPr>
-            <a:r>
-              <a:rPr lang="fr-FR" sz="1400" dirty="0">
-                <a:solidFill>
-                  <a:srgbClr val="000000"/>
-                </a:solidFill>
-                <a:effectLst/>
-                <a:latin typeface="Calibri" panose="020F0502020204030204" pitchFamily="34" charset="0"/>
-                <a:ea typeface="Calibri" panose="020F0502020204030204" pitchFamily="34" charset="0"/>
-              </a:rPr>
-              <a:t>En fait, si vous allez à la page d’</a:t>
-            </a:r>
-            <a:r>
-              <a:rPr lang="fr-FR" sz="1400" dirty="0" err="1">
-                <a:solidFill>
-                  <a:srgbClr val="000000"/>
-                </a:solidFill>
-                <a:effectLst/>
-                <a:latin typeface="Calibri" panose="020F0502020204030204" pitchFamily="34" charset="0"/>
-                <a:ea typeface="Calibri" panose="020F0502020204030204" pitchFamily="34" charset="0"/>
-              </a:rPr>
-              <a:t>acceuil</a:t>
-            </a:r>
-            <a:r>
-              <a:rPr lang="fr-FR" sz="1400" dirty="0">
-                <a:solidFill>
-                  <a:srgbClr val="000000"/>
-                </a:solidFill>
-                <a:effectLst/>
-                <a:latin typeface="Calibri" panose="020F0502020204030204" pitchFamily="34" charset="0"/>
-                <a:ea typeface="Calibri" panose="020F0502020204030204" pitchFamily="34" charset="0"/>
-              </a:rPr>
-              <a:t> maintenant, vous y </a:t>
-            </a:r>
-            <a:r>
-              <a:rPr lang="fr-FR" sz="1400" dirty="0" err="1">
-                <a:solidFill>
-                  <a:srgbClr val="000000"/>
-                </a:solidFill>
-                <a:effectLst/>
-                <a:latin typeface="Calibri" panose="020F0502020204030204" pitchFamily="34" charset="0"/>
-                <a:ea typeface="Calibri" panose="020F0502020204030204" pitchFamily="34" charset="0"/>
-              </a:rPr>
-              <a:t>aures</a:t>
-            </a:r>
-            <a:r>
-              <a:rPr lang="fr-FR" sz="1400" dirty="0">
-                <a:solidFill>
-                  <a:srgbClr val="000000"/>
-                </a:solidFill>
-                <a:effectLst/>
-                <a:latin typeface="Calibri" panose="020F0502020204030204" pitchFamily="34" charset="0"/>
-                <a:ea typeface="Calibri" panose="020F0502020204030204" pitchFamily="34" charset="0"/>
-              </a:rPr>
-              <a:t> accès et vous verrez que vous êtes &lt;&lt; authentifie &gt;&gt; comme </a:t>
-            </a:r>
-            <a:r>
-              <a:rPr lang="fr-FR" sz="1400" dirty="0" err="1">
-                <a:solidFill>
-                  <a:srgbClr val="000000"/>
-                </a:solidFill>
-                <a:effectLst/>
-                <a:latin typeface="Calibri" panose="020F0502020204030204" pitchFamily="34" charset="0"/>
-                <a:ea typeface="Calibri" panose="020F0502020204030204" pitchFamily="34" charset="0"/>
-              </a:rPr>
-              <a:t>anon</a:t>
-            </a:r>
-            <a:r>
-              <a:rPr lang="fr-FR" sz="1400" dirty="0">
-                <a:solidFill>
-                  <a:srgbClr val="000000"/>
-                </a:solidFill>
-                <a:effectLst/>
-                <a:latin typeface="Calibri" panose="020F0502020204030204" pitchFamily="34" charset="0"/>
-                <a:ea typeface="Calibri" panose="020F0502020204030204" pitchFamily="34" charset="0"/>
-              </a:rPr>
-              <a:t>. Le pare-feu a vérifié qu’il ne connait pas votre identité, et donc vous êtes anonyme </a:t>
-            </a:r>
-            <a:endParaRPr lang="de-DE" sz="1400" dirty="0">
-              <a:solidFill>
-                <a:srgbClr val="000000"/>
-              </a:solidFill>
-              <a:effectLst/>
-              <a:latin typeface="Calibri" panose="020F0502020204030204" pitchFamily="34" charset="0"/>
-              <a:ea typeface="Calibri" panose="020F0502020204030204" pitchFamily="34" charset="0"/>
-            </a:endParaRPr>
-          </a:p>
-          <a:p>
-            <a:pPr marR="213995" algn="just">
-              <a:lnSpc>
-                <a:spcPct val="110000"/>
-              </a:lnSpc>
-              <a:spcAft>
-                <a:spcPts val="1190"/>
-              </a:spcAft>
-            </a:pPr>
-            <a:r>
-              <a:rPr lang="fr-FR" sz="1400" dirty="0">
-                <a:solidFill>
-                  <a:srgbClr val="000000"/>
-                </a:solidFill>
-                <a:effectLst/>
-                <a:latin typeface="Calibri" panose="020F0502020204030204" pitchFamily="34" charset="0"/>
-                <a:ea typeface="Calibri" panose="020F0502020204030204" pitchFamily="34" charset="0"/>
-              </a:rPr>
-              <a:t>Cela signifie que toute peut avoir un jeton anonyme pour accéder à un formulaire de connexion.</a:t>
-            </a:r>
-            <a:endParaRPr lang="de-DE" sz="1400" dirty="0">
-              <a:solidFill>
-                <a:srgbClr val="000000"/>
-              </a:solidFill>
-              <a:effectLst/>
-              <a:latin typeface="Calibri" panose="020F0502020204030204" pitchFamily="34" charset="0"/>
-              <a:ea typeface="Calibri" panose="020F0502020204030204" pitchFamily="34" charset="0"/>
-            </a:endParaRPr>
-          </a:p>
-        </p:txBody>
-      </p:sp>
-      <p:sp>
-        <p:nvSpPr>
-          <p:cNvPr id="21" name="ZoneTexte 20">
-            <a:extLst>
-              <a:ext uri="{FF2B5EF4-FFF2-40B4-BE49-F238E27FC236}">
-                <a16:creationId xmlns:a16="http://schemas.microsoft.com/office/drawing/2014/main" id="{F20EA196-C505-4ADB-8C08-97A010D71543}"/>
-              </a:ext>
-            </a:extLst>
-          </p:cNvPr>
-          <p:cNvSpPr txBox="1"/>
-          <p:nvPr/>
-        </p:nvSpPr>
-        <p:spPr>
-          <a:xfrm>
-            <a:off x="7478076" y="5223155"/>
-            <a:ext cx="2906077" cy="312650"/>
-          </a:xfrm>
-          <a:prstGeom prst="rect">
-            <a:avLst/>
-          </a:prstGeom>
-          <a:noFill/>
-        </p:spPr>
-        <p:txBody>
-          <a:bodyPr wrap="square">
-            <a:spAutoFit/>
-          </a:bodyPr>
-          <a:lstStyle/>
-          <a:p>
-            <a:pPr marL="438150" indent="-285750">
-              <a:lnSpc>
-                <a:spcPct val="107000"/>
-              </a:lnSpc>
-              <a:spcAft>
-                <a:spcPts val="1085"/>
-              </a:spcAft>
-              <a:buFont typeface="Arial" panose="020B0604020202020204" pitchFamily="34" charset="0"/>
-              <a:buChar char="•"/>
-            </a:pPr>
-            <a:r>
-              <a:rPr lang="fr-FR" sz="1400" b="1" dirty="0" err="1">
-                <a:solidFill>
-                  <a:srgbClr val="000000"/>
-                </a:solidFill>
-                <a:effectLst/>
-                <a:latin typeface="Calibri" panose="020F0502020204030204" pitchFamily="34" charset="0"/>
-                <a:ea typeface="Calibri" panose="020F0502020204030204" pitchFamily="34" charset="0"/>
-              </a:rPr>
-              <a:t>Limiting</a:t>
-            </a:r>
-            <a:r>
-              <a:rPr lang="fr-FR" sz="1400" b="1" dirty="0">
-                <a:solidFill>
-                  <a:srgbClr val="000000"/>
-                </a:solidFill>
-                <a:effectLst/>
-                <a:latin typeface="Calibri" panose="020F0502020204030204" pitchFamily="34" charset="0"/>
-                <a:ea typeface="Calibri" panose="020F0502020204030204" pitchFamily="34" charset="0"/>
-              </a:rPr>
-              <a:t> Login </a:t>
-            </a:r>
-            <a:r>
-              <a:rPr lang="fr-FR" sz="1400" b="1" dirty="0" err="1">
-                <a:solidFill>
-                  <a:srgbClr val="000000"/>
-                </a:solidFill>
-                <a:effectLst/>
-                <a:latin typeface="Calibri" panose="020F0502020204030204" pitchFamily="34" charset="0"/>
-                <a:ea typeface="Calibri" panose="020F0502020204030204" pitchFamily="34" charset="0"/>
-              </a:rPr>
-              <a:t>Attempts</a:t>
-            </a:r>
-            <a:endParaRPr lang="de-DE" sz="1400" b="1" dirty="0">
-              <a:solidFill>
-                <a:srgbClr val="000000"/>
-              </a:solidFill>
-              <a:effectLst/>
-              <a:latin typeface="Calibri" panose="020F0502020204030204" pitchFamily="34" charset="0"/>
-              <a:ea typeface="Calibri" panose="020F0502020204030204" pitchFamily="34" charset="0"/>
-            </a:endParaRPr>
-          </a:p>
-        </p:txBody>
-      </p:sp>
-      <p:sp>
-        <p:nvSpPr>
-          <p:cNvPr id="19" name="ZoneTexte 18">
-            <a:extLst>
-              <a:ext uri="{FF2B5EF4-FFF2-40B4-BE49-F238E27FC236}">
-                <a16:creationId xmlns:a16="http://schemas.microsoft.com/office/drawing/2014/main" id="{C49829EB-93AF-4DC6-A8BF-8F7EEB01286B}"/>
-              </a:ext>
-            </a:extLst>
-          </p:cNvPr>
-          <p:cNvSpPr txBox="1"/>
-          <p:nvPr/>
-        </p:nvSpPr>
-        <p:spPr>
-          <a:xfrm>
-            <a:off x="793432" y="3749240"/>
-            <a:ext cx="2454967" cy="584775"/>
-          </a:xfrm>
-          <a:prstGeom prst="rect">
-            <a:avLst/>
-          </a:prstGeom>
-          <a:noFill/>
-        </p:spPr>
-        <p:txBody>
-          <a:bodyPr wrap="none" rtlCol="0">
-            <a:spAutoFit/>
-          </a:bodyPr>
-          <a:lstStyle/>
-          <a:p>
-            <a:pPr marL="285750" indent="-285750">
-              <a:buFont typeface="Arial" panose="020B0604020202020204" pitchFamily="34" charset="0"/>
-              <a:buChar char="•"/>
-            </a:pPr>
-            <a:r>
-              <a:rPr lang="de-DE" sz="1400" b="1" dirty="0">
-                <a:solidFill>
-                  <a:srgbClr val="000000"/>
-                </a:solidFill>
-                <a:effectLst/>
-                <a:latin typeface="Calibri" panose="020F0502020204030204" pitchFamily="34" charset="0"/>
-                <a:ea typeface="Calibri" panose="020F0502020204030204" pitchFamily="34" charset="0"/>
-              </a:rPr>
-              <a:t>Authentication &amp; Firewalls</a:t>
-            </a:r>
-          </a:p>
-          <a:p>
-            <a:endParaRPr lang="de-DE" dirty="0"/>
-          </a:p>
-        </p:txBody>
-      </p:sp>
-      <p:pic>
-        <p:nvPicPr>
-          <p:cNvPr id="23" name="Image 22" descr="Une image contenant texte&#10;&#10;Description générée automatiquement">
-            <a:extLst>
-              <a:ext uri="{FF2B5EF4-FFF2-40B4-BE49-F238E27FC236}">
-                <a16:creationId xmlns:a16="http://schemas.microsoft.com/office/drawing/2014/main" id="{96AAEB13-CA3A-4C09-B5EB-EAFDACF25EDC}"/>
-              </a:ext>
-            </a:extLst>
-          </p:cNvPr>
-          <p:cNvPicPr/>
-          <p:nvPr/>
-        </p:nvPicPr>
-        <p:blipFill>
-          <a:blip r:embed="rId2"/>
-          <a:stretch>
-            <a:fillRect/>
-          </a:stretch>
-        </p:blipFill>
-        <p:spPr>
-          <a:xfrm>
-            <a:off x="7861936" y="5644135"/>
-            <a:ext cx="3369310" cy="654685"/>
-          </a:xfrm>
-          <a:prstGeom prst="rect">
-            <a:avLst/>
-          </a:prstGeom>
-        </p:spPr>
-      </p:pic>
-      <p:sp>
-        <p:nvSpPr>
           <p:cNvPr id="24" name="ZoneTexte 23">
             <a:extLst>
               <a:ext uri="{FF2B5EF4-FFF2-40B4-BE49-F238E27FC236}">
@@ -10591,7 +10704,7 @@
         </p:nvSpPr>
         <p:spPr>
           <a:xfrm>
-            <a:off x="7264154" y="1741437"/>
+            <a:off x="423087" y="3919805"/>
             <a:ext cx="3815981" cy="307777"/>
           </a:xfrm>
           <a:prstGeom prst="rect">
@@ -10671,8 +10784,8 @@
         </p:nvSpPr>
         <p:spPr>
           <a:xfrm>
-            <a:off x="7852411" y="2057308"/>
-            <a:ext cx="3815981" cy="1815882"/>
+            <a:off x="1180678" y="4452386"/>
+            <a:ext cx="3815981" cy="954107"/>
           </a:xfrm>
           <a:prstGeom prst="rect">
             <a:avLst/>
@@ -10716,7 +10829,7 @@
                 <a:latin typeface="Calibri" panose="020F0502020204030204" pitchFamily="34" charset="0"/>
                 <a:ea typeface="Calibri" panose="020F0502020204030204" pitchFamily="34" charset="0"/>
               </a:rPr>
-              <a:t>. Par exemple, pour exiger ROLE_ADMIN pour toutes les URL commençant par /admin, vous pouvez définir autant de modèles d'URL que nécessaire - chacun est une expression régulière</a:t>
+              <a:t>. </a:t>
             </a:r>
             <a:endParaRPr lang="de-DE" sz="1400" dirty="0"/>
           </a:p>
@@ -10744,7 +10857,7 @@
         </p:blipFill>
         <p:spPr>
           <a:xfrm>
-            <a:off x="7940872" y="3915574"/>
+            <a:off x="6243744" y="4575272"/>
             <a:ext cx="4106348" cy="1090766"/>
           </a:xfrm>
           <a:prstGeom prst="rect">
@@ -10955,7 +11068,7 @@
                                           </p:stCondLst>
                                         </p:cTn>
                                         <p:tgtEl>
-                                          <p:spTgt spid="19"/>
+                                          <p:spTgt spid="24"/>
                                         </p:tgtEl>
                                         <p:attrNameLst>
                                           <p:attrName>style.visibility</p:attrName>
@@ -10969,7 +11082,7 @@
                                       <p:cBhvr>
                                         <p:cTn id="22" dur="500"/>
                                         <p:tgtEl>
-                                          <p:spTgt spid="19"/>
+                                          <p:spTgt spid="24"/>
                                         </p:tgtEl>
                                       </p:cBhvr>
                                     </p:animEffect>
@@ -11008,7 +11121,7 @@
                                           </p:stCondLst>
                                         </p:cTn>
                                         <p:tgtEl>
-                                          <p:spTgt spid="17"/>
+                                          <p:spTgt spid="25"/>
                                         </p:tgtEl>
                                         <p:attrNameLst>
                                           <p:attrName>style.visibility</p:attrName>
@@ -11022,7 +11135,7 @@
                                       <p:cBhvr>
                                         <p:cTn id="27" dur="500"/>
                                         <p:tgtEl>
-                                          <p:spTgt spid="17"/>
+                                          <p:spTgt spid="25"/>
                                         </p:tgtEl>
                                       </p:cBhvr>
                                     </p:animEffect>
@@ -11048,7 +11161,7 @@
                             </p:stCondLst>
                             <p:childTnLst>
                               <p:par>
-                                <p:cTn id="30" presetID="10" presetClass="entr" presetSubtype="0" fill="hold" grpId="0" nodeType="clickEffect">
+                                <p:cTn id="30" presetID="42" presetClass="entr" presetSubtype="0" fill="hold" nodeType="clickEffect">
                                   <p:stCondLst>
                                     <p:cond delay="0"/>
                                   </p:stCondLst>
@@ -11061,7 +11174,7 @@
                                           </p:stCondLst>
                                         </p:cTn>
                                         <p:tgtEl>
-                                          <p:spTgt spid="24"/>
+                                          <p:spTgt spid="27"/>
                                         </p:tgtEl>
                                         <p:attrNameLst>
                                           <p:attrName>style.visibility</p:attrName>
@@ -11073,113 +11186,7 @@
                                     </p:set>
                                     <p:animEffect transition="in" filter="fade">
                                       <p:cBhvr>
-                                        <p:cTn id="32" dur="500"/>
-                                        <p:tgtEl>
-                                          <p:spTgt spid="24"/>
-                                        </p:tgtEl>
-                                      </p:cBhvr>
-                                    </p:animEffect>
-                                  </p:childTnLst>
-                                </p:cTn>
-                              </p:par>
-                            </p:childTnLst>
-                          </p:cTn>
-                        </p:par>
-                      </p:childTnLst>
-                    </p:cTn>
-                  </p:par>
-                  <p:par>
-                    <p:cTn id="33" fill="hold">
-                      <p:stCondLst>
-                        <p:cond delay="indefinite"/>
-                      </p:stCondLst>
-                      <p:childTnLst>
-                        <p:par>
-                          <p:cTn id="34" fill="hold">
-                            <p:stCondLst>
-                              <p:cond delay="0"/>
-                            </p:stCondLst>
-                            <p:childTnLst>
-                              <p:par>
-                                <p:cTn id="35" presetID="10" presetClass="entr" presetSubtype="0" fill="hold" grpId="0" nodeType="clickEffect">
-                                  <p:stCondLst>
-                                    <p:cond delay="0"/>
-                                  </p:stCondLst>
-                                  <p:childTnLst>
-                                    <p:set>
-                                      <p:cBhvr>
-                                        <p:cTn id="36" dur="1" fill="hold">
-                                          <p:stCondLst>
-                                            <p:cond delay="0"/>
-                                          </p:stCondLst>
-                                        </p:cTn>
-                                        <p:tgtEl>
-                                          <p:spTgt spid="25"/>
-                                        </p:tgtEl>
-                                        <p:attrNameLst>
-                                          <p:attrName>style.visibility</p:attrName>
-                                        </p:attrNameLst>
-                                      </p:cBhvr>
-                                      <p:to>
-                                        <p:strVal val="visible"/>
-                                      </p:to>
-                                    </p:set>
-                                    <p:animEffect transition="in" filter="fade">
-                                      <p:cBhvr>
-                                        <p:cTn id="37" dur="500"/>
-                                        <p:tgtEl>
-                                          <p:spTgt spid="25"/>
-                                        </p:tgtEl>
-                                      </p:cBhvr>
-                                    </p:animEffect>
-                                  </p:childTnLst>
-                                </p:cTn>
-                              </p:par>
-                            </p:childTnLst>
-                          </p:cTn>
-                        </p:par>
-                      </p:childTnLst>
-                    </p:cTn>
-                  </p:par>
-                  <p:par>
-                    <p:cTn id="38" fill="hold">
-                      <p:stCondLst>
-                        <p:cond delay="indefinite"/>
-                      </p:stCondLst>
-                      <p:childTnLst>
-                        <p:par>
-                          <p:cTn id="39" fill="hold">
-                            <p:stCondLst>
-                              <p:cond delay="0"/>
-                            </p:stCondLst>
-                            <p:childTnLst>
-                              <p:par>
-                                <p:cTn id="40" presetID="42" presetClass="entr" presetSubtype="0" fill="hold" nodeType="clickEffect">
-                                  <p:stCondLst>
-                                    <p:cond delay="0"/>
-                                  </p:stCondLst>
-                                  <p:childTnLst>
-                                    <p:set>
-                                      <p:cBhvr>
-                                        <p:cTn id="41" dur="1" fill="hold">
-                                          <p:stCondLst>
-                                            <p:cond delay="0"/>
-                                          </p:stCondLst>
-                                        </p:cTn>
-                                        <p:tgtEl>
-                                          <p:spTgt spid="27"/>
-                                        </p:tgtEl>
-                                        <p:attrNameLst>
-                                          <p:attrName>style.visibility</p:attrName>
-                                        </p:attrNameLst>
-                                      </p:cBhvr>
-                                      <p:to>
-                                        <p:strVal val="visible"/>
-                                      </p:to>
-                                    </p:set>
-                                    <p:animEffect transition="in" filter="fade">
-                                      <p:cBhvr>
-                                        <p:cTn id="42" dur="1000"/>
+                                        <p:cTn id="32" dur="1000"/>
                                         <p:tgtEl>
                                           <p:spTgt spid="27"/>
                                         </p:tgtEl>
@@ -11187,7 +11194,7 @@
                                     </p:animEffect>
                                     <p:anim calcmode="lin" valueType="num">
                                       <p:cBhvr>
-                                        <p:cTn id="43" dur="1000" fill="hold"/>
+                                        <p:cTn id="33" dur="1000" fill="hold"/>
                                         <p:tgtEl>
                                           <p:spTgt spid="27"/>
                                         </p:tgtEl>
@@ -11210,161 +11217,9 @@
                                     </p:anim>
                                     <p:anim calcmode="lin" valueType="num">
                                       <p:cBhvr>
-                                        <p:cTn id="44" dur="1000" fill="hold"/>
+                                        <p:cTn id="34" dur="1000" fill="hold"/>
                                         <p:tgtEl>
                                           <p:spTgt spid="27"/>
-                                        </p:tgtEl>
-                                        <p:attrNameLst>
-                                          <p:attrName>ppt_y</p:attrName>
-                                        </p:attrNameLst>
-                                      </p:cBhvr>
-                                      <p:tavLst>
-                                        <p:tav tm="0">
-                                          <p:val>
-                                            <p:strVal val="#ppt_y+.1"/>
-                                          </p:val>
-                                        </p:tav>
-                                        <p:tav tm="100000">
-                                          <p:val>
-                                            <p:strVal val="#ppt_y"/>
-                                          </p:val>
-                                        </p:tav>
-                                      </p:tavLst>
-                                    </p:anim>
-                                  </p:childTnLst>
-                                </p:cTn>
-                              </p:par>
-                            </p:childTnLst>
-                          </p:cTn>
-                        </p:par>
-                      </p:childTnLst>
-                    </p:cTn>
-                  </p:par>
-                  <p:par>
-                    <p:cTn id="45" fill="hold">
-                      <p:stCondLst>
-                        <p:cond delay="indefinite"/>
-                      </p:stCondLst>
-                      <p:childTnLst>
-                        <p:par>
-                          <p:cTn id="46" fill="hold">
-                            <p:stCondLst>
-                              <p:cond delay="0"/>
-                            </p:stCondLst>
-                            <p:childTnLst>
-                              <p:par>
-                                <p:cTn id="47" presetID="10" presetClass="entr" presetSubtype="0" fill="hold" grpId="0" nodeType="clickEffect">
-                                  <p:stCondLst>
-                                    <p:cond delay="0"/>
-                                  </p:stCondLst>
-                                  <p:childTnLst>
-                                    <p:set>
-                                      <p:cBhvr>
-                                        <p:cTn id="48" dur="1" fill="hold">
-                                          <p:stCondLst>
-                                            <p:cond delay="0"/>
-                                          </p:stCondLst>
-                                        </p:cTn>
-                                        <p:tgtEl>
-                                          <p:spTgt spid="21"/>
-                                        </p:tgtEl>
-                                        <p:attrNameLst>
-                                          <p:attrName>style.visibility</p:attrName>
-                                        </p:attrNameLst>
-                                      </p:cBhvr>
-                                      <p:to>
-                                        <p:strVal val="visible"/>
-                                      </p:to>
-                                    </p:set>
-                                    <p:animEffect transition="in" filter="fade">
-                                      <p:cBhvr>
-                                        <p:cTn id="49" dur="500"/>
-                                        <p:tgtEl>
-                                          <p:spTgt spid="21"/>
-                                        </p:tgtEl>
-                                      </p:cBhvr>
-                                    </p:animEffect>
-                                  </p:childTnLst>
-                                </p:cTn>
-                              </p:par>
-                            </p:childTnLst>
-                          </p:cTn>
-                        </p:par>
-                      </p:childTnLst>
-                    </p:cTn>
-                  </p:par>
-                  <p:par>
-                    <p:cTn id="50" fill="hold">
-                      <p:stCondLst>
-                        <p:cond delay="indefinite"/>
-                      </p:stCondLst>
-                      <p:childTnLst>
-                        <p:par>
-                          <p:cTn id="51" fill="hold">
-                            <p:stCondLst>
-                              <p:cond delay="0"/>
-                            </p:stCondLst>
-                            <p:childTnLst>
-                              <p:par>
-                                <p:cTn id="52" presetID="42" presetClass="entr" presetSubtype="0" fill="hold" nodeType="clickEffect">
-                                  <p:stCondLst>
-                                    <p:cond delay="0"/>
-                                  </p:stCondLst>
-                                  <p:childTnLst>
-                                    <p:set>
-                                      <p:cBhvr>
-                                        <p:cTn id="53" dur="1" fill="hold">
-                                          <p:stCondLst>
-                                            <p:cond delay="0"/>
-                                          </p:stCondLst>
-                                        </p:cTn>
-                                        <p:tgtEl>
-                                          <p:spTgt spid="23"/>
-                                        </p:tgtEl>
-                                        <p:attrNameLst>
-                                          <p:attrName>style.visibility</p:attrName>
-                                        </p:attrNameLst>
-                                      </p:cBhvr>
-                                      <p:to>
-                                        <p:strVal val="visible"/>
-                                      </p:to>
-                                    </p:set>
-                                    <p:animEffect transition="in" filter="fade">
-                                      <p:cBhvr>
-                                        <p:cTn id="54" dur="1000"/>
-                                        <p:tgtEl>
-                                          <p:spTgt spid="23"/>
-                                        </p:tgtEl>
-                                      </p:cBhvr>
-                                    </p:animEffect>
-                                    <p:anim calcmode="lin" valueType="num">
-                                      <p:cBhvr>
-                                        <p:cTn id="55" dur="1000" fill="hold"/>
-                                        <p:tgtEl>
-                                          <p:spTgt spid="23"/>
-                                        </p:tgtEl>
-                                        <p:attrNameLst>
-                                          <p:attrName>ppt_x</p:attrName>
-                                        </p:attrNameLst>
-                                      </p:cBhvr>
-                                      <p:tavLst>
-                                        <p:tav tm="0">
-                                          <p:val>
-                                            <p:strVal val="#ppt_x"/>
-                                          </p:val>
-                                        </p:tav>
-                                        <p:tav tm="100000">
-                                          <p:val>
-                                            <p:strVal val="#ppt_x"/>
-                                          </p:val>
-                                        </p:tav>
-                                      </p:tavLst>
-                                    </p:anim>
-                                    <p:anim calcmode="lin" valueType="num">
-                                      <p:cBhvr>
-                                        <p:cTn id="56" dur="1000" fill="hold"/>
-                                        <p:tgtEl>
-                                          <p:spTgt spid="23"/>
                                         </p:tgtEl>
                                         <p:attrNameLst>
                                           <p:attrName>ppt_y</p:attrName>
@@ -11417,9 +11272,6 @@
       <p:bldP spid="7" grpId="0"/>
       <p:bldP spid="9" grpId="0"/>
       <p:bldP spid="11" grpId="0"/>
-      <p:bldP spid="17" grpId="0"/>
-      <p:bldP spid="21" grpId="0"/>
-      <p:bldP spid="19" grpId="0"/>
       <p:bldP spid="24" grpId="0"/>
       <p:bldP spid="25" grpId="0"/>
     </p:bldLst>
@@ -11777,6 +11629,813 @@
           <a:chExt cx="0" cy="0"/>
         </a:xfrm>
       </p:grpSpPr>
+      <p:sp>
+        <p:nvSpPr>
+          <p:cNvPr id="3" name="ZoneTexte 2">
+            <a:extLst>
+              <a:ext uri="{FF2B5EF4-FFF2-40B4-BE49-F238E27FC236}">
+                <a16:creationId xmlns:a16="http://schemas.microsoft.com/office/drawing/2014/main" id="{51F01911-611A-496C-9FFA-8604D244B565}"/>
+              </a:ext>
+            </a:extLst>
+          </p:cNvPr>
+          <p:cNvSpPr txBox="1"/>
+          <p:nvPr/>
+        </p:nvSpPr>
+        <p:spPr>
+          <a:xfrm>
+            <a:off x="795866" y="1052605"/>
+            <a:ext cx="6096000" cy="3970318"/>
+          </a:xfrm>
+          <a:prstGeom prst="rect">
+            <a:avLst/>
+          </a:prstGeom>
+          <a:noFill/>
+        </p:spPr>
+        <p:txBody>
+          <a:bodyPr wrap="square">
+            <a:spAutoFit/>
+          </a:bodyPr>
+          <a:lstStyle/>
+          <a:p>
+            <a:r>
+              <a:rPr lang="fr-FR" b="0" i="0" dirty="0">
+                <a:effectLst/>
+                <a:latin typeface="Arial" panose="020B0604020202020204" pitchFamily="34" charset="0"/>
+              </a:rPr>
+              <a:t>«</a:t>
+            </a:r>
+            <a:r>
+              <a:rPr lang="fr-FR" b="0" i="0" dirty="0" err="1">
+                <a:effectLst/>
+                <a:latin typeface="Arial" panose="020B0604020202020204" pitchFamily="34" charset="0"/>
+              </a:rPr>
+              <a:t>Laravelrend</a:t>
+            </a:r>
+            <a:r>
+              <a:rPr lang="fr-FR" b="0" i="0" dirty="0">
+                <a:effectLst/>
+                <a:latin typeface="Arial" panose="020B0604020202020204" pitchFamily="34" charset="0"/>
+              </a:rPr>
+              <a:t> facile la protection de votre application provenant des attaques CSRF(Cross-</a:t>
+            </a:r>
+            <a:r>
+              <a:rPr lang="fr-FR" b="0" i="0" dirty="0" err="1">
+                <a:effectLst/>
+                <a:latin typeface="Arial" panose="020B0604020202020204" pitchFamily="34" charset="0"/>
+              </a:rPr>
+              <a:t>SiteRequestForgery</a:t>
+            </a:r>
+            <a:r>
+              <a:rPr lang="fr-FR" b="0" i="0" dirty="0">
+                <a:effectLst/>
+                <a:latin typeface="Arial" panose="020B0604020202020204" pitchFamily="34" charset="0"/>
+              </a:rPr>
+              <a:t>).</a:t>
+            </a:r>
+          </a:p>
+          <a:p>
+            <a:endParaRPr lang="fr-FR" b="0" i="0" dirty="0">
+              <a:effectLst/>
+              <a:latin typeface="Arial" panose="020B0604020202020204" pitchFamily="34" charset="0"/>
+            </a:endParaRPr>
+          </a:p>
+          <a:p>
+            <a:r>
+              <a:rPr lang="fr-FR" b="0" i="0" dirty="0">
+                <a:effectLst/>
+                <a:latin typeface="Arial" panose="020B0604020202020204" pitchFamily="34" charset="0"/>
+              </a:rPr>
+              <a:t>CSRF est un type de malice qui permet d’exploiter des commandes non autorisé d’un compte utilisateur connecté. </a:t>
+            </a:r>
+          </a:p>
+          <a:p>
+            <a:r>
+              <a:rPr lang="fr-FR" b="0" i="0" dirty="0" err="1">
+                <a:effectLst/>
+                <a:latin typeface="Arial" panose="020B0604020202020204" pitchFamily="34" charset="0"/>
+              </a:rPr>
+              <a:t>Laravel</a:t>
+            </a:r>
+            <a:r>
+              <a:rPr lang="fr-FR" b="0" i="0" dirty="0">
+                <a:effectLst/>
+                <a:latin typeface="Arial" panose="020B0604020202020204" pitchFamily="34" charset="0"/>
+              </a:rPr>
+              <a:t> génère automatiquement un «jeton»</a:t>
+            </a:r>
+          </a:p>
+          <a:p>
+            <a:r>
+              <a:rPr lang="fr-FR" b="0" i="0" dirty="0">
+                <a:effectLst/>
+                <a:latin typeface="Arial" panose="020B0604020202020204" pitchFamily="34" charset="0"/>
+              </a:rPr>
+              <a:t>CSRF pour chaque session d’utilisateur géré par l’application. </a:t>
+            </a:r>
+          </a:p>
+          <a:p>
+            <a:endParaRPr lang="fr-FR" b="0" i="0" dirty="0">
+              <a:effectLst/>
+              <a:latin typeface="Arial" panose="020B0604020202020204" pitchFamily="34" charset="0"/>
+            </a:endParaRPr>
+          </a:p>
+          <a:p>
+            <a:r>
+              <a:rPr lang="fr-FR" b="0" i="0" dirty="0">
+                <a:effectLst/>
+                <a:latin typeface="Arial" panose="020B0604020202020204" pitchFamily="34" charset="0"/>
+              </a:rPr>
+              <a:t>Ce jeton est utilisé pour vérifier que seul l’utilisateur connecté est bien celui qui envoie la requête à l’application.</a:t>
+            </a:r>
+            <a:endParaRPr lang="de-DE" dirty="0"/>
+          </a:p>
+        </p:txBody>
+      </p:sp>
+      <p:sp>
+        <p:nvSpPr>
+          <p:cNvPr id="4" name="ZoneTexte 3">
+            <a:extLst>
+              <a:ext uri="{FF2B5EF4-FFF2-40B4-BE49-F238E27FC236}">
+                <a16:creationId xmlns:a16="http://schemas.microsoft.com/office/drawing/2014/main" id="{0E5F9227-23DE-4B95-BF7B-0C009B409398}"/>
+              </a:ext>
+            </a:extLst>
+          </p:cNvPr>
+          <p:cNvSpPr txBox="1"/>
+          <p:nvPr/>
+        </p:nvSpPr>
+        <p:spPr>
+          <a:xfrm>
+            <a:off x="671513" y="361287"/>
+            <a:ext cx="6097904" cy="375552"/>
+          </a:xfrm>
+          <a:prstGeom prst="rect">
+            <a:avLst/>
+          </a:prstGeom>
+          <a:noFill/>
+        </p:spPr>
+        <p:txBody>
+          <a:bodyPr wrap="square">
+            <a:spAutoFit/>
+          </a:bodyPr>
+          <a:lstStyle/>
+          <a:p>
+            <a:pPr marL="342900" lvl="0" indent="-342900">
+              <a:lnSpc>
+                <a:spcPct val="107000"/>
+              </a:lnSpc>
+              <a:spcAft>
+                <a:spcPts val="880"/>
+              </a:spcAft>
+              <a:buFont typeface="Wingdings" panose="05000000000000000000" pitchFamily="2" charset="2"/>
+              <a:buChar char="v"/>
+            </a:pPr>
+            <a:r>
+              <a:rPr lang="fr-FR" sz="1800" b="1" kern="0" dirty="0">
+                <a:solidFill>
+                  <a:srgbClr val="000000"/>
+                </a:solidFill>
+                <a:effectLst/>
+                <a:latin typeface="Calibri" panose="020F0502020204030204" pitchFamily="34" charset="0"/>
+                <a:ea typeface="Calibri" panose="020F0502020204030204" pitchFamily="34" charset="0"/>
+              </a:rPr>
+              <a:t>Security </a:t>
+            </a:r>
+            <a:endParaRPr lang="de-DE" sz="1800" b="1" kern="0" dirty="0">
+              <a:solidFill>
+                <a:srgbClr val="000000"/>
+              </a:solidFill>
+              <a:effectLst/>
+              <a:latin typeface="Calibri" panose="020F0502020204030204" pitchFamily="34" charset="0"/>
+              <a:ea typeface="Calibri" panose="020F0502020204030204" pitchFamily="34" charset="0"/>
+            </a:endParaRPr>
+          </a:p>
+        </p:txBody>
+      </p:sp>
+      <p:sp>
+        <p:nvSpPr>
+          <p:cNvPr id="6" name="ZoneTexte 5">
+            <a:extLst>
+              <a:ext uri="{FF2B5EF4-FFF2-40B4-BE49-F238E27FC236}">
+                <a16:creationId xmlns:a16="http://schemas.microsoft.com/office/drawing/2014/main" id="{BB2B6759-EC9C-45B2-8F79-E1A953F7860C}"/>
+              </a:ext>
+            </a:extLst>
+          </p:cNvPr>
+          <p:cNvSpPr txBox="1"/>
+          <p:nvPr/>
+        </p:nvSpPr>
+        <p:spPr>
+          <a:xfrm>
+            <a:off x="6485467" y="834535"/>
+            <a:ext cx="5706533" cy="1477328"/>
+          </a:xfrm>
+          <a:prstGeom prst="rect">
+            <a:avLst/>
+          </a:prstGeom>
+          <a:noFill/>
+        </p:spPr>
+        <p:txBody>
+          <a:bodyPr wrap="square">
+            <a:spAutoFit/>
+          </a:bodyPr>
+          <a:lstStyle/>
+          <a:p>
+            <a:r>
+              <a:rPr lang="fr-FR" b="0" i="0" dirty="0" err="1">
+                <a:effectLst/>
+                <a:latin typeface="Arial" panose="020B0604020202020204" pitchFamily="34" charset="0"/>
+              </a:rPr>
+              <a:t>Validates</a:t>
+            </a:r>
+            <a:r>
+              <a:rPr lang="fr-FR" b="0" i="0" dirty="0">
+                <a:effectLst/>
+                <a:latin typeface="Arial" panose="020B0604020202020204" pitchFamily="34" charset="0"/>
+              </a:rPr>
+              <a:t> </a:t>
+            </a:r>
+            <a:r>
+              <a:rPr lang="fr-FR" b="0" i="0" dirty="0" err="1">
+                <a:effectLst/>
+                <a:latin typeface="Arial" panose="020B0604020202020204" pitchFamily="34" charset="0"/>
+              </a:rPr>
+              <a:t>Requests</a:t>
+            </a:r>
+            <a:r>
+              <a:rPr lang="fr-FR" b="0" i="0" dirty="0">
+                <a:effectLst/>
+                <a:latin typeface="Arial" panose="020B0604020202020204" pitchFamily="34" charset="0"/>
+              </a:rPr>
+              <a:t> </a:t>
+            </a:r>
+            <a:r>
+              <a:rPr lang="fr-FR" b="0" i="0" dirty="0" err="1">
+                <a:effectLst/>
+                <a:latin typeface="Arial" panose="020B0604020202020204" pitchFamily="34" charset="0"/>
+              </a:rPr>
+              <a:t>dontétendentles</a:t>
+            </a:r>
+            <a:r>
+              <a:rPr lang="fr-FR" b="0" i="0" dirty="0">
+                <a:effectLst/>
+                <a:latin typeface="Arial" panose="020B0604020202020204" pitchFamily="34" charset="0"/>
+              </a:rPr>
+              <a:t> Controller à leur création, ce trait sert à gérer les conditions pour qu’un formulaire puisse être valide il va donne une </a:t>
+            </a:r>
+            <a:r>
+              <a:rPr lang="fr-FR" b="0" i="0" dirty="0" err="1">
+                <a:effectLst/>
+                <a:latin typeface="Arial" panose="020B0604020202020204" pitchFamily="34" charset="0"/>
+              </a:rPr>
+              <a:t>nofication</a:t>
+            </a:r>
+            <a:r>
+              <a:rPr lang="fr-FR" b="0" i="0" dirty="0">
+                <a:effectLst/>
+                <a:latin typeface="Arial" panose="020B0604020202020204" pitchFamily="34" charset="0"/>
+              </a:rPr>
+              <a:t> qui dit : le champ n'est pas valide et il y a aussi le </a:t>
+            </a:r>
+            <a:r>
+              <a:rPr lang="fr-FR" b="0" i="0" dirty="0" err="1">
+                <a:effectLst/>
+                <a:latin typeface="Arial" panose="020B0604020202020204" pitchFamily="34" charset="0"/>
+              </a:rPr>
+              <a:t>scrutiy</a:t>
+            </a:r>
+            <a:r>
+              <a:rPr lang="fr-FR" b="0" i="0" dirty="0">
+                <a:effectLst/>
+                <a:latin typeface="Arial" panose="020B0604020202020204" pitchFamily="34" charset="0"/>
+              </a:rPr>
+              <a:t> de champ obligatoire</a:t>
+            </a:r>
+            <a:endParaRPr lang="de-DE" dirty="0"/>
+          </a:p>
+        </p:txBody>
+      </p:sp>
+      <p:sp>
+        <p:nvSpPr>
+          <p:cNvPr id="8" name="ZoneTexte 7">
+            <a:extLst>
+              <a:ext uri="{FF2B5EF4-FFF2-40B4-BE49-F238E27FC236}">
+                <a16:creationId xmlns:a16="http://schemas.microsoft.com/office/drawing/2014/main" id="{F75C5F9D-0A8F-484F-A95E-24373E4C2F74}"/>
+              </a:ext>
+            </a:extLst>
+          </p:cNvPr>
+          <p:cNvSpPr txBox="1"/>
+          <p:nvPr/>
+        </p:nvSpPr>
+        <p:spPr>
+          <a:xfrm>
+            <a:off x="795866" y="5377134"/>
+            <a:ext cx="6096000" cy="646331"/>
+          </a:xfrm>
+          <a:prstGeom prst="rect">
+            <a:avLst/>
+          </a:prstGeom>
+          <a:noFill/>
+        </p:spPr>
+        <p:txBody>
+          <a:bodyPr wrap="square">
+            <a:spAutoFit/>
+          </a:bodyPr>
+          <a:lstStyle/>
+          <a:p>
+            <a:r>
+              <a:rPr lang="de-DE" b="1" i="0" dirty="0" err="1">
+                <a:effectLst/>
+                <a:latin typeface="Arial" panose="020B0604020202020204" pitchFamily="34" charset="0"/>
+              </a:rPr>
+              <a:t>j’ai</a:t>
+            </a:r>
+            <a:r>
+              <a:rPr lang="de-DE" b="1" i="0" dirty="0">
+                <a:effectLst/>
+                <a:latin typeface="Arial" panose="020B0604020202020204" pitchFamily="34" charset="0"/>
+              </a:rPr>
+              <a:t> </a:t>
+            </a:r>
+            <a:r>
+              <a:rPr lang="de-DE" b="1" i="0" dirty="0" err="1">
+                <a:effectLst/>
+                <a:latin typeface="Arial" panose="020B0604020202020204" pitchFamily="34" charset="0"/>
+              </a:rPr>
+              <a:t>parlé</a:t>
+            </a:r>
+            <a:r>
+              <a:rPr lang="de-DE" b="1" i="0" dirty="0">
+                <a:effectLst/>
+                <a:latin typeface="Arial" panose="020B0604020202020204" pitchFamily="34" charset="0"/>
+              </a:rPr>
+              <a:t> du </a:t>
+            </a:r>
+            <a:r>
+              <a:rPr lang="de-DE" b="1" i="0" dirty="0" err="1">
+                <a:effectLst/>
+                <a:latin typeface="Arial" panose="020B0604020202020204" pitchFamily="34" charset="0"/>
+              </a:rPr>
+              <a:t>token</a:t>
+            </a:r>
+            <a:r>
+              <a:rPr lang="de-DE" b="1" i="0" dirty="0">
+                <a:effectLst/>
+                <a:latin typeface="Arial" panose="020B0604020202020204" pitchFamily="34" charset="0"/>
+              </a:rPr>
+              <a:t> CSRF </a:t>
+            </a:r>
+            <a:r>
+              <a:rPr lang="de-DE" b="1" i="0" dirty="0" err="1">
+                <a:effectLst/>
+                <a:latin typeface="Arial" panose="020B0604020202020204" pitchFamily="34" charset="0"/>
+              </a:rPr>
+              <a:t>mais</a:t>
+            </a:r>
+            <a:r>
+              <a:rPr lang="de-DE" b="1" i="0" dirty="0">
+                <a:effectLst/>
+                <a:latin typeface="Arial" panose="020B0604020202020204" pitchFamily="34" charset="0"/>
+              </a:rPr>
+              <a:t> , </a:t>
+            </a:r>
+          </a:p>
+          <a:p>
+            <a:r>
+              <a:rPr lang="de-DE" b="1" i="0" dirty="0">
+                <a:effectLst/>
+                <a:latin typeface="Arial" panose="020B0604020202020204" pitchFamily="34" charset="0"/>
+              </a:rPr>
+              <a:t>Il en </a:t>
+            </a:r>
+            <a:r>
+              <a:rPr lang="de-DE" b="1" i="0" dirty="0" err="1">
+                <a:effectLst/>
+                <a:latin typeface="Arial" panose="020B0604020202020204" pitchFamily="34" charset="0"/>
+              </a:rPr>
+              <a:t>existe</a:t>
+            </a:r>
+            <a:r>
+              <a:rPr lang="de-DE" b="1" i="0" dirty="0">
+                <a:effectLst/>
+                <a:latin typeface="Arial" panose="020B0604020202020204" pitchFamily="34" charset="0"/>
+              </a:rPr>
+              <a:t> </a:t>
+            </a:r>
+            <a:r>
+              <a:rPr lang="de-DE" b="1" i="0" dirty="0" err="1">
+                <a:effectLst/>
+                <a:latin typeface="Arial" panose="020B0604020202020204" pitchFamily="34" charset="0"/>
+              </a:rPr>
+              <a:t>d’autres</a:t>
+            </a:r>
+            <a:r>
+              <a:rPr lang="de-DE" b="1" i="0" dirty="0">
+                <a:effectLst/>
+                <a:latin typeface="Arial" panose="020B0604020202020204" pitchFamily="34" charset="0"/>
+              </a:rPr>
+              <a:t> </a:t>
+            </a:r>
+            <a:r>
+              <a:rPr lang="de-DE" b="1" i="0" dirty="0" err="1">
+                <a:effectLst/>
+                <a:latin typeface="Arial" panose="020B0604020202020204" pitchFamily="34" charset="0"/>
+              </a:rPr>
+              <a:t>security</a:t>
+            </a:r>
+            <a:endParaRPr lang="de-DE" b="1" dirty="0"/>
+          </a:p>
+        </p:txBody>
+      </p:sp>
+      <p:pic>
+        <p:nvPicPr>
+          <p:cNvPr id="10" name="Image 9">
+            <a:extLst>
+              <a:ext uri="{FF2B5EF4-FFF2-40B4-BE49-F238E27FC236}">
+                <a16:creationId xmlns:a16="http://schemas.microsoft.com/office/drawing/2014/main" id="{59BDECB1-26C4-471E-8A00-E4ED6A89708D}"/>
+              </a:ext>
+            </a:extLst>
+          </p:cNvPr>
+          <p:cNvPicPr>
+            <a:picLocks noChangeAspect="1"/>
+          </p:cNvPicPr>
+          <p:nvPr/>
+        </p:nvPicPr>
+        <p:blipFill>
+          <a:blip r:embed="rId2"/>
+          <a:stretch>
+            <a:fillRect/>
+          </a:stretch>
+        </p:blipFill>
+        <p:spPr>
+          <a:xfrm>
+            <a:off x="7277417" y="2878198"/>
+            <a:ext cx="4351865" cy="1519460"/>
+          </a:xfrm>
+          <a:prstGeom prst="rect">
+            <a:avLst/>
+          </a:prstGeom>
+        </p:spPr>
+      </p:pic>
+    </p:spTree>
+    <p:extLst>
+      <p:ext uri="{BB962C8B-B14F-4D97-AF65-F5344CB8AC3E}">
+        <p14:creationId xmlns:p14="http://schemas.microsoft.com/office/powerpoint/2010/main" val="2070348976"/>
+      </p:ext>
+    </p:extLst>
+  </p:cSld>
+  <p:clrMapOvr>
+    <a:masterClrMapping/>
+  </p:clrMapOvr>
+  <p:timing>
+    <p:tnLst>
+      <p:par>
+        <p:cTn id="1" dur="indefinite" restart="never" nodeType="tmRoot">
+          <p:childTnLst>
+            <p:seq concurrent="1" nextAc="seek">
+              <p:cTn id="2" dur="indefinite" nodeType="mainSeq">
+                <p:childTnLst>
+                  <p:par>
+                    <p:cTn id="3" fill="hold">
+                      <p:stCondLst>
+                        <p:cond delay="indefinite"/>
+                      </p:stCondLst>
+                      <p:childTnLst>
+                        <p:par>
+                          <p:cTn id="4" fill="hold">
+                            <p:stCondLst>
+                              <p:cond delay="0"/>
+                            </p:stCondLst>
+                            <p:childTnLst>
+                              <p:par>
+                                <p:cTn id="5" presetID="2" presetClass="entr" presetSubtype="4" fill="hold" grpId="0" nodeType="clickEffect">
+                                  <p:stCondLst>
+                                    <p:cond delay="0"/>
+                                  </p:stCondLst>
+                                  <p:childTnLst>
+                                    <p:set>
+                                      <p:cBhvr>
+                                        <p:cTn id="6" dur="1" fill="hold">
+                                          <p:stCondLst>
+                                            <p:cond delay="0"/>
+                                          </p:stCondLst>
+                                        </p:cTn>
+                                        <p:tgtEl>
+                                          <p:spTgt spid="3"/>
+                                        </p:tgtEl>
+                                        <p:attrNameLst>
+                                          <p:attrName>style.visibility</p:attrName>
+                                        </p:attrNameLst>
+                                      </p:cBhvr>
+                                      <p:to>
+                                        <p:strVal val="visible"/>
+                                      </p:to>
+                                    </p:set>
+                                    <p:anim calcmode="lin" valueType="num">
+                                      <p:cBhvr additive="base">
+                                        <p:cTn id="7" dur="500" fill="hold"/>
+                                        <p:tgtEl>
+                                          <p:spTgt spid="3"/>
+                                        </p:tgtEl>
+                                        <p:attrNameLst>
+                                          <p:attrName>ppt_x</p:attrName>
+                                        </p:attrNameLst>
+                                      </p:cBhvr>
+                                      <p:tavLst>
+                                        <p:tav tm="0">
+                                          <p:val>
+                                            <p:strVal val="#ppt_x"/>
+                                          </p:val>
+                                        </p:tav>
+                                        <p:tav tm="100000">
+                                          <p:val>
+                                            <p:strVal val="#ppt_x"/>
+                                          </p:val>
+                                        </p:tav>
+                                      </p:tavLst>
+                                    </p:anim>
+                                    <p:anim calcmode="lin" valueType="num">
+                                      <p:cBhvr additive="base">
+                                        <p:cTn id="8" dur="500" fill="hold"/>
+                                        <p:tgtEl>
+                                          <p:spTgt spid="3"/>
+                                        </p:tgtEl>
+                                        <p:attrNameLst>
+                                          <p:attrName>ppt_y</p:attrName>
+                                        </p:attrNameLst>
+                                      </p:cBhvr>
+                                      <p:tavLst>
+                                        <p:tav tm="0">
+                                          <p:val>
+                                            <p:strVal val="1+#ppt_h/2"/>
+                                          </p:val>
+                                        </p:tav>
+                                        <p:tav tm="100000">
+                                          <p:val>
+                                            <p:strVal val="#ppt_y"/>
+                                          </p:val>
+                                        </p:tav>
+                                      </p:tavLst>
+                                    </p:anim>
+                                  </p:childTnLst>
+                                </p:cTn>
+                              </p:par>
+                            </p:childTnLst>
+                          </p:cTn>
+                        </p:par>
+                      </p:childTnLst>
+                    </p:cTn>
+                  </p:par>
+                  <p:par>
+                    <p:cTn id="9" fill="hold">
+                      <p:stCondLst>
+                        <p:cond delay="indefinite"/>
+                      </p:stCondLst>
+                      <p:childTnLst>
+                        <p:par>
+                          <p:cTn id="10" fill="hold">
+                            <p:stCondLst>
+                              <p:cond delay="0"/>
+                            </p:stCondLst>
+                            <p:childTnLst>
+                              <p:par>
+                                <p:cTn id="11" presetID="42" presetClass="entr" presetSubtype="0" fill="hold" grpId="0" nodeType="clickEffect">
+                                  <p:stCondLst>
+                                    <p:cond delay="0"/>
+                                  </p:stCondLst>
+                                  <p:childTnLst>
+                                    <p:set>
+                                      <p:cBhvr>
+                                        <p:cTn id="12" dur="1" fill="hold">
+                                          <p:stCondLst>
+                                            <p:cond delay="0"/>
+                                          </p:stCondLst>
+                                        </p:cTn>
+                                        <p:tgtEl>
+                                          <p:spTgt spid="8"/>
+                                        </p:tgtEl>
+                                        <p:attrNameLst>
+                                          <p:attrName>style.visibility</p:attrName>
+                                        </p:attrNameLst>
+                                      </p:cBhvr>
+                                      <p:to>
+                                        <p:strVal val="visible"/>
+                                      </p:to>
+                                    </p:set>
+                                    <p:animEffect transition="in" filter="fade">
+                                      <p:cBhvr>
+                                        <p:cTn id="13" dur="1000"/>
+                                        <p:tgtEl>
+                                          <p:spTgt spid="8"/>
+                                        </p:tgtEl>
+                                      </p:cBhvr>
+                                    </p:animEffect>
+                                    <p:anim calcmode="lin" valueType="num">
+                                      <p:cBhvr>
+                                        <p:cTn id="14" dur="1000" fill="hold"/>
+                                        <p:tgtEl>
+                                          <p:spTgt spid="8"/>
+                                        </p:tgtEl>
+                                        <p:attrNameLst>
+                                          <p:attrName>ppt_x</p:attrName>
+                                        </p:attrNameLst>
+                                      </p:cBhvr>
+                                      <p:tavLst>
+                                        <p:tav tm="0">
+                                          <p:val>
+                                            <p:strVal val="#ppt_x"/>
+                                          </p:val>
+                                        </p:tav>
+                                        <p:tav tm="100000">
+                                          <p:val>
+                                            <p:strVal val="#ppt_x"/>
+                                          </p:val>
+                                        </p:tav>
+                                      </p:tavLst>
+                                    </p:anim>
+                                    <p:anim calcmode="lin" valueType="num">
+                                      <p:cBhvr>
+                                        <p:cTn id="15" dur="1000" fill="hold"/>
+                                        <p:tgtEl>
+                                          <p:spTgt spid="8"/>
+                                        </p:tgtEl>
+                                        <p:attrNameLst>
+                                          <p:attrName>ppt_y</p:attrName>
+                                        </p:attrNameLst>
+                                      </p:cBhvr>
+                                      <p:tavLst>
+                                        <p:tav tm="0">
+                                          <p:val>
+                                            <p:strVal val="#ppt_y+.1"/>
+                                          </p:val>
+                                        </p:tav>
+                                        <p:tav tm="100000">
+                                          <p:val>
+                                            <p:strVal val="#ppt_y"/>
+                                          </p:val>
+                                        </p:tav>
+                                      </p:tavLst>
+                                    </p:anim>
+                                  </p:childTnLst>
+                                </p:cTn>
+                              </p:par>
+                            </p:childTnLst>
+                          </p:cTn>
+                        </p:par>
+                      </p:childTnLst>
+                    </p:cTn>
+                  </p:par>
+                  <p:par>
+                    <p:cTn id="16" fill="hold">
+                      <p:stCondLst>
+                        <p:cond delay="indefinite"/>
+                      </p:stCondLst>
+                      <p:childTnLst>
+                        <p:par>
+                          <p:cTn id="17" fill="hold">
+                            <p:stCondLst>
+                              <p:cond delay="0"/>
+                            </p:stCondLst>
+                            <p:childTnLst>
+                              <p:par>
+                                <p:cTn id="18" presetID="22" presetClass="entr" presetSubtype="4" fill="hold" grpId="0" nodeType="clickEffect">
+                                  <p:stCondLst>
+                                    <p:cond delay="0"/>
+                                  </p:stCondLst>
+                                  <p:childTnLst>
+                                    <p:set>
+                                      <p:cBhvr>
+                                        <p:cTn id="19" dur="1" fill="hold">
+                                          <p:stCondLst>
+                                            <p:cond delay="0"/>
+                                          </p:stCondLst>
+                                        </p:cTn>
+                                        <p:tgtEl>
+                                          <p:spTgt spid="6"/>
+                                        </p:tgtEl>
+                                        <p:attrNameLst>
+                                          <p:attrName>style.visibility</p:attrName>
+                                        </p:attrNameLst>
+                                      </p:cBhvr>
+                                      <p:to>
+                                        <p:strVal val="visible"/>
+                                      </p:to>
+                                    </p:set>
+                                    <p:animEffect transition="in" filter="wipe(down)">
+                                      <p:cBhvr>
+                                        <p:cTn id="20" dur="500"/>
+                                        <p:tgtEl>
+                                          <p:spTgt spid="6"/>
+                                        </p:tgtEl>
+                                      </p:cBhvr>
+                                    </p:animEffect>
+                                  </p:childTnLst>
+                                </p:cTn>
+                              </p:par>
+                            </p:childTnLst>
+                          </p:cTn>
+                        </p:par>
+                      </p:childTnLst>
+                    </p:cTn>
+                  </p:par>
+                  <p:par>
+                    <p:cTn id="21" fill="hold">
+                      <p:stCondLst>
+                        <p:cond delay="indefinite"/>
+                      </p:stCondLst>
+                      <p:childTnLst>
+                        <p:par>
+                          <p:cTn id="22" fill="hold">
+                            <p:stCondLst>
+                              <p:cond delay="0"/>
+                            </p:stCondLst>
+                            <p:childTnLst>
+                              <p:par>
+                                <p:cTn id="23" presetID="6" presetClass="entr" presetSubtype="16" fill="hold" nodeType="clickEffect">
+                                  <p:stCondLst>
+                                    <p:cond delay="0"/>
+                                  </p:stCondLst>
+                                  <p:childTnLst>
+                                    <p:set>
+                                      <p:cBhvr>
+                                        <p:cTn id="24" dur="1" fill="hold">
+                                          <p:stCondLst>
+                                            <p:cond delay="0"/>
+                                          </p:stCondLst>
+                                        </p:cTn>
+                                        <p:tgtEl>
+                                          <p:spTgt spid="10"/>
+                                        </p:tgtEl>
+                                        <p:attrNameLst>
+                                          <p:attrName>style.visibility</p:attrName>
+                                        </p:attrNameLst>
+                                      </p:cBhvr>
+                                      <p:to>
+                                        <p:strVal val="visible"/>
+                                      </p:to>
+                                    </p:set>
+                                    <p:animEffect transition="in" filter="circle(in)">
+                                      <p:cBhvr>
+                                        <p:cTn id="25" dur="2000"/>
+                                        <p:tgtEl>
+                                          <p:spTgt spid="10"/>
+                                        </p:tgtEl>
+                                      </p:cBhvr>
+                                    </p:animEffect>
+                                  </p:childTnLst>
+                                </p:cTn>
+                              </p:par>
+                            </p:childTnLst>
+                          </p:cTn>
+                        </p:par>
+                      </p:childTnLst>
+                    </p:cTn>
+                  </p:par>
+                </p:childTnLst>
+              </p:cTn>
+              <p:prevCondLst>
+                <p:cond evt="onPrev" delay="0">
+                  <p:tgtEl>
+                    <p:sldTgt/>
+                  </p:tgtEl>
+                </p:cond>
+              </p:prevCondLst>
+              <p:nextCondLst>
+                <p:cond evt="onNext" delay="0">
+                  <p:tgtEl>
+                    <p:sldTgt/>
+                  </p:tgtEl>
+                </p:cond>
+              </p:nextCondLst>
+            </p:seq>
+          </p:childTnLst>
+        </p:cTn>
+      </p:par>
+    </p:tnLst>
+    <p:bldLst>
+      <p:bldP spid="3" grpId="0"/>
+      <p:bldP spid="6" grpId="0"/>
+      <p:bldP spid="8" grpId="0"/>
+    </p:bldLst>
+  </p:timing>
+</p:sld>
+</file>
+
+<file path=ppt/slides/slide21.xml><?xml version="1.0" encoding="utf-8"?>
+<p:sld xmlns:a="http://schemas.openxmlformats.org/drawingml/2006/main" xmlns:r="http://schemas.openxmlformats.org/officeDocument/2006/relationships" xmlns:p="http://schemas.openxmlformats.org/presentationml/2006/main">
+  <p:cSld>
+    <p:spTree>
+      <p:nvGrpSpPr>
+        <p:cNvPr id="1" name=""/>
+        <p:cNvGrpSpPr/>
+        <p:nvPr/>
+      </p:nvGrpSpPr>
+      <p:grpSpPr>
+        <a:xfrm>
+          <a:off x="0" y="0"/>
+          <a:ext cx="0" cy="0"/>
+          <a:chOff x="0" y="0"/>
+          <a:chExt cx="0" cy="0"/>
+        </a:xfrm>
+      </p:grpSpPr>
       <p:pic>
         <p:nvPicPr>
           <p:cNvPr id="3" name="Image 2" descr="Une image contenant texte&#10;&#10;Description générée automatiquement">
@@ -11799,8 +12458,8 @@
         </p:blipFill>
         <p:spPr>
           <a:xfrm>
-            <a:off x="240030" y="2114550"/>
-            <a:ext cx="4309110" cy="4579042"/>
+            <a:off x="240030" y="1405467"/>
+            <a:ext cx="4309110" cy="5288125"/>
           </a:xfrm>
           <a:prstGeom prst="rect">
             <a:avLst/>
@@ -11829,8 +12488,8 @@
         </p:blipFill>
         <p:spPr>
           <a:xfrm>
-            <a:off x="4549140" y="2114550"/>
-            <a:ext cx="7642860" cy="4579042"/>
+            <a:off x="4549140" y="1557867"/>
+            <a:ext cx="7642860" cy="5135725"/>
           </a:xfrm>
           <a:prstGeom prst="rect">
             <a:avLst/>
@@ -12125,7 +12784,7 @@
 </p:sld>
 </file>
 
-<file path=ppt/slides/slide21.xml><?xml version="1.0" encoding="utf-8"?>
+<file path=ppt/slides/slide22.xml><?xml version="1.0" encoding="utf-8"?>
 <p:sld xmlns:a="http://schemas.openxmlformats.org/drawingml/2006/main" xmlns:r="http://schemas.openxmlformats.org/officeDocument/2006/relationships" xmlns:p="http://schemas.openxmlformats.org/presentationml/2006/main">
   <p:cSld>
     <p:spTree>
@@ -12157,7 +12816,7 @@
         <p:spPr>
           <a:xfrm>
             <a:off x="1208722" y="2049489"/>
-            <a:ext cx="8918257" cy="1986698"/>
+            <a:ext cx="8918257" cy="1811265"/>
           </a:xfrm>
           <a:prstGeom prst="rect">
             <a:avLst/>
@@ -12242,6 +12901,46 @@
               </a:rPr>
               <a:t>-favoris de voiture </a:t>
             </a:r>
+          </a:p>
+          <a:p>
+            <a:pPr marL="6350" marR="213995" indent="-6350" algn="ctr">
+              <a:lnSpc>
+                <a:spcPct val="110000"/>
+              </a:lnSpc>
+              <a:spcAft>
+                <a:spcPts val="1190"/>
+              </a:spcAft>
+            </a:pPr>
+            <a:r>
+              <a:rPr lang="fr-FR" sz="1400" b="1" dirty="0">
+                <a:solidFill>
+                  <a:srgbClr val="000000"/>
+                </a:solidFill>
+                <a:latin typeface="Calibri" panose="020F0502020204030204" pitchFamily="34" charset="0"/>
+                <a:ea typeface="Calibri" panose="020F0502020204030204" pitchFamily="34" charset="0"/>
+              </a:rPr>
+              <a:t>Une page de de </a:t>
+            </a:r>
+            <a:r>
+              <a:rPr lang="fr-FR" sz="1400" b="1" dirty="0" err="1">
+                <a:solidFill>
+                  <a:srgbClr val="000000"/>
+                </a:solidFill>
+                <a:latin typeface="Calibri" panose="020F0502020204030204" pitchFamily="34" charset="0"/>
+                <a:ea typeface="Calibri" panose="020F0502020204030204" pitchFamily="34" charset="0"/>
+              </a:rPr>
+              <a:t>modele</a:t>
+            </a:r>
+            <a:r>
+              <a:rPr lang="fr-FR" sz="1400" b="1" dirty="0">
+                <a:solidFill>
+                  <a:srgbClr val="000000"/>
+                </a:solidFill>
+                <a:latin typeface="Calibri" panose="020F0502020204030204" pitchFamily="34" charset="0"/>
+                <a:ea typeface="Calibri" panose="020F0502020204030204" pitchFamily="34" charset="0"/>
+              </a:rPr>
+              <a:t> avec ca avis et le mettre le note</a:t>
+            </a:r>
             <a:endParaRPr lang="de-DE" sz="1400" b="1" dirty="0">
               <a:solidFill>
                 <a:srgbClr val="000000"/>
@@ -12252,71 +12951,10 @@
             </a:endParaRPr>
           </a:p>
           <a:p>
-            <a:pPr marL="6350" marR="213995" indent="-6350" algn="ctr">
-              <a:lnSpc>
-                <a:spcPct val="110000"/>
-              </a:lnSpc>
-              <a:spcAft>
-                <a:spcPts val="1190"/>
-              </a:spcAft>
-            </a:pPr>
-            <a:r>
-              <a:rPr lang="fr-FR" sz="1400" b="1" dirty="0" err="1">
-                <a:solidFill>
-                  <a:srgbClr val="000000"/>
-                </a:solidFill>
-                <a:effectLst/>
-                <a:latin typeface="Calibri" panose="020F0502020204030204" pitchFamily="34" charset="0"/>
-                <a:ea typeface="Calibri" panose="020F0502020204030204" pitchFamily="34" charset="0"/>
-              </a:rPr>
-              <a:t>Addfluch</a:t>
-            </a:r>
-            <a:r>
-              <a:rPr lang="fr-FR" sz="1400" b="1" dirty="0">
-                <a:solidFill>
-                  <a:srgbClr val="000000"/>
-                </a:solidFill>
-                <a:effectLst/>
-                <a:latin typeface="Calibri" panose="020F0502020204030204" pitchFamily="34" charset="0"/>
-                <a:ea typeface="Calibri" panose="020F0502020204030204" pitchFamily="34" charset="0"/>
-              </a:rPr>
-              <a:t>() fonction qui permet faire le point que </a:t>
-            </a:r>
-          </a:p>
-          <a:p>
-            <a:pPr marL="6350" marR="213995" indent="-6350" algn="ctr">
-              <a:lnSpc>
-                <a:spcPct val="110000"/>
-              </a:lnSpc>
-              <a:spcAft>
-                <a:spcPts val="1190"/>
-              </a:spcAft>
-            </a:pPr>
-            <a:r>
-              <a:rPr lang="fr-FR" sz="1400" b="1" dirty="0">
-                <a:solidFill>
-                  <a:srgbClr val="000000"/>
-                </a:solidFill>
-                <a:effectLst/>
-                <a:latin typeface="Calibri" panose="020F0502020204030204" pitchFamily="34" charset="0"/>
-                <a:ea typeface="Calibri" panose="020F0502020204030204" pitchFamily="34" charset="0"/>
-              </a:rPr>
-              <a:t>un ajout d’avis est bien fait et envoie un msg de ca .</a:t>
-            </a:r>
-            <a:endParaRPr lang="de-DE" sz="1400" b="1" dirty="0">
-              <a:solidFill>
-                <a:srgbClr val="000000"/>
-              </a:solidFill>
-              <a:effectLst/>
-              <a:latin typeface="Calibri" panose="020F0502020204030204" pitchFamily="34" charset="0"/>
-              <a:ea typeface="Calibri" panose="020F0502020204030204" pitchFamily="34" charset="0"/>
-            </a:endParaRPr>
-          </a:p>
-          <a:p>
             <a:pPr lvl="6"/>
             <a:r>
               <a:rPr lang="fr-FR" sz="1400" b="1" dirty="0"/>
-              <a:t>Liste d’achat</a:t>
+              <a:t>      Liste d’achat</a:t>
             </a:r>
             <a:r>
               <a:rPr lang="fr-FR" dirty="0"/>
@@ -12326,6 +12964,9 @@
               <a:rPr lang="fr-FR" sz="1400" b="1" dirty="0"/>
               <a:t>des voitures.</a:t>
             </a:r>
+          </a:p>
+          <a:p>
+            <a:pPr lvl="6"/>
             <a:endParaRPr lang="de-DE" sz="1400" b="1" dirty="0"/>
           </a:p>
         </p:txBody>
@@ -12429,7 +13070,7 @@
 </p:sld>
 </file>
 
-<file path=ppt/slides/slide22.xml><?xml version="1.0" encoding="utf-8"?>
+<file path=ppt/slides/slide23.xml><?xml version="1.0" encoding="utf-8"?>
 <p:sld xmlns:a="http://schemas.openxmlformats.org/drawingml/2006/main" xmlns:r="http://schemas.openxmlformats.org/officeDocument/2006/relationships" xmlns:p="http://schemas.openxmlformats.org/presentationml/2006/main">
   <p:cSld>
     <p:spTree>
@@ -13524,7 +14165,7 @@
           <p:nvPr/>
         </p:nvPicPr>
         <p:blipFill>
-          <a:blip r:embed="rId2"/>
+          <a:blip r:embed="rId3"/>
           <a:stretch>
             <a:fillRect/>
           </a:stretch>
@@ -13552,7 +14193,7 @@
           <p:nvPr/>
         </p:nvPicPr>
         <p:blipFill>
-          <a:blip r:embed="rId3"/>
+          <a:blip r:embed="rId4"/>
           <a:stretch>
             <a:fillRect/>
           </a:stretch>
@@ -13580,7 +14221,7 @@
           <p:nvPr/>
         </p:nvPicPr>
         <p:blipFill>
-          <a:blip r:embed="rId4"/>
+          <a:blip r:embed="rId5"/>
           <a:stretch>
             <a:fillRect/>
           </a:stretch>
@@ -13608,7 +14249,7 @@
           <p:nvPr/>
         </p:nvPicPr>
         <p:blipFill>
-          <a:blip r:embed="rId5"/>
+          <a:blip r:embed="rId6"/>
           <a:stretch>
             <a:fillRect/>
           </a:stretch>
@@ -13636,7 +14277,7 @@
           <p:nvPr/>
         </p:nvPicPr>
         <p:blipFill>
-          <a:blip r:embed="rId6"/>
+          <a:blip r:embed="rId7"/>
           <a:stretch>
             <a:fillRect/>
           </a:stretch>
@@ -13664,7 +14305,7 @@
           <p:nvPr/>
         </p:nvPicPr>
         <p:blipFill>
-          <a:blip r:embed="rId7"/>
+          <a:blip r:embed="rId8"/>
           <a:stretch>
             <a:fillRect/>
           </a:stretch>
@@ -13673,34 +14314,6 @@
           <a:xfrm>
             <a:off x="2237034" y="4150539"/>
             <a:ext cx="1112132" cy="1156454"/>
-          </a:xfrm>
-          <a:prstGeom prst="rect">
-            <a:avLst/>
-          </a:prstGeom>
-        </p:spPr>
-      </p:pic>
-      <p:pic>
-        <p:nvPicPr>
-          <p:cNvPr id="11" name="Image 10" descr="Une image contenant clipart&#10;&#10;Description générée automatiquement">
-            <a:extLst>
-              <a:ext uri="{FF2B5EF4-FFF2-40B4-BE49-F238E27FC236}">
-                <a16:creationId xmlns:a16="http://schemas.microsoft.com/office/drawing/2014/main" id="{0D4D8DB8-F5A8-412B-881A-A8F625D82019}"/>
-              </a:ext>
-            </a:extLst>
-          </p:cNvPr>
-          <p:cNvPicPr/>
-          <p:nvPr/>
-        </p:nvPicPr>
-        <p:blipFill>
-          <a:blip r:embed="rId8"/>
-          <a:stretch>
-            <a:fillRect/>
-          </a:stretch>
-        </p:blipFill>
-        <p:spPr>
-          <a:xfrm>
-            <a:off x="5470890" y="5475767"/>
-            <a:ext cx="1250219" cy="1050665"/>
           </a:xfrm>
           <a:prstGeom prst="rect">
             <a:avLst/>
@@ -14355,59 +14968,6 @@
                                         <p:cTn id="52" dur="2000"/>
                                         <p:tgtEl>
                                           <p:spTgt spid="15"/>
-                                        </p:tgtEl>
-                                      </p:cBhvr>
-                                    </p:animEffect>
-                                  </p:childTnLst>
-                                </p:cTn>
-                              </p:par>
-                            </p:childTnLst>
-                          </p:cTn>
-                        </p:par>
-                      </p:childTnLst>
-                    </p:cTn>
-                  </p:par>
-                  <p:par>
-                    <p:cTn id="53" fill="hold">
-                      <p:stCondLst>
-                        <p:cond delay="indefinite"/>
-                      </p:stCondLst>
-                      <p:childTnLst>
-                        <p:par>
-                          <p:cTn id="54" fill="hold">
-                            <p:stCondLst>
-                              <p:cond delay="0"/>
-                            </p:stCondLst>
-                            <p:childTnLst>
-                              <p:par>
-                                <p:cTn id="55" presetID="21" presetClass="entr" presetSubtype="1" fill="hold" nodeType="clickEffect">
-                                  <p:stCondLst>
-                                    <p:cond delay="0"/>
-                                  </p:stCondLst>
-                                  <p:childTnLst>
-                                    <p:set>
-                                      <p:cBhvr>
-                                        <p:cTn id="56" dur="1" fill="hold">
-                                          <p:stCondLst>
-                                            <p:cond delay="0"/>
-                                          </p:stCondLst>
-                                        </p:cTn>
-                                        <p:tgtEl>
-                                          <p:spTgt spid="11"/>
-                                        </p:tgtEl>
-                                        <p:attrNameLst>
-                                          <p:attrName>style.visibility</p:attrName>
-                                        </p:attrNameLst>
-                                      </p:cBhvr>
-                                      <p:to>
-                                        <p:strVal val="visible"/>
-                                      </p:to>
-                                    </p:set>
-                                    <p:animEffect transition="in" filter="wheel(1)">
-                                      <p:cBhvr>
-                                        <p:cTn id="57" dur="2000"/>
-                                        <p:tgtEl>
-                                          <p:spTgt spid="11"/>
                                         </p:tgtEl>
                                       </p:cBhvr>
                                     </p:animEffect>
@@ -16137,10 +16697,10 @@
       </p:sp>
       <p:pic>
         <p:nvPicPr>
-          <p:cNvPr id="5" name="Image 4">
+          <p:cNvPr id="4" name="Image 3">
             <a:extLst>
               <a:ext uri="{FF2B5EF4-FFF2-40B4-BE49-F238E27FC236}">
-                <a16:creationId xmlns:a16="http://schemas.microsoft.com/office/drawing/2014/main" id="{2EB539D0-F463-40A2-B9F3-C960F9CAC956}"/>
+                <a16:creationId xmlns:a16="http://schemas.microsoft.com/office/drawing/2014/main" id="{A8F5808B-155B-4619-9080-42AFB9F405EA}"/>
               </a:ext>
             </a:extLst>
           </p:cNvPr>
@@ -16157,8 +16717,8 @@
         </p:blipFill>
         <p:spPr>
           <a:xfrm>
-            <a:off x="1610123" y="1811866"/>
-            <a:ext cx="8570119" cy="4859867"/>
+            <a:off x="1813323" y="1613341"/>
+            <a:ext cx="7887801" cy="5068007"/>
           </a:xfrm>
           <a:prstGeom prst="rect">
             <a:avLst/>
@@ -16209,7 +16769,7 @@
                                           </p:stCondLst>
                                         </p:cTn>
                                         <p:tgtEl>
-                                          <p:spTgt spid="5"/>
+                                          <p:spTgt spid="4"/>
                                         </p:tgtEl>
                                         <p:attrNameLst>
                                           <p:attrName>style.visibility</p:attrName>
@@ -16223,7 +16783,7 @@
                                       <p:cBhvr additive="base">
                                         <p:cTn id="7" dur="500" fill="hold"/>
                                         <p:tgtEl>
-                                          <p:spTgt spid="5"/>
+                                          <p:spTgt spid="4"/>
                                         </p:tgtEl>
                                         <p:attrNameLst>
                                           <p:attrName>ppt_x</p:attrName>
@@ -16246,7 +16806,7 @@
                                       <p:cBhvr additive="base">
                                         <p:cTn id="8" dur="500" fill="hold"/>
                                         <p:tgtEl>
-                                          <p:spTgt spid="5"/>
+                                          <p:spTgt spid="4"/>
                                         </p:tgtEl>
                                         <p:attrNameLst>
                                           <p:attrName>ppt_y</p:attrName>
@@ -16428,16 +16988,196 @@
           </a:p>
         </p:txBody>
       </p:sp>
-      <p:pic>
-        <p:nvPicPr>
-          <p:cNvPr id="4" name="Image 3">
+      <p:sp>
+        <p:nvSpPr>
+          <p:cNvPr id="5" name="ZoneTexte 4">
             <a:extLst>
               <a:ext uri="{FF2B5EF4-FFF2-40B4-BE49-F238E27FC236}">
-                <a16:creationId xmlns:a16="http://schemas.microsoft.com/office/drawing/2014/main" id="{06BDF277-0347-4BC6-B462-8BB3CC013DA6}"/>
+                <a16:creationId xmlns:a16="http://schemas.microsoft.com/office/drawing/2014/main" id="{7E5331EC-AD8C-49FD-936D-ABA1D94DC368}"/>
               </a:ext>
             </a:extLst>
           </p:cNvPr>
-          <p:cNvPicPr/>
+          <p:cNvSpPr txBox="1"/>
+          <p:nvPr/>
+        </p:nvSpPr>
+        <p:spPr>
+          <a:xfrm>
+            <a:off x="949841" y="1252387"/>
+            <a:ext cx="11242159" cy="1298945"/>
+          </a:xfrm>
+          <a:prstGeom prst="rect">
+            <a:avLst/>
+          </a:prstGeom>
+          <a:noFill/>
+        </p:spPr>
+        <p:txBody>
+          <a:bodyPr wrap="square">
+            <a:spAutoFit/>
+          </a:bodyPr>
+          <a:lstStyle/>
+          <a:p>
+            <a:pPr marL="342900" marR="213995" lvl="0" indent="-342900" algn="l">
+              <a:lnSpc>
+                <a:spcPct val="110000"/>
+              </a:lnSpc>
+              <a:spcAft>
+                <a:spcPts val="1190"/>
+              </a:spcAft>
+              <a:buSzPts val="1000"/>
+              <a:buFont typeface="Symbol" panose="05050102010706020507" pitchFamily="18" charset="2"/>
+              <a:buChar char=""/>
+              <a:tabLst>
+                <a:tab pos="457200" algn="l"/>
+              </a:tabLst>
+            </a:pPr>
+            <a:r>
+              <a:rPr lang="fr-FR" sz="1800" dirty="0">
+                <a:solidFill>
+                  <a:srgbClr val="000000"/>
+                </a:solidFill>
+                <a:effectLst/>
+                <a:latin typeface="Calibri" panose="020F0502020204030204" pitchFamily="34" charset="0"/>
+                <a:ea typeface="Calibri" panose="020F0502020204030204" pitchFamily="34" charset="0"/>
+              </a:rPr>
+              <a:t>Un modèle (Model) contient les données à afficher.</a:t>
+            </a:r>
+            <a:endParaRPr lang="de-DE" sz="1800" dirty="0">
+              <a:solidFill>
+                <a:srgbClr val="000000"/>
+              </a:solidFill>
+              <a:effectLst/>
+              <a:latin typeface="Calibri" panose="020F0502020204030204" pitchFamily="34" charset="0"/>
+              <a:ea typeface="Calibri" panose="020F0502020204030204" pitchFamily="34" charset="0"/>
+            </a:endParaRPr>
+          </a:p>
+          <a:p>
+            <a:pPr marL="342900" marR="213995" lvl="0" indent="-342900" algn="l">
+              <a:lnSpc>
+                <a:spcPct val="110000"/>
+              </a:lnSpc>
+              <a:spcAft>
+                <a:spcPts val="1190"/>
+              </a:spcAft>
+              <a:buSzPts val="1000"/>
+              <a:buFont typeface="Symbol" panose="05050102010706020507" pitchFamily="18" charset="2"/>
+              <a:buChar char=""/>
+              <a:tabLst>
+                <a:tab pos="457200" algn="l"/>
+              </a:tabLst>
+            </a:pPr>
+            <a:r>
+              <a:rPr lang="fr-FR" sz="1800" dirty="0">
+                <a:solidFill>
+                  <a:srgbClr val="000000"/>
+                </a:solidFill>
+                <a:effectLst/>
+                <a:latin typeface="Calibri" panose="020F0502020204030204" pitchFamily="34" charset="0"/>
+                <a:ea typeface="Calibri" panose="020F0502020204030204" pitchFamily="34" charset="0"/>
+              </a:rPr>
+              <a:t>Une vue (</a:t>
+            </a:r>
+            <a:r>
+              <a:rPr lang="fr-FR" sz="1800" dirty="0" err="1">
+                <a:solidFill>
+                  <a:srgbClr val="000000"/>
+                </a:solidFill>
+                <a:effectLst/>
+                <a:latin typeface="Calibri" panose="020F0502020204030204" pitchFamily="34" charset="0"/>
+                <a:ea typeface="Calibri" panose="020F0502020204030204" pitchFamily="34" charset="0"/>
+              </a:rPr>
+              <a:t>View</a:t>
+            </a:r>
+            <a:r>
+              <a:rPr lang="fr-FR" sz="1800" dirty="0">
+                <a:solidFill>
+                  <a:srgbClr val="000000"/>
+                </a:solidFill>
+                <a:effectLst/>
+                <a:latin typeface="Calibri" panose="020F0502020204030204" pitchFamily="34" charset="0"/>
+                <a:ea typeface="Calibri" panose="020F0502020204030204" pitchFamily="34" charset="0"/>
+              </a:rPr>
+              <a:t>) contient la présentation de l'interface graphique.</a:t>
+            </a:r>
+            <a:endParaRPr lang="de-DE" sz="1800" dirty="0">
+              <a:solidFill>
+                <a:srgbClr val="000000"/>
+              </a:solidFill>
+              <a:effectLst/>
+              <a:latin typeface="Calibri" panose="020F0502020204030204" pitchFamily="34" charset="0"/>
+              <a:ea typeface="Calibri" panose="020F0502020204030204" pitchFamily="34" charset="0"/>
+            </a:endParaRPr>
+          </a:p>
+          <a:p>
+            <a:pPr marL="342900" marR="213995" lvl="0" indent="-342900" algn="l">
+              <a:lnSpc>
+                <a:spcPct val="110000"/>
+              </a:lnSpc>
+              <a:spcAft>
+                <a:spcPts val="1190"/>
+              </a:spcAft>
+              <a:buSzPts val="1000"/>
+              <a:buFont typeface="Symbol" panose="05050102010706020507" pitchFamily="18" charset="2"/>
+              <a:buChar char=""/>
+              <a:tabLst>
+                <a:tab pos="457200" algn="l"/>
+              </a:tabLst>
+            </a:pPr>
+            <a:r>
+              <a:rPr lang="fr-FR" sz="1800" dirty="0">
+                <a:solidFill>
+                  <a:srgbClr val="000000"/>
+                </a:solidFill>
+                <a:effectLst/>
+                <a:latin typeface="Calibri" panose="020F0502020204030204" pitchFamily="34" charset="0"/>
+                <a:ea typeface="Calibri" panose="020F0502020204030204" pitchFamily="34" charset="0"/>
+              </a:rPr>
+              <a:t>Un contrôleur (</a:t>
+            </a:r>
+            <a:r>
+              <a:rPr lang="de-DE" sz="1800" dirty="0">
+                <a:solidFill>
+                  <a:srgbClr val="000000"/>
+                </a:solidFill>
+                <a:effectLst/>
+                <a:latin typeface="Calibri" panose="020F0502020204030204" pitchFamily="34" charset="0"/>
+                <a:ea typeface="Calibri" panose="020F0502020204030204" pitchFamily="34" charset="0"/>
+              </a:rPr>
+              <a:t>Controller</a:t>
+            </a:r>
+            <a:r>
+              <a:rPr lang="fr-FR" sz="1800" dirty="0">
+                <a:solidFill>
+                  <a:srgbClr val="000000"/>
+                </a:solidFill>
+                <a:effectLst/>
+                <a:latin typeface="Calibri" panose="020F0502020204030204" pitchFamily="34" charset="0"/>
+                <a:ea typeface="Calibri" panose="020F0502020204030204" pitchFamily="34" charset="0"/>
+              </a:rPr>
+              <a:t>) contient la logique concernant les actions effectuées par l'utilisateur.</a:t>
+            </a:r>
+            <a:endParaRPr lang="de-DE" sz="1800" dirty="0">
+              <a:solidFill>
+                <a:srgbClr val="000000"/>
+              </a:solidFill>
+              <a:effectLst/>
+              <a:latin typeface="Calibri" panose="020F0502020204030204" pitchFamily="34" charset="0"/>
+              <a:ea typeface="Calibri" panose="020F0502020204030204" pitchFamily="34" charset="0"/>
+            </a:endParaRPr>
+          </a:p>
+        </p:txBody>
+      </p:sp>
+      <p:pic>
+        <p:nvPicPr>
+          <p:cNvPr id="7" name="Image 6">
+            <a:extLst>
+              <a:ext uri="{FF2B5EF4-FFF2-40B4-BE49-F238E27FC236}">
+                <a16:creationId xmlns:a16="http://schemas.microsoft.com/office/drawing/2014/main" id="{AF15E67E-F5BF-4C22-A14B-A1B6298BC8BA}"/>
+              </a:ext>
+            </a:extLst>
+          </p:cNvPr>
+          <p:cNvPicPr>
+            <a:picLocks noChangeAspect="1"/>
+          </p:cNvPicPr>
           <p:nvPr/>
         </p:nvPicPr>
         <p:blipFill>
@@ -16448,8 +17188,8 @@
         </p:blipFill>
         <p:spPr>
           <a:xfrm>
-            <a:off x="1086385" y="1634067"/>
-            <a:ext cx="9852547" cy="3987800"/>
+            <a:off x="1109285" y="3197663"/>
+            <a:ext cx="9389382" cy="2954867"/>
           </a:xfrm>
           <a:prstGeom prst="rect">
             <a:avLst/>

--- a/Mon PROJET APPLICATION WEB.pptx
+++ b/Mon PROJET APPLICATION WEB.pptx
@@ -5,7 +5,7 @@
     <p:sldMasterId id="2147483796" r:id="rId4"/>
   </p:sldMasterIdLst>
   <p:notesMasterIdLst>
-    <p:notesMasterId r:id="rId28"/>
+    <p:notesMasterId r:id="rId27"/>
   </p:notesMasterIdLst>
   <p:sldIdLst>
     <p:sldId id="256" r:id="rId5"/>
@@ -28,9 +28,8 @@
     <p:sldId id="271" r:id="rId22"/>
     <p:sldId id="272" r:id="rId23"/>
     <p:sldId id="279" r:id="rId24"/>
-    <p:sldId id="273" r:id="rId25"/>
-    <p:sldId id="274" r:id="rId26"/>
-    <p:sldId id="275" r:id="rId27"/>
+    <p:sldId id="274" r:id="rId25"/>
+    <p:sldId id="275" r:id="rId26"/>
   </p:sldIdLst>
   <p:sldSz cx="12192000" cy="6858000"/>
   <p:notesSz cx="6858000" cy="9144000"/>
@@ -254,7 +253,7 @@
           <a:p>
             <a:fld id="{7B78FE12-365B-47BF-B278-3F5FA3B3C7BE}" type="datetimeFigureOut">
               <a:rPr lang="de-DE" smtClean="0"/>
-              <a:t>02.09.2021</a:t>
+              <a:t>06.09.2021</a:t>
             </a:fld>
             <a:endParaRPr lang="de-DE"/>
           </a:p>
@@ -625,6 +624,445 @@
 </p:notes>
 </file>
 
+<file path=ppt/notesSlides/notesSlide10.xml><?xml version="1.0" encoding="utf-8"?>
+<p:notes xmlns:a="http://schemas.openxmlformats.org/drawingml/2006/main" xmlns:r="http://schemas.openxmlformats.org/officeDocument/2006/relationships" xmlns:p="http://schemas.openxmlformats.org/presentationml/2006/main">
+  <p:cSld>
+    <p:spTree>
+      <p:nvGrpSpPr>
+        <p:cNvPr id="1" name=""/>
+        <p:cNvGrpSpPr/>
+        <p:nvPr/>
+      </p:nvGrpSpPr>
+      <p:grpSpPr>
+        <a:xfrm>
+          <a:off x="0" y="0"/>
+          <a:ext cx="0" cy="0"/>
+          <a:chOff x="0" y="0"/>
+          <a:chExt cx="0" cy="0"/>
+        </a:xfrm>
+      </p:grpSpPr>
+      <p:sp>
+        <p:nvSpPr>
+          <p:cNvPr id="2" name="Espace réservé de l'image des diapositives 1"/>
+          <p:cNvSpPr>
+            <a:spLocks noGrp="1" noRot="1" noChangeAspect="1"/>
+          </p:cNvSpPr>
+          <p:nvPr>
+            <p:ph type="sldImg"/>
+          </p:nvPr>
+        </p:nvSpPr>
+        <p:spPr/>
+      </p:sp>
+      <p:sp>
+        <p:nvSpPr>
+          <p:cNvPr id="3" name="Espace réservé des notes 2"/>
+          <p:cNvSpPr>
+            <a:spLocks noGrp="1"/>
+          </p:cNvSpPr>
+          <p:nvPr>
+            <p:ph type="body" idx="1"/>
+          </p:nvPr>
+        </p:nvSpPr>
+        <p:spPr/>
+        <p:txBody>
+          <a:bodyPr/>
+          <a:lstStyle/>
+          <a:p>
+            <a:endParaRPr lang="de-DE" dirty="0"/>
+          </a:p>
+        </p:txBody>
+      </p:sp>
+      <p:sp>
+        <p:nvSpPr>
+          <p:cNvPr id="4" name="Espace réservé du numéro de diapositive 3"/>
+          <p:cNvSpPr>
+            <a:spLocks noGrp="1"/>
+          </p:cNvSpPr>
+          <p:nvPr>
+            <p:ph type="sldNum" sz="quarter" idx="5"/>
+          </p:nvPr>
+        </p:nvSpPr>
+        <p:spPr/>
+        <p:txBody>
+          <a:bodyPr/>
+          <a:lstStyle/>
+          <a:p>
+            <a:fld id="{67332928-C008-4D13-9D0C-52AD70E1A822}" type="slidenum">
+              <a:rPr lang="de-DE" smtClean="0"/>
+              <a:t>15</a:t>
+            </a:fld>
+            <a:endParaRPr lang="de-DE"/>
+          </a:p>
+        </p:txBody>
+      </p:sp>
+    </p:spTree>
+    <p:extLst>
+      <p:ext uri="{BB962C8B-B14F-4D97-AF65-F5344CB8AC3E}">
+        <p14:creationId xmlns:p14="http://schemas.microsoft.com/office/powerpoint/2010/main" val="1829366666"/>
+      </p:ext>
+    </p:extLst>
+  </p:cSld>
+  <p:clrMapOvr>
+    <a:masterClrMapping/>
+  </p:clrMapOvr>
+</p:notes>
+</file>
+
+<file path=ppt/notesSlides/notesSlide11.xml><?xml version="1.0" encoding="utf-8"?>
+<p:notes xmlns:a="http://schemas.openxmlformats.org/drawingml/2006/main" xmlns:r="http://schemas.openxmlformats.org/officeDocument/2006/relationships" xmlns:p="http://schemas.openxmlformats.org/presentationml/2006/main">
+  <p:cSld>
+    <p:spTree>
+      <p:nvGrpSpPr>
+        <p:cNvPr id="1" name=""/>
+        <p:cNvGrpSpPr/>
+        <p:nvPr/>
+      </p:nvGrpSpPr>
+      <p:grpSpPr>
+        <a:xfrm>
+          <a:off x="0" y="0"/>
+          <a:ext cx="0" cy="0"/>
+          <a:chOff x="0" y="0"/>
+          <a:chExt cx="0" cy="0"/>
+        </a:xfrm>
+      </p:grpSpPr>
+      <p:sp>
+        <p:nvSpPr>
+          <p:cNvPr id="2" name="Espace réservé de l'image des diapositives 1"/>
+          <p:cNvSpPr>
+            <a:spLocks noGrp="1" noRot="1" noChangeAspect="1"/>
+          </p:cNvSpPr>
+          <p:nvPr>
+            <p:ph type="sldImg"/>
+          </p:nvPr>
+        </p:nvSpPr>
+        <p:spPr/>
+      </p:sp>
+      <p:sp>
+        <p:nvSpPr>
+          <p:cNvPr id="3" name="Espace réservé des notes 2"/>
+          <p:cNvSpPr>
+            <a:spLocks noGrp="1"/>
+          </p:cNvSpPr>
+          <p:nvPr>
+            <p:ph type="body" idx="1"/>
+          </p:nvPr>
+        </p:nvSpPr>
+        <p:spPr/>
+        <p:txBody>
+          <a:bodyPr/>
+          <a:lstStyle/>
+          <a:p>
+            <a:endParaRPr lang="de-DE" dirty="0"/>
+          </a:p>
+        </p:txBody>
+      </p:sp>
+      <p:sp>
+        <p:nvSpPr>
+          <p:cNvPr id="4" name="Espace réservé du numéro de diapositive 3"/>
+          <p:cNvSpPr>
+            <a:spLocks noGrp="1"/>
+          </p:cNvSpPr>
+          <p:nvPr>
+            <p:ph type="sldNum" sz="quarter" idx="5"/>
+          </p:nvPr>
+        </p:nvSpPr>
+        <p:spPr/>
+        <p:txBody>
+          <a:bodyPr/>
+          <a:lstStyle/>
+          <a:p>
+            <a:fld id="{67332928-C008-4D13-9D0C-52AD70E1A822}" type="slidenum">
+              <a:rPr lang="de-DE" smtClean="0"/>
+              <a:t>16</a:t>
+            </a:fld>
+            <a:endParaRPr lang="de-DE"/>
+          </a:p>
+        </p:txBody>
+      </p:sp>
+    </p:spTree>
+    <p:extLst>
+      <p:ext uri="{BB962C8B-B14F-4D97-AF65-F5344CB8AC3E}">
+        <p14:creationId xmlns:p14="http://schemas.microsoft.com/office/powerpoint/2010/main" val="149827438"/>
+      </p:ext>
+    </p:extLst>
+  </p:cSld>
+  <p:clrMapOvr>
+    <a:masterClrMapping/>
+  </p:clrMapOvr>
+</p:notes>
+</file>
+
+<file path=ppt/notesSlides/notesSlide12.xml><?xml version="1.0" encoding="utf-8"?>
+<p:notes xmlns:a="http://schemas.openxmlformats.org/drawingml/2006/main" xmlns:r="http://schemas.openxmlformats.org/officeDocument/2006/relationships" xmlns:p="http://schemas.openxmlformats.org/presentationml/2006/main">
+  <p:cSld>
+    <p:spTree>
+      <p:nvGrpSpPr>
+        <p:cNvPr id="1" name=""/>
+        <p:cNvGrpSpPr/>
+        <p:nvPr/>
+      </p:nvGrpSpPr>
+      <p:grpSpPr>
+        <a:xfrm>
+          <a:off x="0" y="0"/>
+          <a:ext cx="0" cy="0"/>
+          <a:chOff x="0" y="0"/>
+          <a:chExt cx="0" cy="0"/>
+        </a:xfrm>
+      </p:grpSpPr>
+      <p:sp>
+        <p:nvSpPr>
+          <p:cNvPr id="2" name="Espace réservé de l'image des diapositives 1"/>
+          <p:cNvSpPr>
+            <a:spLocks noGrp="1" noRot="1" noChangeAspect="1"/>
+          </p:cNvSpPr>
+          <p:nvPr>
+            <p:ph type="sldImg"/>
+          </p:nvPr>
+        </p:nvSpPr>
+        <p:spPr/>
+      </p:sp>
+      <p:sp>
+        <p:nvSpPr>
+          <p:cNvPr id="3" name="Espace réservé des notes 2"/>
+          <p:cNvSpPr>
+            <a:spLocks noGrp="1"/>
+          </p:cNvSpPr>
+          <p:nvPr>
+            <p:ph type="body" idx="1"/>
+          </p:nvPr>
+        </p:nvSpPr>
+        <p:spPr/>
+        <p:txBody>
+          <a:bodyPr/>
+          <a:lstStyle/>
+          <a:p>
+            <a:endParaRPr lang="de-DE" dirty="0"/>
+          </a:p>
+        </p:txBody>
+      </p:sp>
+      <p:sp>
+        <p:nvSpPr>
+          <p:cNvPr id="4" name="Espace réservé du numéro de diapositive 3"/>
+          <p:cNvSpPr>
+            <a:spLocks noGrp="1"/>
+          </p:cNvSpPr>
+          <p:nvPr>
+            <p:ph type="sldNum" sz="quarter" idx="5"/>
+          </p:nvPr>
+        </p:nvSpPr>
+        <p:spPr/>
+        <p:txBody>
+          <a:bodyPr/>
+          <a:lstStyle/>
+          <a:p>
+            <a:fld id="{67332928-C008-4D13-9D0C-52AD70E1A822}" type="slidenum">
+              <a:rPr lang="de-DE" smtClean="0"/>
+              <a:t>19</a:t>
+            </a:fld>
+            <a:endParaRPr lang="de-DE"/>
+          </a:p>
+        </p:txBody>
+      </p:sp>
+    </p:spTree>
+    <p:extLst>
+      <p:ext uri="{BB962C8B-B14F-4D97-AF65-F5344CB8AC3E}">
+        <p14:creationId xmlns:p14="http://schemas.microsoft.com/office/powerpoint/2010/main" val="4072503728"/>
+      </p:ext>
+    </p:extLst>
+  </p:cSld>
+  <p:clrMapOvr>
+    <a:masterClrMapping/>
+  </p:clrMapOvr>
+</p:notes>
+</file>
+
+<file path=ppt/notesSlides/notesSlide13.xml><?xml version="1.0" encoding="utf-8"?>
+<p:notes xmlns:a="http://schemas.openxmlformats.org/drawingml/2006/main" xmlns:r="http://schemas.openxmlformats.org/officeDocument/2006/relationships" xmlns:p="http://schemas.openxmlformats.org/presentationml/2006/main">
+  <p:cSld>
+    <p:spTree>
+      <p:nvGrpSpPr>
+        <p:cNvPr id="1" name=""/>
+        <p:cNvGrpSpPr/>
+        <p:nvPr/>
+      </p:nvGrpSpPr>
+      <p:grpSpPr>
+        <a:xfrm>
+          <a:off x="0" y="0"/>
+          <a:ext cx="0" cy="0"/>
+          <a:chOff x="0" y="0"/>
+          <a:chExt cx="0" cy="0"/>
+        </a:xfrm>
+      </p:grpSpPr>
+      <p:sp>
+        <p:nvSpPr>
+          <p:cNvPr id="2" name="Espace réservé de l'image des diapositives 1"/>
+          <p:cNvSpPr>
+            <a:spLocks noGrp="1" noRot="1" noChangeAspect="1"/>
+          </p:cNvSpPr>
+          <p:nvPr>
+            <p:ph type="sldImg"/>
+          </p:nvPr>
+        </p:nvSpPr>
+        <p:spPr/>
+      </p:sp>
+      <p:sp>
+        <p:nvSpPr>
+          <p:cNvPr id="3" name="Espace réservé des notes 2"/>
+          <p:cNvSpPr>
+            <a:spLocks noGrp="1"/>
+          </p:cNvSpPr>
+          <p:nvPr>
+            <p:ph type="body" idx="1"/>
+          </p:nvPr>
+        </p:nvSpPr>
+        <p:spPr/>
+        <p:txBody>
+          <a:bodyPr/>
+          <a:lstStyle/>
+          <a:p>
+            <a:r>
+              <a:rPr lang="de-DE" b="1" i="0" dirty="0" err="1">
+                <a:effectLst/>
+                <a:latin typeface="Arial" panose="020B0604020202020204" pitchFamily="34" charset="0"/>
+              </a:rPr>
+              <a:t>j’ai</a:t>
+            </a:r>
+            <a:r>
+              <a:rPr lang="de-DE" b="1" i="0" dirty="0">
+                <a:effectLst/>
+                <a:latin typeface="Arial" panose="020B0604020202020204" pitchFamily="34" charset="0"/>
+              </a:rPr>
+              <a:t> </a:t>
+            </a:r>
+            <a:r>
+              <a:rPr lang="de-DE" b="1" i="0" dirty="0" err="1">
+                <a:effectLst/>
+                <a:latin typeface="Arial" panose="020B0604020202020204" pitchFamily="34" charset="0"/>
+              </a:rPr>
+              <a:t>parlé</a:t>
+            </a:r>
+            <a:r>
+              <a:rPr lang="de-DE" b="1" i="0" dirty="0">
+                <a:effectLst/>
+                <a:latin typeface="Arial" panose="020B0604020202020204" pitchFamily="34" charset="0"/>
+              </a:rPr>
+              <a:t> du </a:t>
+            </a:r>
+            <a:r>
+              <a:rPr lang="de-DE" b="1" i="0" dirty="0" err="1">
+                <a:effectLst/>
+                <a:latin typeface="Arial" panose="020B0604020202020204" pitchFamily="34" charset="0"/>
+              </a:rPr>
+              <a:t>token</a:t>
+            </a:r>
+            <a:r>
+              <a:rPr lang="de-DE" b="1" i="0" dirty="0">
+                <a:effectLst/>
+                <a:latin typeface="Arial" panose="020B0604020202020204" pitchFamily="34" charset="0"/>
+              </a:rPr>
+              <a:t> CSRF </a:t>
+            </a:r>
+            <a:r>
+              <a:rPr lang="de-DE" b="1" i="0" dirty="0" err="1">
+                <a:effectLst/>
+                <a:latin typeface="Arial" panose="020B0604020202020204" pitchFamily="34" charset="0"/>
+              </a:rPr>
+              <a:t>mais</a:t>
+            </a:r>
+            <a:r>
+              <a:rPr lang="de-DE" b="1" i="0" dirty="0">
+                <a:effectLst/>
+                <a:latin typeface="Arial" panose="020B0604020202020204" pitchFamily="34" charset="0"/>
+              </a:rPr>
+              <a:t> , </a:t>
+            </a:r>
+          </a:p>
+          <a:p>
+            <a:r>
+              <a:rPr lang="de-DE" b="1" i="0" dirty="0">
+                <a:effectLst/>
+                <a:latin typeface="Arial" panose="020B0604020202020204" pitchFamily="34" charset="0"/>
+              </a:rPr>
+              <a:t>Il en </a:t>
+            </a:r>
+            <a:r>
+              <a:rPr lang="de-DE" b="1" i="0" dirty="0" err="1">
+                <a:effectLst/>
+                <a:latin typeface="Arial" panose="020B0604020202020204" pitchFamily="34" charset="0"/>
+              </a:rPr>
+              <a:t>existe</a:t>
+            </a:r>
+            <a:r>
+              <a:rPr lang="de-DE" b="1" i="0" dirty="0">
+                <a:effectLst/>
+                <a:latin typeface="Arial" panose="020B0604020202020204" pitchFamily="34" charset="0"/>
+              </a:rPr>
+              <a:t> </a:t>
+            </a:r>
+            <a:r>
+              <a:rPr lang="de-DE" b="1" i="0" dirty="0" err="1">
+                <a:effectLst/>
+                <a:latin typeface="Arial" panose="020B0604020202020204" pitchFamily="34" charset="0"/>
+              </a:rPr>
+              <a:t>d’autres</a:t>
+            </a:r>
+            <a:r>
+              <a:rPr lang="de-DE" b="1" i="0" dirty="0">
+                <a:effectLst/>
+                <a:latin typeface="Arial" panose="020B0604020202020204" pitchFamily="34" charset="0"/>
+              </a:rPr>
+              <a:t> </a:t>
+            </a:r>
+            <a:r>
+              <a:rPr lang="de-DE" b="1" i="0" dirty="0" err="1">
+                <a:effectLst/>
+                <a:latin typeface="Arial" panose="020B0604020202020204" pitchFamily="34" charset="0"/>
+              </a:rPr>
+              <a:t>security</a:t>
+            </a:r>
+            <a:endParaRPr lang="de-DE" b="1" dirty="0"/>
+          </a:p>
+          <a:p>
+            <a:endParaRPr lang="fr-FR" dirty="0"/>
+          </a:p>
+        </p:txBody>
+      </p:sp>
+      <p:sp>
+        <p:nvSpPr>
+          <p:cNvPr id="4" name="Espace réservé du numéro de diapositive 3"/>
+          <p:cNvSpPr>
+            <a:spLocks noGrp="1"/>
+          </p:cNvSpPr>
+          <p:nvPr>
+            <p:ph type="sldNum" sz="quarter" idx="5"/>
+          </p:nvPr>
+        </p:nvSpPr>
+        <p:spPr/>
+        <p:txBody>
+          <a:bodyPr/>
+          <a:lstStyle/>
+          <a:p>
+            <a:fld id="{67332928-C008-4D13-9D0C-52AD70E1A822}" type="slidenum">
+              <a:rPr lang="de-DE" smtClean="0"/>
+              <a:t>20</a:t>
+            </a:fld>
+            <a:endParaRPr lang="de-DE"/>
+          </a:p>
+        </p:txBody>
+      </p:sp>
+    </p:spTree>
+    <p:extLst>
+      <p:ext uri="{BB962C8B-B14F-4D97-AF65-F5344CB8AC3E}">
+        <p14:creationId xmlns:p14="http://schemas.microsoft.com/office/powerpoint/2010/main" val="152420788"/>
+      </p:ext>
+    </p:extLst>
+  </p:cSld>
+  <p:clrMapOvr>
+    <a:masterClrMapping/>
+  </p:clrMapOvr>
+</p:notes>
+</file>
+
 <file path=ppt/notesSlides/notesSlide2.xml><?xml version="1.0" encoding="utf-8"?>
 <p:notes xmlns:a="http://schemas.openxmlformats.org/drawingml/2006/main" xmlns:r="http://schemas.openxmlformats.org/officeDocument/2006/relationships" xmlns:p="http://schemas.openxmlformats.org/presentationml/2006/main">
   <p:cSld>
@@ -789,40 +1227,17 @@
           <a:lstStyle/>
           <a:p>
             <a:r>
-              <a:rPr lang="fr-FR" sz="1200" b="1" dirty="0">
-                <a:solidFill>
-                  <a:schemeClr val="tx1"/>
-                </a:solidFill>
-                <a:effectLst/>
-                <a:latin typeface="Times New Roman" panose="02020603050405020304" pitchFamily="18" charset="0"/>
-                <a:ea typeface="Times New Roman" panose="02020603050405020304" pitchFamily="18" charset="0"/>
-              </a:rPr>
-              <a:t>Modèle-vue-contrôleur ou MVC est un motif d'architecture logicielle destiné aux interfaces graphiques lancé en 1978 et très populaire pour les applications web.</a:t>
-            </a:r>
-          </a:p>
-          <a:p>
-            <a:r>
-              <a:rPr lang="fr-FR" sz="1200" b="1" dirty="0">
-                <a:solidFill>
-                  <a:schemeClr val="tx1"/>
-                </a:solidFill>
-                <a:effectLst/>
-                <a:latin typeface="Times New Roman" panose="02020603050405020304" pitchFamily="18" charset="0"/>
-                <a:ea typeface="Times New Roman" panose="02020603050405020304" pitchFamily="18" charset="0"/>
-              </a:rPr>
-              <a:t> Le motif est composé de trois types de modules ayant trois responsabilités différentes : les modèles, les vues et les contrôleurs. </a:t>
-            </a:r>
-            <a:endParaRPr lang="de-DE" sz="1200" b="1" dirty="0">
-              <a:solidFill>
-                <a:schemeClr val="tx1"/>
-              </a:solidFill>
-              <a:effectLst/>
-              <a:latin typeface="Times New Roman" panose="02020603050405020304" pitchFamily="18" charset="0"/>
-              <a:ea typeface="Times New Roman" panose="02020603050405020304" pitchFamily="18" charset="0"/>
-            </a:endParaRPr>
-          </a:p>
-          <a:p>
-            <a:endParaRPr lang="de-DE" dirty="0"/>
+              <a:rPr lang="de-DE" dirty="0"/>
+              <a:t>Dans MCD : ASS (bleu) et Entity (</a:t>
+            </a:r>
+            <a:r>
+              <a:rPr lang="de-DE" dirty="0" err="1"/>
+              <a:t>yallow</a:t>
+            </a:r>
+            <a:r>
+              <a:rPr lang="de-DE" dirty="0"/>
+              <a:t>)</a:t>
+            </a:r>
           </a:p>
         </p:txBody>
       </p:sp>
@@ -843,7 +1258,7 @@
           <a:p>
             <a:fld id="{67332928-C008-4D13-9D0C-52AD70E1A822}" type="slidenum">
               <a:rPr lang="de-DE" smtClean="0"/>
-              <a:t>9</a:t>
+              <a:t>8</a:t>
             </a:fld>
             <a:endParaRPr lang="de-DE"/>
           </a:p>
@@ -852,7 +1267,7 @@
     </p:spTree>
     <p:extLst>
       <p:ext uri="{BB962C8B-B14F-4D97-AF65-F5344CB8AC3E}">
-        <p14:creationId xmlns:p14="http://schemas.microsoft.com/office/powerpoint/2010/main" val="2732239819"/>
+        <p14:creationId xmlns:p14="http://schemas.microsoft.com/office/powerpoint/2010/main" val="1302875943"/>
       </p:ext>
     </p:extLst>
   </p:cSld>
@@ -907,170 +1322,38 @@
           <a:lstStyle/>
           <a:p>
             <a:r>
-              <a:rPr lang="fr-FR" sz="1800" dirty="0">
+              <a:rPr lang="fr-FR" sz="1200" b="1" dirty="0">
+                <a:solidFill>
+                  <a:schemeClr val="tx1"/>
+                </a:solidFill>
                 <a:effectLst/>
-                <a:latin typeface="Segoe UI" panose="020B0502040204020203" pitchFamily="34" charset="0"/>
+                <a:latin typeface="Times New Roman" panose="02020603050405020304" pitchFamily="18" charset="0"/>
+                <a:ea typeface="Times New Roman" panose="02020603050405020304" pitchFamily="18" charset="0"/>
               </a:rPr>
-              <a:t>•De  Ligne 60 au 62 : on ajoute le nouveau Marque en manipulation de doctrine alors </a:t>
-            </a:r>
-            <a:r>
-              <a:rPr lang="fr-FR" sz="1800" dirty="0" err="1">
+              <a:t>Modèle-vue-contrôleur ou MVC est un motif d'architecture logicielle destiné aux interfaces graphiques lancé en 1978 et très populaire pour les applications web.</a:t>
+            </a:r>
+          </a:p>
+          <a:p>
+            <a:r>
+              <a:rPr lang="fr-FR" sz="1200" b="1" dirty="0">
+                <a:solidFill>
+                  <a:schemeClr val="tx1"/>
+                </a:solidFill>
                 <a:effectLst/>
-                <a:latin typeface="Segoe UI" panose="020B0502040204020203" pitchFamily="34" charset="0"/>
+                <a:latin typeface="Times New Roman" panose="02020603050405020304" pitchFamily="18" charset="0"/>
+                <a:ea typeface="Times New Roman" panose="02020603050405020304" pitchFamily="18" charset="0"/>
               </a:rPr>
-              <a:t>getDoctrine</a:t>
-            </a:r>
-            <a:r>
-              <a:rPr lang="fr-FR" sz="1800" dirty="0">
-                <a:effectLst/>
-                <a:latin typeface="Segoe UI" panose="020B0502040204020203" pitchFamily="34" charset="0"/>
-              </a:rPr>
-              <a:t>() un fonction qui permet faire un </a:t>
-            </a:r>
-            <a:r>
-              <a:rPr lang="fr-FR" sz="1800" dirty="0" err="1">
-                <a:effectLst/>
-                <a:latin typeface="Segoe UI" panose="020B0502040204020203" pitchFamily="34" charset="0"/>
-              </a:rPr>
-              <a:t>shortcuts</a:t>
-            </a:r>
-            <a:r>
-              <a:rPr lang="fr-FR" sz="1800" dirty="0">
-                <a:effectLst/>
-                <a:latin typeface="Segoe UI" panose="020B0502040204020203" pitchFamily="34" charset="0"/>
-              </a:rPr>
-              <a:t> (chemin </a:t>
-            </a:r>
-            <a:r>
-              <a:rPr lang="fr-FR" sz="1800" dirty="0" err="1">
-                <a:effectLst/>
-                <a:latin typeface="Segoe UI" panose="020B0502040204020203" pitchFamily="34" charset="0"/>
-              </a:rPr>
-              <a:t>d’access</a:t>
-            </a:r>
-            <a:r>
-              <a:rPr lang="fr-FR" sz="1800" dirty="0">
-                <a:effectLst/>
-                <a:latin typeface="Segoe UI" panose="020B0502040204020203" pitchFamily="34" charset="0"/>
-              </a:rPr>
-              <a:t> court) au service de régénération doctrine et </a:t>
-            </a:r>
-            <a:r>
-              <a:rPr lang="fr-FR" sz="1800" dirty="0" err="1">
-                <a:effectLst/>
-                <a:latin typeface="Segoe UI" panose="020B0502040204020203" pitchFamily="34" charset="0"/>
-              </a:rPr>
-              <a:t>getManager</a:t>
-            </a:r>
-            <a:r>
-              <a:rPr lang="fr-FR" sz="1800" dirty="0">
-                <a:effectLst/>
-                <a:latin typeface="Segoe UI" panose="020B0502040204020203" pitchFamily="34" charset="0"/>
-              </a:rPr>
-              <a:t>() permet de prends un doctrine</a:t>
-            </a:r>
-            <a:endParaRPr lang="fr-FR" sz="1800" dirty="0">
+              <a:t> Le motif est composé de trois types de modules ayant trois responsabilités différentes : les modèles, les vues et les contrôleurs. </a:t>
+            </a:r>
+          </a:p>
+          <a:p>
+            <a:endParaRPr lang="de-DE" sz="1200" b="1" dirty="0">
+              <a:solidFill>
+                <a:schemeClr val="tx1"/>
+              </a:solidFill>
               <a:effectLst/>
-              <a:latin typeface="Arial" panose="020B0604020202020204" pitchFamily="34" charset="0"/>
-            </a:endParaRPr>
-          </a:p>
-          <a:p>
-            <a:r>
-              <a:rPr lang="fr-FR" sz="1800" dirty="0">
-                <a:effectLst/>
-                <a:latin typeface="Segoe UI" panose="020B0502040204020203" pitchFamily="34" charset="0"/>
-              </a:rPr>
-              <a:t>Et après </a:t>
-            </a:r>
-            <a:r>
-              <a:rPr lang="fr-FR" sz="1800" dirty="0" err="1">
-                <a:effectLst/>
-                <a:latin typeface="Segoe UI" panose="020B0502040204020203" pitchFamily="34" charset="0"/>
-              </a:rPr>
-              <a:t>persist</a:t>
-            </a:r>
-            <a:r>
-              <a:rPr lang="fr-FR" sz="1800" dirty="0">
-                <a:effectLst/>
-                <a:latin typeface="Segoe UI" panose="020B0502040204020203" pitchFamily="34" charset="0"/>
-              </a:rPr>
-              <a:t> permet crée un objet </a:t>
-            </a:r>
-            <a:endParaRPr lang="fr-FR" sz="1800" dirty="0">
-              <a:effectLst/>
-              <a:latin typeface="Arial" panose="020B0604020202020204" pitchFamily="34" charset="0"/>
-            </a:endParaRPr>
-          </a:p>
-          <a:p>
-            <a:r>
-              <a:rPr lang="fr-FR" sz="1800" dirty="0">
-                <a:effectLst/>
-                <a:latin typeface="Segoe UI" panose="020B0502040204020203" pitchFamily="34" charset="0"/>
-              </a:rPr>
-              <a:t>Depuis </a:t>
-            </a:r>
-            <a:r>
-              <a:rPr lang="fr-FR" sz="1800" dirty="0" err="1">
-                <a:effectLst/>
-                <a:latin typeface="Segoe UI" panose="020B0502040204020203" pitchFamily="34" charset="0"/>
-              </a:rPr>
-              <a:t>fluch</a:t>
-            </a:r>
-            <a:r>
-              <a:rPr lang="fr-FR" sz="1800" dirty="0">
-                <a:effectLst/>
-                <a:latin typeface="Segoe UI" panose="020B0502040204020203" pitchFamily="34" charset="0"/>
-              </a:rPr>
-              <a:t> permet envoie l’objet en base de donnes.</a:t>
-            </a:r>
-          </a:p>
-          <a:p>
-            <a:endParaRPr lang="fr-FR" sz="1800" dirty="0">
-              <a:effectLst/>
-              <a:latin typeface="Segoe UI" panose="020B0502040204020203" pitchFamily="34" charset="0"/>
-            </a:endParaRPr>
-          </a:p>
-          <a:p>
-            <a:r>
-              <a:rPr lang="fr-FR" sz="1800" dirty="0">
-                <a:effectLst/>
-                <a:latin typeface="Segoe UI" panose="020B0502040204020203" pitchFamily="34" charset="0"/>
-              </a:rPr>
-              <a:t>Parler de SQL : </a:t>
-            </a:r>
-            <a:r>
-              <a:rPr lang="fr-FR" sz="1800" dirty="0" err="1">
-                <a:effectLst/>
-                <a:latin typeface="Segoe UI" panose="020B0502040204020203" pitchFamily="34" charset="0"/>
-              </a:rPr>
-              <a:t>find</a:t>
-            </a:r>
-            <a:r>
-              <a:rPr lang="fr-FR" sz="1800" dirty="0">
-                <a:effectLst/>
-                <a:latin typeface="Segoe UI" panose="020B0502040204020203" pitchFamily="34" charset="0"/>
-              </a:rPr>
-              <a:t> all </a:t>
-            </a:r>
-          </a:p>
-          <a:p>
-            <a:r>
-              <a:rPr lang="fr-FR" sz="1800" dirty="0" err="1">
-                <a:effectLst/>
-                <a:latin typeface="Segoe UI" panose="020B0502040204020203" pitchFamily="34" charset="0"/>
-              </a:rPr>
-              <a:t>Find</a:t>
-            </a:r>
-            <a:r>
-              <a:rPr lang="fr-FR" sz="1800" dirty="0">
-                <a:effectLst/>
-                <a:latin typeface="Segoe UI" panose="020B0502040204020203" pitchFamily="34" charset="0"/>
-              </a:rPr>
-              <a:t> by</a:t>
-            </a:r>
-            <a:endParaRPr lang="fr-FR" sz="1800" dirty="0">
-              <a:effectLst/>
-              <a:latin typeface="Arial" panose="020B0604020202020204" pitchFamily="34" charset="0"/>
+              <a:latin typeface="Times New Roman" panose="02020603050405020304" pitchFamily="18" charset="0"/>
+              <a:ea typeface="Times New Roman" panose="02020603050405020304" pitchFamily="18" charset="0"/>
             </a:endParaRPr>
           </a:p>
           <a:p>
@@ -1095,7 +1378,7 @@
           <a:p>
             <a:fld id="{67332928-C008-4D13-9D0C-52AD70E1A822}" type="slidenum">
               <a:rPr lang="de-DE" smtClean="0"/>
-              <a:t>12</a:t>
+              <a:t>9</a:t>
             </a:fld>
             <a:endParaRPr lang="de-DE"/>
           </a:p>
@@ -1104,7 +1387,7 @@
     </p:spTree>
     <p:extLst>
       <p:ext uri="{BB962C8B-B14F-4D97-AF65-F5344CB8AC3E}">
-        <p14:creationId xmlns:p14="http://schemas.microsoft.com/office/powerpoint/2010/main" val="558859408"/>
+        <p14:creationId xmlns:p14="http://schemas.microsoft.com/office/powerpoint/2010/main" val="2732239819"/>
       </p:ext>
     </p:extLst>
   </p:cSld>
@@ -1158,39 +1441,666 @@
           <a:bodyPr/>
           <a:lstStyle/>
           <a:p>
-            <a:r>
-              <a:rPr lang="de-DE" dirty="0"/>
-              <a:t>Find </a:t>
-            </a:r>
-            <a:r>
-              <a:rPr lang="de-DE" dirty="0" err="1"/>
-              <a:t>id</a:t>
-            </a:r>
-            <a:r>
-              <a:rPr lang="de-DE" dirty="0"/>
-              <a:t> : </a:t>
-            </a:r>
-            <a:r>
-              <a:rPr lang="de-DE" dirty="0" err="1"/>
-              <a:t>cest</a:t>
-            </a:r>
-            <a:r>
-              <a:rPr lang="de-DE" dirty="0"/>
-              <a:t> le modele par </a:t>
-            </a:r>
-            <a:r>
-              <a:rPr lang="de-DE" dirty="0" err="1"/>
-              <a:t>id</a:t>
-            </a:r>
-            <a:r>
-              <a:rPr lang="de-DE" dirty="0"/>
-              <a:t> de </a:t>
-            </a:r>
-            <a:r>
-              <a:rPr lang="de-DE" dirty="0" err="1"/>
-              <a:t>avis_show</a:t>
-            </a:r>
-            <a:endParaRPr lang="de-DE" dirty="0"/>
+            <a:pPr marL="0" marR="0" lvl="0" indent="0" algn="l" defTabSz="914400" rtl="0" eaLnBrk="0" fontAlgn="base" latinLnBrk="0" hangingPunct="0">
+              <a:lnSpc>
+                <a:spcPct val="100000"/>
+              </a:lnSpc>
+              <a:spcBef>
+                <a:spcPct val="0"/>
+              </a:spcBef>
+              <a:spcAft>
+                <a:spcPct val="0"/>
+              </a:spcAft>
+              <a:buClrTx/>
+              <a:buSzTx/>
+              <a:buFontTx/>
+              <a:buNone/>
+              <a:tabLst/>
+            </a:pPr>
+            <a:r>
+              <a:rPr kumimoji="0" lang="fr-FR" altLang="de-DE" sz="1200" b="0" i="0" u="none" strike="noStrike" cap="none" normalizeH="0" baseline="0" dirty="0">
+                <a:ln>
+                  <a:noFill/>
+                </a:ln>
+                <a:solidFill>
+                  <a:srgbClr val="000000"/>
+                </a:solidFill>
+                <a:effectLst/>
+                <a:latin typeface="Arial" panose="020B0604020202020204" pitchFamily="34" charset="0"/>
+                <a:ea typeface="Calibri" panose="020F0502020204030204" pitchFamily="34" charset="0"/>
+              </a:rPr>
+              <a:t>On </a:t>
+            </a:r>
+            <a:r>
+              <a:rPr kumimoji="0" lang="fr-FR" altLang="de-DE" sz="1200" b="0" i="0" u="none" strike="noStrike" cap="none" normalizeH="0" baseline="0" dirty="0" err="1">
+                <a:ln>
+                  <a:noFill/>
+                </a:ln>
+                <a:solidFill>
+                  <a:srgbClr val="000000"/>
+                </a:solidFill>
+                <a:effectLst/>
+                <a:latin typeface="Arial" panose="020B0604020202020204" pitchFamily="34" charset="0"/>
+                <a:ea typeface="Calibri" panose="020F0502020204030204" pitchFamily="34" charset="0"/>
+              </a:rPr>
+              <a:t>Commance</a:t>
+            </a:r>
+            <a:r>
+              <a:rPr kumimoji="0" lang="fr-FR" altLang="de-DE" sz="1200" b="0" i="0" u="none" strike="noStrike" cap="none" normalizeH="0" baseline="0" dirty="0">
+                <a:ln>
+                  <a:noFill/>
+                </a:ln>
+                <a:solidFill>
+                  <a:srgbClr val="000000"/>
+                </a:solidFill>
+                <a:effectLst/>
+                <a:latin typeface="Arial" panose="020B0604020202020204" pitchFamily="34" charset="0"/>
+                <a:ea typeface="Calibri" panose="020F0502020204030204" pitchFamily="34" charset="0"/>
+              </a:rPr>
+              <a:t> :</a:t>
+            </a:r>
+          </a:p>
+          <a:p>
+            <a:pPr marL="0" marR="0" lvl="0" indent="0" algn="l" defTabSz="914400" rtl="0" eaLnBrk="0" fontAlgn="base" latinLnBrk="0" hangingPunct="0">
+              <a:lnSpc>
+                <a:spcPct val="100000"/>
+              </a:lnSpc>
+              <a:spcBef>
+                <a:spcPct val="0"/>
+              </a:spcBef>
+              <a:spcAft>
+                <a:spcPct val="0"/>
+              </a:spcAft>
+              <a:buClrTx/>
+              <a:buSzTx/>
+              <a:buFontTx/>
+              <a:buNone/>
+              <a:tabLst/>
+            </a:pPr>
+            <a:r>
+              <a:rPr kumimoji="0" lang="fr-FR" altLang="de-DE" sz="1200" b="0" i="0" u="none" strike="noStrike" cap="none" normalizeH="0" baseline="0" dirty="0">
+                <a:ln>
+                  <a:noFill/>
+                </a:ln>
+                <a:solidFill>
+                  <a:srgbClr val="000000"/>
+                </a:solidFill>
+                <a:effectLst/>
+                <a:latin typeface="Arial" panose="020B0604020202020204" pitchFamily="34" charset="0"/>
+                <a:ea typeface="Calibri" panose="020F0502020204030204" pitchFamily="34" charset="0"/>
+              </a:rPr>
+              <a:t>L’User demande une marque de voiture pour Example </a:t>
+            </a:r>
+            <a:endParaRPr kumimoji="0" lang="de-DE" altLang="de-DE" sz="1200" b="0" i="0" u="none" strike="noStrike" cap="none" normalizeH="0" baseline="0" dirty="0">
+              <a:ln>
+                <a:noFill/>
+              </a:ln>
+              <a:solidFill>
+                <a:schemeClr val="tx1"/>
+              </a:solidFill>
+              <a:effectLst/>
+              <a:latin typeface="Arial" panose="020B0604020202020204" pitchFamily="34" charset="0"/>
+            </a:endParaRPr>
+          </a:p>
+          <a:p>
+            <a:pPr marL="0" marR="0" lvl="0" indent="0" algn="l" defTabSz="914400" rtl="0" eaLnBrk="0" fontAlgn="base" latinLnBrk="0" hangingPunct="0">
+              <a:lnSpc>
+                <a:spcPct val="100000"/>
+              </a:lnSpc>
+              <a:spcBef>
+                <a:spcPct val="0"/>
+              </a:spcBef>
+              <a:spcAft>
+                <a:spcPct val="0"/>
+              </a:spcAft>
+              <a:buClrTx/>
+              <a:buSzTx/>
+              <a:buFontTx/>
+              <a:buChar char="•"/>
+              <a:tabLst/>
+            </a:pPr>
+            <a:r>
+              <a:rPr kumimoji="0" lang="fr-FR" altLang="de-DE" sz="1200" b="0" i="0" u="none" strike="noStrike" cap="none" normalizeH="0" baseline="0" dirty="0">
+                <a:ln>
+                  <a:noFill/>
+                </a:ln>
+                <a:solidFill>
+                  <a:srgbClr val="000000"/>
+                </a:solidFill>
+                <a:effectLst/>
+                <a:latin typeface="Arial" panose="020B0604020202020204" pitchFamily="34" charset="0"/>
+                <a:ea typeface="Calibri" panose="020F0502020204030204" pitchFamily="34" charset="0"/>
+              </a:rPr>
+              <a:t>L’user demande qqc à la Controller </a:t>
+            </a:r>
+            <a:endParaRPr kumimoji="0" lang="de-DE" altLang="de-DE" sz="1200" b="0" i="0" u="none" strike="noStrike" cap="none" normalizeH="0" baseline="0" dirty="0">
+              <a:ln>
+                <a:noFill/>
+              </a:ln>
+              <a:solidFill>
+                <a:schemeClr val="tx1"/>
+              </a:solidFill>
+              <a:effectLst/>
+              <a:latin typeface="Arial" panose="020B0604020202020204" pitchFamily="34" charset="0"/>
+            </a:endParaRPr>
+          </a:p>
+          <a:p>
+            <a:pPr marL="0" marR="0" lvl="0" indent="0" algn="l" defTabSz="914400" rtl="0" eaLnBrk="0" fontAlgn="base" latinLnBrk="0" hangingPunct="0">
+              <a:lnSpc>
+                <a:spcPct val="100000"/>
+              </a:lnSpc>
+              <a:spcBef>
+                <a:spcPct val="0"/>
+              </a:spcBef>
+              <a:spcAft>
+                <a:spcPct val="0"/>
+              </a:spcAft>
+              <a:buClrTx/>
+              <a:buSzTx/>
+              <a:buFontTx/>
+              <a:buChar char="•"/>
+              <a:tabLst/>
+            </a:pPr>
+            <a:r>
+              <a:rPr kumimoji="0" lang="fr-FR" altLang="de-DE" sz="1200" b="0" i="0" u="none" strike="noStrike" cap="none" normalizeH="0" baseline="0" dirty="0">
+                <a:ln>
+                  <a:noFill/>
+                </a:ln>
+                <a:solidFill>
+                  <a:srgbClr val="000000"/>
+                </a:solidFill>
+                <a:effectLst/>
+                <a:latin typeface="Arial" panose="020B0604020202020204" pitchFamily="34" charset="0"/>
+                <a:ea typeface="Calibri" panose="020F0502020204030204" pitchFamily="34" charset="0"/>
+              </a:rPr>
+              <a:t>Controller envoie une liste de voitures à</a:t>
+            </a:r>
+            <a:r>
+              <a:rPr kumimoji="0" lang="fr-FR" altLang="de-DE" sz="1200" b="0" i="0" u="none" strike="noStrike" cap="none" normalizeH="0" baseline="0" dirty="0" bmk="">
+                <a:ln>
+                  <a:noFill/>
+                </a:ln>
+                <a:solidFill>
+                  <a:srgbClr val="000000"/>
+                </a:solidFill>
+                <a:effectLst/>
+                <a:latin typeface="Arial" panose="020B0604020202020204" pitchFamily="34" charset="0"/>
+                <a:ea typeface="Calibri" panose="020F0502020204030204" pitchFamily="34" charset="0"/>
+              </a:rPr>
+              <a:t> </a:t>
+            </a:r>
+            <a:r>
+              <a:rPr kumimoji="0" lang="fr-FR" altLang="de-DE" sz="1200" b="0" i="0" u="none" strike="noStrike" cap="none" normalizeH="0" baseline="0" dirty="0">
+                <a:ln>
+                  <a:noFill/>
+                </a:ln>
+                <a:solidFill>
+                  <a:srgbClr val="000000"/>
+                </a:solidFill>
+                <a:effectLst/>
+                <a:latin typeface="Arial" panose="020B0604020202020204" pitchFamily="34" charset="0"/>
+                <a:ea typeface="Calibri" panose="020F0502020204030204" pitchFamily="34" charset="0"/>
+              </a:rPr>
+              <a:t>Modèle</a:t>
+            </a:r>
+            <a:endParaRPr kumimoji="0" lang="de-DE" altLang="de-DE" sz="1200" b="0" i="0" u="none" strike="noStrike" cap="none" normalizeH="0" baseline="0" dirty="0">
+              <a:ln>
+                <a:noFill/>
+              </a:ln>
+              <a:solidFill>
+                <a:schemeClr val="tx1"/>
+              </a:solidFill>
+              <a:effectLst/>
+              <a:latin typeface="Arial" panose="020B0604020202020204" pitchFamily="34" charset="0"/>
+            </a:endParaRPr>
+          </a:p>
+          <a:p>
+            <a:pPr marL="0" marR="0" lvl="0" indent="0" algn="l" defTabSz="914400" rtl="0" eaLnBrk="0" fontAlgn="base" latinLnBrk="0" hangingPunct="0">
+              <a:lnSpc>
+                <a:spcPct val="100000"/>
+              </a:lnSpc>
+              <a:spcBef>
+                <a:spcPct val="0"/>
+              </a:spcBef>
+              <a:spcAft>
+                <a:spcPct val="0"/>
+              </a:spcAft>
+              <a:buClrTx/>
+              <a:buSzTx/>
+              <a:buFontTx/>
+              <a:buChar char="•"/>
+              <a:tabLst/>
+            </a:pPr>
+            <a:r>
+              <a:rPr kumimoji="0" lang="fr-FR" altLang="de-DE" sz="1200" b="0" i="0" u="none" strike="noStrike" cap="none" normalizeH="0" baseline="0" dirty="0">
+                <a:ln>
+                  <a:noFill/>
+                </a:ln>
+                <a:solidFill>
+                  <a:srgbClr val="000000"/>
+                </a:solidFill>
+                <a:effectLst/>
+                <a:latin typeface="Arial" panose="020B0604020202020204" pitchFamily="34" charset="0"/>
+                <a:ea typeface="Calibri" panose="020F0502020204030204" pitchFamily="34" charset="0"/>
+              </a:rPr>
+              <a:t>Modèle demande aller voir toute la voiture pour Example en BDD Table de base de donnes </a:t>
+            </a:r>
+            <a:endParaRPr kumimoji="0" lang="de-DE" altLang="de-DE" sz="1200" b="0" i="0" u="none" strike="noStrike" cap="none" normalizeH="0" baseline="0" dirty="0">
+              <a:ln>
+                <a:noFill/>
+              </a:ln>
+              <a:solidFill>
+                <a:schemeClr val="tx1"/>
+              </a:solidFill>
+              <a:effectLst/>
+              <a:latin typeface="Arial" panose="020B0604020202020204" pitchFamily="34" charset="0"/>
+            </a:endParaRPr>
+          </a:p>
+          <a:p>
+            <a:pPr marL="0" marR="0" lvl="0" indent="0" algn="l" defTabSz="914400" rtl="0" eaLnBrk="0" fontAlgn="base" latinLnBrk="0" hangingPunct="0">
+              <a:lnSpc>
+                <a:spcPct val="100000"/>
+              </a:lnSpc>
+              <a:spcBef>
+                <a:spcPct val="0"/>
+              </a:spcBef>
+              <a:spcAft>
+                <a:spcPct val="0"/>
+              </a:spcAft>
+              <a:buClrTx/>
+              <a:buSzTx/>
+              <a:buFontTx/>
+              <a:buChar char="•"/>
+              <a:tabLst/>
+            </a:pPr>
+            <a:r>
+              <a:rPr kumimoji="0" lang="fr-FR" altLang="de-DE" sz="1200" b="0" i="0" u="none" strike="noStrike" cap="none" normalizeH="0" baseline="0" dirty="0" err="1">
+                <a:ln>
+                  <a:noFill/>
+                </a:ln>
+                <a:solidFill>
+                  <a:srgbClr val="000000"/>
+                </a:solidFill>
+                <a:effectLst/>
+                <a:latin typeface="Arial" panose="020B0604020202020204" pitchFamily="34" charset="0"/>
+                <a:ea typeface="Calibri" panose="020F0502020204030204" pitchFamily="34" charset="0"/>
+              </a:rPr>
+              <a:t>Array</a:t>
+            </a:r>
+            <a:r>
+              <a:rPr kumimoji="0" lang="fr-FR" altLang="de-DE" sz="1200" b="0" i="0" u="none" strike="noStrike" cap="none" normalizeH="0" baseline="0" dirty="0">
+                <a:ln>
+                  <a:noFill/>
+                </a:ln>
+                <a:solidFill>
+                  <a:srgbClr val="000000"/>
+                </a:solidFill>
+                <a:effectLst/>
+                <a:latin typeface="Arial" panose="020B0604020202020204" pitchFamily="34" charset="0"/>
+                <a:ea typeface="Calibri" panose="020F0502020204030204" pitchFamily="34" charset="0"/>
+              </a:rPr>
+              <a:t> de Table transforme en collection des objets</a:t>
+            </a:r>
+            <a:endParaRPr kumimoji="0" lang="de-DE" altLang="de-DE" sz="1200" b="0" i="0" u="none" strike="noStrike" cap="none" normalizeH="0" baseline="0" dirty="0">
+              <a:ln>
+                <a:noFill/>
+              </a:ln>
+              <a:solidFill>
+                <a:schemeClr val="tx1"/>
+              </a:solidFill>
+              <a:effectLst/>
+              <a:latin typeface="Arial" panose="020B0604020202020204" pitchFamily="34" charset="0"/>
+            </a:endParaRPr>
+          </a:p>
+          <a:p>
+            <a:pPr marL="0" marR="0" lvl="0" indent="0" algn="l" defTabSz="914400" rtl="0" eaLnBrk="0" fontAlgn="base" latinLnBrk="0" hangingPunct="0">
+              <a:lnSpc>
+                <a:spcPct val="100000"/>
+              </a:lnSpc>
+              <a:spcBef>
+                <a:spcPct val="0"/>
+              </a:spcBef>
+              <a:spcAft>
+                <a:spcPct val="0"/>
+              </a:spcAft>
+              <a:buClrTx/>
+              <a:buSzTx/>
+              <a:buFontTx/>
+              <a:buChar char="•"/>
+              <a:tabLst/>
+            </a:pPr>
+            <a:r>
+              <a:rPr kumimoji="0" lang="fr-FR" altLang="de-DE" sz="1200" b="0" i="0" u="none" strike="noStrike" cap="none" normalizeH="0" baseline="0" dirty="0">
+                <a:ln>
+                  <a:noFill/>
+                </a:ln>
+                <a:solidFill>
+                  <a:srgbClr val="000000"/>
+                </a:solidFill>
+                <a:effectLst/>
+                <a:latin typeface="Arial" panose="020B0604020202020204" pitchFamily="34" charset="0"/>
+                <a:ea typeface="Calibri" panose="020F0502020204030204" pitchFamily="34" charset="0"/>
+              </a:rPr>
+              <a:t>Le Repository </a:t>
+            </a:r>
+            <a:r>
+              <a:rPr kumimoji="0" lang="fr-FR" altLang="de-DE" sz="1200" b="0" i="0" u="none" strike="noStrike" cap="none" normalizeH="0" baseline="0" dirty="0" err="1">
+                <a:ln>
+                  <a:noFill/>
+                </a:ln>
+                <a:solidFill>
+                  <a:srgbClr val="000000"/>
+                </a:solidFill>
+                <a:effectLst/>
+                <a:latin typeface="Arial" panose="020B0604020202020204" pitchFamily="34" charset="0"/>
+                <a:ea typeface="Calibri" panose="020F0502020204030204" pitchFamily="34" charset="0"/>
+              </a:rPr>
+              <a:t>recup</a:t>
+            </a:r>
+            <a:r>
+              <a:rPr kumimoji="0" lang="fr-FR" altLang="de-DE" sz="1200" b="0" i="0" u="none" strike="noStrike" cap="none" normalizeH="0" baseline="0" dirty="0">
+                <a:ln>
+                  <a:noFill/>
+                </a:ln>
+                <a:solidFill>
+                  <a:srgbClr val="000000"/>
+                </a:solidFill>
+                <a:effectLst/>
+                <a:latin typeface="Arial" panose="020B0604020202020204" pitchFamily="34" charset="0"/>
+                <a:ea typeface="Calibri" panose="020F0502020204030204" pitchFamily="34" charset="0"/>
+              </a:rPr>
+              <a:t> la collection</a:t>
+            </a:r>
+            <a:endParaRPr kumimoji="0" lang="de-DE" altLang="de-DE" sz="1200" b="0" i="0" u="none" strike="noStrike" cap="none" normalizeH="0" baseline="0" dirty="0">
+              <a:ln>
+                <a:noFill/>
+              </a:ln>
+              <a:solidFill>
+                <a:schemeClr val="tx1"/>
+              </a:solidFill>
+              <a:effectLst/>
+              <a:latin typeface="Arial" panose="020B0604020202020204" pitchFamily="34" charset="0"/>
+            </a:endParaRPr>
+          </a:p>
+          <a:p>
+            <a:pPr marL="0" marR="0" lvl="0" indent="0" algn="l" defTabSz="914400" rtl="0" eaLnBrk="0" fontAlgn="base" latinLnBrk="0" hangingPunct="0">
+              <a:lnSpc>
+                <a:spcPct val="100000"/>
+              </a:lnSpc>
+              <a:spcBef>
+                <a:spcPct val="0"/>
+              </a:spcBef>
+              <a:spcAft>
+                <a:spcPct val="0"/>
+              </a:spcAft>
+              <a:buClrTx/>
+              <a:buSzTx/>
+              <a:buFontTx/>
+              <a:buChar char="•"/>
+              <a:tabLst/>
+            </a:pPr>
+            <a:r>
+              <a:rPr kumimoji="0" lang="fr-FR" altLang="de-DE" sz="1200" b="0" i="0" u="none" strike="noStrike" cap="none" normalizeH="0" baseline="0" dirty="0" err="1">
+                <a:ln>
+                  <a:noFill/>
+                </a:ln>
+                <a:solidFill>
+                  <a:srgbClr val="000000"/>
+                </a:solidFill>
+                <a:effectLst/>
+                <a:latin typeface="Arial" panose="020B0604020202020204" pitchFamily="34" charset="0"/>
+                <a:ea typeface="Calibri" panose="020F0502020204030204" pitchFamily="34" charset="0"/>
+              </a:rPr>
+              <a:t>Modele</a:t>
+            </a:r>
+            <a:r>
+              <a:rPr kumimoji="0" lang="fr-FR" altLang="de-DE" sz="1200" b="0" i="0" u="none" strike="noStrike" cap="none" normalizeH="0" baseline="0" dirty="0">
+                <a:ln>
+                  <a:noFill/>
+                </a:ln>
+                <a:solidFill>
+                  <a:srgbClr val="000000"/>
+                </a:solidFill>
+                <a:effectLst/>
+                <a:latin typeface="Arial" panose="020B0604020202020204" pitchFamily="34" charset="0"/>
+                <a:ea typeface="Calibri" panose="020F0502020204030204" pitchFamily="34" charset="0"/>
+              </a:rPr>
+              <a:t> envoie le à Controller </a:t>
+            </a:r>
+            <a:endParaRPr kumimoji="0" lang="de-DE" altLang="de-DE" sz="1200" b="0" i="0" u="none" strike="noStrike" cap="none" normalizeH="0" baseline="0" dirty="0">
+              <a:ln>
+                <a:noFill/>
+              </a:ln>
+              <a:solidFill>
+                <a:schemeClr val="tx1"/>
+              </a:solidFill>
+              <a:effectLst/>
+              <a:latin typeface="Arial" panose="020B0604020202020204" pitchFamily="34" charset="0"/>
+            </a:endParaRPr>
+          </a:p>
+          <a:p>
+            <a:pPr marL="0" marR="0" lvl="0" indent="0" algn="l" defTabSz="914400" rtl="0" eaLnBrk="0" fontAlgn="base" latinLnBrk="0" hangingPunct="0">
+              <a:lnSpc>
+                <a:spcPct val="100000"/>
+              </a:lnSpc>
+              <a:spcBef>
+                <a:spcPct val="0"/>
+              </a:spcBef>
+              <a:spcAft>
+                <a:spcPct val="0"/>
+              </a:spcAft>
+              <a:buClrTx/>
+              <a:buSzTx/>
+              <a:buFontTx/>
+              <a:buChar char="•"/>
+              <a:tabLst/>
+            </a:pPr>
+            <a:r>
+              <a:rPr kumimoji="0" lang="fr-FR" altLang="de-DE" sz="1200" b="0" i="0" u="none" strike="noStrike" cap="none" normalizeH="0" baseline="0" dirty="0">
+                <a:ln>
+                  <a:noFill/>
+                </a:ln>
+                <a:solidFill>
+                  <a:srgbClr val="000000"/>
+                </a:solidFill>
+                <a:effectLst/>
+                <a:latin typeface="Arial" panose="020B0604020202020204" pitchFamily="34" charset="0"/>
+                <a:ea typeface="Calibri" panose="020F0502020204030204" pitchFamily="34" charset="0"/>
+              </a:rPr>
+              <a:t>Le Controller envoie le à vu [</a:t>
+            </a:r>
+            <a:r>
+              <a:rPr kumimoji="0" lang="fr-FR" altLang="de-DE" sz="1200" b="0" i="0" u="none" strike="noStrike" cap="none" normalizeH="0" baseline="0" dirty="0" err="1">
+                <a:ln>
+                  <a:noFill/>
+                </a:ln>
+                <a:solidFill>
+                  <a:srgbClr val="000000"/>
+                </a:solidFill>
+                <a:effectLst/>
+                <a:latin typeface="Arial" panose="020B0604020202020204" pitchFamily="34" charset="0"/>
+                <a:ea typeface="Calibri" panose="020F0502020204030204" pitchFamily="34" charset="0"/>
+              </a:rPr>
+              <a:t>Twig</a:t>
+            </a:r>
+            <a:r>
+              <a:rPr kumimoji="0" lang="fr-FR" altLang="de-DE" sz="1200" b="0" i="0" u="none" strike="noStrike" cap="none" normalizeH="0" baseline="0" dirty="0">
+                <a:ln>
+                  <a:noFill/>
+                </a:ln>
+                <a:solidFill>
+                  <a:srgbClr val="000000"/>
+                </a:solidFill>
+                <a:effectLst/>
+                <a:latin typeface="Arial" panose="020B0604020202020204" pitchFamily="34" charset="0"/>
+                <a:ea typeface="Calibri" panose="020F0502020204030204" pitchFamily="34" charset="0"/>
+              </a:rPr>
+              <a:t>] en fait un </a:t>
+            </a:r>
+            <a:r>
+              <a:rPr kumimoji="0" lang="fr-FR" altLang="de-DE" sz="1200" b="0" i="0" u="none" strike="noStrike" cap="none" normalizeH="0" baseline="0" dirty="0" err="1">
+                <a:ln>
+                  <a:noFill/>
+                </a:ln>
+                <a:solidFill>
+                  <a:srgbClr val="000000"/>
+                </a:solidFill>
+                <a:effectLst/>
+                <a:latin typeface="Arial" panose="020B0604020202020204" pitchFamily="34" charset="0"/>
+                <a:ea typeface="Calibri" panose="020F0502020204030204" pitchFamily="34" charset="0"/>
+              </a:rPr>
+              <a:t>foreach</a:t>
+            </a:r>
+            <a:r>
+              <a:rPr kumimoji="0" lang="fr-FR" altLang="de-DE" sz="1200" b="0" i="0" u="none" strike="noStrike" cap="none" normalizeH="0" baseline="0" dirty="0">
+                <a:ln>
+                  <a:noFill/>
+                </a:ln>
+                <a:solidFill>
+                  <a:srgbClr val="000000"/>
+                </a:solidFill>
+                <a:effectLst/>
+                <a:latin typeface="Arial" panose="020B0604020202020204" pitchFamily="34" charset="0"/>
+                <a:ea typeface="Calibri" panose="020F0502020204030204" pitchFamily="34" charset="0"/>
+              </a:rPr>
+              <a:t> pour voitures pour </a:t>
+            </a:r>
+            <a:r>
+              <a:rPr kumimoji="0" lang="fr-FR" altLang="de-DE" sz="1200" b="0" i="0" u="none" strike="noStrike" cap="none" normalizeH="0" baseline="0" dirty="0" err="1">
+                <a:ln>
+                  <a:noFill/>
+                </a:ln>
+                <a:solidFill>
+                  <a:srgbClr val="000000"/>
+                </a:solidFill>
+                <a:effectLst/>
+                <a:latin typeface="Arial" panose="020B0604020202020204" pitchFamily="34" charset="0"/>
+                <a:ea typeface="Calibri" panose="020F0502020204030204" pitchFamily="34" charset="0"/>
+              </a:rPr>
+              <a:t>recuper</a:t>
+            </a:r>
+            <a:r>
+              <a:rPr kumimoji="0" lang="fr-FR" altLang="de-DE" sz="1200" b="0" i="0" u="none" strike="noStrike" cap="none" normalizeH="0" baseline="0" dirty="0">
+                <a:ln>
+                  <a:noFill/>
+                </a:ln>
+                <a:solidFill>
+                  <a:srgbClr val="000000"/>
+                </a:solidFill>
+                <a:effectLst/>
+                <a:latin typeface="Arial" panose="020B0604020202020204" pitchFamily="34" charset="0"/>
+                <a:ea typeface="Calibri" panose="020F0502020204030204" pitchFamily="34" charset="0"/>
+              </a:rPr>
+              <a:t> </a:t>
+            </a:r>
+            <a:r>
+              <a:rPr kumimoji="0" lang="fr-FR" altLang="de-DE" sz="1200" b="0" i="0" u="none" strike="noStrike" cap="none" normalizeH="0" baseline="0" dirty="0" err="1">
+                <a:ln>
+                  <a:noFill/>
+                </a:ln>
+                <a:solidFill>
+                  <a:srgbClr val="000000"/>
+                </a:solidFill>
+                <a:effectLst/>
+                <a:latin typeface="Arial" panose="020B0604020202020204" pitchFamily="34" charset="0"/>
+                <a:ea typeface="Calibri" panose="020F0502020204030204" pitchFamily="34" charset="0"/>
+              </a:rPr>
+              <a:t>voiture.marque</a:t>
+            </a:r>
+            <a:r>
+              <a:rPr kumimoji="0" lang="fr-FR" altLang="de-DE" sz="1200" b="0" i="0" u="none" strike="noStrike" cap="none" normalizeH="0" baseline="0" dirty="0">
+                <a:ln>
+                  <a:noFill/>
+                </a:ln>
+                <a:solidFill>
+                  <a:srgbClr val="000000"/>
+                </a:solidFill>
+                <a:effectLst/>
+                <a:latin typeface="Arial" panose="020B0604020202020204" pitchFamily="34" charset="0"/>
+                <a:ea typeface="Calibri" panose="020F0502020204030204" pitchFamily="34" charset="0"/>
+              </a:rPr>
+              <a:t> ( le marque demandée ) </a:t>
+            </a:r>
+            <a:endParaRPr kumimoji="0" lang="de-DE" altLang="de-DE" sz="1200" b="0" i="0" u="none" strike="noStrike" cap="none" normalizeH="0" baseline="0" dirty="0">
+              <a:ln>
+                <a:noFill/>
+              </a:ln>
+              <a:solidFill>
+                <a:schemeClr val="tx1"/>
+              </a:solidFill>
+              <a:effectLst/>
+              <a:latin typeface="Arial" panose="020B0604020202020204" pitchFamily="34" charset="0"/>
+            </a:endParaRPr>
+          </a:p>
+          <a:p>
+            <a:pPr marL="0" marR="0" lvl="0" indent="0" algn="l" defTabSz="914400" rtl="0" eaLnBrk="0" fontAlgn="base" latinLnBrk="0" hangingPunct="0">
+              <a:lnSpc>
+                <a:spcPct val="100000"/>
+              </a:lnSpc>
+              <a:spcBef>
+                <a:spcPct val="0"/>
+              </a:spcBef>
+              <a:spcAft>
+                <a:spcPct val="0"/>
+              </a:spcAft>
+              <a:buClrTx/>
+              <a:buSzTx/>
+              <a:buFontTx/>
+              <a:buChar char="•"/>
+              <a:tabLst/>
+            </a:pPr>
+            <a:r>
+              <a:rPr kumimoji="0" lang="fr-FR" altLang="de-DE" sz="1200" b="0" i="0" u="none" strike="noStrike" cap="none" normalizeH="0" baseline="0" dirty="0">
+                <a:ln>
+                  <a:noFill/>
+                </a:ln>
+                <a:solidFill>
+                  <a:srgbClr val="000000"/>
+                </a:solidFill>
+                <a:effectLst/>
+                <a:latin typeface="Arial" panose="020B0604020202020204" pitchFamily="34" charset="0"/>
+                <a:ea typeface="Calibri" panose="020F0502020204030204" pitchFamily="34" charset="0"/>
+              </a:rPr>
+              <a:t>La vue affiche le </a:t>
+            </a:r>
+            <a:r>
+              <a:rPr kumimoji="0" lang="fr-FR" altLang="de-DE" sz="1200" b="0" i="0" u="none" strike="noStrike" cap="none" normalizeH="0" baseline="0" dirty="0" err="1">
+                <a:ln>
+                  <a:noFill/>
+                </a:ln>
+                <a:solidFill>
+                  <a:srgbClr val="000000"/>
+                </a:solidFill>
+                <a:effectLst/>
+                <a:latin typeface="Arial" panose="020B0604020202020204" pitchFamily="34" charset="0"/>
+                <a:ea typeface="Calibri" panose="020F0502020204030204" pitchFamily="34" charset="0"/>
+              </a:rPr>
+              <a:t>resultat</a:t>
+            </a:r>
+            <a:r>
+              <a:rPr kumimoji="0" lang="fr-FR" altLang="de-DE" sz="1200" b="0" i="0" u="none" strike="noStrike" cap="none" normalizeH="0" baseline="0" dirty="0">
+                <a:ln>
+                  <a:noFill/>
+                </a:ln>
+                <a:solidFill>
+                  <a:srgbClr val="000000"/>
+                </a:solidFill>
+                <a:effectLst/>
+                <a:latin typeface="Arial" panose="020B0604020202020204" pitchFamily="34" charset="0"/>
+                <a:ea typeface="Calibri" panose="020F0502020204030204" pitchFamily="34" charset="0"/>
+              </a:rPr>
+              <a:t> à USER.</a:t>
+            </a:r>
+            <a:endParaRPr kumimoji="0" lang="fr-FR" altLang="de-DE" sz="1200" b="0" i="0" u="none" strike="noStrike" cap="none" normalizeH="0" baseline="0" dirty="0">
+              <a:ln>
+                <a:noFill/>
+              </a:ln>
+              <a:solidFill>
+                <a:schemeClr val="tx1"/>
+              </a:solidFill>
+              <a:effectLst/>
+              <a:latin typeface="Arial" panose="020B0604020202020204" pitchFamily="34" charset="0"/>
+            </a:endParaRPr>
           </a:p>
           <a:p>
             <a:endParaRPr lang="de-DE" dirty="0"/>
@@ -1214,7 +2124,7 @@
           <a:p>
             <a:fld id="{67332928-C008-4D13-9D0C-52AD70E1A822}" type="slidenum">
               <a:rPr lang="de-DE" smtClean="0"/>
-              <a:t>13</a:t>
+              <a:t>10</a:t>
             </a:fld>
             <a:endParaRPr lang="de-DE"/>
           </a:p>
@@ -1223,7 +2133,7 @@
     </p:spTree>
     <p:extLst>
       <p:ext uri="{BB962C8B-B14F-4D97-AF65-F5344CB8AC3E}">
-        <p14:creationId xmlns:p14="http://schemas.microsoft.com/office/powerpoint/2010/main" val="1868203076"/>
+        <p14:creationId xmlns:p14="http://schemas.microsoft.com/office/powerpoint/2010/main" val="4174481425"/>
       </p:ext>
     </p:extLst>
   </p:cSld>
@@ -1277,6 +2187,65 @@
           <a:bodyPr/>
           <a:lstStyle/>
           <a:p>
+            <a:r>
+              <a:rPr lang="de-DE" dirty="0"/>
+              <a:t>Modele </a:t>
+            </a:r>
+            <a:r>
+              <a:rPr lang="de-DE" dirty="0" err="1"/>
+              <a:t>peut</a:t>
+            </a:r>
+            <a:r>
+              <a:rPr lang="de-DE" dirty="0"/>
+              <a:t> </a:t>
+            </a:r>
+            <a:r>
+              <a:rPr lang="de-DE" dirty="0" err="1"/>
+              <a:t>avoir</a:t>
+            </a:r>
+            <a:r>
+              <a:rPr lang="de-DE" dirty="0"/>
+              <a:t> </a:t>
+            </a:r>
+            <a:r>
+              <a:rPr lang="de-DE" dirty="0" err="1"/>
+              <a:t>nani</a:t>
+            </a:r>
+            <a:r>
+              <a:rPr lang="de-DE" dirty="0"/>
+              <a:t> </a:t>
+            </a:r>
+            <a:r>
+              <a:rPr lang="de-DE" dirty="0" err="1"/>
+              <a:t>nanana</a:t>
+            </a:r>
+            <a:endParaRPr lang="de-DE" dirty="0"/>
+          </a:p>
+          <a:p>
+            <a:r>
+              <a:rPr lang="de-DE" dirty="0"/>
+              <a:t>User </a:t>
+            </a:r>
+            <a:r>
+              <a:rPr lang="de-DE" dirty="0" err="1"/>
+              <a:t>peut</a:t>
+            </a:r>
+            <a:r>
+              <a:rPr lang="de-DE" dirty="0"/>
+              <a:t> </a:t>
+            </a:r>
+            <a:r>
+              <a:rPr lang="de-DE" dirty="0" err="1"/>
+              <a:t>possid</a:t>
+            </a:r>
+            <a:r>
+              <a:rPr lang="de-DE" dirty="0"/>
+              <a:t> </a:t>
+            </a:r>
+            <a:r>
+              <a:rPr lang="de-DE" dirty="0" err="1"/>
+              <a:t>voitures</a:t>
+            </a:r>
             <a:endParaRPr lang="de-DE" dirty="0"/>
           </a:p>
         </p:txBody>
@@ -1298,7 +2267,7 @@
           <a:p>
             <a:fld id="{67332928-C008-4D13-9D0C-52AD70E1A822}" type="slidenum">
               <a:rPr lang="de-DE" smtClean="0"/>
-              <a:t>14</a:t>
+              <a:t>11</a:t>
             </a:fld>
             <a:endParaRPr lang="de-DE"/>
           </a:p>
@@ -1307,7 +2276,7 @@
     </p:spTree>
     <p:extLst>
       <p:ext uri="{BB962C8B-B14F-4D97-AF65-F5344CB8AC3E}">
-        <p14:creationId xmlns:p14="http://schemas.microsoft.com/office/powerpoint/2010/main" val="4015263338"/>
+        <p14:creationId xmlns:p14="http://schemas.microsoft.com/office/powerpoint/2010/main" val="1052330111"/>
       </p:ext>
     </p:extLst>
   </p:cSld>
@@ -1361,6 +2330,174 @@
           <a:bodyPr/>
           <a:lstStyle/>
           <a:p>
+            <a:r>
+              <a:rPr lang="fr-FR" sz="1800" dirty="0">
+                <a:effectLst/>
+                <a:latin typeface="Segoe UI" panose="020B0502040204020203" pitchFamily="34" charset="0"/>
+              </a:rPr>
+              <a:t>•De  Ligne 60 au 62 : on ajoute le nouveau Marque en manipulation de doctrine alors </a:t>
+            </a:r>
+            <a:r>
+              <a:rPr lang="fr-FR" sz="1800" dirty="0" err="1">
+                <a:effectLst/>
+                <a:latin typeface="Segoe UI" panose="020B0502040204020203" pitchFamily="34" charset="0"/>
+              </a:rPr>
+              <a:t>getDoctrine</a:t>
+            </a:r>
+            <a:r>
+              <a:rPr lang="fr-FR" sz="1800" dirty="0">
+                <a:effectLst/>
+                <a:latin typeface="Segoe UI" panose="020B0502040204020203" pitchFamily="34" charset="0"/>
+              </a:rPr>
+              <a:t>() un fonction qui permet faire un </a:t>
+            </a:r>
+            <a:r>
+              <a:rPr lang="fr-FR" sz="1800" dirty="0" err="1">
+                <a:effectLst/>
+                <a:latin typeface="Segoe UI" panose="020B0502040204020203" pitchFamily="34" charset="0"/>
+              </a:rPr>
+              <a:t>shortcuts</a:t>
+            </a:r>
+            <a:r>
+              <a:rPr lang="fr-FR" sz="1800" dirty="0">
+                <a:effectLst/>
+                <a:latin typeface="Segoe UI" panose="020B0502040204020203" pitchFamily="34" charset="0"/>
+              </a:rPr>
+              <a:t> (chemin </a:t>
+            </a:r>
+            <a:r>
+              <a:rPr lang="fr-FR" sz="1800" dirty="0" err="1">
+                <a:effectLst/>
+                <a:latin typeface="Segoe UI" panose="020B0502040204020203" pitchFamily="34" charset="0"/>
+              </a:rPr>
+              <a:t>d’access</a:t>
+            </a:r>
+            <a:r>
+              <a:rPr lang="fr-FR" sz="1800" dirty="0">
+                <a:effectLst/>
+                <a:latin typeface="Segoe UI" panose="020B0502040204020203" pitchFamily="34" charset="0"/>
+              </a:rPr>
+              <a:t> court) au service de régénération doctrine et </a:t>
+            </a:r>
+            <a:r>
+              <a:rPr lang="fr-FR" sz="1800" dirty="0" err="1">
+                <a:effectLst/>
+                <a:latin typeface="Segoe UI" panose="020B0502040204020203" pitchFamily="34" charset="0"/>
+              </a:rPr>
+              <a:t>getManager</a:t>
+            </a:r>
+            <a:r>
+              <a:rPr lang="fr-FR" sz="1800" dirty="0">
+                <a:effectLst/>
+                <a:latin typeface="Segoe UI" panose="020B0502040204020203" pitchFamily="34" charset="0"/>
+              </a:rPr>
+              <a:t>() permet de prends un doctrine</a:t>
+            </a:r>
+            <a:endParaRPr lang="fr-FR" sz="1800" dirty="0">
+              <a:effectLst/>
+              <a:latin typeface="Arial" panose="020B0604020202020204" pitchFamily="34" charset="0"/>
+            </a:endParaRPr>
+          </a:p>
+          <a:p>
+            <a:r>
+              <a:rPr lang="fr-FR" sz="1800" dirty="0">
+                <a:effectLst/>
+                <a:latin typeface="Segoe UI" panose="020B0502040204020203" pitchFamily="34" charset="0"/>
+              </a:rPr>
+              <a:t>Et après </a:t>
+            </a:r>
+            <a:r>
+              <a:rPr lang="fr-FR" sz="1800" dirty="0" err="1">
+                <a:effectLst/>
+                <a:latin typeface="Segoe UI" panose="020B0502040204020203" pitchFamily="34" charset="0"/>
+              </a:rPr>
+              <a:t>persist</a:t>
+            </a:r>
+            <a:r>
+              <a:rPr lang="fr-FR" sz="1800" dirty="0">
+                <a:effectLst/>
+                <a:latin typeface="Segoe UI" panose="020B0502040204020203" pitchFamily="34" charset="0"/>
+              </a:rPr>
+              <a:t> permet crée un objet </a:t>
+            </a:r>
+            <a:endParaRPr lang="fr-FR" sz="1800" dirty="0">
+              <a:effectLst/>
+              <a:latin typeface="Arial" panose="020B0604020202020204" pitchFamily="34" charset="0"/>
+            </a:endParaRPr>
+          </a:p>
+          <a:p>
+            <a:r>
+              <a:rPr lang="fr-FR" sz="1800" dirty="0">
+                <a:effectLst/>
+                <a:latin typeface="Segoe UI" panose="020B0502040204020203" pitchFamily="34" charset="0"/>
+              </a:rPr>
+              <a:t>Depuis </a:t>
+            </a:r>
+            <a:r>
+              <a:rPr lang="fr-FR" sz="1800" dirty="0" err="1">
+                <a:effectLst/>
+                <a:latin typeface="Segoe UI" panose="020B0502040204020203" pitchFamily="34" charset="0"/>
+              </a:rPr>
+              <a:t>fluch</a:t>
+            </a:r>
+            <a:r>
+              <a:rPr lang="fr-FR" sz="1800" dirty="0">
+                <a:effectLst/>
+                <a:latin typeface="Segoe UI" panose="020B0502040204020203" pitchFamily="34" charset="0"/>
+              </a:rPr>
+              <a:t> permet envoie l’objet en base de donnes.</a:t>
+            </a:r>
+          </a:p>
+          <a:p>
+            <a:endParaRPr lang="fr-FR" sz="1800" dirty="0">
+              <a:effectLst/>
+              <a:latin typeface="Segoe UI" panose="020B0502040204020203" pitchFamily="34" charset="0"/>
+            </a:endParaRPr>
+          </a:p>
+          <a:p>
+            <a:r>
+              <a:rPr lang="fr-FR" sz="1800" dirty="0">
+                <a:effectLst/>
+                <a:latin typeface="Segoe UI" panose="020B0502040204020203" pitchFamily="34" charset="0"/>
+              </a:rPr>
+              <a:t>Parler de SQL : </a:t>
+            </a:r>
+            <a:r>
+              <a:rPr lang="fr-FR" sz="1800" dirty="0" err="1">
+                <a:effectLst/>
+                <a:latin typeface="Segoe UI" panose="020B0502040204020203" pitchFamily="34" charset="0"/>
+              </a:rPr>
+              <a:t>find</a:t>
+            </a:r>
+            <a:r>
+              <a:rPr lang="fr-FR" sz="1800" dirty="0">
+                <a:effectLst/>
+                <a:latin typeface="Segoe UI" panose="020B0502040204020203" pitchFamily="34" charset="0"/>
+              </a:rPr>
+              <a:t> all </a:t>
+            </a:r>
+          </a:p>
+          <a:p>
+            <a:r>
+              <a:rPr lang="fr-FR" sz="1800" dirty="0" err="1">
+                <a:effectLst/>
+                <a:latin typeface="Segoe UI" panose="020B0502040204020203" pitchFamily="34" charset="0"/>
+              </a:rPr>
+              <a:t>Find</a:t>
+            </a:r>
+            <a:r>
+              <a:rPr lang="fr-FR" sz="1800" dirty="0">
+                <a:effectLst/>
+                <a:latin typeface="Segoe UI" panose="020B0502040204020203" pitchFamily="34" charset="0"/>
+              </a:rPr>
+              <a:t> by</a:t>
+            </a:r>
+            <a:endParaRPr lang="fr-FR" sz="1800" dirty="0">
+              <a:effectLst/>
+              <a:latin typeface="Arial" panose="020B0604020202020204" pitchFamily="34" charset="0"/>
+            </a:endParaRPr>
+          </a:p>
+          <a:p>
             <a:endParaRPr lang="de-DE" dirty="0"/>
           </a:p>
         </p:txBody>
@@ -1382,7 +2519,7 @@
           <a:p>
             <a:fld id="{67332928-C008-4D13-9D0C-52AD70E1A822}" type="slidenum">
               <a:rPr lang="de-DE" smtClean="0"/>
-              <a:t>15</a:t>
+              <a:t>12</a:t>
             </a:fld>
             <a:endParaRPr lang="de-DE"/>
           </a:p>
@@ -1391,7 +2528,7 @@
     </p:spTree>
     <p:extLst>
       <p:ext uri="{BB962C8B-B14F-4D97-AF65-F5344CB8AC3E}">
-        <p14:creationId xmlns:p14="http://schemas.microsoft.com/office/powerpoint/2010/main" val="1829366666"/>
+        <p14:creationId xmlns:p14="http://schemas.microsoft.com/office/powerpoint/2010/main" val="558859408"/>
       </p:ext>
     </p:extLst>
   </p:cSld>
@@ -1445,6 +2582,45 @@
           <a:bodyPr/>
           <a:lstStyle/>
           <a:p>
+            <a:r>
+              <a:rPr lang="de-DE" dirty="0"/>
+              <a:t>Find </a:t>
+            </a:r>
+            <a:r>
+              <a:rPr lang="de-DE" dirty="0" err="1"/>
+              <a:t>id</a:t>
+            </a:r>
+            <a:r>
+              <a:rPr lang="de-DE" dirty="0"/>
+              <a:t> : c</a:t>
+            </a:r>
+            <a:r>
+              <a:rPr lang="fr-FR" dirty="0"/>
+              <a:t>’</a:t>
+            </a:r>
+            <a:r>
+              <a:rPr lang="de-DE" dirty="0" err="1"/>
+              <a:t>est</a:t>
+            </a:r>
+            <a:r>
+              <a:rPr lang="de-DE" dirty="0"/>
+              <a:t> le modele par </a:t>
+            </a:r>
+            <a:r>
+              <a:rPr lang="de-DE" dirty="0" err="1"/>
+              <a:t>id</a:t>
+            </a:r>
+            <a:r>
+              <a:rPr lang="de-DE" dirty="0"/>
+              <a:t> de </a:t>
+            </a:r>
+            <a:r>
+              <a:rPr lang="de-DE" dirty="0" err="1"/>
+              <a:t>avis_show</a:t>
+            </a:r>
+            <a:endParaRPr lang="de-DE" dirty="0"/>
+          </a:p>
+          <a:p>
             <a:endParaRPr lang="de-DE" dirty="0"/>
           </a:p>
         </p:txBody>
@@ -1466,7 +2642,7 @@
           <a:p>
             <a:fld id="{67332928-C008-4D13-9D0C-52AD70E1A822}" type="slidenum">
               <a:rPr lang="de-DE" smtClean="0"/>
-              <a:t>16</a:t>
+              <a:t>13</a:t>
             </a:fld>
             <a:endParaRPr lang="de-DE"/>
           </a:p>
@@ -1475,7 +2651,7 @@
     </p:spTree>
     <p:extLst>
       <p:ext uri="{BB962C8B-B14F-4D97-AF65-F5344CB8AC3E}">
-        <p14:creationId xmlns:p14="http://schemas.microsoft.com/office/powerpoint/2010/main" val="149827438"/>
+        <p14:creationId xmlns:p14="http://schemas.microsoft.com/office/powerpoint/2010/main" val="1868203076"/>
       </p:ext>
     </p:extLst>
   </p:cSld>
@@ -1550,7 +2726,7 @@
           <a:p>
             <a:fld id="{67332928-C008-4D13-9D0C-52AD70E1A822}" type="slidenum">
               <a:rPr lang="de-DE" smtClean="0"/>
-              <a:t>19</a:t>
+              <a:t>14</a:t>
             </a:fld>
             <a:endParaRPr lang="de-DE"/>
           </a:p>
@@ -1559,7 +2735,7 @@
     </p:spTree>
     <p:extLst>
       <p:ext uri="{BB962C8B-B14F-4D97-AF65-F5344CB8AC3E}">
-        <p14:creationId xmlns:p14="http://schemas.microsoft.com/office/powerpoint/2010/main" val="4072503728"/>
+        <p14:creationId xmlns:p14="http://schemas.microsoft.com/office/powerpoint/2010/main" val="4015263338"/>
       </p:ext>
     </p:extLst>
   </p:cSld>
@@ -1972,7 +3148,7 @@
           <a:p>
             <a:fld id="{48A87A34-81AB-432B-8DAE-1953F412C126}" type="datetimeFigureOut">
               <a:rPr lang="en-US" smtClean="0"/>
-              <a:t>9/2/2021</a:t>
+              <a:t>9/6/2021</a:t>
             </a:fld>
             <a:endParaRPr lang="en-US" dirty="0"/>
           </a:p>
@@ -2152,7 +3328,7 @@
             <a:fld id="{48A87A34-81AB-432B-8DAE-1953F412C126}" type="datetimeFigureOut">
               <a:rPr lang="en-US" smtClean="0"/>
               <a:pPr/>
-              <a:t>9/2/2021</a:t>
+              <a:t>9/6/2021</a:t>
             </a:fld>
             <a:endParaRPr lang="en-US" dirty="0"/>
           </a:p>
@@ -2334,7 +3510,7 @@
             <a:fld id="{48A87A34-81AB-432B-8DAE-1953F412C126}" type="datetimeFigureOut">
               <a:rPr lang="en-US" smtClean="0"/>
               <a:pPr/>
-              <a:t>9/2/2021</a:t>
+              <a:t>9/6/2021</a:t>
             </a:fld>
             <a:endParaRPr lang="en-US" dirty="0"/>
           </a:p>
@@ -2510,7 +3686,7 @@
           <a:p>
             <a:fld id="{48A87A34-81AB-432B-8DAE-1953F412C126}" type="datetimeFigureOut">
               <a:rPr lang="en-US" dirty="0"/>
-              <a:t>9/2/2021</a:t>
+              <a:t>9/6/2021</a:t>
             </a:fld>
             <a:endParaRPr lang="en-US" dirty="0"/>
           </a:p>
@@ -2681,7 +3857,7 @@
             <a:fld id="{48A87A34-81AB-432B-8DAE-1953F412C126}" type="datetimeFigureOut">
               <a:rPr lang="en-US" smtClean="0"/>
               <a:pPr/>
-              <a:t>9/2/2021</a:t>
+              <a:t>9/6/2021</a:t>
             </a:fld>
             <a:endParaRPr lang="en-US" dirty="0"/>
           </a:p>
@@ -2995,7 +4171,7 @@
           <a:p>
             <a:fld id="{48A87A34-81AB-432B-8DAE-1953F412C126}" type="datetimeFigureOut">
               <a:rPr lang="en-US" smtClean="0"/>
-              <a:t>9/2/2021</a:t>
+              <a:t>9/6/2021</a:t>
             </a:fld>
             <a:endParaRPr lang="en-US" dirty="0"/>
           </a:p>
@@ -3382,7 +4558,7 @@
             <a:fld id="{48A87A34-81AB-432B-8DAE-1953F412C126}" type="datetimeFigureOut">
               <a:rPr lang="en-US" smtClean="0"/>
               <a:pPr/>
-              <a:t>9/2/2021</a:t>
+              <a:t>9/6/2021</a:t>
             </a:fld>
             <a:endParaRPr lang="en-US" dirty="0"/>
           </a:p>
@@ -3818,7 +4994,7 @@
             <a:fld id="{48A87A34-81AB-432B-8DAE-1953F412C126}" type="datetimeFigureOut">
               <a:rPr lang="en-US" smtClean="0"/>
               <a:pPr/>
-              <a:t>9/2/2021</a:t>
+              <a:t>9/6/2021</a:t>
             </a:fld>
             <a:endParaRPr lang="en-US" dirty="0"/>
           </a:p>
@@ -3937,7 +5113,7 @@
           <a:p>
             <a:fld id="{48A87A34-81AB-432B-8DAE-1953F412C126}" type="datetimeFigureOut">
               <a:rPr lang="en-US" smtClean="0"/>
-              <a:t>9/2/2021</a:t>
+              <a:t>9/6/2021</a:t>
             </a:fld>
             <a:endParaRPr lang="en-US" dirty="0"/>
           </a:p>
@@ -4032,7 +5208,7 @@
           <a:p>
             <a:fld id="{48A87A34-81AB-432B-8DAE-1953F412C126}" type="datetimeFigureOut">
               <a:rPr lang="en-US" smtClean="0"/>
-              <a:t>9/2/2021</a:t>
+              <a:t>9/6/2021</a:t>
             </a:fld>
             <a:endParaRPr lang="en-US" dirty="0"/>
           </a:p>
@@ -4383,7 +5559,7 @@
             <a:fld id="{48A87A34-81AB-432B-8DAE-1953F412C126}" type="datetimeFigureOut">
               <a:rPr lang="en-US" smtClean="0"/>
               <a:pPr/>
-              <a:t>9/2/2021</a:t>
+              <a:t>9/6/2021</a:t>
             </a:fld>
             <a:endParaRPr lang="en-US" dirty="0"/>
           </a:p>
@@ -4809,7 +5985,7 @@
           <a:p>
             <a:fld id="{48A87A34-81AB-432B-8DAE-1953F412C126}" type="datetimeFigureOut">
               <a:rPr lang="en-US" smtClean="0"/>
-              <a:t>9/2/2021</a:t>
+              <a:t>9/6/2021</a:t>
             </a:fld>
             <a:endParaRPr lang="en-US" dirty="0"/>
           </a:p>
@@ -5091,7 +6267,7 @@
             <a:fld id="{48A87A34-81AB-432B-8DAE-1953F412C126}" type="datetimeFigureOut">
               <a:rPr lang="en-US" smtClean="0"/>
               <a:pPr/>
-              <a:t>9/2/2021</a:t>
+              <a:t>9/6/2021</a:t>
             </a:fld>
             <a:endParaRPr lang="en-US" dirty="0"/>
           </a:p>
@@ -5702,7 +6878,7 @@
                 <a:ea typeface="Tempus Sans ITC" panose="04020404030D07020202" pitchFamily="82" charset="0"/>
                 <a:cs typeface="Times New Roman" panose="02020603050405020304" pitchFamily="18" charset="0"/>
               </a:rPr>
-              <a:t>Mon PROJET APPLICATION WEB</a:t>
+              <a:t>Mon PROJET D’APPLICATION WEB</a:t>
             </a:r>
             <a:br>
               <a:rPr lang="fr-FR" sz="3200" dirty="0">
@@ -5815,29 +6991,7 @@
                 <a:latin typeface="Calibri" panose="020F0502020204030204" pitchFamily="34" charset="0"/>
                 <a:ea typeface="Calibri" panose="020F0502020204030204" pitchFamily="34" charset="0"/>
               </a:rPr>
-              <a:t>15 rue </a:t>
-            </a:r>
-            <a:r>
-              <a:rPr lang="fr-FR" sz="4400" b="1" dirty="0" err="1">
-                <a:solidFill>
-                  <a:srgbClr val="000000"/>
-                </a:solidFill>
-                <a:effectLst/>
-                <a:latin typeface="Calibri" panose="020F0502020204030204" pitchFamily="34" charset="0"/>
-                <a:ea typeface="Calibri" panose="020F0502020204030204" pitchFamily="34" charset="0"/>
-              </a:rPr>
-              <a:t>Wattu</a:t>
-            </a:r>
-            <a:r>
-              <a:rPr lang="fr-FR" sz="4400" b="1" dirty="0">
-                <a:solidFill>
-                  <a:srgbClr val="000000"/>
-                </a:solidFill>
-                <a:effectLst/>
-                <a:latin typeface="Calibri" panose="020F0502020204030204" pitchFamily="34" charset="0"/>
-                <a:ea typeface="Calibri" panose="020F0502020204030204" pitchFamily="34" charset="0"/>
-              </a:rPr>
-              <a:t> - 6700 STRASBOURG </a:t>
+              <a:t>15 rue Watteau - 67200 STRASBOURG </a:t>
             </a:r>
             <a:endParaRPr lang="de-DE" sz="4400" b="1" dirty="0">
               <a:solidFill>
@@ -6316,6 +7470,53 @@
           <a:chExt cx="0" cy="0"/>
         </a:xfrm>
       </p:grpSpPr>
+      <p:pic>
+        <p:nvPicPr>
+          <p:cNvPr id="2049" name="Image 71">
+            <a:extLst>
+              <a:ext uri="{FF2B5EF4-FFF2-40B4-BE49-F238E27FC236}">
+                <a16:creationId xmlns:a16="http://schemas.microsoft.com/office/drawing/2014/main" id="{709DB23A-A5AD-43B1-8382-1755188535B3}"/>
+              </a:ext>
+            </a:extLst>
+          </p:cNvPr>
+          <p:cNvPicPr>
+            <a:picLocks noChangeAspect="1" noChangeArrowheads="1"/>
+          </p:cNvPicPr>
+          <p:nvPr/>
+        </p:nvPicPr>
+        <p:blipFill>
+          <a:blip r:embed="rId3">
+            <a:extLst>
+              <a:ext uri="{28A0092B-C50C-407E-A947-70E740481C1C}">
+                <a14:useLocalDpi xmlns:a14="http://schemas.microsoft.com/office/drawing/2010/main" val="0"/>
+              </a:ext>
+            </a:extLst>
+          </a:blip>
+          <a:srcRect/>
+          <a:stretch>
+            <a:fillRect/>
+          </a:stretch>
+        </p:blipFill>
+        <p:spPr bwMode="auto">
+          <a:xfrm>
+            <a:off x="2104950" y="1038829"/>
+            <a:ext cx="7832223" cy="5291674"/>
+          </a:xfrm>
+          <a:prstGeom prst="rect">
+            <a:avLst/>
+          </a:prstGeom>
+          <a:noFill/>
+          <a:extLst>
+            <a:ext uri="{909E8E84-426E-40DD-AFC4-6F175D3DCCD1}">
+              <a14:hiddenFill xmlns:a14="http://schemas.microsoft.com/office/drawing/2010/main">
+                <a:solidFill>
+                  <a:srgbClr val="FFFFFF"/>
+                </a:solidFill>
+              </a14:hiddenFill>
+            </a:ext>
+          </a:extLst>
+        </p:spPr>
+      </p:pic>
       <p:sp>
         <p:nvSpPr>
           <p:cNvPr id="2" name="ZoneTexte 1">
@@ -6331,7 +7532,7 @@
         <p:spPr>
           <a:xfrm>
             <a:off x="646953" y="250728"/>
-            <a:ext cx="4868342" cy="1760482"/>
+            <a:ext cx="4868342" cy="1335750"/>
           </a:xfrm>
           <a:prstGeom prst="rect">
             <a:avLst/>
@@ -6361,7 +7562,7 @@
                 <a:latin typeface="Calibri" panose="020F0502020204030204" pitchFamily="34" charset="0"/>
                 <a:ea typeface="Calibri" panose="020F0502020204030204" pitchFamily="34" charset="0"/>
               </a:rPr>
-              <a:t>Symfony utilise la méthode de </a:t>
+              <a:t>Symfony utilise le pattern </a:t>
             </a:r>
             <a:r>
               <a:rPr lang="fr-FR" sz="1600" b="1" dirty="0">
@@ -6372,7 +7573,7 @@
                 <a:latin typeface="Calibri" panose="020F0502020204030204" pitchFamily="34" charset="0"/>
                 <a:ea typeface="Calibri" panose="020F0502020204030204" pitchFamily="34" charset="0"/>
               </a:rPr>
-              <a:t>MVP (MVC mais pas de échange entre le modelé et vu)</a:t>
+              <a:t>MVP (dérivé de MVC mais pas d’échanges entre le modèle et la vue)</a:t>
             </a:r>
             <a:r>
               <a:rPr lang="fr-FR" sz="1600" b="1" dirty="0">
@@ -6383,36 +7584,7 @@
                 <a:latin typeface="Calibri" panose="020F0502020204030204" pitchFamily="34" charset="0"/>
                 <a:ea typeface="Calibri" panose="020F0502020204030204" pitchFamily="34" charset="0"/>
               </a:rPr>
-              <a:t> pour crée le projet alors</a:t>
-            </a:r>
-            <a:endParaRPr lang="de-DE" sz="1600" b="1" dirty="0">
-              <a:solidFill>
-                <a:srgbClr val="000000"/>
-              </a:solidFill>
-              <a:effectLst/>
-              <a:latin typeface="Calibri" panose="020F0502020204030204" pitchFamily="34" charset="0"/>
-              <a:ea typeface="Calibri" panose="020F0502020204030204" pitchFamily="34" charset="0"/>
-            </a:endParaRPr>
-          </a:p>
-          <a:p>
-            <a:pPr marL="6350" marR="213995" indent="-6350" algn="just">
-              <a:lnSpc>
-                <a:spcPct val="110000"/>
-              </a:lnSpc>
-              <a:spcAft>
-                <a:spcPts val="1190"/>
-              </a:spcAft>
-            </a:pPr>
-            <a:r>
-              <a:rPr lang="fr-FR" sz="1600" b="1" dirty="0">
-                <a:solidFill>
-                  <a:srgbClr val="000000"/>
-                </a:solidFill>
-                <a:effectLst/>
-                <a:latin typeface="Calibri" panose="020F0502020204030204" pitchFamily="34" charset="0"/>
-                <a:ea typeface="Calibri" panose="020F0502020204030204" pitchFamily="34" charset="0"/>
-              </a:rPr>
-              <a:t>Voici un Autre Example qui est plus détaillé : </a:t>
+              <a:t> pour structurer le projet.</a:t>
             </a:r>
             <a:endParaRPr lang="de-DE" sz="1600" b="1" dirty="0">
               <a:solidFill>
@@ -6497,908 +7669,6 @@
           </a:p>
         </p:txBody>
       </p:sp>
-      <p:pic>
-        <p:nvPicPr>
-          <p:cNvPr id="2049" name="Image 71">
-            <a:extLst>
-              <a:ext uri="{FF2B5EF4-FFF2-40B4-BE49-F238E27FC236}">
-                <a16:creationId xmlns:a16="http://schemas.microsoft.com/office/drawing/2014/main" id="{709DB23A-A5AD-43B1-8382-1755188535B3}"/>
-              </a:ext>
-            </a:extLst>
-          </p:cNvPr>
-          <p:cNvPicPr>
-            <a:picLocks noChangeAspect="1" noChangeArrowheads="1"/>
-          </p:cNvPicPr>
-          <p:nvPr/>
-        </p:nvPicPr>
-        <p:blipFill>
-          <a:blip r:embed="rId2">
-            <a:extLst>
-              <a:ext uri="{28A0092B-C50C-407E-A947-70E740481C1C}">
-                <a14:useLocalDpi xmlns:a14="http://schemas.microsoft.com/office/drawing/2010/main" val="0"/>
-              </a:ext>
-            </a:extLst>
-          </a:blip>
-          <a:srcRect/>
-          <a:stretch>
-            <a:fillRect/>
-          </a:stretch>
-        </p:blipFill>
-        <p:spPr bwMode="auto">
-          <a:xfrm>
-            <a:off x="4356735" y="872575"/>
-            <a:ext cx="7832223" cy="5291674"/>
-          </a:xfrm>
-          <a:prstGeom prst="rect">
-            <a:avLst/>
-          </a:prstGeom>
-          <a:noFill/>
-          <a:extLst>
-            <a:ext uri="{909E8E84-426E-40DD-AFC4-6F175D3DCCD1}">
-              <a14:hiddenFill xmlns:a14="http://schemas.microsoft.com/office/drawing/2010/main">
-                <a:solidFill>
-                  <a:srgbClr val="FFFFFF"/>
-                </a:solidFill>
-              </a14:hiddenFill>
-            </a:ext>
-          </a:extLst>
-        </p:spPr>
-      </p:pic>
-      <p:sp>
-        <p:nvSpPr>
-          <p:cNvPr id="4" name="Rectangle 3">
-            <a:extLst>
-              <a:ext uri="{FF2B5EF4-FFF2-40B4-BE49-F238E27FC236}">
-                <a16:creationId xmlns:a16="http://schemas.microsoft.com/office/drawing/2014/main" id="{5242E97F-F56B-47A7-B7A6-AD5D141BD2BA}"/>
-              </a:ext>
-            </a:extLst>
-          </p:cNvPr>
-          <p:cNvSpPr>
-            <a:spLocks noChangeArrowheads="1"/>
-          </p:cNvSpPr>
-          <p:nvPr/>
-        </p:nvSpPr>
-        <p:spPr bwMode="auto">
-          <a:xfrm rot="10800000" flipV="1">
-            <a:off x="646953" y="1886155"/>
-            <a:ext cx="4105619" cy="4278094"/>
-          </a:xfrm>
-          <a:prstGeom prst="rect">
-            <a:avLst/>
-          </a:prstGeom>
-          <a:noFill/>
-          <a:ln>
-            <a:noFill/>
-          </a:ln>
-          <a:effectLst/>
-          <a:extLst>
-            <a:ext uri="{909E8E84-426E-40DD-AFC4-6F175D3DCCD1}">
-              <a14:hiddenFill xmlns:a14="http://schemas.microsoft.com/office/drawing/2010/main">
-                <a:solidFill>
-                  <a:schemeClr val="accent1"/>
-                </a:solidFill>
-              </a14:hiddenFill>
-            </a:ext>
-            <a:ext uri="{91240B29-F687-4F45-9708-019B960494DF}">
-              <a14:hiddenLine xmlns:a14="http://schemas.microsoft.com/office/drawing/2010/main" w="9525">
-                <a:solidFill>
-                  <a:schemeClr val="tx1"/>
-                </a:solidFill>
-                <a:miter lim="800000"/>
-                <a:headEnd/>
-                <a:tailEnd/>
-              </a14:hiddenLine>
-            </a:ext>
-            <a:ext uri="{AF507438-7753-43E0-B8FC-AC1667EBCBE1}">
-              <a14:hiddenEffects xmlns:a14="http://schemas.microsoft.com/office/drawing/2010/main">
-                <a:effectLst>
-                  <a:outerShdw dist="35921" dir="2700000" algn="ctr" rotWithShape="0">
-                    <a:schemeClr val="bg2"/>
-                  </a:outerShdw>
-                </a:effectLst>
-              </a14:hiddenEffects>
-            </a:ext>
-          </a:extLst>
-        </p:spPr>
-        <p:txBody>
-          <a:bodyPr vert="horz" wrap="square" lIns="91440" tIns="45720" rIns="91440" bIns="45720" numCol="1" anchor="ctr" anchorCtr="0" compatLnSpc="1">
-            <a:prstTxWarp prst="textNoShape">
-              <a:avLst/>
-            </a:prstTxWarp>
-            <a:spAutoFit/>
-          </a:bodyPr>
-          <a:lstStyle>
-            <a:lvl1pPr eaLnBrk="0" fontAlgn="base" hangingPunct="0">
-              <a:spcBef>
-                <a:spcPct val="0"/>
-              </a:spcBef>
-              <a:spcAft>
-                <a:spcPct val="0"/>
-              </a:spcAft>
-              <a:defRPr>
-                <a:solidFill>
-                  <a:schemeClr val="tx1"/>
-                </a:solidFill>
-                <a:latin typeface="Arial" panose="020B0604020202020204" pitchFamily="34" charset="0"/>
-              </a:defRPr>
-            </a:lvl1pPr>
-            <a:lvl2pPr eaLnBrk="0" fontAlgn="base" hangingPunct="0">
-              <a:spcBef>
-                <a:spcPct val="0"/>
-              </a:spcBef>
-              <a:spcAft>
-                <a:spcPct val="0"/>
-              </a:spcAft>
-              <a:defRPr>
-                <a:solidFill>
-                  <a:schemeClr val="tx1"/>
-                </a:solidFill>
-                <a:latin typeface="Arial" panose="020B0604020202020204" pitchFamily="34" charset="0"/>
-              </a:defRPr>
-            </a:lvl2pPr>
-            <a:lvl3pPr eaLnBrk="0" fontAlgn="base" hangingPunct="0">
-              <a:spcBef>
-                <a:spcPct val="0"/>
-              </a:spcBef>
-              <a:spcAft>
-                <a:spcPct val="0"/>
-              </a:spcAft>
-              <a:defRPr>
-                <a:solidFill>
-                  <a:schemeClr val="tx1"/>
-                </a:solidFill>
-                <a:latin typeface="Arial" panose="020B0604020202020204" pitchFamily="34" charset="0"/>
-              </a:defRPr>
-            </a:lvl3pPr>
-            <a:lvl4pPr eaLnBrk="0" fontAlgn="base" hangingPunct="0">
-              <a:spcBef>
-                <a:spcPct val="0"/>
-              </a:spcBef>
-              <a:spcAft>
-                <a:spcPct val="0"/>
-              </a:spcAft>
-              <a:defRPr>
-                <a:solidFill>
-                  <a:schemeClr val="tx1"/>
-                </a:solidFill>
-                <a:latin typeface="Arial" panose="020B0604020202020204" pitchFamily="34" charset="0"/>
-              </a:defRPr>
-            </a:lvl4pPr>
-            <a:lvl5pPr eaLnBrk="0" fontAlgn="base" hangingPunct="0">
-              <a:spcBef>
-                <a:spcPct val="0"/>
-              </a:spcBef>
-              <a:spcAft>
-                <a:spcPct val="0"/>
-              </a:spcAft>
-              <a:defRPr>
-                <a:solidFill>
-                  <a:schemeClr val="tx1"/>
-                </a:solidFill>
-                <a:latin typeface="Arial" panose="020B0604020202020204" pitchFamily="34" charset="0"/>
-              </a:defRPr>
-            </a:lvl5pPr>
-            <a:lvl6pPr eaLnBrk="0" fontAlgn="base" hangingPunct="0">
-              <a:spcBef>
-                <a:spcPct val="0"/>
-              </a:spcBef>
-              <a:spcAft>
-                <a:spcPct val="0"/>
-              </a:spcAft>
-              <a:defRPr>
-                <a:solidFill>
-                  <a:schemeClr val="tx1"/>
-                </a:solidFill>
-                <a:latin typeface="Arial" panose="020B0604020202020204" pitchFamily="34" charset="0"/>
-              </a:defRPr>
-            </a:lvl6pPr>
-            <a:lvl7pPr eaLnBrk="0" fontAlgn="base" hangingPunct="0">
-              <a:spcBef>
-                <a:spcPct val="0"/>
-              </a:spcBef>
-              <a:spcAft>
-                <a:spcPct val="0"/>
-              </a:spcAft>
-              <a:defRPr>
-                <a:solidFill>
-                  <a:schemeClr val="tx1"/>
-                </a:solidFill>
-                <a:latin typeface="Arial" panose="020B0604020202020204" pitchFamily="34" charset="0"/>
-              </a:defRPr>
-            </a:lvl7pPr>
-            <a:lvl8pPr eaLnBrk="0" fontAlgn="base" hangingPunct="0">
-              <a:spcBef>
-                <a:spcPct val="0"/>
-              </a:spcBef>
-              <a:spcAft>
-                <a:spcPct val="0"/>
-              </a:spcAft>
-              <a:defRPr>
-                <a:solidFill>
-                  <a:schemeClr val="tx1"/>
-                </a:solidFill>
-                <a:latin typeface="Arial" panose="020B0604020202020204" pitchFamily="34" charset="0"/>
-              </a:defRPr>
-            </a:lvl8pPr>
-            <a:lvl9pPr eaLnBrk="0" fontAlgn="base" hangingPunct="0">
-              <a:spcBef>
-                <a:spcPct val="0"/>
-              </a:spcBef>
-              <a:spcAft>
-                <a:spcPct val="0"/>
-              </a:spcAft>
-              <a:defRPr>
-                <a:solidFill>
-                  <a:schemeClr val="tx1"/>
-                </a:solidFill>
-                <a:latin typeface="Arial" panose="020B0604020202020204" pitchFamily="34" charset="0"/>
-              </a:defRPr>
-            </a:lvl9pPr>
-          </a:lstStyle>
-          <a:p>
-            <a:pPr marL="0" marR="0" lvl="0" indent="0" algn="l" defTabSz="914400" rtl="0" eaLnBrk="0" fontAlgn="base" latinLnBrk="0" hangingPunct="0">
-              <a:lnSpc>
-                <a:spcPct val="100000"/>
-              </a:lnSpc>
-              <a:spcBef>
-                <a:spcPct val="0"/>
-              </a:spcBef>
-              <a:spcAft>
-                <a:spcPct val="0"/>
-              </a:spcAft>
-              <a:buClrTx/>
-              <a:buSzTx/>
-              <a:buFontTx/>
-              <a:buNone/>
-              <a:tabLst/>
-            </a:pPr>
-            <a:r>
-              <a:rPr kumimoji="0" lang="fr-FR" altLang="de-DE" sz="1600" b="0" i="0" u="none" strike="noStrike" cap="none" normalizeH="0" baseline="0" dirty="0">
-                <a:ln>
-                  <a:noFill/>
-                </a:ln>
-                <a:solidFill>
-                  <a:srgbClr val="000000"/>
-                </a:solidFill>
-                <a:effectLst/>
-                <a:latin typeface="Arial" panose="020B0604020202020204" pitchFamily="34" charset="0"/>
-                <a:ea typeface="Calibri" panose="020F0502020204030204" pitchFamily="34" charset="0"/>
-              </a:rPr>
-              <a:t>	On </a:t>
-            </a:r>
-            <a:r>
-              <a:rPr kumimoji="0" lang="fr-FR" altLang="de-DE" sz="1600" b="0" i="0" u="none" strike="noStrike" cap="none" normalizeH="0" baseline="0" dirty="0" err="1">
-                <a:ln>
-                  <a:noFill/>
-                </a:ln>
-                <a:solidFill>
-                  <a:srgbClr val="000000"/>
-                </a:solidFill>
-                <a:effectLst/>
-                <a:latin typeface="Arial" panose="020B0604020202020204" pitchFamily="34" charset="0"/>
-                <a:ea typeface="Calibri" panose="020F0502020204030204" pitchFamily="34" charset="0"/>
-              </a:rPr>
-              <a:t>Commance</a:t>
-            </a:r>
-            <a:r>
-              <a:rPr kumimoji="0" lang="fr-FR" altLang="de-DE" sz="1600" b="0" i="0" u="none" strike="noStrike" cap="none" normalizeH="0" baseline="0" dirty="0">
-                <a:ln>
-                  <a:noFill/>
-                </a:ln>
-                <a:solidFill>
-                  <a:srgbClr val="000000"/>
-                </a:solidFill>
-                <a:effectLst/>
-                <a:latin typeface="Arial" panose="020B0604020202020204" pitchFamily="34" charset="0"/>
-                <a:ea typeface="Calibri" panose="020F0502020204030204" pitchFamily="34" charset="0"/>
-              </a:rPr>
-              <a:t> :</a:t>
-            </a:r>
-          </a:p>
-          <a:p>
-            <a:pPr marL="0" marR="0" lvl="0" indent="0" algn="l" defTabSz="914400" rtl="0" eaLnBrk="0" fontAlgn="base" latinLnBrk="0" hangingPunct="0">
-              <a:lnSpc>
-                <a:spcPct val="100000"/>
-              </a:lnSpc>
-              <a:spcBef>
-                <a:spcPct val="0"/>
-              </a:spcBef>
-              <a:spcAft>
-                <a:spcPct val="0"/>
-              </a:spcAft>
-              <a:buClrTx/>
-              <a:buSzTx/>
-              <a:buFontTx/>
-              <a:buNone/>
-              <a:tabLst/>
-            </a:pPr>
-            <a:r>
-              <a:rPr kumimoji="0" lang="fr-FR" altLang="de-DE" sz="1600" b="0" i="0" u="none" strike="noStrike" cap="none" normalizeH="0" baseline="0" dirty="0">
-                <a:ln>
-                  <a:noFill/>
-                </a:ln>
-                <a:solidFill>
-                  <a:srgbClr val="000000"/>
-                </a:solidFill>
-                <a:effectLst/>
-                <a:latin typeface="Arial" panose="020B0604020202020204" pitchFamily="34" charset="0"/>
-                <a:ea typeface="Calibri" panose="020F0502020204030204" pitchFamily="34" charset="0"/>
-              </a:rPr>
-              <a:t>L’User demande une marque de voiture pour Example </a:t>
-            </a:r>
-            <a:endParaRPr kumimoji="0" lang="de-DE" altLang="de-DE" sz="1600" b="0" i="0" u="none" strike="noStrike" cap="none" normalizeH="0" baseline="0" dirty="0">
-              <a:ln>
-                <a:noFill/>
-              </a:ln>
-              <a:solidFill>
-                <a:schemeClr val="tx1"/>
-              </a:solidFill>
-              <a:effectLst/>
-              <a:latin typeface="Arial" panose="020B0604020202020204" pitchFamily="34" charset="0"/>
-            </a:endParaRPr>
-          </a:p>
-          <a:p>
-            <a:pPr marL="0" marR="0" lvl="0" indent="0" algn="l" defTabSz="914400" rtl="0" eaLnBrk="0" fontAlgn="base" latinLnBrk="0" hangingPunct="0">
-              <a:lnSpc>
-                <a:spcPct val="100000"/>
-              </a:lnSpc>
-              <a:spcBef>
-                <a:spcPct val="0"/>
-              </a:spcBef>
-              <a:spcAft>
-                <a:spcPct val="0"/>
-              </a:spcAft>
-              <a:buClrTx/>
-              <a:buSzTx/>
-              <a:buFontTx/>
-              <a:buChar char="•"/>
-              <a:tabLst/>
-            </a:pPr>
-            <a:r>
-              <a:rPr kumimoji="0" lang="fr-FR" altLang="de-DE" sz="1600" b="0" i="0" u="none" strike="noStrike" cap="none" normalizeH="0" baseline="0" dirty="0">
-                <a:ln>
-                  <a:noFill/>
-                </a:ln>
-                <a:solidFill>
-                  <a:srgbClr val="000000"/>
-                </a:solidFill>
-                <a:effectLst/>
-                <a:latin typeface="Arial" panose="020B0604020202020204" pitchFamily="34" charset="0"/>
-                <a:ea typeface="Calibri" panose="020F0502020204030204" pitchFamily="34" charset="0"/>
-              </a:rPr>
-              <a:t>L’user demande qqc à la Controller </a:t>
-            </a:r>
-            <a:endParaRPr kumimoji="0" lang="de-DE" altLang="de-DE" sz="1600" b="0" i="0" u="none" strike="noStrike" cap="none" normalizeH="0" baseline="0" dirty="0">
-              <a:ln>
-                <a:noFill/>
-              </a:ln>
-              <a:solidFill>
-                <a:schemeClr val="tx1"/>
-              </a:solidFill>
-              <a:effectLst/>
-              <a:latin typeface="Arial" panose="020B0604020202020204" pitchFamily="34" charset="0"/>
-            </a:endParaRPr>
-          </a:p>
-          <a:p>
-            <a:pPr marL="0" marR="0" lvl="0" indent="0" algn="l" defTabSz="914400" rtl="0" eaLnBrk="0" fontAlgn="base" latinLnBrk="0" hangingPunct="0">
-              <a:lnSpc>
-                <a:spcPct val="100000"/>
-              </a:lnSpc>
-              <a:spcBef>
-                <a:spcPct val="0"/>
-              </a:spcBef>
-              <a:spcAft>
-                <a:spcPct val="0"/>
-              </a:spcAft>
-              <a:buClrTx/>
-              <a:buSzTx/>
-              <a:buFontTx/>
-              <a:buChar char="•"/>
-              <a:tabLst/>
-            </a:pPr>
-            <a:r>
-              <a:rPr kumimoji="0" lang="fr-FR" altLang="de-DE" sz="1600" b="0" i="0" u="none" strike="noStrike" cap="none" normalizeH="0" baseline="0" dirty="0">
-                <a:ln>
-                  <a:noFill/>
-                </a:ln>
-                <a:solidFill>
-                  <a:srgbClr val="000000"/>
-                </a:solidFill>
-                <a:effectLst/>
-                <a:latin typeface="Arial" panose="020B0604020202020204" pitchFamily="34" charset="0"/>
-                <a:ea typeface="Calibri" panose="020F0502020204030204" pitchFamily="34" charset="0"/>
-              </a:rPr>
-              <a:t>Controller envoie une liste de voitures à</a:t>
-            </a:r>
-            <a:r>
-              <a:rPr kumimoji="0" lang="fr-FR" altLang="de-DE" sz="1600" b="0" i="0" u="none" strike="noStrike" cap="none" normalizeH="0" baseline="0" dirty="0" bmk="">
-                <a:ln>
-                  <a:noFill/>
-                </a:ln>
-                <a:solidFill>
-                  <a:srgbClr val="000000"/>
-                </a:solidFill>
-                <a:effectLst/>
-                <a:latin typeface="Arial" panose="020B0604020202020204" pitchFamily="34" charset="0"/>
-                <a:ea typeface="Calibri" panose="020F0502020204030204" pitchFamily="34" charset="0"/>
-              </a:rPr>
-              <a:t> </a:t>
-            </a:r>
-            <a:r>
-              <a:rPr kumimoji="0" lang="fr-FR" altLang="de-DE" sz="1600" b="0" i="0" u="none" strike="noStrike" cap="none" normalizeH="0" baseline="0" dirty="0">
-                <a:ln>
-                  <a:noFill/>
-                </a:ln>
-                <a:solidFill>
-                  <a:srgbClr val="000000"/>
-                </a:solidFill>
-                <a:effectLst/>
-                <a:latin typeface="Arial" panose="020B0604020202020204" pitchFamily="34" charset="0"/>
-                <a:ea typeface="Calibri" panose="020F0502020204030204" pitchFamily="34" charset="0"/>
-              </a:rPr>
-              <a:t>Modèle</a:t>
-            </a:r>
-            <a:endParaRPr kumimoji="0" lang="de-DE" altLang="de-DE" sz="1600" b="0" i="0" u="none" strike="noStrike" cap="none" normalizeH="0" baseline="0" dirty="0">
-              <a:ln>
-                <a:noFill/>
-              </a:ln>
-              <a:solidFill>
-                <a:schemeClr val="tx1"/>
-              </a:solidFill>
-              <a:effectLst/>
-              <a:latin typeface="Arial" panose="020B0604020202020204" pitchFamily="34" charset="0"/>
-            </a:endParaRPr>
-          </a:p>
-          <a:p>
-            <a:pPr marL="0" marR="0" lvl="0" indent="0" algn="l" defTabSz="914400" rtl="0" eaLnBrk="0" fontAlgn="base" latinLnBrk="0" hangingPunct="0">
-              <a:lnSpc>
-                <a:spcPct val="100000"/>
-              </a:lnSpc>
-              <a:spcBef>
-                <a:spcPct val="0"/>
-              </a:spcBef>
-              <a:spcAft>
-                <a:spcPct val="0"/>
-              </a:spcAft>
-              <a:buClrTx/>
-              <a:buSzTx/>
-              <a:buFontTx/>
-              <a:buChar char="•"/>
-              <a:tabLst/>
-            </a:pPr>
-            <a:r>
-              <a:rPr kumimoji="0" lang="fr-FR" altLang="de-DE" sz="1600" b="0" i="0" u="none" strike="noStrike" cap="none" normalizeH="0" baseline="0" dirty="0">
-                <a:ln>
-                  <a:noFill/>
-                </a:ln>
-                <a:solidFill>
-                  <a:srgbClr val="000000"/>
-                </a:solidFill>
-                <a:effectLst/>
-                <a:latin typeface="Arial" panose="020B0604020202020204" pitchFamily="34" charset="0"/>
-                <a:ea typeface="Calibri" panose="020F0502020204030204" pitchFamily="34" charset="0"/>
-              </a:rPr>
-              <a:t>Modèle demande aller voir toute la voiture pour Example en BDD Table de base de donnes </a:t>
-            </a:r>
-            <a:endParaRPr kumimoji="0" lang="de-DE" altLang="de-DE" sz="1600" b="0" i="0" u="none" strike="noStrike" cap="none" normalizeH="0" baseline="0" dirty="0">
-              <a:ln>
-                <a:noFill/>
-              </a:ln>
-              <a:solidFill>
-                <a:schemeClr val="tx1"/>
-              </a:solidFill>
-              <a:effectLst/>
-              <a:latin typeface="Arial" panose="020B0604020202020204" pitchFamily="34" charset="0"/>
-            </a:endParaRPr>
-          </a:p>
-          <a:p>
-            <a:pPr marL="0" marR="0" lvl="0" indent="0" algn="l" defTabSz="914400" rtl="0" eaLnBrk="0" fontAlgn="base" latinLnBrk="0" hangingPunct="0">
-              <a:lnSpc>
-                <a:spcPct val="100000"/>
-              </a:lnSpc>
-              <a:spcBef>
-                <a:spcPct val="0"/>
-              </a:spcBef>
-              <a:spcAft>
-                <a:spcPct val="0"/>
-              </a:spcAft>
-              <a:buClrTx/>
-              <a:buSzTx/>
-              <a:buFontTx/>
-              <a:buChar char="•"/>
-              <a:tabLst/>
-            </a:pPr>
-            <a:r>
-              <a:rPr kumimoji="0" lang="fr-FR" altLang="de-DE" sz="1600" b="0" i="0" u="none" strike="noStrike" cap="none" normalizeH="0" baseline="0" dirty="0" err="1">
-                <a:ln>
-                  <a:noFill/>
-                </a:ln>
-                <a:solidFill>
-                  <a:srgbClr val="000000"/>
-                </a:solidFill>
-                <a:effectLst/>
-                <a:latin typeface="Arial" panose="020B0604020202020204" pitchFamily="34" charset="0"/>
-                <a:ea typeface="Calibri" panose="020F0502020204030204" pitchFamily="34" charset="0"/>
-              </a:rPr>
-              <a:t>Array</a:t>
-            </a:r>
-            <a:r>
-              <a:rPr kumimoji="0" lang="fr-FR" altLang="de-DE" sz="1600" b="0" i="0" u="none" strike="noStrike" cap="none" normalizeH="0" baseline="0" dirty="0">
-                <a:ln>
-                  <a:noFill/>
-                </a:ln>
-                <a:solidFill>
-                  <a:srgbClr val="000000"/>
-                </a:solidFill>
-                <a:effectLst/>
-                <a:latin typeface="Arial" panose="020B0604020202020204" pitchFamily="34" charset="0"/>
-                <a:ea typeface="Calibri" panose="020F0502020204030204" pitchFamily="34" charset="0"/>
-              </a:rPr>
-              <a:t> de Table transforme en collection des objets</a:t>
-            </a:r>
-            <a:endParaRPr kumimoji="0" lang="de-DE" altLang="de-DE" sz="1600" b="0" i="0" u="none" strike="noStrike" cap="none" normalizeH="0" baseline="0" dirty="0">
-              <a:ln>
-                <a:noFill/>
-              </a:ln>
-              <a:solidFill>
-                <a:schemeClr val="tx1"/>
-              </a:solidFill>
-              <a:effectLst/>
-              <a:latin typeface="Arial" panose="020B0604020202020204" pitchFamily="34" charset="0"/>
-            </a:endParaRPr>
-          </a:p>
-          <a:p>
-            <a:pPr marL="0" marR="0" lvl="0" indent="0" algn="l" defTabSz="914400" rtl="0" eaLnBrk="0" fontAlgn="base" latinLnBrk="0" hangingPunct="0">
-              <a:lnSpc>
-                <a:spcPct val="100000"/>
-              </a:lnSpc>
-              <a:spcBef>
-                <a:spcPct val="0"/>
-              </a:spcBef>
-              <a:spcAft>
-                <a:spcPct val="0"/>
-              </a:spcAft>
-              <a:buClrTx/>
-              <a:buSzTx/>
-              <a:buFontTx/>
-              <a:buChar char="•"/>
-              <a:tabLst/>
-            </a:pPr>
-            <a:r>
-              <a:rPr kumimoji="0" lang="fr-FR" altLang="de-DE" sz="1600" b="0" i="0" u="none" strike="noStrike" cap="none" normalizeH="0" baseline="0" dirty="0">
-                <a:ln>
-                  <a:noFill/>
-                </a:ln>
-                <a:solidFill>
-                  <a:srgbClr val="000000"/>
-                </a:solidFill>
-                <a:effectLst/>
-                <a:latin typeface="Arial" panose="020B0604020202020204" pitchFamily="34" charset="0"/>
-                <a:ea typeface="Calibri" panose="020F0502020204030204" pitchFamily="34" charset="0"/>
-              </a:rPr>
-              <a:t>Le Repository </a:t>
-            </a:r>
-            <a:r>
-              <a:rPr kumimoji="0" lang="fr-FR" altLang="de-DE" sz="1600" b="0" i="0" u="none" strike="noStrike" cap="none" normalizeH="0" baseline="0" dirty="0" err="1">
-                <a:ln>
-                  <a:noFill/>
-                </a:ln>
-                <a:solidFill>
-                  <a:srgbClr val="000000"/>
-                </a:solidFill>
-                <a:effectLst/>
-                <a:latin typeface="Arial" panose="020B0604020202020204" pitchFamily="34" charset="0"/>
-                <a:ea typeface="Calibri" panose="020F0502020204030204" pitchFamily="34" charset="0"/>
-              </a:rPr>
-              <a:t>recup</a:t>
-            </a:r>
-            <a:r>
-              <a:rPr kumimoji="0" lang="fr-FR" altLang="de-DE" sz="1600" b="0" i="0" u="none" strike="noStrike" cap="none" normalizeH="0" baseline="0" dirty="0">
-                <a:ln>
-                  <a:noFill/>
-                </a:ln>
-                <a:solidFill>
-                  <a:srgbClr val="000000"/>
-                </a:solidFill>
-                <a:effectLst/>
-                <a:latin typeface="Arial" panose="020B0604020202020204" pitchFamily="34" charset="0"/>
-                <a:ea typeface="Calibri" panose="020F0502020204030204" pitchFamily="34" charset="0"/>
-              </a:rPr>
-              <a:t> la collection</a:t>
-            </a:r>
-            <a:endParaRPr kumimoji="0" lang="de-DE" altLang="de-DE" sz="1600" b="0" i="0" u="none" strike="noStrike" cap="none" normalizeH="0" baseline="0" dirty="0">
-              <a:ln>
-                <a:noFill/>
-              </a:ln>
-              <a:solidFill>
-                <a:schemeClr val="tx1"/>
-              </a:solidFill>
-              <a:effectLst/>
-              <a:latin typeface="Arial" panose="020B0604020202020204" pitchFamily="34" charset="0"/>
-            </a:endParaRPr>
-          </a:p>
-          <a:p>
-            <a:pPr marL="0" marR="0" lvl="0" indent="0" algn="l" defTabSz="914400" rtl="0" eaLnBrk="0" fontAlgn="base" latinLnBrk="0" hangingPunct="0">
-              <a:lnSpc>
-                <a:spcPct val="100000"/>
-              </a:lnSpc>
-              <a:spcBef>
-                <a:spcPct val="0"/>
-              </a:spcBef>
-              <a:spcAft>
-                <a:spcPct val="0"/>
-              </a:spcAft>
-              <a:buClrTx/>
-              <a:buSzTx/>
-              <a:buFontTx/>
-              <a:buChar char="•"/>
-              <a:tabLst/>
-            </a:pPr>
-            <a:r>
-              <a:rPr kumimoji="0" lang="fr-FR" altLang="de-DE" sz="1600" b="0" i="0" u="none" strike="noStrike" cap="none" normalizeH="0" baseline="0" dirty="0" err="1">
-                <a:ln>
-                  <a:noFill/>
-                </a:ln>
-                <a:solidFill>
-                  <a:srgbClr val="000000"/>
-                </a:solidFill>
-                <a:effectLst/>
-                <a:latin typeface="Arial" panose="020B0604020202020204" pitchFamily="34" charset="0"/>
-                <a:ea typeface="Calibri" panose="020F0502020204030204" pitchFamily="34" charset="0"/>
-              </a:rPr>
-              <a:t>Modele</a:t>
-            </a:r>
-            <a:r>
-              <a:rPr kumimoji="0" lang="fr-FR" altLang="de-DE" sz="1600" b="0" i="0" u="none" strike="noStrike" cap="none" normalizeH="0" baseline="0" dirty="0">
-                <a:ln>
-                  <a:noFill/>
-                </a:ln>
-                <a:solidFill>
-                  <a:srgbClr val="000000"/>
-                </a:solidFill>
-                <a:effectLst/>
-                <a:latin typeface="Arial" panose="020B0604020202020204" pitchFamily="34" charset="0"/>
-                <a:ea typeface="Calibri" panose="020F0502020204030204" pitchFamily="34" charset="0"/>
-              </a:rPr>
-              <a:t> envoie le à Controller </a:t>
-            </a:r>
-            <a:endParaRPr kumimoji="0" lang="de-DE" altLang="de-DE" sz="1600" b="0" i="0" u="none" strike="noStrike" cap="none" normalizeH="0" baseline="0" dirty="0">
-              <a:ln>
-                <a:noFill/>
-              </a:ln>
-              <a:solidFill>
-                <a:schemeClr val="tx1"/>
-              </a:solidFill>
-              <a:effectLst/>
-              <a:latin typeface="Arial" panose="020B0604020202020204" pitchFamily="34" charset="0"/>
-            </a:endParaRPr>
-          </a:p>
-          <a:p>
-            <a:pPr marL="0" marR="0" lvl="0" indent="0" algn="l" defTabSz="914400" rtl="0" eaLnBrk="0" fontAlgn="base" latinLnBrk="0" hangingPunct="0">
-              <a:lnSpc>
-                <a:spcPct val="100000"/>
-              </a:lnSpc>
-              <a:spcBef>
-                <a:spcPct val="0"/>
-              </a:spcBef>
-              <a:spcAft>
-                <a:spcPct val="0"/>
-              </a:spcAft>
-              <a:buClrTx/>
-              <a:buSzTx/>
-              <a:buFontTx/>
-              <a:buChar char="•"/>
-              <a:tabLst/>
-            </a:pPr>
-            <a:r>
-              <a:rPr kumimoji="0" lang="fr-FR" altLang="de-DE" sz="1600" b="0" i="0" u="none" strike="noStrike" cap="none" normalizeH="0" baseline="0" dirty="0">
-                <a:ln>
-                  <a:noFill/>
-                </a:ln>
-                <a:solidFill>
-                  <a:srgbClr val="000000"/>
-                </a:solidFill>
-                <a:effectLst/>
-                <a:latin typeface="Arial" panose="020B0604020202020204" pitchFamily="34" charset="0"/>
-                <a:ea typeface="Calibri" panose="020F0502020204030204" pitchFamily="34" charset="0"/>
-              </a:rPr>
-              <a:t>Le Controller envoie le à vu [</a:t>
-            </a:r>
-            <a:r>
-              <a:rPr kumimoji="0" lang="fr-FR" altLang="de-DE" sz="1600" b="0" i="0" u="none" strike="noStrike" cap="none" normalizeH="0" baseline="0" dirty="0" err="1">
-                <a:ln>
-                  <a:noFill/>
-                </a:ln>
-                <a:solidFill>
-                  <a:srgbClr val="000000"/>
-                </a:solidFill>
-                <a:effectLst/>
-                <a:latin typeface="Arial" panose="020B0604020202020204" pitchFamily="34" charset="0"/>
-                <a:ea typeface="Calibri" panose="020F0502020204030204" pitchFamily="34" charset="0"/>
-              </a:rPr>
-              <a:t>Twig</a:t>
-            </a:r>
-            <a:r>
-              <a:rPr kumimoji="0" lang="fr-FR" altLang="de-DE" sz="1600" b="0" i="0" u="none" strike="noStrike" cap="none" normalizeH="0" baseline="0" dirty="0">
-                <a:ln>
-                  <a:noFill/>
-                </a:ln>
-                <a:solidFill>
-                  <a:srgbClr val="000000"/>
-                </a:solidFill>
-                <a:effectLst/>
-                <a:latin typeface="Arial" panose="020B0604020202020204" pitchFamily="34" charset="0"/>
-                <a:ea typeface="Calibri" panose="020F0502020204030204" pitchFamily="34" charset="0"/>
-              </a:rPr>
-              <a:t>] en fait un </a:t>
-            </a:r>
-            <a:r>
-              <a:rPr kumimoji="0" lang="fr-FR" altLang="de-DE" sz="1600" b="0" i="0" u="none" strike="noStrike" cap="none" normalizeH="0" baseline="0" dirty="0" err="1">
-                <a:ln>
-                  <a:noFill/>
-                </a:ln>
-                <a:solidFill>
-                  <a:srgbClr val="000000"/>
-                </a:solidFill>
-                <a:effectLst/>
-                <a:latin typeface="Arial" panose="020B0604020202020204" pitchFamily="34" charset="0"/>
-                <a:ea typeface="Calibri" panose="020F0502020204030204" pitchFamily="34" charset="0"/>
-              </a:rPr>
-              <a:t>foreach</a:t>
-            </a:r>
-            <a:r>
-              <a:rPr kumimoji="0" lang="fr-FR" altLang="de-DE" sz="1600" b="0" i="0" u="none" strike="noStrike" cap="none" normalizeH="0" baseline="0" dirty="0">
-                <a:ln>
-                  <a:noFill/>
-                </a:ln>
-                <a:solidFill>
-                  <a:srgbClr val="000000"/>
-                </a:solidFill>
-                <a:effectLst/>
-                <a:latin typeface="Arial" panose="020B0604020202020204" pitchFamily="34" charset="0"/>
-                <a:ea typeface="Calibri" panose="020F0502020204030204" pitchFamily="34" charset="0"/>
-              </a:rPr>
-              <a:t> pour voitures pour </a:t>
-            </a:r>
-            <a:r>
-              <a:rPr kumimoji="0" lang="fr-FR" altLang="de-DE" sz="1600" b="0" i="0" u="none" strike="noStrike" cap="none" normalizeH="0" baseline="0" dirty="0" err="1">
-                <a:ln>
-                  <a:noFill/>
-                </a:ln>
-                <a:solidFill>
-                  <a:srgbClr val="000000"/>
-                </a:solidFill>
-                <a:effectLst/>
-                <a:latin typeface="Arial" panose="020B0604020202020204" pitchFamily="34" charset="0"/>
-                <a:ea typeface="Calibri" panose="020F0502020204030204" pitchFamily="34" charset="0"/>
-              </a:rPr>
-              <a:t>recuper</a:t>
-            </a:r>
-            <a:r>
-              <a:rPr kumimoji="0" lang="fr-FR" altLang="de-DE" sz="1600" b="0" i="0" u="none" strike="noStrike" cap="none" normalizeH="0" baseline="0" dirty="0">
-                <a:ln>
-                  <a:noFill/>
-                </a:ln>
-                <a:solidFill>
-                  <a:srgbClr val="000000"/>
-                </a:solidFill>
-                <a:effectLst/>
-                <a:latin typeface="Arial" panose="020B0604020202020204" pitchFamily="34" charset="0"/>
-                <a:ea typeface="Calibri" panose="020F0502020204030204" pitchFamily="34" charset="0"/>
-              </a:rPr>
-              <a:t> </a:t>
-            </a:r>
-            <a:r>
-              <a:rPr kumimoji="0" lang="fr-FR" altLang="de-DE" sz="1600" b="0" i="0" u="none" strike="noStrike" cap="none" normalizeH="0" baseline="0" dirty="0" err="1">
-                <a:ln>
-                  <a:noFill/>
-                </a:ln>
-                <a:solidFill>
-                  <a:srgbClr val="000000"/>
-                </a:solidFill>
-                <a:effectLst/>
-                <a:latin typeface="Arial" panose="020B0604020202020204" pitchFamily="34" charset="0"/>
-                <a:ea typeface="Calibri" panose="020F0502020204030204" pitchFamily="34" charset="0"/>
-              </a:rPr>
-              <a:t>voiture.marque</a:t>
-            </a:r>
-            <a:r>
-              <a:rPr kumimoji="0" lang="fr-FR" altLang="de-DE" sz="1600" b="0" i="0" u="none" strike="noStrike" cap="none" normalizeH="0" baseline="0" dirty="0">
-                <a:ln>
-                  <a:noFill/>
-                </a:ln>
-                <a:solidFill>
-                  <a:srgbClr val="000000"/>
-                </a:solidFill>
-                <a:effectLst/>
-                <a:latin typeface="Arial" panose="020B0604020202020204" pitchFamily="34" charset="0"/>
-                <a:ea typeface="Calibri" panose="020F0502020204030204" pitchFamily="34" charset="0"/>
-              </a:rPr>
-              <a:t> ( le marque demandée ) </a:t>
-            </a:r>
-            <a:endParaRPr kumimoji="0" lang="de-DE" altLang="de-DE" sz="1600" b="0" i="0" u="none" strike="noStrike" cap="none" normalizeH="0" baseline="0" dirty="0">
-              <a:ln>
-                <a:noFill/>
-              </a:ln>
-              <a:solidFill>
-                <a:schemeClr val="tx1"/>
-              </a:solidFill>
-              <a:effectLst/>
-              <a:latin typeface="Arial" panose="020B0604020202020204" pitchFamily="34" charset="0"/>
-            </a:endParaRPr>
-          </a:p>
-          <a:p>
-            <a:pPr marL="0" marR="0" lvl="0" indent="0" algn="l" defTabSz="914400" rtl="0" eaLnBrk="0" fontAlgn="base" latinLnBrk="0" hangingPunct="0">
-              <a:lnSpc>
-                <a:spcPct val="100000"/>
-              </a:lnSpc>
-              <a:spcBef>
-                <a:spcPct val="0"/>
-              </a:spcBef>
-              <a:spcAft>
-                <a:spcPct val="0"/>
-              </a:spcAft>
-              <a:buClrTx/>
-              <a:buSzTx/>
-              <a:buFontTx/>
-              <a:buChar char="•"/>
-              <a:tabLst/>
-            </a:pPr>
-            <a:r>
-              <a:rPr kumimoji="0" lang="fr-FR" altLang="de-DE" sz="1600" b="0" i="0" u="none" strike="noStrike" cap="none" normalizeH="0" baseline="0" dirty="0">
-                <a:ln>
-                  <a:noFill/>
-                </a:ln>
-                <a:solidFill>
-                  <a:srgbClr val="000000"/>
-                </a:solidFill>
-                <a:effectLst/>
-                <a:latin typeface="Arial" panose="020B0604020202020204" pitchFamily="34" charset="0"/>
-                <a:ea typeface="Calibri" panose="020F0502020204030204" pitchFamily="34" charset="0"/>
-              </a:rPr>
-              <a:t>La vue affiche le </a:t>
-            </a:r>
-            <a:r>
-              <a:rPr kumimoji="0" lang="fr-FR" altLang="de-DE" sz="1600" b="0" i="0" u="none" strike="noStrike" cap="none" normalizeH="0" baseline="0" dirty="0" err="1">
-                <a:ln>
-                  <a:noFill/>
-                </a:ln>
-                <a:solidFill>
-                  <a:srgbClr val="000000"/>
-                </a:solidFill>
-                <a:effectLst/>
-                <a:latin typeface="Arial" panose="020B0604020202020204" pitchFamily="34" charset="0"/>
-                <a:ea typeface="Calibri" panose="020F0502020204030204" pitchFamily="34" charset="0"/>
-              </a:rPr>
-              <a:t>resultat</a:t>
-            </a:r>
-            <a:r>
-              <a:rPr kumimoji="0" lang="fr-FR" altLang="de-DE" sz="1600" b="0" i="0" u="none" strike="noStrike" cap="none" normalizeH="0" baseline="0" dirty="0">
-                <a:ln>
-                  <a:noFill/>
-                </a:ln>
-                <a:solidFill>
-                  <a:srgbClr val="000000"/>
-                </a:solidFill>
-                <a:effectLst/>
-                <a:latin typeface="Arial" panose="020B0604020202020204" pitchFamily="34" charset="0"/>
-                <a:ea typeface="Calibri" panose="020F0502020204030204" pitchFamily="34" charset="0"/>
-              </a:rPr>
-              <a:t> à USER.</a:t>
-            </a:r>
-            <a:endParaRPr kumimoji="0" lang="fr-FR" altLang="de-DE" sz="1600" b="0" i="0" u="none" strike="noStrike" cap="none" normalizeH="0" baseline="0" dirty="0">
-              <a:ln>
-                <a:noFill/>
-              </a:ln>
-              <a:solidFill>
-                <a:schemeClr val="tx1"/>
-              </a:solidFill>
-              <a:effectLst/>
-              <a:latin typeface="Arial" panose="020B0604020202020204" pitchFamily="34" charset="0"/>
-            </a:endParaRPr>
-          </a:p>
-        </p:txBody>
-      </p:sp>
     </p:spTree>
     <p:extLst>
       <p:ext uri="{BB962C8B-B14F-4D97-AF65-F5344CB8AC3E}">
@@ -7409,6 +7679,145 @@
   <p:clrMapOvr>
     <a:masterClrMapping/>
   </p:clrMapOvr>
+  <p:timing>
+    <p:tnLst>
+      <p:par>
+        <p:cTn id="1" dur="indefinite" restart="never" nodeType="tmRoot">
+          <p:childTnLst>
+            <p:seq concurrent="1" nextAc="seek">
+              <p:cTn id="2" dur="indefinite" nodeType="mainSeq">
+                <p:childTnLst>
+                  <p:par>
+                    <p:cTn id="3" fill="hold">
+                      <p:stCondLst>
+                        <p:cond delay="indefinite"/>
+                      </p:stCondLst>
+                      <p:childTnLst>
+                        <p:par>
+                          <p:cTn id="4" fill="hold">
+                            <p:stCondLst>
+                              <p:cond delay="0"/>
+                            </p:stCondLst>
+                            <p:childTnLst>
+                              <p:par>
+                                <p:cTn id="5" presetID="16" presetClass="entr" presetSubtype="21" fill="hold" grpId="0" nodeType="clickEffect">
+                                  <p:stCondLst>
+                                    <p:cond delay="0"/>
+                                  </p:stCondLst>
+                                  <p:childTnLst>
+                                    <p:set>
+                                      <p:cBhvr>
+                                        <p:cTn id="6" dur="1" fill="hold">
+                                          <p:stCondLst>
+                                            <p:cond delay="0"/>
+                                          </p:stCondLst>
+                                        </p:cTn>
+                                        <p:tgtEl>
+                                          <p:spTgt spid="2"/>
+                                        </p:tgtEl>
+                                        <p:attrNameLst>
+                                          <p:attrName>style.visibility</p:attrName>
+                                        </p:attrNameLst>
+                                      </p:cBhvr>
+                                      <p:to>
+                                        <p:strVal val="visible"/>
+                                      </p:to>
+                                    </p:set>
+                                    <p:animEffect transition="in" filter="barn(inVertical)">
+                                      <p:cBhvr>
+                                        <p:cTn id="7" dur="500"/>
+                                        <p:tgtEl>
+                                          <p:spTgt spid="2"/>
+                                        </p:tgtEl>
+                                      </p:cBhvr>
+                                    </p:animEffect>
+                                  </p:childTnLst>
+                                </p:cTn>
+                              </p:par>
+                            </p:childTnLst>
+                          </p:cTn>
+                        </p:par>
+                      </p:childTnLst>
+                    </p:cTn>
+                  </p:par>
+                  <p:par>
+                    <p:cTn id="8" fill="hold">
+                      <p:stCondLst>
+                        <p:cond delay="indefinite"/>
+                      </p:stCondLst>
+                      <p:childTnLst>
+                        <p:par>
+                          <p:cTn id="9" fill="hold">
+                            <p:stCondLst>
+                              <p:cond delay="0"/>
+                            </p:stCondLst>
+                            <p:childTnLst>
+                              <p:par>
+                                <p:cTn id="10" presetID="16" presetClass="entr" presetSubtype="21" fill="hold" nodeType="clickEffect">
+                                  <p:stCondLst>
+                                    <p:cond delay="0"/>
+                                  </p:stCondLst>
+                                  <p:childTnLst>
+                                    <p:set>
+                                      <p:cBhvr>
+                                        <p:cTn id="11" dur="1" fill="hold">
+                                          <p:stCondLst>
+                                            <p:cond delay="0"/>
+                                          </p:stCondLst>
+                                        </p:cTn>
+                                        <p:tgtEl>
+                                          <p:spTgt spid="2049"/>
+                                        </p:tgtEl>
+                                        <p:attrNameLst>
+                                          <p:attrName>style.visibility</p:attrName>
+                                        </p:attrNameLst>
+                                      </p:cBhvr>
+                                      <p:to>
+                                        <p:strVal val="visible"/>
+                                      </p:to>
+                                    </p:set>
+                                    <p:animEffect transition="in" filter="barn(inVertical)">
+                                      <p:cBhvr>
+                                        <p:cTn id="12" dur="500"/>
+                                        <p:tgtEl>
+                                          <p:spTgt spid="2049"/>
+                                        </p:tgtEl>
+                                      </p:cBhvr>
+                                    </p:animEffect>
+                                  </p:childTnLst>
+                                </p:cTn>
+                              </p:par>
+                            </p:childTnLst>
+                          </p:cTn>
+                        </p:par>
+                      </p:childTnLst>
+                    </p:cTn>
+                  </p:par>
+                </p:childTnLst>
+              </p:cTn>
+              <p:prevCondLst>
+                <p:cond evt="onPrev" delay="0">
+                  <p:tgtEl>
+                    <p:sldTgt/>
+                  </p:tgtEl>
+                </p:cond>
+              </p:prevCondLst>
+              <p:nextCondLst>
+                <p:cond evt="onNext" delay="0">
+                  <p:tgtEl>
+                    <p:sldTgt/>
+                  </p:tgtEl>
+                </p:cond>
+              </p:nextCondLst>
+            </p:seq>
+          </p:childTnLst>
+        </p:cTn>
+      </p:par>
+    </p:tnLst>
+    <p:bldLst>
+      <p:bldP spid="2" grpId="0"/>
+    </p:bldLst>
+  </p:timing>
 </p:sld>
 </file>
 
@@ -7470,7 +7879,7 @@
                 <a:latin typeface="Calibri" panose="020F0502020204030204" pitchFamily="34" charset="0"/>
                 <a:ea typeface="Calibri" panose="020F0502020204030204" pitchFamily="34" charset="0"/>
               </a:rPr>
-              <a:t>Relation (ASSO) de table</a:t>
+              <a:t>Relations associatives des tables</a:t>
             </a:r>
             <a:endParaRPr lang="de-DE" dirty="0"/>
           </a:p>
@@ -7490,7 +7899,7 @@
         </p:nvSpPr>
         <p:spPr>
           <a:xfrm>
-            <a:off x="763771" y="583387"/>
+            <a:off x="696621" y="571847"/>
             <a:ext cx="5969295" cy="369332"/>
           </a:xfrm>
           <a:prstGeom prst="rect">
@@ -7535,7 +7944,7 @@
                 <a:latin typeface="Calibri" panose="020F0502020204030204" pitchFamily="34" charset="0"/>
                 <a:ea typeface="Calibri" panose="020F0502020204030204" pitchFamily="34" charset="0"/>
               </a:rPr>
-              <a:t> il y a </a:t>
+              <a:t>, il y a </a:t>
             </a:r>
             <a:r>
               <a:rPr lang="fr-FR" sz="1800" b="1" dirty="0" err="1">
@@ -7576,15 +7985,15 @@
           <p:nvPr/>
         </p:nvPicPr>
         <p:blipFill>
-          <a:blip r:embed="rId2"/>
+          <a:blip r:embed="rId3"/>
           <a:stretch>
             <a:fillRect/>
           </a:stretch>
         </p:blipFill>
         <p:spPr>
           <a:xfrm>
-            <a:off x="763772" y="1036341"/>
-            <a:ext cx="4956544" cy="1068906"/>
+            <a:off x="696621" y="1036341"/>
+            <a:ext cx="8979990" cy="2034867"/>
           </a:xfrm>
           <a:prstGeom prst="rect">
             <a:avLst/>
@@ -7605,7 +8014,7 @@
         </p:nvSpPr>
         <p:spPr>
           <a:xfrm>
-            <a:off x="699532" y="2252823"/>
+            <a:off x="699532" y="3205857"/>
             <a:ext cx="6097772" cy="369332"/>
           </a:xfrm>
           <a:prstGeom prst="rect">
@@ -7628,7 +8037,7 @@
                 <a:latin typeface="Calibri" panose="020F0502020204030204" pitchFamily="34" charset="0"/>
                 <a:ea typeface="Calibri" panose="020F0502020204030204" pitchFamily="34" charset="0"/>
               </a:rPr>
-              <a:t>Dans class Voiteur il y a </a:t>
+              <a:t>Dans class Voiture, il y a </a:t>
             </a:r>
             <a:r>
               <a:rPr lang="fr-FR" sz="1800" b="1" dirty="0" err="1">
@@ -7680,15 +8089,15 @@
           <p:nvPr/>
         </p:nvPicPr>
         <p:blipFill>
-          <a:blip r:embed="rId3"/>
+          <a:blip r:embed="rId4"/>
           <a:stretch>
             <a:fillRect/>
           </a:stretch>
         </p:blipFill>
         <p:spPr>
           <a:xfrm>
-            <a:off x="766681" y="2769731"/>
-            <a:ext cx="4953635" cy="953034"/>
+            <a:off x="699532" y="3786792"/>
+            <a:ext cx="8979991" cy="953034"/>
           </a:xfrm>
           <a:prstGeom prst="rect">
             <a:avLst/>
@@ -7709,8 +8118,8 @@
         </p:nvSpPr>
         <p:spPr>
           <a:xfrm>
-            <a:off x="635294" y="4003089"/>
-            <a:ext cx="6097772" cy="369332"/>
+            <a:off x="699532" y="4809824"/>
+            <a:ext cx="7413306" cy="646331"/>
           </a:xfrm>
           <a:prstGeom prst="rect">
             <a:avLst/>
@@ -7732,40 +8141,17 @@
                 <a:latin typeface="Calibri" panose="020F0502020204030204" pitchFamily="34" charset="0"/>
                 <a:ea typeface="Calibri" panose="020F0502020204030204" pitchFamily="34" charset="0"/>
               </a:rPr>
-              <a:t>Dans class Voiture il y a </a:t>
-            </a:r>
-            <a:r>
-              <a:rPr lang="fr-FR" sz="1800" b="1" dirty="0" err="1">
+              <a:t>Dans class </a:t>
+            </a:r>
+            <a:r>
+              <a:rPr lang="fr-FR" b="1" dirty="0">
                 <a:solidFill>
                   <a:srgbClr val="000000"/>
                 </a:solidFill>
-                <a:effectLst/>
                 <a:latin typeface="Calibri" panose="020F0502020204030204" pitchFamily="34" charset="0"/>
                 <a:ea typeface="Calibri" panose="020F0502020204030204" pitchFamily="34" charset="0"/>
               </a:rPr>
-              <a:t>ManyToMany</a:t>
-            </a:r>
-            <a:r>
-              <a:rPr lang="fr-FR" sz="1800" b="1" dirty="0">
-                <a:solidFill>
-                  <a:srgbClr val="000000"/>
-                </a:solidFill>
-                <a:effectLst/>
-                <a:latin typeface="Calibri" panose="020F0502020204030204" pitchFamily="34" charset="0"/>
-                <a:ea typeface="Calibri" panose="020F0502020204030204" pitchFamily="34" charset="0"/>
-              </a:rPr>
-              <a:t> $</a:t>
-            </a:r>
-            <a:r>
-              <a:rPr lang="fr-FR" sz="1800" b="1" dirty="0" err="1">
-                <a:solidFill>
-                  <a:srgbClr val="000000"/>
-                </a:solidFill>
-                <a:effectLst/>
-                <a:latin typeface="Calibri" panose="020F0502020204030204" pitchFamily="34" charset="0"/>
-                <a:ea typeface="Calibri" panose="020F0502020204030204" pitchFamily="34" charset="0"/>
-              </a:rPr>
-              <a:t>users</a:t>
+              <a:t>Voiture, plusieurs utilisateurs peuvent l’avoir inscrite en favori. Un utilisateur peut choisir plusieurs voitures comme « favoris ».</a:t>
             </a:r>
             <a:endParaRPr lang="de-DE" dirty="0"/>
           </a:p>
@@ -7784,15 +8170,15 @@
           <p:nvPr/>
         </p:nvPicPr>
         <p:blipFill>
-          <a:blip r:embed="rId4"/>
+          <a:blip r:embed="rId5"/>
           <a:stretch>
             <a:fillRect/>
           </a:stretch>
         </p:blipFill>
         <p:spPr>
           <a:xfrm>
-            <a:off x="699532" y="4626968"/>
-            <a:ext cx="5687060" cy="894573"/>
+            <a:off x="699532" y="5565209"/>
+            <a:ext cx="9047141" cy="894573"/>
           </a:xfrm>
           <a:prstGeom prst="rect">
             <a:avLst/>
@@ -8225,6 +8611,17 @@
               </a:rPr>
               <a:t>Controller </a:t>
             </a:r>
+            <a:r>
+              <a:rPr lang="fr-FR" sz="1800" dirty="0" err="1">
+                <a:solidFill>
+                  <a:srgbClr val="000000"/>
+                </a:solidFill>
+                <a:effectLst/>
+                <a:latin typeface="Calibri" panose="020F0502020204030204" pitchFamily="34" charset="0"/>
+                <a:ea typeface="Calibri" panose="020F0502020204030204" pitchFamily="34" charset="0"/>
+              </a:rPr>
+              <a:t>AvisController</a:t>
+            </a:r>
             <a:endParaRPr lang="de-DE" dirty="0"/>
           </a:p>
         </p:txBody>
@@ -8251,8 +8648,8 @@
         </p:blipFill>
         <p:spPr>
           <a:xfrm>
-            <a:off x="1924185" y="729498"/>
-            <a:ext cx="7287547" cy="5904367"/>
+            <a:off x="629977" y="729498"/>
+            <a:ext cx="9573896" cy="5904367"/>
           </a:xfrm>
           <a:prstGeom prst="rect">
             <a:avLst/>
@@ -8491,6 +8888,17 @@
               </a:rPr>
               <a:t>Controller </a:t>
             </a:r>
+            <a:r>
+              <a:rPr lang="fr-FR" sz="1800" dirty="0" err="1">
+                <a:solidFill>
+                  <a:srgbClr val="000000"/>
+                </a:solidFill>
+                <a:effectLst/>
+                <a:latin typeface="Calibri" panose="020F0502020204030204" pitchFamily="34" charset="0"/>
+                <a:ea typeface="Calibri" panose="020F0502020204030204" pitchFamily="34" charset="0"/>
+              </a:rPr>
+              <a:t>AvisController</a:t>
+            </a:r>
             <a:endParaRPr lang="de-DE" dirty="0"/>
           </a:p>
         </p:txBody>
@@ -8701,7 +9109,7 @@
                 <a:latin typeface="Calibri" panose="020F0502020204030204" pitchFamily="34" charset="0"/>
                 <a:ea typeface="Calibri" panose="020F0502020204030204" pitchFamily="34" charset="0"/>
               </a:rPr>
-              <a:t>Template   code  </a:t>
+              <a:t>Templating</a:t>
             </a:r>
             <a:endParaRPr lang="de-DE" sz="1800" b="1" dirty="0">
               <a:solidFill>
@@ -8759,7 +9167,7 @@
         <p:spPr>
           <a:xfrm>
             <a:off x="975359" y="1137677"/>
-            <a:ext cx="8234690" cy="369332"/>
+            <a:ext cx="9427196" cy="369332"/>
           </a:xfrm>
           <a:prstGeom prst="rect">
             <a:avLst/>
@@ -8782,7 +9190,15 @@
             </a:r>
             <a:r>
               <a:rPr lang="de-DE" dirty="0" err="1"/>
-              <a:t>index</a:t>
+              <a:t>page</a:t>
+            </a:r>
+            <a:r>
+              <a:rPr lang="de-DE" dirty="0"/>
+              <a:t> (</a:t>
+            </a:r>
+            <a:r>
+              <a:rPr lang="de-DE" dirty="0" err="1"/>
+              <a:t>ou</a:t>
             </a:r>
             <a:r>
               <a:rPr lang="de-DE" dirty="0"/>
@@ -8790,7 +9206,15 @@
             </a:r>
             <a:r>
               <a:rPr lang="de-DE" dirty="0" err="1"/>
-              <a:t>ou</a:t>
+              <a:t>template</a:t>
+            </a:r>
+            <a:r>
+              <a:rPr lang="de-DE" dirty="0"/>
+              <a:t>) </a:t>
+            </a:r>
+            <a:r>
+              <a:rPr lang="de-DE" dirty="0" err="1"/>
+              <a:t>est</a:t>
             </a:r>
             <a:r>
               <a:rPr lang="de-DE" dirty="0"/>
@@ -8798,27 +9222,15 @@
             </a:r>
             <a:r>
               <a:rPr lang="de-DE" dirty="0" err="1"/>
-              <a:t>template</a:t>
+              <a:t>une</a:t>
             </a:r>
             <a:r>
               <a:rPr lang="de-DE" dirty="0"/>
-              <a:t> c</a:t>
-            </a:r>
-            <a:r>
-              <a:rPr lang="fr-FR" dirty="0"/>
-              <a:t>’</a:t>
+              <a:t> </a:t>
             </a:r>
             <a:r>
               <a:rPr lang="de-DE" dirty="0" err="1"/>
-              <a:t>est</a:t>
-            </a:r>
-            <a:r>
-              <a:rPr lang="de-DE" dirty="0"/>
-              <a:t> en </a:t>
-            </a:r>
-            <a:r>
-              <a:rPr lang="de-DE" dirty="0" err="1"/>
-              <a:t>extands</a:t>
+              <a:t>extension</a:t>
             </a:r>
             <a:r>
               <a:rPr lang="de-DE" dirty="0"/>
@@ -8834,7 +9246,7 @@
             </a:r>
             <a:r>
               <a:rPr lang="de-DE" dirty="0" err="1"/>
-              <a:t>parant</a:t>
+              <a:t>parent</a:t>
             </a:r>
             <a:r>
               <a:rPr lang="de-DE" dirty="0"/>
@@ -8844,7 +9256,18 @@
               <a:rPr lang="de-DE" dirty="0" err="1"/>
               <a:t>base.html.twig</a:t>
             </a:r>
-            <a:endParaRPr lang="de-DE" dirty="0"/>
+            <a:r>
+              <a:rPr lang="de-DE" dirty="0"/>
+              <a:t> (</a:t>
+            </a:r>
+            <a:r>
+              <a:rPr lang="de-DE" dirty="0" err="1"/>
+              <a:t>layout</a:t>
+            </a:r>
+            <a:r>
+              <a:rPr lang="de-DE" dirty="0"/>
+              <a:t>)</a:t>
+            </a:r>
           </a:p>
         </p:txBody>
       </p:sp>
@@ -9085,8 +9508,8 @@
         </p:blipFill>
         <p:spPr>
           <a:xfrm>
-            <a:off x="643466" y="1441033"/>
-            <a:ext cx="11346781" cy="4619399"/>
+            <a:off x="0" y="1441032"/>
+            <a:ext cx="12084627" cy="3775204"/>
           </a:xfrm>
           <a:prstGeom prst="rect">
             <a:avLst/>
@@ -9140,7 +9563,7 @@
                 <a:latin typeface="Calibri" panose="020F0502020204030204" pitchFamily="34" charset="0"/>
                 <a:ea typeface="Calibri" panose="020F0502020204030204" pitchFamily="34" charset="0"/>
               </a:rPr>
-              <a:t>Template   code  </a:t>
+              <a:t>Templating</a:t>
             </a:r>
             <a:endParaRPr lang="de-DE" sz="1800" b="1" dirty="0">
               <a:solidFill>
@@ -9370,8 +9793,8 @@
         </p:blipFill>
         <p:spPr>
           <a:xfrm>
-            <a:off x="541867" y="1177199"/>
-            <a:ext cx="11650133" cy="5003467"/>
+            <a:off x="169333" y="1168732"/>
+            <a:ext cx="11925685" cy="4307277"/>
           </a:xfrm>
           <a:prstGeom prst="rect">
             <a:avLst/>
@@ -9425,7 +9848,7 @@
                 <a:latin typeface="Calibri" panose="020F0502020204030204" pitchFamily="34" charset="0"/>
                 <a:ea typeface="Calibri" panose="020F0502020204030204" pitchFamily="34" charset="0"/>
               </a:rPr>
-              <a:t>Template   code  </a:t>
+              <a:t>Templating  </a:t>
             </a:r>
             <a:endParaRPr lang="de-DE" sz="1800" b="1" dirty="0">
               <a:solidFill>
@@ -9551,7 +9974,7 @@
                 <a:latin typeface="Calibri" panose="020F0502020204030204" pitchFamily="34" charset="0"/>
                 <a:ea typeface="Calibri" panose="020F0502020204030204" pitchFamily="34" charset="0"/>
               </a:rPr>
-              <a:t>Template   code  </a:t>
+              <a:t>Templating</a:t>
             </a:r>
             <a:endParaRPr lang="de-DE" sz="1800" b="1" dirty="0">
               <a:solidFill>
@@ -9586,8 +10009,8 @@
         </p:blipFill>
         <p:spPr>
           <a:xfrm>
-            <a:off x="1253067" y="1773843"/>
-            <a:ext cx="10490157" cy="3244466"/>
+            <a:off x="234758" y="1773843"/>
+            <a:ext cx="11631660" cy="3244466"/>
           </a:xfrm>
           <a:prstGeom prst="rect">
             <a:avLst/>
@@ -9916,8 +10339,8 @@
         </p:blipFill>
         <p:spPr>
           <a:xfrm>
-            <a:off x="750934" y="1236133"/>
-            <a:ext cx="9410336" cy="5044652"/>
+            <a:off x="200216" y="997142"/>
+            <a:ext cx="11686984" cy="6164842"/>
           </a:xfrm>
           <a:prstGeom prst="rect">
             <a:avLst/>
@@ -10271,7 +10694,7 @@
                 <a:latin typeface="Calibri" panose="020F0502020204030204" pitchFamily="34" charset="0"/>
                 <a:ea typeface="Calibri" panose="020F0502020204030204" pitchFamily="34" charset="0"/>
               </a:rPr>
-              <a:t>Security Par Symfony</a:t>
+              <a:t>La sécurité par Symfony</a:t>
             </a:r>
             <a:endParaRPr lang="de-DE" sz="1800" b="1" kern="0" dirty="0">
               <a:solidFill>
@@ -10329,7 +10752,7 @@
                 <a:latin typeface="Calibri" panose="020F0502020204030204" pitchFamily="34" charset="0"/>
                 <a:ea typeface="Calibri" panose="020F0502020204030204" pitchFamily="34" charset="0"/>
               </a:rPr>
-              <a:t>Comme on a expliqué au parti de Controller   Symfony permet nous faire une sécurité par défaut avec l’utilisation de la classe   </a:t>
+              <a:t>Comme on a expliqué au parti de Controller   Symfony permet nous faire une sécurité par défaut avec l’utilisation de la classe </a:t>
             </a:r>
             <a:r>
               <a:rPr lang="fr-FR" sz="1800" dirty="0" err="1">
@@ -10379,7 +10802,7 @@
         <p:spPr>
           <a:xfrm>
             <a:off x="854392" y="1674674"/>
-            <a:ext cx="6097904" cy="1169551"/>
+            <a:ext cx="6097904" cy="738664"/>
           </a:xfrm>
           <a:prstGeom prst="rect">
             <a:avLst/>
@@ -10401,11 +10824,21 @@
                 <a:solidFill>
                   <a:srgbClr val="000000"/>
                 </a:solidFill>
+                <a:latin typeface="Calibri" panose="020F0502020204030204" pitchFamily="34" charset="0"/>
+                <a:ea typeface="Calibri" panose="020F0502020204030204" pitchFamily="34" charset="0"/>
+              </a:rPr>
+              <a:t>g</a:t>
+            </a:r>
+            <a:r>
+              <a:rPr lang="fr-FR" sz="1400" b="1" dirty="0" err="1">
+                <a:solidFill>
+                  <a:srgbClr val="000000"/>
+                </a:solidFill>
                 <a:effectLst/>
                 <a:latin typeface="Calibri" panose="020F0502020204030204" pitchFamily="34" charset="0"/>
                 <a:ea typeface="Calibri" panose="020F0502020204030204" pitchFamily="34" charset="0"/>
               </a:rPr>
-              <a:t>GetPassword</a:t>
+              <a:t>etPassword</a:t>
             </a:r>
             <a:r>
               <a:rPr lang="fr-FR" sz="1400" b="1" dirty="0">
@@ -10416,7 +10849,7 @@
                 <a:latin typeface="Calibri" panose="020F0502020204030204" pitchFamily="34" charset="0"/>
                 <a:ea typeface="Calibri" panose="020F0502020204030204" pitchFamily="34" charset="0"/>
               </a:rPr>
-              <a:t> () </a:t>
+              <a:t>() </a:t>
             </a:r>
             <a:r>
               <a:rPr lang="fr-FR" sz="1400" dirty="0">
@@ -10427,7 +10860,7 @@
                 <a:latin typeface="Calibri" panose="020F0502020204030204" pitchFamily="34" charset="0"/>
                 <a:ea typeface="Calibri" panose="020F0502020204030204" pitchFamily="34" charset="0"/>
               </a:rPr>
-              <a:t>: Ce fonction permet de authenticité la utilisateur et la mot de passe dois être hachée et en </a:t>
+              <a:t>: Ce fonction permet d’authentifier l’utilisateur, le mot de passe doit être </a:t>
             </a:r>
             <a:r>
               <a:rPr lang="fr-FR" sz="1400" dirty="0" err="1">
@@ -10438,7 +10871,7 @@
                 <a:latin typeface="Calibri" panose="020F0502020204030204" pitchFamily="34" charset="0"/>
                 <a:ea typeface="Calibri" panose="020F0502020204030204" pitchFamily="34" charset="0"/>
               </a:rPr>
-              <a:t>authenticit</a:t>
+              <a:t>hashée</a:t>
             </a:r>
             <a:r>
               <a:rPr lang="fr-FR" sz="1400" dirty="0">
@@ -10449,7 +10882,7 @@
                 <a:latin typeface="Calibri" panose="020F0502020204030204" pitchFamily="34" charset="0"/>
                 <a:ea typeface="Calibri" panose="020F0502020204030204" pitchFamily="34" charset="0"/>
               </a:rPr>
-              <a:t> la mot de passe, la mot de passe va être comparé entre le valeur qui est prise avant le hachage et le valeur d’après le hachage et ce méthode existe depuis Symfony 5,3 et on peut le implémenté de </a:t>
+              <a:t>. Cette méthode existe depuis Symfony 5,3 et implémente </a:t>
             </a:r>
             <a:r>
               <a:rPr lang="fr-FR" sz="1400" dirty="0" err="1">
@@ -10535,7 +10968,7 @@
                 <a:latin typeface="Calibri" panose="020F0502020204030204" pitchFamily="34" charset="0"/>
                 <a:ea typeface="Calibri" panose="020F0502020204030204" pitchFamily="34" charset="0"/>
               </a:rPr>
-              <a:t>: Qui permet vérifie le </a:t>
+              <a:t>: Qui vérifie si le </a:t>
             </a:r>
             <a:r>
               <a:rPr lang="fr-FR" sz="1400" dirty="0" err="1">
@@ -10557,7 +10990,7 @@
                 <a:latin typeface="Calibri" panose="020F0502020204030204" pitchFamily="34" charset="0"/>
                 <a:ea typeface="Calibri" panose="020F0502020204030204" pitchFamily="34" charset="0"/>
               </a:rPr>
-              <a:t> est-il valide ou pas !</a:t>
+              <a:t> est valide ou pas.</a:t>
             </a:r>
             <a:endParaRPr lang="de-DE" sz="1400" dirty="0">
               <a:solidFill>
@@ -10659,7 +11092,49 @@
                 <a:latin typeface="Calibri" panose="020F0502020204030204" pitchFamily="34" charset="0"/>
                 <a:ea typeface="Calibri" panose="020F0502020204030204" pitchFamily="34" charset="0"/>
               </a:rPr>
-              <a:t>Cette une fonction qui permet de vérifie si le rôle est le même rôle qui est stocke dans la base de donnes quand on a créé le objet. </a:t>
+              <a:t>fonction qui permet d’appliquer le rôle qui est stocké dans la base de donn</a:t>
+            </a:r>
+            <a:r>
+              <a:rPr lang="fr-FR" sz="1400" dirty="0">
+                <a:solidFill>
+                  <a:srgbClr val="000000"/>
+                </a:solidFill>
+                <a:latin typeface="Calibri" panose="020F0502020204030204" pitchFamily="34" charset="0"/>
+                <a:ea typeface="Calibri" panose="020F0502020204030204" pitchFamily="34" charset="0"/>
+              </a:rPr>
+              <a:t>ée</a:t>
+            </a:r>
+            <a:r>
+              <a:rPr lang="fr-FR" sz="1400" dirty="0">
+                <a:solidFill>
+                  <a:srgbClr val="000000"/>
+                </a:solidFill>
+                <a:effectLst/>
+                <a:latin typeface="Calibri" panose="020F0502020204030204" pitchFamily="34" charset="0"/>
+                <a:ea typeface="Calibri" panose="020F0502020204030204" pitchFamily="34" charset="0"/>
+              </a:rPr>
+              <a:t>s quand </a:t>
+            </a:r>
+            <a:r>
+              <a:rPr lang="fr-FR" sz="1400" dirty="0">
+                <a:solidFill>
+                  <a:srgbClr val="000000"/>
+                </a:solidFill>
+                <a:latin typeface="Calibri" panose="020F0502020204030204" pitchFamily="34" charset="0"/>
+                <a:ea typeface="Calibri" panose="020F0502020204030204" pitchFamily="34" charset="0"/>
+              </a:rPr>
+              <a:t>sera</a:t>
+            </a:r>
+            <a:r>
+              <a:rPr lang="fr-FR" sz="1400" dirty="0">
+                <a:solidFill>
+                  <a:srgbClr val="000000"/>
+                </a:solidFill>
+                <a:effectLst/>
+                <a:latin typeface="Calibri" panose="020F0502020204030204" pitchFamily="34" charset="0"/>
+                <a:ea typeface="Calibri" panose="020F0502020204030204" pitchFamily="34" charset="0"/>
+              </a:rPr>
+              <a:t> créé l’objet User. </a:t>
             </a:r>
             <a:endParaRPr lang="de-DE" sz="1400" dirty="0">
               <a:solidFill>
@@ -10784,8 +11259,8 @@
         </p:nvSpPr>
         <p:spPr>
           <a:xfrm>
-            <a:off x="1180678" y="4452386"/>
-            <a:ext cx="3815981" cy="954107"/>
+            <a:off x="1180678" y="4221105"/>
+            <a:ext cx="3815981" cy="738664"/>
           </a:xfrm>
           <a:prstGeom prst="rect">
             <a:avLst/>
@@ -10807,7 +11282,7 @@
                 <a:latin typeface="Calibri" panose="020F0502020204030204" pitchFamily="34" charset="0"/>
                 <a:ea typeface="Calibri" panose="020F0502020204030204" pitchFamily="34" charset="0"/>
               </a:rPr>
-              <a:t>Le moyen le plus simple de sécuriser une partie de votre application consiste à sécuriser l'intégralité d'un modèle d'URL dans </a:t>
+              <a:t>Le moyen le plus simple de sécuriser une partie de l’application consiste à sécuriser l'intégralité d'un modèle d'URL dans </a:t>
             </a:r>
             <a:r>
               <a:rPr lang="fr-FR" sz="1400" dirty="0" err="1">
@@ -11358,7 +11833,7 @@
         <p:spPr>
           <a:xfrm>
             <a:off x="913774" y="1531620"/>
-            <a:ext cx="8321666" cy="3693319"/>
+            <a:ext cx="8321666" cy="3416320"/>
           </a:xfrm>
           <a:prstGeom prst="rect">
             <a:avLst/>
@@ -11381,7 +11856,7 @@
             </a:r>
             <a:r>
               <a:rPr lang="de-DE" dirty="0"/>
-              <a:t> de </a:t>
+              <a:t> du </a:t>
             </a:r>
             <a:r>
               <a:rPr lang="de-DE" dirty="0" err="1"/>
@@ -11407,7 +11882,7 @@
             </a:r>
             <a:r>
               <a:rPr lang="de-DE" dirty="0" err="1"/>
-              <a:t>Application</a:t>
+              <a:t>applications</a:t>
             </a:r>
             <a:r>
               <a:rPr lang="de-DE" dirty="0"/>
@@ -11415,7 +11890,7 @@
             </a:r>
             <a:r>
               <a:rPr lang="de-DE" dirty="0" err="1"/>
-              <a:t>langues</a:t>
+              <a:t>langages</a:t>
             </a:r>
             <a:r>
               <a:rPr lang="de-DE" dirty="0"/>
@@ -11423,7 +11898,11 @@
             </a:r>
             <a:r>
               <a:rPr lang="de-DE" dirty="0" err="1"/>
-              <a:t>Utiliser</a:t>
+              <a:t>utilis</a:t>
+            </a:r>
+            <a:r>
+              <a:rPr lang="fr-FR" dirty="0" err="1"/>
+              <a:t>és</a:t>
             </a:r>
             <a:r>
               <a:rPr lang="de-DE" dirty="0"/>
@@ -11447,10 +11926,9 @@
               <a:buAutoNum type="romanUcPeriod"/>
             </a:pPr>
             <a:r>
-              <a:rPr lang="de-DE" dirty="0" err="1"/>
-              <a:t>Mcd</a:t>
-            </a:r>
-            <a:endParaRPr lang="de-DE" dirty="0"/>
+              <a:rPr lang="de-DE" dirty="0"/>
+              <a:t>MCD</a:t>
+            </a:r>
           </a:p>
           <a:p>
             <a:pPr marL="400050" indent="-400050">
@@ -11458,20 +11936,8 @@
               <a:buAutoNum type="romanUcPeriod"/>
             </a:pPr>
             <a:r>
-              <a:rPr lang="de-DE" dirty="0" err="1"/>
-              <a:t>Definiction</a:t>
-            </a:r>
-            <a:r>
               <a:rPr lang="de-DE" dirty="0"/>
-              <a:t> de </a:t>
-            </a:r>
-            <a:r>
-              <a:rPr lang="de-DE" dirty="0" err="1"/>
-              <a:t>mvc</a:t>
-            </a:r>
-            <a:r>
-              <a:rPr lang="de-DE" dirty="0"/>
-              <a:t> </a:t>
+              <a:t>Definition de MVC </a:t>
             </a:r>
           </a:p>
           <a:p>
@@ -11481,11 +11947,19 @@
             </a:pPr>
             <a:r>
               <a:rPr lang="de-DE" dirty="0"/>
-              <a:t>MVP utilisier par </a:t>
+              <a:t>MVP </a:t>
             </a:r>
             <a:r>
               <a:rPr lang="de-DE" dirty="0" err="1"/>
-              <a:t>symfony</a:t>
+              <a:t>utilisé</a:t>
+            </a:r>
+            <a:r>
+              <a:rPr lang="de-DE" dirty="0"/>
+              <a:t> par </a:t>
+            </a:r>
+            <a:r>
+              <a:rPr lang="de-DE" dirty="0" err="1"/>
+              <a:t>Symfony</a:t>
             </a:r>
             <a:endParaRPr lang="de-DE" dirty="0"/>
           </a:p>
@@ -11496,19 +11970,19 @@
             </a:pPr>
             <a:r>
               <a:rPr lang="de-DE" dirty="0"/>
-              <a:t>Relation </a:t>
+              <a:t>Relations </a:t>
             </a:r>
             <a:r>
               <a:rPr lang="de-DE" dirty="0" err="1"/>
-              <a:t>assiotive</a:t>
+              <a:t>associatives</a:t>
             </a:r>
             <a:r>
               <a:rPr lang="de-DE" dirty="0"/>
-              <a:t> de </a:t>
+              <a:t> des </a:t>
             </a:r>
             <a:r>
               <a:rPr lang="de-DE" dirty="0" err="1"/>
-              <a:t>table</a:t>
+              <a:t>tables</a:t>
             </a:r>
             <a:endParaRPr lang="de-DE" dirty="0"/>
           </a:p>
@@ -11519,8 +11993,13 @@
             </a:pPr>
             <a:r>
               <a:rPr lang="de-DE" dirty="0"/>
-              <a:t>Controller</a:t>
-            </a:r>
+              <a:t>Controller </a:t>
+            </a:r>
+            <a:r>
+              <a:rPr lang="de-DE" dirty="0" err="1"/>
+              <a:t>AvisController</a:t>
+            </a:r>
+            <a:endParaRPr lang="de-DE" dirty="0"/>
           </a:p>
           <a:p>
             <a:pPr marL="400050" indent="-400050">
@@ -11528,8 +12007,12 @@
               <a:buAutoNum type="romanUcPeriod"/>
             </a:pPr>
             <a:r>
+              <a:rPr lang="de-DE" dirty="0" err="1"/>
+              <a:t>Templating</a:t>
+            </a:r>
+            <a:r>
               <a:rPr lang="de-DE" dirty="0"/>
-              <a:t>Template code </a:t>
+              <a:t> </a:t>
             </a:r>
           </a:p>
           <a:p>
@@ -11539,11 +12022,19 @@
             </a:pPr>
             <a:r>
               <a:rPr lang="de-DE" dirty="0"/>
-              <a:t>Security par </a:t>
+              <a:t>La </a:t>
             </a:r>
             <a:r>
               <a:rPr lang="de-DE" dirty="0" err="1"/>
-              <a:t>symfony</a:t>
+              <a:t>sécurité</a:t>
+            </a:r>
+            <a:r>
+              <a:rPr lang="de-DE" dirty="0"/>
+              <a:t> par </a:t>
+            </a:r>
+            <a:r>
+              <a:rPr lang="de-DE" dirty="0" err="1"/>
+              <a:t>Symfony</a:t>
             </a:r>
             <a:endParaRPr lang="de-DE" dirty="0"/>
           </a:p>
@@ -11553,38 +12044,10 @@
               <a:buAutoNum type="romanUcPeriod"/>
             </a:pPr>
             <a:r>
-              <a:rPr lang="de-DE" sz="1800" dirty="0">
-                <a:solidFill>
-                  <a:srgbClr val="000000"/>
-                </a:solidFill>
-                <a:effectLst/>
-                <a:latin typeface="Calibri" panose="020F0502020204030204" pitchFamily="34" charset="0"/>
-                <a:ea typeface="Calibri" panose="020F0502020204030204" pitchFamily="34" charset="0"/>
-              </a:rPr>
-              <a:t>Partie Front (HTML/CSS)</a:t>
-            </a:r>
-          </a:p>
-          <a:p>
-            <a:pPr marL="400050" indent="-400050">
-              <a:buFont typeface="+mj-lt"/>
-              <a:buAutoNum type="romanUcPeriod"/>
-            </a:pPr>
-            <a:r>
-              <a:rPr lang="de-DE" dirty="0"/>
-              <a:t>L</a:t>
-            </a:r>
-            <a:r>
-              <a:rPr lang="fr-FR" dirty="0"/>
-              <a:t>’</a:t>
-            </a:r>
-            <a:r>
               <a:rPr lang="de-DE" dirty="0" err="1"/>
-              <a:t>amélioration</a:t>
-            </a:r>
-            <a:r>
-              <a:rPr lang="de-DE" dirty="0"/>
-              <a:t> à faire </a:t>
-            </a:r>
+              <a:t>Améliorations</a:t>
+            </a:r>
+            <a:endParaRPr lang="de-DE" dirty="0"/>
           </a:p>
           <a:p>
             <a:pPr marL="400050" indent="-400050">
@@ -11644,7 +12107,7 @@
         <p:spPr>
           <a:xfrm>
             <a:off x="795866" y="1052605"/>
-            <a:ext cx="6096000" cy="3970318"/>
+            <a:ext cx="6096000" cy="2031325"/>
           </a:xfrm>
           <a:prstGeom prst="rect">
             <a:avLst/>
@@ -11662,75 +12125,7 @@
                 <a:effectLst/>
                 <a:latin typeface="Arial" panose="020B0604020202020204" pitchFamily="34" charset="0"/>
               </a:rPr>
-              <a:t>«</a:t>
-            </a:r>
-            <a:r>
-              <a:rPr lang="fr-FR" b="0" i="0" dirty="0" err="1">
-                <a:effectLst/>
-                <a:latin typeface="Arial" panose="020B0604020202020204" pitchFamily="34" charset="0"/>
-              </a:rPr>
-              <a:t>Laravelrend</a:t>
-            </a:r>
-            <a:r>
-              <a:rPr lang="fr-FR" b="0" i="0" dirty="0">
-                <a:effectLst/>
-                <a:latin typeface="Arial" panose="020B0604020202020204" pitchFamily="34" charset="0"/>
-              </a:rPr>
-              <a:t> facile la protection de votre application provenant des attaques CSRF(Cross-</a:t>
-            </a:r>
-            <a:r>
-              <a:rPr lang="fr-FR" b="0" i="0" dirty="0" err="1">
-                <a:effectLst/>
-                <a:latin typeface="Arial" panose="020B0604020202020204" pitchFamily="34" charset="0"/>
-              </a:rPr>
-              <a:t>SiteRequestForgery</a:t>
-            </a:r>
-            <a:r>
-              <a:rPr lang="fr-FR" b="0" i="0" dirty="0">
-                <a:effectLst/>
-                <a:latin typeface="Arial" panose="020B0604020202020204" pitchFamily="34" charset="0"/>
-              </a:rPr>
-              <a:t>).</a:t>
-            </a:r>
-          </a:p>
-          <a:p>
-            <a:endParaRPr lang="fr-FR" b="0" i="0" dirty="0">
-              <a:effectLst/>
-              <a:latin typeface="Arial" panose="020B0604020202020204" pitchFamily="34" charset="0"/>
-            </a:endParaRPr>
-          </a:p>
-          <a:p>
-            <a:r>
-              <a:rPr lang="fr-FR" b="0" i="0" dirty="0">
-                <a:effectLst/>
-                <a:latin typeface="Arial" panose="020B0604020202020204" pitchFamily="34" charset="0"/>
-              </a:rPr>
-              <a:t>CSRF est un type de malice qui permet d’exploiter des commandes non autorisé d’un compte utilisateur connecté. </a:t>
-            </a:r>
-          </a:p>
-          <a:p>
-            <a:r>
-              <a:rPr lang="fr-FR" b="0" i="0" dirty="0" err="1">
-                <a:effectLst/>
-                <a:latin typeface="Arial" panose="020B0604020202020204" pitchFamily="34" charset="0"/>
-              </a:rPr>
-              <a:t>Laravel</a:t>
-            </a:r>
-            <a:r>
-              <a:rPr lang="fr-FR" b="0" i="0" dirty="0">
-                <a:effectLst/>
-                <a:latin typeface="Arial" panose="020B0604020202020204" pitchFamily="34" charset="0"/>
-              </a:rPr>
-              <a:t> génère automatiquement un «jeton»</a:t>
-            </a:r>
-          </a:p>
-          <a:p>
-            <a:r>
-              <a:rPr lang="fr-FR" b="0" i="0" dirty="0">
-                <a:effectLst/>
-                <a:latin typeface="Arial" panose="020B0604020202020204" pitchFamily="34" charset="0"/>
-              </a:rPr>
-              <a:t>CSRF pour chaque session d’utilisateur géré par l’application. </a:t>
+              <a:t>CSRF est un type de malice qui permet d’exploiter des commandes non-autorisées d’un compte utilisateur connecté. </a:t>
             </a:r>
           </a:p>
           <a:p>
@@ -11811,240 +12206,6 @@
           </a:p>
         </p:txBody>
       </p:sp>
-      <p:sp>
-        <p:nvSpPr>
-          <p:cNvPr id="6" name="ZoneTexte 5">
-            <a:extLst>
-              <a:ext uri="{FF2B5EF4-FFF2-40B4-BE49-F238E27FC236}">
-                <a16:creationId xmlns:a16="http://schemas.microsoft.com/office/drawing/2014/main" id="{BB2B6759-EC9C-45B2-8F79-E1A953F7860C}"/>
-              </a:ext>
-            </a:extLst>
-          </p:cNvPr>
-          <p:cNvSpPr txBox="1"/>
-          <p:nvPr/>
-        </p:nvSpPr>
-        <p:spPr>
-          <a:xfrm>
-            <a:off x="6485467" y="834535"/>
-            <a:ext cx="5706533" cy="1477328"/>
-          </a:xfrm>
-          <a:prstGeom prst="rect">
-            <a:avLst/>
-          </a:prstGeom>
-          <a:noFill/>
-        </p:spPr>
-        <p:txBody>
-          <a:bodyPr wrap="square">
-            <a:spAutoFit/>
-          </a:bodyPr>
-          <a:lstStyle/>
-          <a:p>
-            <a:r>
-              <a:rPr lang="fr-FR" b="0" i="0" dirty="0" err="1">
-                <a:effectLst/>
-                <a:latin typeface="Arial" panose="020B0604020202020204" pitchFamily="34" charset="0"/>
-              </a:rPr>
-              <a:t>Validates</a:t>
-            </a:r>
-            <a:r>
-              <a:rPr lang="fr-FR" b="0" i="0" dirty="0">
-                <a:effectLst/>
-                <a:latin typeface="Arial" panose="020B0604020202020204" pitchFamily="34" charset="0"/>
-              </a:rPr>
-              <a:t> </a:t>
-            </a:r>
-            <a:r>
-              <a:rPr lang="fr-FR" b="0" i="0" dirty="0" err="1">
-                <a:effectLst/>
-                <a:latin typeface="Arial" panose="020B0604020202020204" pitchFamily="34" charset="0"/>
-              </a:rPr>
-              <a:t>Requests</a:t>
-            </a:r>
-            <a:r>
-              <a:rPr lang="fr-FR" b="0" i="0" dirty="0">
-                <a:effectLst/>
-                <a:latin typeface="Arial" panose="020B0604020202020204" pitchFamily="34" charset="0"/>
-              </a:rPr>
-              <a:t> </a:t>
-            </a:r>
-            <a:r>
-              <a:rPr lang="fr-FR" b="0" i="0" dirty="0" err="1">
-                <a:effectLst/>
-                <a:latin typeface="Arial" panose="020B0604020202020204" pitchFamily="34" charset="0"/>
-              </a:rPr>
-              <a:t>dontétendentles</a:t>
-            </a:r>
-            <a:r>
-              <a:rPr lang="fr-FR" b="0" i="0" dirty="0">
-                <a:effectLst/>
-                <a:latin typeface="Arial" panose="020B0604020202020204" pitchFamily="34" charset="0"/>
-              </a:rPr>
-              <a:t> Controller à leur création, ce trait sert à gérer les conditions pour qu’un formulaire puisse être valide il va donne une </a:t>
-            </a:r>
-            <a:r>
-              <a:rPr lang="fr-FR" b="0" i="0" dirty="0" err="1">
-                <a:effectLst/>
-                <a:latin typeface="Arial" panose="020B0604020202020204" pitchFamily="34" charset="0"/>
-              </a:rPr>
-              <a:t>nofication</a:t>
-            </a:r>
-            <a:r>
-              <a:rPr lang="fr-FR" b="0" i="0" dirty="0">
-                <a:effectLst/>
-                <a:latin typeface="Arial" panose="020B0604020202020204" pitchFamily="34" charset="0"/>
-              </a:rPr>
-              <a:t> qui dit : le champ n'est pas valide et il y a aussi le </a:t>
-            </a:r>
-            <a:r>
-              <a:rPr lang="fr-FR" b="0" i="0" dirty="0" err="1">
-                <a:effectLst/>
-                <a:latin typeface="Arial" panose="020B0604020202020204" pitchFamily="34" charset="0"/>
-              </a:rPr>
-              <a:t>scrutiy</a:t>
-            </a:r>
-            <a:r>
-              <a:rPr lang="fr-FR" b="0" i="0" dirty="0">
-                <a:effectLst/>
-                <a:latin typeface="Arial" panose="020B0604020202020204" pitchFamily="34" charset="0"/>
-              </a:rPr>
-              <a:t> de champ obligatoire</a:t>
-            </a:r>
-            <a:endParaRPr lang="de-DE" dirty="0"/>
-          </a:p>
-        </p:txBody>
-      </p:sp>
-      <p:sp>
-        <p:nvSpPr>
-          <p:cNvPr id="8" name="ZoneTexte 7">
-            <a:extLst>
-              <a:ext uri="{FF2B5EF4-FFF2-40B4-BE49-F238E27FC236}">
-                <a16:creationId xmlns:a16="http://schemas.microsoft.com/office/drawing/2014/main" id="{F75C5F9D-0A8F-484F-A95E-24373E4C2F74}"/>
-              </a:ext>
-            </a:extLst>
-          </p:cNvPr>
-          <p:cNvSpPr txBox="1"/>
-          <p:nvPr/>
-        </p:nvSpPr>
-        <p:spPr>
-          <a:xfrm>
-            <a:off x="795866" y="5377134"/>
-            <a:ext cx="6096000" cy="646331"/>
-          </a:xfrm>
-          <a:prstGeom prst="rect">
-            <a:avLst/>
-          </a:prstGeom>
-          <a:noFill/>
-        </p:spPr>
-        <p:txBody>
-          <a:bodyPr wrap="square">
-            <a:spAutoFit/>
-          </a:bodyPr>
-          <a:lstStyle/>
-          <a:p>
-            <a:r>
-              <a:rPr lang="de-DE" b="1" i="0" dirty="0" err="1">
-                <a:effectLst/>
-                <a:latin typeface="Arial" panose="020B0604020202020204" pitchFamily="34" charset="0"/>
-              </a:rPr>
-              <a:t>j’ai</a:t>
-            </a:r>
-            <a:r>
-              <a:rPr lang="de-DE" b="1" i="0" dirty="0">
-                <a:effectLst/>
-                <a:latin typeface="Arial" panose="020B0604020202020204" pitchFamily="34" charset="0"/>
-              </a:rPr>
-              <a:t> </a:t>
-            </a:r>
-            <a:r>
-              <a:rPr lang="de-DE" b="1" i="0" dirty="0" err="1">
-                <a:effectLst/>
-                <a:latin typeface="Arial" panose="020B0604020202020204" pitchFamily="34" charset="0"/>
-              </a:rPr>
-              <a:t>parlé</a:t>
-            </a:r>
-            <a:r>
-              <a:rPr lang="de-DE" b="1" i="0" dirty="0">
-                <a:effectLst/>
-                <a:latin typeface="Arial" panose="020B0604020202020204" pitchFamily="34" charset="0"/>
-              </a:rPr>
-              <a:t> du </a:t>
-            </a:r>
-            <a:r>
-              <a:rPr lang="de-DE" b="1" i="0" dirty="0" err="1">
-                <a:effectLst/>
-                <a:latin typeface="Arial" panose="020B0604020202020204" pitchFamily="34" charset="0"/>
-              </a:rPr>
-              <a:t>token</a:t>
-            </a:r>
-            <a:r>
-              <a:rPr lang="de-DE" b="1" i="0" dirty="0">
-                <a:effectLst/>
-                <a:latin typeface="Arial" panose="020B0604020202020204" pitchFamily="34" charset="0"/>
-              </a:rPr>
-              <a:t> CSRF </a:t>
-            </a:r>
-            <a:r>
-              <a:rPr lang="de-DE" b="1" i="0" dirty="0" err="1">
-                <a:effectLst/>
-                <a:latin typeface="Arial" panose="020B0604020202020204" pitchFamily="34" charset="0"/>
-              </a:rPr>
-              <a:t>mais</a:t>
-            </a:r>
-            <a:r>
-              <a:rPr lang="de-DE" b="1" i="0" dirty="0">
-                <a:effectLst/>
-                <a:latin typeface="Arial" panose="020B0604020202020204" pitchFamily="34" charset="0"/>
-              </a:rPr>
-              <a:t> , </a:t>
-            </a:r>
-          </a:p>
-          <a:p>
-            <a:r>
-              <a:rPr lang="de-DE" b="1" i="0" dirty="0">
-                <a:effectLst/>
-                <a:latin typeface="Arial" panose="020B0604020202020204" pitchFamily="34" charset="0"/>
-              </a:rPr>
-              <a:t>Il en </a:t>
-            </a:r>
-            <a:r>
-              <a:rPr lang="de-DE" b="1" i="0" dirty="0" err="1">
-                <a:effectLst/>
-                <a:latin typeface="Arial" panose="020B0604020202020204" pitchFamily="34" charset="0"/>
-              </a:rPr>
-              <a:t>existe</a:t>
-            </a:r>
-            <a:r>
-              <a:rPr lang="de-DE" b="1" i="0" dirty="0">
-                <a:effectLst/>
-                <a:latin typeface="Arial" panose="020B0604020202020204" pitchFamily="34" charset="0"/>
-              </a:rPr>
-              <a:t> </a:t>
-            </a:r>
-            <a:r>
-              <a:rPr lang="de-DE" b="1" i="0" dirty="0" err="1">
-                <a:effectLst/>
-                <a:latin typeface="Arial" panose="020B0604020202020204" pitchFamily="34" charset="0"/>
-              </a:rPr>
-              <a:t>d’autres</a:t>
-            </a:r>
-            <a:r>
-              <a:rPr lang="de-DE" b="1" i="0" dirty="0">
-                <a:effectLst/>
-                <a:latin typeface="Arial" panose="020B0604020202020204" pitchFamily="34" charset="0"/>
-              </a:rPr>
-              <a:t> </a:t>
-            </a:r>
-            <a:r>
-              <a:rPr lang="de-DE" b="1" i="0" dirty="0" err="1">
-                <a:effectLst/>
-                <a:latin typeface="Arial" panose="020B0604020202020204" pitchFamily="34" charset="0"/>
-              </a:rPr>
-              <a:t>security</a:t>
-            </a:r>
-            <a:endParaRPr lang="de-DE" b="1" dirty="0"/>
-          </a:p>
-        </p:txBody>
-      </p:sp>
       <p:pic>
         <p:nvPicPr>
           <p:cNvPr id="10" name="Image 9">
@@ -12060,15 +12221,15 @@
           <p:nvPr/>
         </p:nvPicPr>
         <p:blipFill>
-          <a:blip r:embed="rId2"/>
+          <a:blip r:embed="rId3"/>
           <a:stretch>
             <a:fillRect/>
           </a:stretch>
         </p:blipFill>
         <p:spPr>
           <a:xfrm>
-            <a:off x="7277417" y="2878198"/>
-            <a:ext cx="4351865" cy="1519460"/>
+            <a:off x="4114799" y="3774070"/>
+            <a:ext cx="7223537" cy="1805847"/>
           </a:xfrm>
           <a:prstGeom prst="rect">
             <a:avLst/>
@@ -12197,7 +12358,7 @@
                             </p:stCondLst>
                             <p:childTnLst>
                               <p:par>
-                                <p:cTn id="11" presetID="42" presetClass="entr" presetSubtype="0" fill="hold" grpId="0" nodeType="clickEffect">
+                                <p:cTn id="11" presetID="6" presetClass="entr" presetSubtype="16" fill="hold" nodeType="clickEffect">
                                   <p:stCondLst>
                                     <p:cond delay="0"/>
                                   </p:stCondLst>
@@ -12210,158 +12371,6 @@
                                           </p:stCondLst>
                                         </p:cTn>
                                         <p:tgtEl>
-                                          <p:spTgt spid="8"/>
-                                        </p:tgtEl>
-                                        <p:attrNameLst>
-                                          <p:attrName>style.visibility</p:attrName>
-                                        </p:attrNameLst>
-                                      </p:cBhvr>
-                                      <p:to>
-                                        <p:strVal val="visible"/>
-                                      </p:to>
-                                    </p:set>
-                                    <p:animEffect transition="in" filter="fade">
-                                      <p:cBhvr>
-                                        <p:cTn id="13" dur="1000"/>
-                                        <p:tgtEl>
-                                          <p:spTgt spid="8"/>
-                                        </p:tgtEl>
-                                      </p:cBhvr>
-                                    </p:animEffect>
-                                    <p:anim calcmode="lin" valueType="num">
-                                      <p:cBhvr>
-                                        <p:cTn id="14" dur="1000" fill="hold"/>
-                                        <p:tgtEl>
-                                          <p:spTgt spid="8"/>
-                                        </p:tgtEl>
-                                        <p:attrNameLst>
-                                          <p:attrName>ppt_x</p:attrName>
-                                        </p:attrNameLst>
-                                      </p:cBhvr>
-                                      <p:tavLst>
-                                        <p:tav tm="0">
-                                          <p:val>
-                                            <p:strVal val="#ppt_x"/>
-                                          </p:val>
-                                        </p:tav>
-                                        <p:tav tm="100000">
-                                          <p:val>
-                                            <p:strVal val="#ppt_x"/>
-                                          </p:val>
-                                        </p:tav>
-                                      </p:tavLst>
-                                    </p:anim>
-                                    <p:anim calcmode="lin" valueType="num">
-                                      <p:cBhvr>
-                                        <p:cTn id="15" dur="1000" fill="hold"/>
-                                        <p:tgtEl>
-                                          <p:spTgt spid="8"/>
-                                        </p:tgtEl>
-                                        <p:attrNameLst>
-                                          <p:attrName>ppt_y</p:attrName>
-                                        </p:attrNameLst>
-                                      </p:cBhvr>
-                                      <p:tavLst>
-                                        <p:tav tm="0">
-                                          <p:val>
-                                            <p:strVal val="#ppt_y+.1"/>
-                                          </p:val>
-                                        </p:tav>
-                                        <p:tav tm="100000">
-                                          <p:val>
-                                            <p:strVal val="#ppt_y"/>
-                                          </p:val>
-                                        </p:tav>
-                                      </p:tavLst>
-                                    </p:anim>
-                                  </p:childTnLst>
-                                </p:cTn>
-                              </p:par>
-                            </p:childTnLst>
-                          </p:cTn>
-                        </p:par>
-                      </p:childTnLst>
-                    </p:cTn>
-                  </p:par>
-                  <p:par>
-                    <p:cTn id="16" fill="hold">
-                      <p:stCondLst>
-                        <p:cond delay="indefinite"/>
-                      </p:stCondLst>
-                      <p:childTnLst>
-                        <p:par>
-                          <p:cTn id="17" fill="hold">
-                            <p:stCondLst>
-                              <p:cond delay="0"/>
-                            </p:stCondLst>
-                            <p:childTnLst>
-                              <p:par>
-                                <p:cTn id="18" presetID="22" presetClass="entr" presetSubtype="4" fill="hold" grpId="0" nodeType="clickEffect">
-                                  <p:stCondLst>
-                                    <p:cond delay="0"/>
-                                  </p:stCondLst>
-                                  <p:childTnLst>
-                                    <p:set>
-                                      <p:cBhvr>
-                                        <p:cTn id="19" dur="1" fill="hold">
-                                          <p:stCondLst>
-                                            <p:cond delay="0"/>
-                                          </p:stCondLst>
-                                        </p:cTn>
-                                        <p:tgtEl>
-                                          <p:spTgt spid="6"/>
-                                        </p:tgtEl>
-                                        <p:attrNameLst>
-                                          <p:attrName>style.visibility</p:attrName>
-                                        </p:attrNameLst>
-                                      </p:cBhvr>
-                                      <p:to>
-                                        <p:strVal val="visible"/>
-                                      </p:to>
-                                    </p:set>
-                                    <p:animEffect transition="in" filter="wipe(down)">
-                                      <p:cBhvr>
-                                        <p:cTn id="20" dur="500"/>
-                                        <p:tgtEl>
-                                          <p:spTgt spid="6"/>
-                                        </p:tgtEl>
-                                      </p:cBhvr>
-                                    </p:animEffect>
-                                  </p:childTnLst>
-                                </p:cTn>
-                              </p:par>
-                            </p:childTnLst>
-                          </p:cTn>
-                        </p:par>
-                      </p:childTnLst>
-                    </p:cTn>
-                  </p:par>
-                  <p:par>
-                    <p:cTn id="21" fill="hold">
-                      <p:stCondLst>
-                        <p:cond delay="indefinite"/>
-                      </p:stCondLst>
-                      <p:childTnLst>
-                        <p:par>
-                          <p:cTn id="22" fill="hold">
-                            <p:stCondLst>
-                              <p:cond delay="0"/>
-                            </p:stCondLst>
-                            <p:childTnLst>
-                              <p:par>
-                                <p:cTn id="23" presetID="6" presetClass="entr" presetSubtype="16" fill="hold" nodeType="clickEffect">
-                                  <p:stCondLst>
-                                    <p:cond delay="0"/>
-                                  </p:stCondLst>
-                                  <p:childTnLst>
-                                    <p:set>
-                                      <p:cBhvr>
-                                        <p:cTn id="24" dur="1" fill="hold">
-                                          <p:stCondLst>
-                                            <p:cond delay="0"/>
-                                          </p:stCondLst>
-                                        </p:cTn>
-                                        <p:tgtEl>
                                           <p:spTgt spid="10"/>
                                         </p:tgtEl>
                                         <p:attrNameLst>
@@ -12374,7 +12383,7 @@
                                     </p:set>
                                     <p:animEffect transition="in" filter="circle(in)">
                                       <p:cBhvr>
-                                        <p:cTn id="25" dur="2000"/>
+                                        <p:cTn id="13" dur="2000"/>
                                         <p:tgtEl>
                                           <p:spTgt spid="10"/>
                                         </p:tgtEl>
@@ -12412,379 +12421,12 @@
     </p:tnLst>
     <p:bldLst>
       <p:bldP spid="3" grpId="0"/>
-      <p:bldP spid="6" grpId="0"/>
-      <p:bldP spid="8" grpId="0"/>
     </p:bldLst>
   </p:timing>
 </p:sld>
 </file>
 
 <file path=ppt/slides/slide21.xml><?xml version="1.0" encoding="utf-8"?>
-<p:sld xmlns:a="http://schemas.openxmlformats.org/drawingml/2006/main" xmlns:r="http://schemas.openxmlformats.org/officeDocument/2006/relationships" xmlns:p="http://schemas.openxmlformats.org/presentationml/2006/main">
-  <p:cSld>
-    <p:spTree>
-      <p:nvGrpSpPr>
-        <p:cNvPr id="1" name=""/>
-        <p:cNvGrpSpPr/>
-        <p:nvPr/>
-      </p:nvGrpSpPr>
-      <p:grpSpPr>
-        <a:xfrm>
-          <a:off x="0" y="0"/>
-          <a:ext cx="0" cy="0"/>
-          <a:chOff x="0" y="0"/>
-          <a:chExt cx="0" cy="0"/>
-        </a:xfrm>
-      </p:grpSpPr>
-      <p:pic>
-        <p:nvPicPr>
-          <p:cNvPr id="3" name="Image 2" descr="Une image contenant texte&#10;&#10;Description générée automatiquement">
-            <a:extLst>
-              <a:ext uri="{FF2B5EF4-FFF2-40B4-BE49-F238E27FC236}">
-                <a16:creationId xmlns:a16="http://schemas.microsoft.com/office/drawing/2014/main" id="{1468AA26-A918-4E30-846F-D3EBC2E6321B}"/>
-              </a:ext>
-            </a:extLst>
-          </p:cNvPr>
-          <p:cNvPicPr>
-            <a:picLocks noChangeAspect="1"/>
-          </p:cNvPicPr>
-          <p:nvPr/>
-        </p:nvPicPr>
-        <p:blipFill>
-          <a:blip r:embed="rId2"/>
-          <a:stretch>
-            <a:fillRect/>
-          </a:stretch>
-        </p:blipFill>
-        <p:spPr>
-          <a:xfrm>
-            <a:off x="240030" y="1405467"/>
-            <a:ext cx="4309110" cy="5288125"/>
-          </a:xfrm>
-          <a:prstGeom prst="rect">
-            <a:avLst/>
-          </a:prstGeom>
-        </p:spPr>
-      </p:pic>
-      <p:pic>
-        <p:nvPicPr>
-          <p:cNvPr id="7" name="Image 6">
-            <a:extLst>
-              <a:ext uri="{FF2B5EF4-FFF2-40B4-BE49-F238E27FC236}">
-                <a16:creationId xmlns:a16="http://schemas.microsoft.com/office/drawing/2014/main" id="{BB98B91F-B225-4A55-94FF-7E3FF1B8A908}"/>
-              </a:ext>
-            </a:extLst>
-          </p:cNvPr>
-          <p:cNvPicPr>
-            <a:picLocks noChangeAspect="1"/>
-          </p:cNvPicPr>
-          <p:nvPr/>
-        </p:nvPicPr>
-        <p:blipFill>
-          <a:blip r:embed="rId3"/>
-          <a:stretch>
-            <a:fillRect/>
-          </a:stretch>
-        </p:blipFill>
-        <p:spPr>
-          <a:xfrm>
-            <a:off x="4549140" y="1557867"/>
-            <a:ext cx="7642860" cy="5135725"/>
-          </a:xfrm>
-          <a:prstGeom prst="rect">
-            <a:avLst/>
-          </a:prstGeom>
-        </p:spPr>
-      </p:pic>
-      <p:sp>
-        <p:nvSpPr>
-          <p:cNvPr id="8" name="ZoneTexte 7">
-            <a:extLst>
-              <a:ext uri="{FF2B5EF4-FFF2-40B4-BE49-F238E27FC236}">
-                <a16:creationId xmlns:a16="http://schemas.microsoft.com/office/drawing/2014/main" id="{0578EB04-B7F4-456C-967C-C0EB98209B44}"/>
-              </a:ext>
-            </a:extLst>
-          </p:cNvPr>
-          <p:cNvSpPr txBox="1"/>
-          <p:nvPr/>
-        </p:nvSpPr>
-        <p:spPr>
-          <a:xfrm>
-            <a:off x="102870" y="400050"/>
-            <a:ext cx="2746714" cy="369332"/>
-          </a:xfrm>
-          <a:prstGeom prst="rect">
-            <a:avLst/>
-          </a:prstGeom>
-          <a:noFill/>
-        </p:spPr>
-        <p:txBody>
-          <a:bodyPr wrap="none" rtlCol="0">
-            <a:spAutoFit/>
-          </a:bodyPr>
-          <a:lstStyle/>
-          <a:p>
-            <a:pPr marL="285750" indent="-285750">
-              <a:buFont typeface="Wingdings" panose="05000000000000000000" pitchFamily="2" charset="2"/>
-              <a:buChar char="v"/>
-            </a:pPr>
-            <a:r>
-              <a:rPr lang="de-DE" sz="1800" dirty="0">
-                <a:solidFill>
-                  <a:srgbClr val="000000"/>
-                </a:solidFill>
-                <a:effectLst/>
-                <a:latin typeface="Calibri" panose="020F0502020204030204" pitchFamily="34" charset="0"/>
-                <a:ea typeface="Calibri" panose="020F0502020204030204" pitchFamily="34" charset="0"/>
-              </a:rPr>
-              <a:t>Partie Front (HTML/CSS)</a:t>
-            </a:r>
-            <a:endParaRPr lang="de-DE" dirty="0"/>
-          </a:p>
-        </p:txBody>
-      </p:sp>
-    </p:spTree>
-    <p:extLst>
-      <p:ext uri="{BB962C8B-B14F-4D97-AF65-F5344CB8AC3E}">
-        <p14:creationId xmlns:p14="http://schemas.microsoft.com/office/powerpoint/2010/main" val="1089297838"/>
-      </p:ext>
-    </p:extLst>
-  </p:cSld>
-  <p:clrMapOvr>
-    <a:masterClrMapping/>
-  </p:clrMapOvr>
-  <p:timing>
-    <p:tnLst>
-      <p:par>
-        <p:cTn id="1" dur="indefinite" restart="never" nodeType="tmRoot">
-          <p:childTnLst>
-            <p:seq concurrent="1" nextAc="seek">
-              <p:cTn id="2" dur="indefinite" nodeType="mainSeq">
-                <p:childTnLst>
-                  <p:par>
-                    <p:cTn id="3" fill="hold">
-                      <p:stCondLst>
-                        <p:cond delay="indefinite"/>
-                      </p:stCondLst>
-                      <p:childTnLst>
-                        <p:par>
-                          <p:cTn id="4" fill="hold">
-                            <p:stCondLst>
-                              <p:cond delay="0"/>
-                            </p:stCondLst>
-                            <p:childTnLst>
-                              <p:par>
-                                <p:cTn id="5" presetID="42" presetClass="entr" presetSubtype="0" fill="hold" nodeType="clickEffect">
-                                  <p:stCondLst>
-                                    <p:cond delay="0"/>
-                                  </p:stCondLst>
-                                  <p:childTnLst>
-                                    <p:set>
-                                      <p:cBhvr>
-                                        <p:cTn id="6" dur="1" fill="hold">
-                                          <p:stCondLst>
-                                            <p:cond delay="0"/>
-                                          </p:stCondLst>
-                                        </p:cTn>
-                                        <p:tgtEl>
-                                          <p:spTgt spid="3"/>
-                                        </p:tgtEl>
-                                        <p:attrNameLst>
-                                          <p:attrName>style.visibility</p:attrName>
-                                        </p:attrNameLst>
-                                      </p:cBhvr>
-                                      <p:to>
-                                        <p:strVal val="visible"/>
-                                      </p:to>
-                                    </p:set>
-                                    <p:animEffect transition="in" filter="fade">
-                                      <p:cBhvr>
-                                        <p:cTn id="7" dur="1000"/>
-                                        <p:tgtEl>
-                                          <p:spTgt spid="3"/>
-                                        </p:tgtEl>
-                                      </p:cBhvr>
-                                    </p:animEffect>
-                                    <p:anim calcmode="lin" valueType="num">
-                                      <p:cBhvr>
-                                        <p:cTn id="8" dur="1000" fill="hold"/>
-                                        <p:tgtEl>
-                                          <p:spTgt spid="3"/>
-                                        </p:tgtEl>
-                                        <p:attrNameLst>
-                                          <p:attrName>ppt_x</p:attrName>
-                                        </p:attrNameLst>
-                                      </p:cBhvr>
-                                      <p:tavLst>
-                                        <p:tav tm="0">
-                                          <p:val>
-                                            <p:strVal val="#ppt_x"/>
-                                          </p:val>
-                                        </p:tav>
-                                        <p:tav tm="100000">
-                                          <p:val>
-                                            <p:strVal val="#ppt_x"/>
-                                          </p:val>
-                                        </p:tav>
-                                      </p:tavLst>
-                                    </p:anim>
-                                    <p:anim calcmode="lin" valueType="num">
-                                      <p:cBhvr>
-                                        <p:cTn id="9" dur="1000" fill="hold"/>
-                                        <p:tgtEl>
-                                          <p:spTgt spid="3"/>
-                                        </p:tgtEl>
-                                        <p:attrNameLst>
-                                          <p:attrName>ppt_y</p:attrName>
-                                        </p:attrNameLst>
-                                      </p:cBhvr>
-                                      <p:tavLst>
-                                        <p:tav tm="0">
-                                          <p:val>
-                                            <p:strVal val="#ppt_y+.1"/>
-                                          </p:val>
-                                        </p:tav>
-                                        <p:tav tm="100000">
-                                          <p:val>
-                                            <p:strVal val="#ppt_y"/>
-                                          </p:val>
-                                        </p:tav>
-                                      </p:tavLst>
-                                    </p:anim>
-                                  </p:childTnLst>
-                                </p:cTn>
-                              </p:par>
-                            </p:childTnLst>
-                          </p:cTn>
-                        </p:par>
-                      </p:childTnLst>
-                    </p:cTn>
-                  </p:par>
-                  <p:par>
-                    <p:cTn id="10" fill="hold">
-                      <p:stCondLst>
-                        <p:cond delay="indefinite"/>
-                      </p:stCondLst>
-                      <p:childTnLst>
-                        <p:par>
-                          <p:cTn id="11" fill="hold">
-                            <p:stCondLst>
-                              <p:cond delay="0"/>
-                            </p:stCondLst>
-                            <p:childTnLst>
-                              <p:par>
-                                <p:cTn id="12" presetID="42" presetClass="entr" presetSubtype="0" fill="hold" nodeType="clickEffect">
-                                  <p:stCondLst>
-                                    <p:cond delay="0"/>
-                                  </p:stCondLst>
-                                  <p:childTnLst>
-                                    <p:set>
-                                      <p:cBhvr>
-                                        <p:cTn id="13" dur="1" fill="hold">
-                                          <p:stCondLst>
-                                            <p:cond delay="0"/>
-                                          </p:stCondLst>
-                                        </p:cTn>
-                                        <p:tgtEl>
-                                          <p:spTgt spid="7"/>
-                                        </p:tgtEl>
-                                        <p:attrNameLst>
-                                          <p:attrName>style.visibility</p:attrName>
-                                        </p:attrNameLst>
-                                      </p:cBhvr>
-                                      <p:to>
-                                        <p:strVal val="visible"/>
-                                      </p:to>
-                                    </p:set>
-                                    <p:animEffect transition="in" filter="fade">
-                                      <p:cBhvr>
-                                        <p:cTn id="14" dur="1000"/>
-                                        <p:tgtEl>
-                                          <p:spTgt spid="7"/>
-                                        </p:tgtEl>
-                                      </p:cBhvr>
-                                    </p:animEffect>
-                                    <p:anim calcmode="lin" valueType="num">
-                                      <p:cBhvr>
-                                        <p:cTn id="15" dur="1000" fill="hold"/>
-                                        <p:tgtEl>
-                                          <p:spTgt spid="7"/>
-                                        </p:tgtEl>
-                                        <p:attrNameLst>
-                                          <p:attrName>ppt_x</p:attrName>
-                                        </p:attrNameLst>
-                                      </p:cBhvr>
-                                      <p:tavLst>
-                                        <p:tav tm="0">
-                                          <p:val>
-                                            <p:strVal val="#ppt_x"/>
-                                          </p:val>
-                                        </p:tav>
-                                        <p:tav tm="100000">
-                                          <p:val>
-                                            <p:strVal val="#ppt_x"/>
-                                          </p:val>
-                                        </p:tav>
-                                      </p:tavLst>
-                                    </p:anim>
-                                    <p:anim calcmode="lin" valueType="num">
-                                      <p:cBhvr>
-                                        <p:cTn id="16" dur="1000" fill="hold"/>
-                                        <p:tgtEl>
-                                          <p:spTgt spid="7"/>
-                                        </p:tgtEl>
-                                        <p:attrNameLst>
-                                          <p:attrName>ppt_y</p:attrName>
-                                        </p:attrNameLst>
-                                      </p:cBhvr>
-                                      <p:tavLst>
-                                        <p:tav tm="0">
-                                          <p:val>
-                                            <p:strVal val="#ppt_y+.1"/>
-                                          </p:val>
-                                        </p:tav>
-                                        <p:tav tm="100000">
-                                          <p:val>
-                                            <p:strVal val="#ppt_y"/>
-                                          </p:val>
-                                        </p:tav>
-                                      </p:tavLst>
-                                    </p:anim>
-                                  </p:childTnLst>
-                                </p:cTn>
-                              </p:par>
-                            </p:childTnLst>
-                          </p:cTn>
-                        </p:par>
-                      </p:childTnLst>
-                    </p:cTn>
-                  </p:par>
-                </p:childTnLst>
-              </p:cTn>
-              <p:prevCondLst>
-                <p:cond evt="onPrev" delay="0">
-                  <p:tgtEl>
-                    <p:sldTgt/>
-                  </p:tgtEl>
-                </p:cond>
-              </p:prevCondLst>
-              <p:nextCondLst>
-                <p:cond evt="onNext" delay="0">
-                  <p:tgtEl>
-                    <p:sldTgt/>
-                  </p:tgtEl>
-                </p:cond>
-              </p:nextCondLst>
-            </p:seq>
-          </p:childTnLst>
-        </p:cTn>
-      </p:par>
-    </p:tnLst>
-  </p:timing>
-</p:sld>
-</file>
-
-<file path=ppt/slides/slide22.xml><?xml version="1.0" encoding="utf-8"?>
 <p:sld xmlns:a="http://schemas.openxmlformats.org/drawingml/2006/main" xmlns:r="http://schemas.openxmlformats.org/officeDocument/2006/relationships" xmlns:p="http://schemas.openxmlformats.org/presentationml/2006/main">
   <p:cSld>
     <p:spTree>
@@ -12815,8 +12457,8 @@
         </p:nvSpPr>
         <p:spPr>
           <a:xfrm>
-            <a:off x="1208722" y="2049489"/>
-            <a:ext cx="8918257" cy="1811265"/>
+            <a:off x="751522" y="345380"/>
+            <a:ext cx="10875905" cy="3016210"/>
           </a:xfrm>
           <a:prstGeom prst="rect">
             <a:avLst/>
@@ -12829,7 +12471,7 @@
           </a:bodyPr>
           <a:lstStyle/>
           <a:p>
-            <a:pPr marL="342900" lvl="0" indent="-342900" algn="ctr">
+            <a:pPr marL="342900" lvl="0" indent="-342900">
               <a:lnSpc>
                 <a:spcPct val="107000"/>
               </a:lnSpc>
@@ -12848,8 +12490,59 @@
                 <a:latin typeface="Calibri" panose="020F0502020204030204" pitchFamily="34" charset="0"/>
                 <a:ea typeface="Calibri" panose="020F0502020204030204" pitchFamily="34" charset="0"/>
               </a:rPr>
-              <a:t>L’Amélioration à faire</a:t>
-            </a:r>
+              <a:t>Améliorations</a:t>
+            </a:r>
+          </a:p>
+          <a:p>
+            <a:pPr marL="342900" lvl="0" indent="-342900">
+              <a:lnSpc>
+                <a:spcPct val="107000"/>
+              </a:lnSpc>
+              <a:spcAft>
+                <a:spcPts val="880"/>
+              </a:spcAft>
+              <a:buFont typeface="Wingdings" panose="05000000000000000000" pitchFamily="2" charset="2"/>
+              <a:buChar char="v"/>
+            </a:pPr>
+            <a:endParaRPr lang="fr-FR" sz="2000" b="1" kern="0" dirty="0">
+              <a:solidFill>
+                <a:srgbClr val="000000"/>
+              </a:solidFill>
+              <a:latin typeface="Calibri" panose="020F0502020204030204" pitchFamily="34" charset="0"/>
+              <a:ea typeface="Calibri" panose="020F0502020204030204" pitchFamily="34" charset="0"/>
+            </a:endParaRPr>
+          </a:p>
+          <a:p>
+            <a:pPr marL="342900" lvl="0" indent="-342900">
+              <a:lnSpc>
+                <a:spcPct val="107000"/>
+              </a:lnSpc>
+              <a:spcAft>
+                <a:spcPts val="880"/>
+              </a:spcAft>
+              <a:buFont typeface="Wingdings" panose="05000000000000000000" pitchFamily="2" charset="2"/>
+              <a:buChar char="v"/>
+            </a:pPr>
+            <a:endParaRPr lang="fr-FR" sz="2000" b="1" kern="0" dirty="0">
+              <a:solidFill>
+                <a:srgbClr val="000000"/>
+              </a:solidFill>
+              <a:effectLst/>
+              <a:latin typeface="Calibri" panose="020F0502020204030204" pitchFamily="34" charset="0"/>
+              <a:ea typeface="Calibri" panose="020F0502020204030204" pitchFamily="34" charset="0"/>
+            </a:endParaRPr>
+          </a:p>
+          <a:p>
+            <a:pPr marL="342900" lvl="0" indent="-342900">
+              <a:lnSpc>
+                <a:spcPct val="107000"/>
+              </a:lnSpc>
+              <a:spcAft>
+                <a:spcPts val="880"/>
+              </a:spcAft>
+              <a:buFont typeface="Wingdings" panose="05000000000000000000" pitchFamily="2" charset="2"/>
+              <a:buChar char="v"/>
+            </a:pPr>
             <a:endParaRPr lang="de-DE" sz="2000" b="1" kern="0" dirty="0">
               <a:solidFill>
                 <a:srgbClr val="000000"/>
@@ -12860,109 +12553,65 @@
             </a:endParaRPr>
           </a:p>
           <a:p>
-            <a:pPr marL="6350" marR="213995" indent="-6350" algn="ctr">
+            <a:pPr marL="717550" marR="213995" lvl="1" indent="-285750">
               <a:lnSpc>
                 <a:spcPct val="110000"/>
               </a:lnSpc>
               <a:spcAft>
                 <a:spcPts val="1190"/>
               </a:spcAft>
+              <a:buFont typeface="Arial" panose="020B0604020202020204" pitchFamily="34" charset="0"/>
+              <a:buChar char="•"/>
             </a:pPr>
             <a:r>
-              <a:rPr lang="fr-FR" sz="1400" b="1" dirty="0">
+              <a:rPr lang="fr-FR" sz="2400" b="1" dirty="0">
+                <a:solidFill>
+                  <a:srgbClr val="000000"/>
+                </a:solidFill>
+                <a:latin typeface="Calibri" panose="020F0502020204030204" pitchFamily="34" charset="0"/>
+                <a:ea typeface="Calibri" panose="020F0502020204030204" pitchFamily="34" charset="0"/>
+                <a:cs typeface="Calibri" panose="020F0502020204030204" pitchFamily="34" charset="0"/>
+              </a:rPr>
+              <a:t>Gestion des </a:t>
+            </a:r>
+            <a:r>
+              <a:rPr lang="fr-FR" sz="2400" b="1" dirty="0">
                 <a:solidFill>
                   <a:srgbClr val="000000"/>
                 </a:solidFill>
                 <a:effectLst/>
                 <a:latin typeface="Calibri" panose="020F0502020204030204" pitchFamily="34" charset="0"/>
                 <a:ea typeface="Calibri" panose="020F0502020204030204" pitchFamily="34" charset="0"/>
+                <a:cs typeface="Calibri" panose="020F0502020204030204" pitchFamily="34" charset="0"/>
               </a:rPr>
-              <a:t>Une page de </a:t>
-            </a:r>
-            <a:r>
-              <a:rPr lang="fr-FR" sz="1400" b="1" dirty="0" err="1">
-                <a:solidFill>
-                  <a:srgbClr val="000000"/>
-                </a:solidFill>
-                <a:effectLst/>
+              <a:t>favoris (Utilisateurs choisissant un modèle de voiture en favori)</a:t>
+            </a:r>
+          </a:p>
+          <a:p>
+            <a:pPr marL="717550" lvl="7" indent="-285750">
+              <a:buFont typeface="Arial" panose="020B0604020202020204" pitchFamily="34" charset="0"/>
+              <a:buChar char="•"/>
+            </a:pPr>
+            <a:r>
+              <a:rPr lang="fr-FR" sz="2400" b="1" dirty="0">
                 <a:latin typeface="Calibri" panose="020F0502020204030204" pitchFamily="34" charset="0"/>
-                <a:ea typeface="Calibri" panose="020F0502020204030204" pitchFamily="34" charset="0"/>
+                <a:cs typeface="Calibri" panose="020F0502020204030204" pitchFamily="34" charset="0"/>
               </a:rPr>
-              <a:t>list</a:t>
-            </a:r>
-            <a:r>
-              <a:rPr lang="fr-FR" sz="1400" b="1" dirty="0">
-                <a:solidFill>
-                  <a:srgbClr val="000000"/>
-                </a:solidFill>
-                <a:effectLst/>
+              <a:t>Amélioration de la partie </a:t>
+            </a:r>
+            <a:r>
+              <a:rPr lang="fr-FR" sz="2400" b="1" dirty="0" err="1">
                 <a:latin typeface="Calibri" panose="020F0502020204030204" pitchFamily="34" charset="0"/>
-                <a:ea typeface="Calibri" panose="020F0502020204030204" pitchFamily="34" charset="0"/>
+                <a:cs typeface="Calibri" panose="020F0502020204030204" pitchFamily="34" charset="0"/>
               </a:rPr>
-              <a:t>-favoris de voiture </a:t>
-            </a:r>
-          </a:p>
-          <a:p>
-            <a:pPr marL="6350" marR="213995" indent="-6350" algn="ctr">
-              <a:lnSpc>
-                <a:spcPct val="110000"/>
-              </a:lnSpc>
-              <a:spcAft>
-                <a:spcPts val="1190"/>
-              </a:spcAft>
-            </a:pPr>
-            <a:r>
-              <a:rPr lang="fr-FR" sz="1400" b="1" dirty="0">
-                <a:solidFill>
-                  <a:srgbClr val="000000"/>
-                </a:solidFill>
+              <a:t>front-end</a:t>
+            </a:r>
+            <a:r>
+              <a:rPr lang="fr-FR" sz="2400" b="1" dirty="0">
                 <a:latin typeface="Calibri" panose="020F0502020204030204" pitchFamily="34" charset="0"/>
-                <a:ea typeface="Calibri" panose="020F0502020204030204" pitchFamily="34" charset="0"/>
+                <a:cs typeface="Calibri" panose="020F0502020204030204" pitchFamily="34" charset="0"/>
               </a:rPr>
-              <a:t>Une page de de </a:t>
-            </a:r>
-            <a:r>
-              <a:rPr lang="fr-FR" sz="1400" b="1" dirty="0" err="1">
-                <a:solidFill>
-                  <a:srgbClr val="000000"/>
-                </a:solidFill>
-                <a:latin typeface="Calibri" panose="020F0502020204030204" pitchFamily="34" charset="0"/>
-                <a:ea typeface="Calibri" panose="020F0502020204030204" pitchFamily="34" charset="0"/>
-              </a:rPr>
-              <a:t>modele</a:t>
-            </a:r>
-            <a:r>
-              <a:rPr lang="fr-FR" sz="1400" b="1" dirty="0">
-                <a:solidFill>
-                  <a:srgbClr val="000000"/>
-                </a:solidFill>
-                <a:latin typeface="Calibri" panose="020F0502020204030204" pitchFamily="34" charset="0"/>
-                <a:ea typeface="Calibri" panose="020F0502020204030204" pitchFamily="34" charset="0"/>
-              </a:rPr>
-              <a:t> avec ca avis et le mettre le note</a:t>
-            </a:r>
-            <a:endParaRPr lang="de-DE" sz="1400" b="1" dirty="0">
-              <a:solidFill>
-                <a:srgbClr val="000000"/>
-              </a:solidFill>
-              <a:effectLst/>
-              <a:latin typeface="Calibri" panose="020F0502020204030204" pitchFamily="34" charset="0"/>
-              <a:ea typeface="Calibri" panose="020F0502020204030204" pitchFamily="34" charset="0"/>
-            </a:endParaRPr>
-          </a:p>
-          <a:p>
-            <a:pPr lvl="6"/>
-            <a:r>
-              <a:rPr lang="fr-FR" sz="1400" b="1" dirty="0"/>
-              <a:t>      Liste d’achat</a:t>
-            </a:r>
-            <a:r>
-              <a:rPr lang="fr-FR" dirty="0"/>
-              <a:t> </a:t>
-            </a:r>
-            <a:r>
-              <a:rPr lang="fr-FR" sz="1400" b="1" dirty="0"/>
-              <a:t>des voitures.</a:t>
+              <a:t> (design)</a:t>
             </a:r>
           </a:p>
           <a:p>
@@ -13070,7 +12719,7 @@
 </p:sld>
 </file>
 
-<file path=ppt/slides/slide23.xml><?xml version="1.0" encoding="utf-8"?>
+<file path=ppt/slides/slide22.xml><?xml version="1.0" encoding="utf-8"?>
 <p:sld xmlns:a="http://schemas.openxmlformats.org/drawingml/2006/main" xmlns:r="http://schemas.openxmlformats.org/officeDocument/2006/relationships" xmlns:p="http://schemas.openxmlformats.org/presentationml/2006/main">
   <p:cSld>
     <p:spTree>
@@ -13101,8 +12750,8 @@
         </p:nvSpPr>
         <p:spPr>
           <a:xfrm>
-            <a:off x="2728913" y="1791949"/>
-            <a:ext cx="6097904" cy="3636380"/>
+            <a:off x="432522" y="254093"/>
+            <a:ext cx="11568978" cy="5184496"/>
           </a:xfrm>
           <a:prstGeom prst="rect">
             <a:avLst/>
@@ -13115,7 +12764,7 @@
           </a:bodyPr>
           <a:lstStyle/>
           <a:p>
-            <a:pPr marL="342900" lvl="0" indent="-342900" algn="ctr">
+            <a:pPr marL="342900" lvl="0" indent="-342900">
               <a:lnSpc>
                 <a:spcPct val="107000"/>
               </a:lnSpc>
@@ -13136,6 +12785,35 @@
               </a:rPr>
               <a:t>Conclusion</a:t>
             </a:r>
+          </a:p>
+          <a:p>
+            <a:pPr marL="342900" lvl="0" indent="-342900">
+              <a:lnSpc>
+                <a:spcPct val="107000"/>
+              </a:lnSpc>
+              <a:spcAft>
+                <a:spcPts val="880"/>
+              </a:spcAft>
+              <a:buFont typeface="Wingdings" panose="05000000000000000000" pitchFamily="2" charset="2"/>
+              <a:buChar char="v"/>
+            </a:pPr>
+            <a:endParaRPr lang="fr-FR" sz="4000" b="1" kern="0" dirty="0">
+              <a:solidFill>
+                <a:srgbClr val="000000"/>
+              </a:solidFill>
+              <a:latin typeface="Calibri" panose="020F0502020204030204" pitchFamily="34" charset="0"/>
+              <a:ea typeface="Calibri" panose="020F0502020204030204" pitchFamily="34" charset="0"/>
+            </a:endParaRPr>
+          </a:p>
+          <a:p>
+            <a:pPr lvl="0">
+              <a:lnSpc>
+                <a:spcPct val="107000"/>
+              </a:lnSpc>
+              <a:spcAft>
+                <a:spcPts val="880"/>
+              </a:spcAft>
+            </a:pPr>
             <a:endParaRPr lang="de-DE" sz="4000" b="1" kern="0" dirty="0">
               <a:solidFill>
                 <a:srgbClr val="000000"/>
@@ -13146,7 +12824,6 @@
             </a:endParaRPr>
           </a:p>
           <a:p>
-            <a:pPr algn="ctr"/>
             <a:r>
               <a:rPr lang="fr-FR" dirty="0">
                 <a:solidFill>
@@ -13156,7 +12833,84 @@
                 <a:latin typeface="Calibri" panose="020F0502020204030204" pitchFamily="34" charset="0"/>
                 <a:ea typeface="Calibri" panose="020F0502020204030204" pitchFamily="34" charset="0"/>
               </a:rPr>
-              <a:t>  Ces sept mois de cette formation et le moment de mon étudie ici chez Elan était passée très vite vraiment et c’est amusant, Je suis passé par des moments de doutes et des moments d’euphorie quand une fonctionnalité s’affichait comme prévu. Il reste beaucoup de choses à faire et à améliorer. Ce projet et cette formation ont validés que je veux continuer dans ce domaine. Et bien sûr découvrir en plus et aussi je veux apprendre plus en plus tous   les   jours, en mettant en application ses connaissances et les confronter aux exigences de la réalité du </a:t>
+              <a:t>Ces sept mois de cette formation et le moment de mon étudie ici chez Elan était passée très vite vraiment et c’est amusant</a:t>
+            </a:r>
+            <a:r>
+              <a:rPr lang="fr-FR" dirty="0">
+                <a:solidFill>
+                  <a:srgbClr val="000000"/>
+                </a:solidFill>
+                <a:latin typeface="Calibri" panose="020F0502020204030204" pitchFamily="34" charset="0"/>
+                <a:ea typeface="Calibri" panose="020F0502020204030204" pitchFamily="34" charset="0"/>
+              </a:rPr>
+              <a:t>.</a:t>
+            </a:r>
+          </a:p>
+          <a:p>
+            <a:endParaRPr lang="fr-FR" dirty="0">
+              <a:solidFill>
+                <a:srgbClr val="000000"/>
+              </a:solidFill>
+              <a:effectLst/>
+              <a:latin typeface="Calibri" panose="020F0502020204030204" pitchFamily="34" charset="0"/>
+              <a:ea typeface="Calibri" panose="020F0502020204030204" pitchFamily="34" charset="0"/>
+            </a:endParaRPr>
+          </a:p>
+          <a:p>
+            <a:r>
+              <a:rPr lang="fr-FR" dirty="0">
+                <a:solidFill>
+                  <a:srgbClr val="000000"/>
+                </a:solidFill>
+                <a:effectLst/>
+                <a:latin typeface="Calibri" panose="020F0502020204030204" pitchFamily="34" charset="0"/>
+                <a:ea typeface="Calibri" panose="020F0502020204030204" pitchFamily="34" charset="0"/>
+              </a:rPr>
+              <a:t>Je suis passé par des moments de doutes et des moments d’euphorie quand une fonctionnalité s’affichait comme prévu. Il reste beaucoup de choses à faire et à améliorer. </a:t>
+            </a:r>
+          </a:p>
+          <a:p>
+            <a:endParaRPr lang="fr-FR" dirty="0">
+              <a:solidFill>
+                <a:srgbClr val="000000"/>
+              </a:solidFill>
+              <a:latin typeface="Calibri" panose="020F0502020204030204" pitchFamily="34" charset="0"/>
+              <a:ea typeface="Calibri" panose="020F0502020204030204" pitchFamily="34" charset="0"/>
+            </a:endParaRPr>
+          </a:p>
+          <a:p>
+            <a:r>
+              <a:rPr lang="fr-FR" dirty="0">
+                <a:solidFill>
+                  <a:srgbClr val="000000"/>
+                </a:solidFill>
+                <a:effectLst/>
+                <a:latin typeface="Calibri" panose="020F0502020204030204" pitchFamily="34" charset="0"/>
+                <a:ea typeface="Calibri" panose="020F0502020204030204" pitchFamily="34" charset="0"/>
+              </a:rPr>
+              <a:t>Ce projet et cette formation ont confirmé que je veux continuer dans ce domaine. </a:t>
+            </a:r>
+          </a:p>
+          <a:p>
+            <a:endParaRPr lang="fr-FR" dirty="0">
+              <a:solidFill>
+                <a:srgbClr val="000000"/>
+              </a:solidFill>
+              <a:latin typeface="Calibri" panose="020F0502020204030204" pitchFamily="34" charset="0"/>
+              <a:ea typeface="Calibri" panose="020F0502020204030204" pitchFamily="34" charset="0"/>
+            </a:endParaRPr>
+          </a:p>
+          <a:p>
+            <a:r>
+              <a:rPr lang="fr-FR" dirty="0">
+                <a:solidFill>
+                  <a:srgbClr val="000000"/>
+                </a:solidFill>
+                <a:effectLst/>
+                <a:latin typeface="Calibri" panose="020F0502020204030204" pitchFamily="34" charset="0"/>
+                <a:ea typeface="Calibri" panose="020F0502020204030204" pitchFamily="34" charset="0"/>
+              </a:rPr>
+              <a:t>Et bien sûr en découvrir de plus en plus, en mettant en application mes connaissances et les confronter aux exigences de la réalité du métier.</a:t>
             </a:r>
             <a:endParaRPr lang="de-DE" dirty="0"/>
           </a:p>
@@ -13251,7 +13005,7 @@
                                         <p:tgtEl>
                                           <p:spTgt spid="3">
                                             <p:txEl>
-                                              <p:pRg st="1" end="1"/>
+                                              <p:pRg st="3" end="3"/>
                                             </p:txEl>
                                           </p:spTgt>
                                         </p:tgtEl>
@@ -13269,7 +13023,136 @@
                                         <p:tgtEl>
                                           <p:spTgt spid="3">
                                             <p:txEl>
-                                              <p:pRg st="1" end="1"/>
+                                              <p:pRg st="3" end="3"/>
+                                            </p:txEl>
+                                          </p:spTgt>
+                                        </p:tgtEl>
+                                      </p:cBhvr>
+                                    </p:animEffect>
+                                  </p:childTnLst>
+                                </p:cTn>
+                              </p:par>
+                              <p:par>
+                                <p:cTn id="11" presetID="6" presetClass="entr" presetSubtype="16" fill="hold" nodeType="withEffect">
+                                  <p:stCondLst>
+                                    <p:cond delay="0"/>
+                                  </p:stCondLst>
+                                  <p:childTnLst>
+                                    <p:set>
+                                      <p:cBhvr>
+                                        <p:cTn id="12" dur="1" fill="hold">
+                                          <p:stCondLst>
+                                            <p:cond delay="0"/>
+                                          </p:stCondLst>
+                                        </p:cTn>
+                                        <p:tgtEl>
+                                          <p:spTgt spid="3">
+                                            <p:txEl>
+                                              <p:pRg st="5" end="5"/>
+                                            </p:txEl>
+                                          </p:spTgt>
+                                        </p:tgtEl>
+                                        <p:attrNameLst>
+                                          <p:attrName>style.visibility</p:attrName>
+                                        </p:attrNameLst>
+                                      </p:cBhvr>
+                                      <p:to>
+                                        <p:strVal val="visible"/>
+                                      </p:to>
+                                    </p:set>
+                                    <p:animEffect transition="in" filter="circle(in)">
+                                      <p:cBhvr>
+                                        <p:cTn id="13" dur="2000"/>
+                                        <p:tgtEl>
+                                          <p:spTgt spid="3">
+                                            <p:txEl>
+                                              <p:pRg st="5" end="5"/>
+                                            </p:txEl>
+                                          </p:spTgt>
+                                        </p:tgtEl>
+                                      </p:cBhvr>
+                                    </p:animEffect>
+                                  </p:childTnLst>
+                                </p:cTn>
+                              </p:par>
+                              <p:par>
+                                <p:cTn id="14" presetID="6" presetClass="entr" presetSubtype="16" fill="hold" nodeType="withEffect">
+                                  <p:stCondLst>
+                                    <p:cond delay="0"/>
+                                  </p:stCondLst>
+                                  <p:childTnLst>
+                                    <p:set>
+                                      <p:cBhvr>
+                                        <p:cTn id="15" dur="1" fill="hold">
+                                          <p:stCondLst>
+                                            <p:cond delay="0"/>
+                                          </p:stCondLst>
+                                        </p:cTn>
+                                        <p:tgtEl>
+                                          <p:spTgt spid="3">
+                                            <p:txEl>
+                                              <p:pRg st="7" end="7"/>
+                                            </p:txEl>
+                                          </p:spTgt>
+                                        </p:tgtEl>
+                                        <p:attrNameLst>
+                                          <p:attrName>style.visibility</p:attrName>
+                                        </p:attrNameLst>
+                                      </p:cBhvr>
+                                      <p:to>
+                                        <p:strVal val="visible"/>
+                                      </p:to>
+                                    </p:set>
+                                    <p:animEffect transition="in" filter="circle(in)">
+                                      <p:cBhvr>
+                                        <p:cTn id="16" dur="2000"/>
+                                        <p:tgtEl>
+                                          <p:spTgt spid="3">
+                                            <p:txEl>
+                                              <p:pRg st="7" end="7"/>
+                                            </p:txEl>
+                                          </p:spTgt>
+                                        </p:tgtEl>
+                                      </p:cBhvr>
+                                    </p:animEffect>
+                                  </p:childTnLst>
+                                </p:cTn>
+                              </p:par>
+                              <p:par>
+                                <p:cTn id="17" presetID="6" presetClass="entr" presetSubtype="16" fill="hold" nodeType="withEffect">
+                                  <p:stCondLst>
+                                    <p:cond delay="0"/>
+                                  </p:stCondLst>
+                                  <p:childTnLst>
+                                    <p:set>
+                                      <p:cBhvr>
+                                        <p:cTn id="18" dur="1" fill="hold">
+                                          <p:stCondLst>
+                                            <p:cond delay="0"/>
+                                          </p:stCondLst>
+                                        </p:cTn>
+                                        <p:tgtEl>
+                                          <p:spTgt spid="3">
+                                            <p:txEl>
+                                              <p:pRg st="9" end="9"/>
+                                            </p:txEl>
+                                          </p:spTgt>
+                                        </p:tgtEl>
+                                        <p:attrNameLst>
+                                          <p:attrName>style.visibility</p:attrName>
+                                        </p:attrNameLst>
+                                      </p:cBhvr>
+                                      <p:to>
+                                        <p:strVal val="visible"/>
+                                      </p:to>
+                                    </p:set>
+                                    <p:animEffect transition="in" filter="circle(in)">
+                                      <p:cBhvr>
+                                        <p:cTn id="19" dur="2000"/>
+                                        <p:tgtEl>
+                                          <p:spTgt spid="3">
+                                            <p:txEl>
+                                              <p:pRg st="9" end="9"/>
                                             </p:txEl>
                                           </p:spTgt>
                                         </p:tgtEl>
@@ -13341,7 +13224,7 @@
         <p:spPr>
           <a:xfrm>
             <a:off x="792125" y="1743739"/>
-            <a:ext cx="10733568" cy="2920158"/>
+            <a:ext cx="10733568" cy="2461571"/>
           </a:xfrm>
           <a:prstGeom prst="rect">
             <a:avLst/>
@@ -13373,7 +13256,7 @@
                 <a:latin typeface="Calibri" panose="020F0502020204030204" pitchFamily="34" charset="0"/>
                 <a:ea typeface="Calibri" panose="020F0502020204030204" pitchFamily="34" charset="0"/>
               </a:rPr>
-              <a:t>Introduction de projet</a:t>
+              <a:t>Introduction du projet</a:t>
             </a:r>
             <a:endParaRPr lang="de-DE" sz="1800" b="1" kern="0" dirty="0">
               <a:solidFill>
@@ -13402,7 +13285,28 @@
                 <a:latin typeface="Calibri" panose="020F0502020204030204" pitchFamily="34" charset="0"/>
                 <a:ea typeface="Calibri" panose="020F0502020204030204" pitchFamily="34" charset="0"/>
               </a:rPr>
-              <a:t>Ce projet permet de insère la voiture, le marque et le modèle par le client qu’il va inscrite déjà pour être connecté sur le site</a:t>
+              <a:t>Ce projet permet d’ajouter des voitures, des marques et des modèles </a:t>
+            </a:r>
+            <a:r>
+              <a:rPr lang="fr-FR" dirty="0">
+                <a:solidFill>
+                  <a:srgbClr val="000000"/>
+                </a:solidFill>
+                <a:latin typeface="Calibri" panose="020F0502020204030204" pitchFamily="34" charset="0"/>
+                <a:ea typeface="Calibri" panose="020F0502020204030204" pitchFamily="34" charset="0"/>
+              </a:rPr>
+              <a:t>à l’initiative des utilisateurs,</a:t>
+            </a:r>
+            <a:r>
+              <a:rPr lang="fr-FR" sz="1800" dirty="0">
+                <a:solidFill>
+                  <a:srgbClr val="000000"/>
+                </a:solidFill>
+                <a:effectLst/>
+                <a:latin typeface="Calibri" panose="020F0502020204030204" pitchFamily="34" charset="0"/>
+                <a:ea typeface="Calibri" panose="020F0502020204030204" pitchFamily="34" charset="0"/>
+              </a:rPr>
+              <a:t> utilisateurs qui devront être inscrits en base de données et authentifiés.</a:t>
             </a:r>
             <a:endParaRPr lang="de-DE" sz="1800" dirty="0">
               <a:solidFill>
@@ -13431,7 +13335,7 @@
                 <a:latin typeface="Calibri" panose="020F0502020204030204" pitchFamily="34" charset="0"/>
                 <a:ea typeface="Calibri" panose="020F0502020204030204" pitchFamily="34" charset="0"/>
               </a:rPr>
-              <a:t> À la suite, </a:t>
+              <a:t>Ensuite, le site permet aux utilisateurs de laisser des avis sur les modèles des voitures.</a:t>
             </a:r>
             <a:endParaRPr lang="de-DE" sz="1800" dirty="0">
               <a:solidFill>
@@ -13460,36 +13364,7 @@
                 <a:latin typeface="Calibri" panose="020F0502020204030204" pitchFamily="34" charset="0"/>
                 <a:ea typeface="Calibri" panose="020F0502020204030204" pitchFamily="34" charset="0"/>
               </a:rPr>
-              <a:t>Le site se permette de mettre l’information des voitures avec une avis,</a:t>
-            </a:r>
-            <a:endParaRPr lang="de-DE" sz="1800" dirty="0">
-              <a:solidFill>
-                <a:srgbClr val="000000"/>
-              </a:solidFill>
-              <a:effectLst/>
-              <a:latin typeface="Calibri" panose="020F0502020204030204" pitchFamily="34" charset="0"/>
-              <a:ea typeface="Calibri" panose="020F0502020204030204" pitchFamily="34" charset="0"/>
-            </a:endParaRPr>
-          </a:p>
-          <a:p>
-            <a:pPr marL="6350" marR="213995" indent="-6350" algn="just">
-              <a:lnSpc>
-                <a:spcPct val="110000"/>
-              </a:lnSpc>
-              <a:spcAft>
-                <a:spcPts val="1190"/>
-              </a:spcAft>
-            </a:pPr>
-            <a:r>
-              <a:rPr lang="fr-FR" sz="1800" dirty="0">
-                <a:solidFill>
-                  <a:srgbClr val="000000"/>
-                </a:solidFill>
-                <a:effectLst/>
-                <a:latin typeface="Calibri" panose="020F0502020204030204" pitchFamily="34" charset="0"/>
-                <a:ea typeface="Calibri" panose="020F0502020204030204" pitchFamily="34" charset="0"/>
-              </a:rPr>
-              <a:t>On peut voir les autres voitures en ligne avec son avis aussi.</a:t>
+              <a:t>Tout ceci sera consultable en ligne via l’interface du site.</a:t>
             </a:r>
             <a:endParaRPr lang="de-DE" sz="1800" dirty="0">
               <a:solidFill>
@@ -13900,103 +13775,6 @@
                                           <p:spTgt spid="2">
                                             <p:txEl>
                                               <p:pRg st="3" end="3"/>
-                                            </p:txEl>
-                                          </p:spTgt>
-                                        </p:tgtEl>
-                                        <p:attrNameLst>
-                                          <p:attrName>ppt_y</p:attrName>
-                                        </p:attrNameLst>
-                                      </p:cBhvr>
-                                      <p:tavLst>
-                                        <p:tav tm="0">
-                                          <p:val>
-                                            <p:strVal val="#ppt_y+.1"/>
-                                          </p:val>
-                                        </p:tav>
-                                        <p:tav tm="100000">
-                                          <p:val>
-                                            <p:strVal val="#ppt_y"/>
-                                          </p:val>
-                                        </p:tav>
-                                      </p:tavLst>
-                                    </p:anim>
-                                  </p:childTnLst>
-                                </p:cTn>
-                              </p:par>
-                              <p:par>
-                                <p:cTn id="25" presetID="42" presetClass="entr" presetSubtype="0" fill="hold" nodeType="withEffect">
-                                  <p:stCondLst>
-                                    <p:cond delay="0"/>
-                                  </p:stCondLst>
-                                  <p:childTnLst>
-                                    <p:set>
-                                      <p:cBhvr>
-                                        <p:cTn id="26" dur="1" fill="hold">
-                                          <p:stCondLst>
-                                            <p:cond delay="0"/>
-                                          </p:stCondLst>
-                                        </p:cTn>
-                                        <p:tgtEl>
-                                          <p:spTgt spid="2">
-                                            <p:txEl>
-                                              <p:pRg st="4" end="4"/>
-                                            </p:txEl>
-                                          </p:spTgt>
-                                        </p:tgtEl>
-                                        <p:attrNameLst>
-                                          <p:attrName>style.visibility</p:attrName>
-                                        </p:attrNameLst>
-                                      </p:cBhvr>
-                                      <p:to>
-                                        <p:strVal val="visible"/>
-                                      </p:to>
-                                    </p:set>
-                                    <p:animEffect transition="in" filter="fade">
-                                      <p:cBhvr>
-                                        <p:cTn id="27" dur="1000"/>
-                                        <p:tgtEl>
-                                          <p:spTgt spid="2">
-                                            <p:txEl>
-                                              <p:pRg st="4" end="4"/>
-                                            </p:txEl>
-                                          </p:spTgt>
-                                        </p:tgtEl>
-                                      </p:cBhvr>
-                                    </p:animEffect>
-                                    <p:anim calcmode="lin" valueType="num">
-                                      <p:cBhvr>
-                                        <p:cTn id="28" dur="1000" fill="hold"/>
-                                        <p:tgtEl>
-                                          <p:spTgt spid="2">
-                                            <p:txEl>
-                                              <p:pRg st="4" end="4"/>
-                                            </p:txEl>
-                                          </p:spTgt>
-                                        </p:tgtEl>
-                                        <p:attrNameLst>
-                                          <p:attrName>ppt_x</p:attrName>
-                                        </p:attrNameLst>
-                                      </p:cBhvr>
-                                      <p:tavLst>
-                                        <p:tav tm="0">
-                                          <p:val>
-                                            <p:strVal val="#ppt_x"/>
-                                          </p:val>
-                                        </p:tav>
-                                        <p:tav tm="100000">
-                                          <p:val>
-                                            <p:strVal val="#ppt_x"/>
-                                          </p:val>
-                                        </p:tav>
-                                      </p:tavLst>
-                                    </p:anim>
-                                    <p:anim calcmode="lin" valueType="num">
-                                      <p:cBhvr>
-                                        <p:cTn id="29" dur="1000" fill="hold"/>
-                                        <p:tgtEl>
-                                          <p:spTgt spid="2">
-                                            <p:txEl>
-                                              <p:pRg st="4" end="4"/>
                                             </p:txEl>
                                           </p:spTgt>
                                         </p:tgtEl>
@@ -14083,7 +13861,7 @@
         <p:spPr>
           <a:xfrm>
             <a:off x="893137" y="1382232"/>
-            <a:ext cx="3593804" cy="375552"/>
+            <a:ext cx="3593804" cy="671915"/>
           </a:xfrm>
           <a:prstGeom prst="rect">
             <a:avLst/>
@@ -14115,29 +13893,7 @@
                 <a:latin typeface="Calibri" panose="020F0502020204030204" pitchFamily="34" charset="0"/>
                 <a:ea typeface="Calibri" panose="020F0502020204030204" pitchFamily="34" charset="0"/>
               </a:rPr>
-              <a:t>Les </a:t>
-            </a:r>
-            <a:r>
-              <a:rPr lang="fr-FR" sz="1800" b="1" kern="0" dirty="0" err="1">
-                <a:solidFill>
-                  <a:srgbClr val="000000"/>
-                </a:solidFill>
-                <a:effectLst/>
-                <a:latin typeface="Calibri" panose="020F0502020204030204" pitchFamily="34" charset="0"/>
-                <a:ea typeface="Calibri" panose="020F0502020204030204" pitchFamily="34" charset="0"/>
-              </a:rPr>
-              <a:t>Application&amp;Langues</a:t>
-            </a:r>
-            <a:r>
-              <a:rPr lang="fr-FR" sz="1800" b="1" kern="0" dirty="0">
-                <a:solidFill>
-                  <a:srgbClr val="000000"/>
-                </a:solidFill>
-                <a:effectLst/>
-                <a:latin typeface="Calibri" panose="020F0502020204030204" pitchFamily="34" charset="0"/>
-                <a:ea typeface="Calibri" panose="020F0502020204030204" pitchFamily="34" charset="0"/>
-              </a:rPr>
-              <a:t> Utiliser</a:t>
+              <a:t>Les applications et langages utilisés</a:t>
             </a:r>
             <a:endParaRPr lang="de-DE" sz="1800" b="1" kern="0" dirty="0">
               <a:solidFill>
@@ -16671,7 +16427,7 @@
         <p:spPr>
           <a:xfrm>
             <a:off x="1610123" y="1244009"/>
-            <a:ext cx="1544012" cy="369332"/>
+            <a:ext cx="1329210" cy="369332"/>
           </a:xfrm>
           <a:prstGeom prst="rect">
             <a:avLst/>
@@ -16690,7 +16446,7 @@
             </a:pPr>
             <a:r>
               <a:rPr lang="de-DE" dirty="0"/>
-              <a:t>Mon MCD</a:t>
+              <a:t>Le MCD</a:t>
             </a:r>
           </a:p>
         </p:txBody>
@@ -16710,7 +16466,7 @@
           <p:nvPr/>
         </p:nvPicPr>
         <p:blipFill>
-          <a:blip r:embed="rId2"/>
+          <a:blip r:embed="rId3"/>
           <a:stretch>
             <a:fillRect/>
           </a:stretch>
@@ -17168,10 +16924,10 @@
       </p:sp>
       <p:pic>
         <p:nvPicPr>
-          <p:cNvPr id="7" name="Image 6">
+          <p:cNvPr id="4" name="Image 3">
             <a:extLst>
               <a:ext uri="{FF2B5EF4-FFF2-40B4-BE49-F238E27FC236}">
-                <a16:creationId xmlns:a16="http://schemas.microsoft.com/office/drawing/2014/main" id="{AF15E67E-F5BF-4C22-A14B-A1B6298BC8BA}"/>
+                <a16:creationId xmlns:a16="http://schemas.microsoft.com/office/drawing/2014/main" id="{63580882-6C2A-4342-875F-A090CAE7A438}"/>
               </a:ext>
             </a:extLst>
           </p:cNvPr>
@@ -17188,8 +16944,8 @@
         </p:blipFill>
         <p:spPr>
           <a:xfrm>
-            <a:off x="1109285" y="3197663"/>
-            <a:ext cx="9389382" cy="2954867"/>
+            <a:off x="1388533" y="3064932"/>
+            <a:ext cx="9110134" cy="3031067"/>
           </a:xfrm>
           <a:prstGeom prst="rect">
             <a:avLst/>

--- a/Mon PROJET APPLICATION WEB.pptx
+++ b/Mon PROJET APPLICATION WEB.pptx
@@ -8815,36 +8815,6 @@
           <a:chExt cx="0" cy="0"/>
         </a:xfrm>
       </p:grpSpPr>
-      <p:pic>
-        <p:nvPicPr>
-          <p:cNvPr id="5" name="Image 4">
-            <a:extLst>
-              <a:ext uri="{FF2B5EF4-FFF2-40B4-BE49-F238E27FC236}">
-                <a16:creationId xmlns:a16="http://schemas.microsoft.com/office/drawing/2014/main" id="{42B0C0D5-28C1-416C-A81C-FDCD195AF1E4}"/>
-              </a:ext>
-            </a:extLst>
-          </p:cNvPr>
-          <p:cNvPicPr>
-            <a:picLocks noChangeAspect="1"/>
-          </p:cNvPicPr>
-          <p:nvPr/>
-        </p:nvPicPr>
-        <p:blipFill>
-          <a:blip r:embed="rId3"/>
-          <a:stretch>
-            <a:fillRect/>
-          </a:stretch>
-        </p:blipFill>
-        <p:spPr>
-          <a:xfrm>
-            <a:off x="654769" y="1485648"/>
-            <a:ext cx="10695221" cy="4869684"/>
-          </a:xfrm>
-          <a:prstGeom prst="rect">
-            <a:avLst/>
-          </a:prstGeom>
-        </p:spPr>
-      </p:pic>
       <p:sp>
         <p:nvSpPr>
           <p:cNvPr id="6" name="ZoneTexte 5">
@@ -8903,6 +8873,36 @@
           </a:p>
         </p:txBody>
       </p:sp>
+      <p:pic>
+        <p:nvPicPr>
+          <p:cNvPr id="3" name="Image 2">
+            <a:extLst>
+              <a:ext uri="{FF2B5EF4-FFF2-40B4-BE49-F238E27FC236}">
+                <a16:creationId xmlns:a16="http://schemas.microsoft.com/office/drawing/2014/main" id="{A37E44F5-0A5D-4CB8-BEA4-C59BD591E353}"/>
+              </a:ext>
+            </a:extLst>
+          </p:cNvPr>
+          <p:cNvPicPr>
+            <a:picLocks noChangeAspect="1"/>
+          </p:cNvPicPr>
+          <p:nvPr/>
+        </p:nvPicPr>
+        <p:blipFill>
+          <a:blip r:embed="rId3"/>
+          <a:stretch>
+            <a:fillRect/>
+          </a:stretch>
+        </p:blipFill>
+        <p:spPr>
+          <a:xfrm>
+            <a:off x="489802" y="1470717"/>
+            <a:ext cx="10938337" cy="4884615"/>
+          </a:xfrm>
+          <a:prstGeom prst="rect">
+            <a:avLst/>
+          </a:prstGeom>
+        </p:spPr>
+      </p:pic>
     </p:spTree>
     <p:extLst>
       <p:ext uri="{BB962C8B-B14F-4D97-AF65-F5344CB8AC3E}">
@@ -8934,7 +8934,7 @@
                             </p:stCondLst>
                             <p:childTnLst>
                               <p:par>
-                                <p:cTn id="5" presetID="42" presetClass="entr" presetSubtype="0" fill="hold" nodeType="clickEffect">
+                                <p:cTn id="5" presetID="2" presetClass="entr" presetSubtype="4" fill="hold" nodeType="clickEffect">
                                   <p:stCondLst>
                                     <p:cond delay="0"/>
                                   </p:stCondLst>
@@ -8947,7 +8947,7 @@
                                           </p:stCondLst>
                                         </p:cTn>
                                         <p:tgtEl>
-                                          <p:spTgt spid="5"/>
+                                          <p:spTgt spid="3"/>
                                         </p:tgtEl>
                                         <p:attrNameLst>
                                           <p:attrName>style.visibility</p:attrName>
@@ -8957,19 +8957,11 @@
                                         <p:strVal val="visible"/>
                                       </p:to>
                                     </p:set>
-                                    <p:animEffect transition="in" filter="fade">
-                                      <p:cBhvr>
-                                        <p:cTn id="7" dur="1000"/>
-                                        <p:tgtEl>
-                                          <p:spTgt spid="5"/>
-                                        </p:tgtEl>
-                                      </p:cBhvr>
-                                    </p:animEffect>
                                     <p:anim calcmode="lin" valueType="num">
-                                      <p:cBhvr>
-                                        <p:cTn id="8" dur="1000" fill="hold"/>
-                                        <p:tgtEl>
-                                          <p:spTgt spid="5"/>
+                                      <p:cBhvr additive="base">
+                                        <p:cTn id="7" dur="500" fill="hold"/>
+                                        <p:tgtEl>
+                                          <p:spTgt spid="3"/>
                                         </p:tgtEl>
                                         <p:attrNameLst>
                                           <p:attrName>ppt_x</p:attrName>
@@ -8989,10 +8981,10 @@
                                       </p:tavLst>
                                     </p:anim>
                                     <p:anim calcmode="lin" valueType="num">
-                                      <p:cBhvr>
-                                        <p:cTn id="9" dur="1000" fill="hold"/>
-                                        <p:tgtEl>
-                                          <p:spTgt spid="5"/>
+                                      <p:cBhvr additive="base">
+                                        <p:cTn id="8" dur="500" fill="hold"/>
+                                        <p:tgtEl>
+                                          <p:spTgt spid="3"/>
                                         </p:tgtEl>
                                         <p:attrNameLst>
                                           <p:attrName>ppt_y</p:attrName>
@@ -9001,7 +8993,7 @@
                                       <p:tavLst>
                                         <p:tav tm="0">
                                           <p:val>
-                                            <p:strVal val="#ppt_y+.1"/>
+                                            <p:strVal val="1+#ppt_h/2"/>
                                           </p:val>
                                         </p:tav>
                                         <p:tav tm="100000">
@@ -17490,15 +17482,6 @@
 </file>
 
 <file path=customXml/item1.xml><?xml version="1.0" encoding="utf-8"?>
-<?mso-contentType ?>
-<FormTemplates xmlns="http://schemas.microsoft.com/sharepoint/v3/contenttype/forms">
-  <Display>DocumentLibraryForm</Display>
-  <Edit>DocumentLibraryForm</Edit>
-  <New>DocumentLibraryForm</New>
-</FormTemplates>
-</file>
-
-<file path=customXml/item2.xml><?xml version="1.0" encoding="utf-8"?>
 <ct:contentTypeSchema xmlns:ct="http://schemas.microsoft.com/office/2006/metadata/contentType" xmlns:ma="http://schemas.microsoft.com/office/2006/metadata/properties/metaAttributes" ct:_="" ma:_="" ma:contentTypeName="Document" ma:contentTypeID="0x0101004B076D664025F94DBE74A7DD449068EF" ma:contentTypeVersion="9" ma:contentTypeDescription="Crée un document." ma:contentTypeScope="" ma:versionID="7e011e8d244707bb239f76b18ee9f662">
   <xsd:schema xmlns:xsd="http://www.w3.org/2001/XMLSchema" xmlns:xs="http://www.w3.org/2001/XMLSchema" xmlns:p="http://schemas.microsoft.com/office/2006/metadata/properties" xmlns:ns3="f97471d7-13f3-48bc-b0f0-139be7c1c86d" xmlns:ns4="a68c6f98-0b28-4496-a534-885f0ed8fc85" targetNamespace="http://schemas.microsoft.com/office/2006/metadata/properties" ma:root="true" ma:fieldsID="737a93fbc676335cbaae0e0a48a3fbc1" ns3:_="" ns4:_="">
     <xsd:import namespace="f97471d7-13f3-48bc-b0f0-139be7c1c86d"/>
@@ -17695,6 +17678,15 @@
 </ct:contentTypeSchema>
 </file>
 
+<file path=customXml/item2.xml><?xml version="1.0" encoding="utf-8"?>
+<?mso-contentType ?>
+<FormTemplates xmlns="http://schemas.microsoft.com/sharepoint/v3/contenttype/forms">
+  <Display>DocumentLibraryForm</Display>
+  <Edit>DocumentLibraryForm</Edit>
+  <New>DocumentLibraryForm</New>
+</FormTemplates>
+</file>
+
 <file path=customXml/item3.xml><?xml version="1.0" encoding="utf-8"?>
 <p:properties xmlns:p="http://schemas.microsoft.com/office/2006/metadata/properties" xmlns:xsi="http://www.w3.org/2001/XMLSchema-instance" xmlns:pc="http://schemas.microsoft.com/office/infopath/2007/PartnerControls">
   <documentManagement/>
@@ -17702,14 +17694,6 @@
 </file>
 
 <file path=customXml/itemProps1.xml><?xml version="1.0" encoding="utf-8"?>
-<ds:datastoreItem xmlns:ds="http://schemas.openxmlformats.org/officeDocument/2006/customXml" ds:itemID="{F89839F8-F7EA-4D78-940B-B425C580110A}">
-  <ds:schemaRefs>
-    <ds:schemaRef ds:uri="http://schemas.microsoft.com/sharepoint/v3/contenttype/forms"/>
-  </ds:schemaRefs>
-</ds:datastoreItem>
-</file>
-
-<file path=customXml/itemProps2.xml><?xml version="1.0" encoding="utf-8"?>
 <ds:datastoreItem xmlns:ds="http://schemas.openxmlformats.org/officeDocument/2006/customXml" ds:itemID="{EB0F6B02-CA76-4A4A-BD8C-E531DEAA64FA}">
   <ds:schemaRefs>
     <ds:schemaRef ds:uri="http://schemas.microsoft.com/office/2006/metadata/contentType"/>
@@ -17724,6 +17708,14 @@
     <ds:schemaRef ds:uri="http://purl.org/dc/elements/1.1/"/>
     <ds:schemaRef ds:uri="http://purl.org/dc/terms/"/>
     <ds:schemaRef ds:uri="http://schemas.microsoft.com/internal/obd"/>
+  </ds:schemaRefs>
+</ds:datastoreItem>
+</file>
+
+<file path=customXml/itemProps2.xml><?xml version="1.0" encoding="utf-8"?>
+<ds:datastoreItem xmlns:ds="http://schemas.openxmlformats.org/officeDocument/2006/customXml" ds:itemID="{F89839F8-F7EA-4D78-940B-B425C580110A}">
+  <ds:schemaRefs>
+    <ds:schemaRef ds:uri="http://schemas.microsoft.com/sharepoint/v3/contenttype/forms"/>
   </ds:schemaRefs>
 </ds:datastoreItem>
 </file>
